--- a/tutorials/batman/img/figs.pptx
+++ b/tutorials/batman/img/figs.pptx
@@ -5,8 +5,8 @@
     <p:sldMasterId id="2147483648" r:id="rId1"/>
   </p:sldMasterIdLst>
   <p:sldIdLst>
-    <p:sldId id="256" r:id="rId2"/>
-    <p:sldId id="257" r:id="rId3"/>
+    <p:sldId id="257" r:id="rId2"/>
+    <p:sldId id="258" r:id="rId3"/>
   </p:sldIdLst>
   <p:sldSz cx="9144000" cy="6858000" type="screen4x3"/>
   <p:notesSz cx="6858000" cy="9144000"/>
@@ -289,7 +289,7 @@
           <a:p>
             <a:fld id="{8ADF5497-6A1C-4DF3-A496-D72932910A5B}" type="datetimeFigureOut">
               <a:rPr lang="en-GB" smtClean="0"/>
-              <a:t>05/12/2013</a:t>
+              <a:t>12/7/13</a:t>
             </a:fld>
             <a:endParaRPr lang="en-GB"/>
           </a:p>
@@ -459,7 +459,7 @@
           <a:p>
             <a:fld id="{8ADF5497-6A1C-4DF3-A496-D72932910A5B}" type="datetimeFigureOut">
               <a:rPr lang="en-GB" smtClean="0"/>
-              <a:t>05/12/2013</a:t>
+              <a:t>12/7/13</a:t>
             </a:fld>
             <a:endParaRPr lang="en-GB"/>
           </a:p>
@@ -639,7 +639,7 @@
           <a:p>
             <a:fld id="{8ADF5497-6A1C-4DF3-A496-D72932910A5B}" type="datetimeFigureOut">
               <a:rPr lang="en-GB" smtClean="0"/>
-              <a:t>05/12/2013</a:t>
+              <a:t>12/7/13</a:t>
             </a:fld>
             <a:endParaRPr lang="en-GB"/>
           </a:p>
@@ -809,7 +809,7 @@
           <a:p>
             <a:fld id="{8ADF5497-6A1C-4DF3-A496-D72932910A5B}" type="datetimeFigureOut">
               <a:rPr lang="en-GB" smtClean="0"/>
-              <a:t>05/12/2013</a:t>
+              <a:t>12/7/13</a:t>
             </a:fld>
             <a:endParaRPr lang="en-GB"/>
           </a:p>
@@ -1055,7 +1055,7 @@
           <a:p>
             <a:fld id="{8ADF5497-6A1C-4DF3-A496-D72932910A5B}" type="datetimeFigureOut">
               <a:rPr lang="en-GB" smtClean="0"/>
-              <a:t>05/12/2013</a:t>
+              <a:t>12/7/13</a:t>
             </a:fld>
             <a:endParaRPr lang="en-GB"/>
           </a:p>
@@ -1343,7 +1343,7 @@
           <a:p>
             <a:fld id="{8ADF5497-6A1C-4DF3-A496-D72932910A5B}" type="datetimeFigureOut">
               <a:rPr lang="en-GB" smtClean="0"/>
-              <a:t>05/12/2013</a:t>
+              <a:t>12/7/13</a:t>
             </a:fld>
             <a:endParaRPr lang="en-GB"/>
           </a:p>
@@ -1765,7 +1765,7 @@
           <a:p>
             <a:fld id="{8ADF5497-6A1C-4DF3-A496-D72932910A5B}" type="datetimeFigureOut">
               <a:rPr lang="en-GB" smtClean="0"/>
-              <a:t>05/12/2013</a:t>
+              <a:t>12/7/13</a:t>
             </a:fld>
             <a:endParaRPr lang="en-GB"/>
           </a:p>
@@ -1883,7 +1883,7 @@
           <a:p>
             <a:fld id="{8ADF5497-6A1C-4DF3-A496-D72932910A5B}" type="datetimeFigureOut">
               <a:rPr lang="en-GB" smtClean="0"/>
-              <a:t>05/12/2013</a:t>
+              <a:t>12/7/13</a:t>
             </a:fld>
             <a:endParaRPr lang="en-GB"/>
           </a:p>
@@ -1978,7 +1978,7 @@
           <a:p>
             <a:fld id="{8ADF5497-6A1C-4DF3-A496-D72932910A5B}" type="datetimeFigureOut">
               <a:rPr lang="en-GB" smtClean="0"/>
-              <a:t>05/12/2013</a:t>
+              <a:t>12/7/13</a:t>
             </a:fld>
             <a:endParaRPr lang="en-GB"/>
           </a:p>
@@ -2255,7 +2255,7 @@
           <a:p>
             <a:fld id="{8ADF5497-6A1C-4DF3-A496-D72932910A5B}" type="datetimeFigureOut">
               <a:rPr lang="en-GB" smtClean="0"/>
-              <a:t>05/12/2013</a:t>
+              <a:t>12/7/13</a:t>
             </a:fld>
             <a:endParaRPr lang="en-GB"/>
           </a:p>
@@ -2508,7 +2508,7 @@
           <a:p>
             <a:fld id="{8ADF5497-6A1C-4DF3-A496-D72932910A5B}" type="datetimeFigureOut">
               <a:rPr lang="en-GB" smtClean="0"/>
-              <a:t>05/12/2013</a:t>
+              <a:t>12/7/13</a:t>
             </a:fld>
             <a:endParaRPr lang="en-GB"/>
           </a:p>
@@ -2721,7 +2721,7 @@
           <a:p>
             <a:fld id="{8ADF5497-6A1C-4DF3-A496-D72932910A5B}" type="datetimeFigureOut">
               <a:rPr lang="en-GB" smtClean="0"/>
-              <a:t>05/12/2013</a:t>
+              <a:t>12/7/13</a:t>
             </a:fld>
             <a:endParaRPr lang="en-GB"/>
           </a:p>
@@ -3080,1050 +3080,6 @@
 </file>
 
 <file path=ppt/slides/slide1.xml><?xml version="1.0" encoding="utf-8"?>
-<p:sld xmlns:a="http://schemas.openxmlformats.org/drawingml/2006/main" xmlns:r="http://schemas.openxmlformats.org/officeDocument/2006/relationships" xmlns:p="http://schemas.openxmlformats.org/presentationml/2006/main">
-  <p:cSld>
-    <p:spTree>
-      <p:nvGrpSpPr>
-        <p:cNvPr id="1" name=""/>
-        <p:cNvGrpSpPr/>
-        <p:nvPr/>
-      </p:nvGrpSpPr>
-      <p:grpSpPr>
-        <a:xfrm>
-          <a:off x="0" y="0"/>
-          <a:ext cx="0" cy="0"/>
-          <a:chOff x="0" y="0"/>
-          <a:chExt cx="0" cy="0"/>
-        </a:xfrm>
-      </p:grpSpPr>
-      <p:cxnSp>
-        <p:nvCxnSpPr>
-          <p:cNvPr id="7" name="Straight Connector 6"/>
-          <p:cNvCxnSpPr/>
-          <p:nvPr/>
-        </p:nvCxnSpPr>
-        <p:spPr>
-          <a:xfrm>
-            <a:off x="971550" y="1268730"/>
-            <a:ext cx="7200900" cy="0"/>
-          </a:xfrm>
-          <a:prstGeom prst="line">
-            <a:avLst/>
-          </a:prstGeom>
-        </p:spPr>
-        <p:style>
-          <a:lnRef idx="1">
-            <a:schemeClr val="dk1"/>
-          </a:lnRef>
-          <a:fillRef idx="0">
-            <a:schemeClr val="dk1"/>
-          </a:fillRef>
-          <a:effectRef idx="0">
-            <a:schemeClr val="dk1"/>
-          </a:effectRef>
-          <a:fontRef idx="minor">
-            <a:schemeClr val="tx1"/>
-          </a:fontRef>
-        </p:style>
-      </p:cxnSp>
-      <p:cxnSp>
-        <p:nvCxnSpPr>
-          <p:cNvPr id="9" name="Straight Connector 8"/>
-          <p:cNvCxnSpPr/>
-          <p:nvPr/>
-        </p:nvCxnSpPr>
-        <p:spPr>
-          <a:xfrm flipV="1">
-            <a:off x="971550" y="908685"/>
-            <a:ext cx="0" cy="360045"/>
-          </a:xfrm>
-          <a:prstGeom prst="line">
-            <a:avLst/>
-          </a:prstGeom>
-        </p:spPr>
-        <p:style>
-          <a:lnRef idx="1">
-            <a:schemeClr val="dk1"/>
-          </a:lnRef>
-          <a:fillRef idx="0">
-            <a:schemeClr val="dk1"/>
-          </a:fillRef>
-          <a:effectRef idx="0">
-            <a:schemeClr val="dk1"/>
-          </a:effectRef>
-          <a:fontRef idx="minor">
-            <a:schemeClr val="tx1"/>
-          </a:fontRef>
-        </p:style>
-      </p:cxnSp>
-      <p:cxnSp>
-        <p:nvCxnSpPr>
-          <p:cNvPr id="10" name="Straight Connector 9"/>
-          <p:cNvCxnSpPr/>
-          <p:nvPr/>
-        </p:nvCxnSpPr>
-        <p:spPr>
-          <a:xfrm flipV="1">
-            <a:off x="7452360" y="908684"/>
-            <a:ext cx="0" cy="360045"/>
-          </a:xfrm>
-          <a:prstGeom prst="line">
-            <a:avLst/>
-          </a:prstGeom>
-        </p:spPr>
-        <p:style>
-          <a:lnRef idx="1">
-            <a:schemeClr val="dk1"/>
-          </a:lnRef>
-          <a:fillRef idx="0">
-            <a:schemeClr val="dk1"/>
-          </a:fillRef>
-          <a:effectRef idx="0">
-            <a:schemeClr val="dk1"/>
-          </a:effectRef>
-          <a:fontRef idx="minor">
-            <a:schemeClr val="tx1"/>
-          </a:fontRef>
-        </p:style>
-      </p:cxnSp>
-      <p:cxnSp>
-        <p:nvCxnSpPr>
-          <p:cNvPr id="11" name="Straight Connector 10"/>
-          <p:cNvCxnSpPr/>
-          <p:nvPr/>
-        </p:nvCxnSpPr>
-        <p:spPr>
-          <a:xfrm flipV="1">
-            <a:off x="2051685" y="908683"/>
-            <a:ext cx="0" cy="360045"/>
-          </a:xfrm>
-          <a:prstGeom prst="line">
-            <a:avLst/>
-          </a:prstGeom>
-        </p:spPr>
-        <p:style>
-          <a:lnRef idx="1">
-            <a:schemeClr val="dk1"/>
-          </a:lnRef>
-          <a:fillRef idx="0">
-            <a:schemeClr val="dk1"/>
-          </a:fillRef>
-          <a:effectRef idx="0">
-            <a:schemeClr val="dk1"/>
-          </a:effectRef>
-          <a:fontRef idx="minor">
-            <a:schemeClr val="tx1"/>
-          </a:fontRef>
-        </p:style>
-      </p:cxnSp>
-      <p:cxnSp>
-        <p:nvCxnSpPr>
-          <p:cNvPr id="12" name="Straight Connector 11"/>
-          <p:cNvCxnSpPr/>
-          <p:nvPr/>
-        </p:nvCxnSpPr>
-        <p:spPr>
-          <a:xfrm flipV="1">
-            <a:off x="3131820" y="908685"/>
-            <a:ext cx="0" cy="360045"/>
-          </a:xfrm>
-          <a:prstGeom prst="line">
-            <a:avLst/>
-          </a:prstGeom>
-        </p:spPr>
-        <p:style>
-          <a:lnRef idx="1">
-            <a:schemeClr val="dk1"/>
-          </a:lnRef>
-          <a:fillRef idx="0">
-            <a:schemeClr val="dk1"/>
-          </a:fillRef>
-          <a:effectRef idx="0">
-            <a:schemeClr val="dk1"/>
-          </a:effectRef>
-          <a:fontRef idx="minor">
-            <a:schemeClr val="tx1"/>
-          </a:fontRef>
-        </p:style>
-      </p:cxnSp>
-      <p:cxnSp>
-        <p:nvCxnSpPr>
-          <p:cNvPr id="13" name="Straight Connector 12"/>
-          <p:cNvCxnSpPr/>
-          <p:nvPr/>
-        </p:nvCxnSpPr>
-        <p:spPr>
-          <a:xfrm flipV="1">
-            <a:off x="4211955" y="908682"/>
-            <a:ext cx="0" cy="360045"/>
-          </a:xfrm>
-          <a:prstGeom prst="line">
-            <a:avLst/>
-          </a:prstGeom>
-        </p:spPr>
-        <p:style>
-          <a:lnRef idx="1">
-            <a:schemeClr val="dk1"/>
-          </a:lnRef>
-          <a:fillRef idx="0">
-            <a:schemeClr val="dk1"/>
-          </a:fillRef>
-          <a:effectRef idx="0">
-            <a:schemeClr val="dk1"/>
-          </a:effectRef>
-          <a:fontRef idx="minor">
-            <a:schemeClr val="tx1"/>
-          </a:fontRef>
-        </p:style>
-      </p:cxnSp>
-      <p:cxnSp>
-        <p:nvCxnSpPr>
-          <p:cNvPr id="14" name="Straight Connector 13"/>
-          <p:cNvCxnSpPr/>
-          <p:nvPr/>
-        </p:nvCxnSpPr>
-        <p:spPr>
-          <a:xfrm flipV="1">
-            <a:off x="5292090" y="908685"/>
-            <a:ext cx="0" cy="360045"/>
-          </a:xfrm>
-          <a:prstGeom prst="line">
-            <a:avLst/>
-          </a:prstGeom>
-        </p:spPr>
-        <p:style>
-          <a:lnRef idx="1">
-            <a:schemeClr val="dk1"/>
-          </a:lnRef>
-          <a:fillRef idx="0">
-            <a:schemeClr val="dk1"/>
-          </a:fillRef>
-          <a:effectRef idx="0">
-            <a:schemeClr val="dk1"/>
-          </a:effectRef>
-          <a:fontRef idx="minor">
-            <a:schemeClr val="tx1"/>
-          </a:fontRef>
-        </p:style>
-      </p:cxnSp>
-      <p:cxnSp>
-        <p:nvCxnSpPr>
-          <p:cNvPr id="15" name="Straight Connector 14"/>
-          <p:cNvCxnSpPr/>
-          <p:nvPr/>
-        </p:nvCxnSpPr>
-        <p:spPr>
-          <a:xfrm flipV="1">
-            <a:off x="6372225" y="908685"/>
-            <a:ext cx="0" cy="360045"/>
-          </a:xfrm>
-          <a:prstGeom prst="line">
-            <a:avLst/>
-          </a:prstGeom>
-        </p:spPr>
-        <p:style>
-          <a:lnRef idx="1">
-            <a:schemeClr val="dk1"/>
-          </a:lnRef>
-          <a:fillRef idx="0">
-            <a:schemeClr val="dk1"/>
-          </a:fillRef>
-          <a:effectRef idx="0">
-            <a:schemeClr val="dk1"/>
-          </a:effectRef>
-          <a:fontRef idx="minor">
-            <a:schemeClr val="tx1"/>
-          </a:fontRef>
-        </p:style>
-      </p:cxnSp>
-      <p:sp>
-        <p:nvSpPr>
-          <p:cNvPr id="16" name="TextBox 15"/>
-          <p:cNvSpPr txBox="1"/>
-          <p:nvPr/>
-        </p:nvSpPr>
-        <p:spPr>
-          <a:xfrm>
-            <a:off x="718115" y="576579"/>
-            <a:ext cx="506870" cy="307777"/>
-          </a:xfrm>
-          <a:prstGeom prst="rect">
-            <a:avLst/>
-          </a:prstGeom>
-          <a:noFill/>
-        </p:spPr>
-        <p:txBody>
-          <a:bodyPr wrap="none" rtlCol="0">
-            <a:spAutoFit/>
-          </a:bodyPr>
-          <a:lstStyle/>
-          <a:p>
-            <a:r>
-              <a:rPr lang="en-GB" sz="1400" dirty="0" smtClean="0"/>
-              <a:t>9:00</a:t>
-            </a:r>
-            <a:endParaRPr lang="en-GB" sz="1400" dirty="0"/>
-          </a:p>
-        </p:txBody>
-      </p:sp>
-      <p:sp>
-        <p:nvSpPr>
-          <p:cNvPr id="17" name="TextBox 16"/>
-          <p:cNvSpPr txBox="1"/>
-          <p:nvPr/>
-        </p:nvSpPr>
-        <p:spPr>
-          <a:xfrm>
-            <a:off x="1798250" y="576578"/>
-            <a:ext cx="598241" cy="307777"/>
-          </a:xfrm>
-          <a:prstGeom prst="rect">
-            <a:avLst/>
-          </a:prstGeom>
-          <a:noFill/>
-        </p:spPr>
-        <p:txBody>
-          <a:bodyPr wrap="none" rtlCol="0">
-            <a:spAutoFit/>
-          </a:bodyPr>
-          <a:lstStyle/>
-          <a:p>
-            <a:r>
-              <a:rPr lang="en-GB" sz="1400" dirty="0" smtClean="0"/>
-              <a:t>11:00</a:t>
-            </a:r>
-            <a:endParaRPr lang="en-GB" sz="1400" dirty="0"/>
-          </a:p>
-        </p:txBody>
-      </p:sp>
-      <p:sp>
-        <p:nvSpPr>
-          <p:cNvPr id="18" name="TextBox 17"/>
-          <p:cNvSpPr txBox="1"/>
-          <p:nvPr/>
-        </p:nvSpPr>
-        <p:spPr>
-          <a:xfrm>
-            <a:off x="2832699" y="576578"/>
-            <a:ext cx="598241" cy="307777"/>
-          </a:xfrm>
-          <a:prstGeom prst="rect">
-            <a:avLst/>
-          </a:prstGeom>
-          <a:noFill/>
-        </p:spPr>
-        <p:txBody>
-          <a:bodyPr wrap="none" rtlCol="0">
-            <a:spAutoFit/>
-          </a:bodyPr>
-          <a:lstStyle/>
-          <a:p>
-            <a:r>
-              <a:rPr lang="en-GB" sz="1400" dirty="0" smtClean="0"/>
-              <a:t>12:00</a:t>
-            </a:r>
-          </a:p>
-        </p:txBody>
-      </p:sp>
-      <p:sp>
-        <p:nvSpPr>
-          <p:cNvPr id="19" name="TextBox 18"/>
-          <p:cNvSpPr txBox="1"/>
-          <p:nvPr/>
-        </p:nvSpPr>
-        <p:spPr>
-          <a:xfrm>
-            <a:off x="3912834" y="576578"/>
-            <a:ext cx="598241" cy="307777"/>
-          </a:xfrm>
-          <a:prstGeom prst="rect">
-            <a:avLst/>
-          </a:prstGeom>
-          <a:noFill/>
-        </p:spPr>
-        <p:txBody>
-          <a:bodyPr wrap="none" rtlCol="0">
-            <a:spAutoFit/>
-          </a:bodyPr>
-          <a:lstStyle/>
-          <a:p>
-            <a:r>
-              <a:rPr lang="en-GB" sz="1400" dirty="0" smtClean="0"/>
-              <a:t>13:00</a:t>
-            </a:r>
-            <a:endParaRPr lang="en-GB" sz="1400" dirty="0"/>
-          </a:p>
-        </p:txBody>
-      </p:sp>
-      <p:sp>
-        <p:nvSpPr>
-          <p:cNvPr id="20" name="TextBox 19"/>
-          <p:cNvSpPr txBox="1"/>
-          <p:nvPr/>
-        </p:nvSpPr>
-        <p:spPr>
-          <a:xfrm>
-            <a:off x="4932045" y="576578"/>
-            <a:ext cx="598241" cy="307777"/>
-          </a:xfrm>
-          <a:prstGeom prst="rect">
-            <a:avLst/>
-          </a:prstGeom>
-          <a:noFill/>
-        </p:spPr>
-        <p:txBody>
-          <a:bodyPr wrap="none" rtlCol="0">
-            <a:spAutoFit/>
-          </a:bodyPr>
-          <a:lstStyle/>
-          <a:p>
-            <a:r>
-              <a:rPr lang="en-GB" sz="1400" dirty="0" smtClean="0"/>
-              <a:t>14:00</a:t>
-            </a:r>
-            <a:endParaRPr lang="en-GB" sz="1400" dirty="0"/>
-          </a:p>
-        </p:txBody>
-      </p:sp>
-      <p:sp>
-        <p:nvSpPr>
-          <p:cNvPr id="21" name="TextBox 20"/>
-          <p:cNvSpPr txBox="1"/>
-          <p:nvPr/>
-        </p:nvSpPr>
-        <p:spPr>
-          <a:xfrm>
-            <a:off x="6012180" y="576579"/>
-            <a:ext cx="598241" cy="307777"/>
-          </a:xfrm>
-          <a:prstGeom prst="rect">
-            <a:avLst/>
-          </a:prstGeom>
-          <a:noFill/>
-        </p:spPr>
-        <p:txBody>
-          <a:bodyPr wrap="none" rtlCol="0">
-            <a:spAutoFit/>
-          </a:bodyPr>
-          <a:lstStyle/>
-          <a:p>
-            <a:r>
-              <a:rPr lang="en-GB" sz="1400" dirty="0" smtClean="0"/>
-              <a:t>15:00</a:t>
-            </a:r>
-            <a:endParaRPr lang="en-GB" sz="1400" dirty="0"/>
-          </a:p>
-        </p:txBody>
-      </p:sp>
-      <p:sp>
-        <p:nvSpPr>
-          <p:cNvPr id="22" name="TextBox 21"/>
-          <p:cNvSpPr txBox="1"/>
-          <p:nvPr/>
-        </p:nvSpPr>
-        <p:spPr>
-          <a:xfrm>
-            <a:off x="7153239" y="600905"/>
-            <a:ext cx="598241" cy="307777"/>
-          </a:xfrm>
-          <a:prstGeom prst="rect">
-            <a:avLst/>
-          </a:prstGeom>
-          <a:noFill/>
-        </p:spPr>
-        <p:txBody>
-          <a:bodyPr wrap="none" rtlCol="0">
-            <a:spAutoFit/>
-          </a:bodyPr>
-          <a:lstStyle/>
-          <a:p>
-            <a:r>
-              <a:rPr lang="en-GB" sz="1400" dirty="0" smtClean="0"/>
-              <a:t>16:00</a:t>
-            </a:r>
-            <a:endParaRPr lang="en-GB" sz="1400" dirty="0"/>
-          </a:p>
-        </p:txBody>
-      </p:sp>
-      <p:cxnSp>
-        <p:nvCxnSpPr>
-          <p:cNvPr id="24" name="Straight Connector 23"/>
-          <p:cNvCxnSpPr/>
-          <p:nvPr/>
-        </p:nvCxnSpPr>
-        <p:spPr>
-          <a:xfrm flipV="1">
-            <a:off x="8171497" y="1178715"/>
-            <a:ext cx="0" cy="90012"/>
-          </a:xfrm>
-          <a:prstGeom prst="line">
-            <a:avLst/>
-          </a:prstGeom>
-        </p:spPr>
-        <p:style>
-          <a:lnRef idx="1">
-            <a:schemeClr val="dk1"/>
-          </a:lnRef>
-          <a:fillRef idx="0">
-            <a:schemeClr val="dk1"/>
-          </a:fillRef>
-          <a:effectRef idx="0">
-            <a:schemeClr val="dk1"/>
-          </a:effectRef>
-          <a:fontRef idx="minor">
-            <a:schemeClr val="tx1"/>
-          </a:fontRef>
-        </p:style>
-      </p:cxnSp>
-      <p:cxnSp>
-        <p:nvCxnSpPr>
-          <p:cNvPr id="27" name="Straight Connector 26"/>
-          <p:cNvCxnSpPr/>
-          <p:nvPr/>
-        </p:nvCxnSpPr>
-        <p:spPr>
-          <a:xfrm flipV="1">
-            <a:off x="7812405" y="1178718"/>
-            <a:ext cx="0" cy="90012"/>
-          </a:xfrm>
-          <a:prstGeom prst="line">
-            <a:avLst/>
-          </a:prstGeom>
-        </p:spPr>
-        <p:style>
-          <a:lnRef idx="1">
-            <a:schemeClr val="dk1"/>
-          </a:lnRef>
-          <a:fillRef idx="0">
-            <a:schemeClr val="dk1"/>
-          </a:fillRef>
-          <a:effectRef idx="0">
-            <a:schemeClr val="dk1"/>
-          </a:effectRef>
-          <a:fontRef idx="minor">
-            <a:schemeClr val="tx1"/>
-          </a:fontRef>
-        </p:style>
-      </p:cxnSp>
-      <p:cxnSp>
-        <p:nvCxnSpPr>
-          <p:cNvPr id="28" name="Straight Connector 27"/>
-          <p:cNvCxnSpPr/>
-          <p:nvPr/>
-        </p:nvCxnSpPr>
-        <p:spPr>
-          <a:xfrm flipV="1">
-            <a:off x="7092315" y="1178715"/>
-            <a:ext cx="0" cy="90012"/>
-          </a:xfrm>
-          <a:prstGeom prst="line">
-            <a:avLst/>
-          </a:prstGeom>
-        </p:spPr>
-        <p:style>
-          <a:lnRef idx="1">
-            <a:schemeClr val="dk1"/>
-          </a:lnRef>
-          <a:fillRef idx="0">
-            <a:schemeClr val="dk1"/>
-          </a:fillRef>
-          <a:effectRef idx="0">
-            <a:schemeClr val="dk1"/>
-          </a:effectRef>
-          <a:fontRef idx="minor">
-            <a:schemeClr val="tx1"/>
-          </a:fontRef>
-        </p:style>
-      </p:cxnSp>
-      <p:cxnSp>
-        <p:nvCxnSpPr>
-          <p:cNvPr id="29" name="Straight Connector 28"/>
-          <p:cNvCxnSpPr/>
-          <p:nvPr/>
-        </p:nvCxnSpPr>
-        <p:spPr>
-          <a:xfrm flipV="1">
-            <a:off x="6732270" y="1178715"/>
-            <a:ext cx="0" cy="90012"/>
-          </a:xfrm>
-          <a:prstGeom prst="line">
-            <a:avLst/>
-          </a:prstGeom>
-        </p:spPr>
-        <p:style>
-          <a:lnRef idx="1">
-            <a:schemeClr val="dk1"/>
-          </a:lnRef>
-          <a:fillRef idx="0">
-            <a:schemeClr val="dk1"/>
-          </a:fillRef>
-          <a:effectRef idx="0">
-            <a:schemeClr val="dk1"/>
-          </a:effectRef>
-          <a:fontRef idx="minor">
-            <a:schemeClr val="tx1"/>
-          </a:fontRef>
-        </p:style>
-      </p:cxnSp>
-      <p:cxnSp>
-        <p:nvCxnSpPr>
-          <p:cNvPr id="30" name="Straight Connector 29"/>
-          <p:cNvCxnSpPr/>
-          <p:nvPr/>
-        </p:nvCxnSpPr>
-        <p:spPr>
-          <a:xfrm flipV="1">
-            <a:off x="6012180" y="1176092"/>
-            <a:ext cx="0" cy="90012"/>
-          </a:xfrm>
-          <a:prstGeom prst="line">
-            <a:avLst/>
-          </a:prstGeom>
-        </p:spPr>
-        <p:style>
-          <a:lnRef idx="1">
-            <a:schemeClr val="dk1"/>
-          </a:lnRef>
-          <a:fillRef idx="0">
-            <a:schemeClr val="dk1"/>
-          </a:fillRef>
-          <a:effectRef idx="0">
-            <a:schemeClr val="dk1"/>
-          </a:effectRef>
-          <a:fontRef idx="minor">
-            <a:schemeClr val="tx1"/>
-          </a:fontRef>
-        </p:style>
-      </p:cxnSp>
-      <p:cxnSp>
-        <p:nvCxnSpPr>
-          <p:cNvPr id="31" name="Straight Connector 30"/>
-          <p:cNvCxnSpPr/>
-          <p:nvPr/>
-        </p:nvCxnSpPr>
-        <p:spPr>
-          <a:xfrm flipV="1">
-            <a:off x="5652135" y="1176092"/>
-            <a:ext cx="0" cy="90012"/>
-          </a:xfrm>
-          <a:prstGeom prst="line">
-            <a:avLst/>
-          </a:prstGeom>
-        </p:spPr>
-        <p:style>
-          <a:lnRef idx="1">
-            <a:schemeClr val="dk1"/>
-          </a:lnRef>
-          <a:fillRef idx="0">
-            <a:schemeClr val="dk1"/>
-          </a:fillRef>
-          <a:effectRef idx="0">
-            <a:schemeClr val="dk1"/>
-          </a:effectRef>
-          <a:fontRef idx="minor">
-            <a:schemeClr val="tx1"/>
-          </a:fontRef>
-        </p:style>
-      </p:cxnSp>
-      <p:cxnSp>
-        <p:nvCxnSpPr>
-          <p:cNvPr id="32" name="Straight Connector 31"/>
-          <p:cNvCxnSpPr/>
-          <p:nvPr/>
-        </p:nvCxnSpPr>
-        <p:spPr>
-          <a:xfrm flipV="1">
-            <a:off x="4932045" y="1178715"/>
-            <a:ext cx="0" cy="90012"/>
-          </a:xfrm>
-          <a:prstGeom prst="line">
-            <a:avLst/>
-          </a:prstGeom>
-        </p:spPr>
-        <p:style>
-          <a:lnRef idx="1">
-            <a:schemeClr val="dk1"/>
-          </a:lnRef>
-          <a:fillRef idx="0">
-            <a:schemeClr val="dk1"/>
-          </a:fillRef>
-          <a:effectRef idx="0">
-            <a:schemeClr val="dk1"/>
-          </a:effectRef>
-          <a:fontRef idx="minor">
-            <a:schemeClr val="tx1"/>
-          </a:fontRef>
-        </p:style>
-      </p:cxnSp>
-      <p:cxnSp>
-        <p:nvCxnSpPr>
-          <p:cNvPr id="33" name="Straight Connector 32"/>
-          <p:cNvCxnSpPr/>
-          <p:nvPr/>
-        </p:nvCxnSpPr>
-        <p:spPr>
-          <a:xfrm flipV="1">
-            <a:off x="4572000" y="1178715"/>
-            <a:ext cx="0" cy="90012"/>
-          </a:xfrm>
-          <a:prstGeom prst="line">
-            <a:avLst/>
-          </a:prstGeom>
-        </p:spPr>
-        <p:style>
-          <a:lnRef idx="1">
-            <a:schemeClr val="dk1"/>
-          </a:lnRef>
-          <a:fillRef idx="0">
-            <a:schemeClr val="dk1"/>
-          </a:fillRef>
-          <a:effectRef idx="0">
-            <a:schemeClr val="dk1"/>
-          </a:effectRef>
-          <a:fontRef idx="minor">
-            <a:schemeClr val="tx1"/>
-          </a:fontRef>
-        </p:style>
-      </p:cxnSp>
-      <p:cxnSp>
-        <p:nvCxnSpPr>
-          <p:cNvPr id="34" name="Straight Connector 33"/>
-          <p:cNvCxnSpPr/>
-          <p:nvPr/>
-        </p:nvCxnSpPr>
-        <p:spPr>
-          <a:xfrm flipV="1">
-            <a:off x="3851910" y="1176092"/>
-            <a:ext cx="0" cy="90012"/>
-          </a:xfrm>
-          <a:prstGeom prst="line">
-            <a:avLst/>
-          </a:prstGeom>
-        </p:spPr>
-        <p:style>
-          <a:lnRef idx="1">
-            <a:schemeClr val="dk1"/>
-          </a:lnRef>
-          <a:fillRef idx="0">
-            <a:schemeClr val="dk1"/>
-          </a:fillRef>
-          <a:effectRef idx="0">
-            <a:schemeClr val="dk1"/>
-          </a:effectRef>
-          <a:fontRef idx="minor">
-            <a:schemeClr val="tx1"/>
-          </a:fontRef>
-        </p:style>
-      </p:cxnSp>
-      <p:cxnSp>
-        <p:nvCxnSpPr>
-          <p:cNvPr id="35" name="Straight Connector 34"/>
-          <p:cNvCxnSpPr/>
-          <p:nvPr/>
-        </p:nvCxnSpPr>
-        <p:spPr>
-          <a:xfrm flipV="1">
-            <a:off x="3491865" y="1176092"/>
-            <a:ext cx="0" cy="90012"/>
-          </a:xfrm>
-          <a:prstGeom prst="line">
-            <a:avLst/>
-          </a:prstGeom>
-        </p:spPr>
-        <p:style>
-          <a:lnRef idx="1">
-            <a:schemeClr val="dk1"/>
-          </a:lnRef>
-          <a:fillRef idx="0">
-            <a:schemeClr val="dk1"/>
-          </a:fillRef>
-          <a:effectRef idx="0">
-            <a:schemeClr val="dk1"/>
-          </a:effectRef>
-          <a:fontRef idx="minor">
-            <a:schemeClr val="tx1"/>
-          </a:fontRef>
-        </p:style>
-      </p:cxnSp>
-      <p:cxnSp>
-        <p:nvCxnSpPr>
-          <p:cNvPr id="36" name="Straight Connector 35"/>
-          <p:cNvCxnSpPr/>
-          <p:nvPr/>
-        </p:nvCxnSpPr>
-        <p:spPr>
-          <a:xfrm flipV="1">
-            <a:off x="2771775" y="1176092"/>
-            <a:ext cx="0" cy="90012"/>
-          </a:xfrm>
-          <a:prstGeom prst="line">
-            <a:avLst/>
-          </a:prstGeom>
-        </p:spPr>
-        <p:style>
-          <a:lnRef idx="1">
-            <a:schemeClr val="dk1"/>
-          </a:lnRef>
-          <a:fillRef idx="0">
-            <a:schemeClr val="dk1"/>
-          </a:fillRef>
-          <a:effectRef idx="0">
-            <a:schemeClr val="dk1"/>
-          </a:effectRef>
-          <a:fontRef idx="minor">
-            <a:schemeClr val="tx1"/>
-          </a:fontRef>
-        </p:style>
-      </p:cxnSp>
-      <p:cxnSp>
-        <p:nvCxnSpPr>
-          <p:cNvPr id="37" name="Straight Connector 36"/>
-          <p:cNvCxnSpPr/>
-          <p:nvPr/>
-        </p:nvCxnSpPr>
-        <p:spPr>
-          <a:xfrm flipV="1">
-            <a:off x="2411730" y="1176092"/>
-            <a:ext cx="0" cy="90012"/>
-          </a:xfrm>
-          <a:prstGeom prst="line">
-            <a:avLst/>
-          </a:prstGeom>
-        </p:spPr>
-        <p:style>
-          <a:lnRef idx="1">
-            <a:schemeClr val="dk1"/>
-          </a:lnRef>
-          <a:fillRef idx="0">
-            <a:schemeClr val="dk1"/>
-          </a:fillRef>
-          <a:effectRef idx="0">
-            <a:schemeClr val="dk1"/>
-          </a:effectRef>
-          <a:fontRef idx="minor">
-            <a:schemeClr val="tx1"/>
-          </a:fontRef>
-        </p:style>
-      </p:cxnSp>
-      <p:cxnSp>
-        <p:nvCxnSpPr>
-          <p:cNvPr id="38" name="Straight Connector 37"/>
-          <p:cNvCxnSpPr/>
-          <p:nvPr/>
-        </p:nvCxnSpPr>
-        <p:spPr>
-          <a:xfrm flipV="1">
-            <a:off x="1691640" y="1176092"/>
-            <a:ext cx="0" cy="90012"/>
-          </a:xfrm>
-          <a:prstGeom prst="line">
-            <a:avLst/>
-          </a:prstGeom>
-        </p:spPr>
-        <p:style>
-          <a:lnRef idx="1">
-            <a:schemeClr val="dk1"/>
-          </a:lnRef>
-          <a:fillRef idx="0">
-            <a:schemeClr val="dk1"/>
-          </a:fillRef>
-          <a:effectRef idx="0">
-            <a:schemeClr val="dk1"/>
-          </a:effectRef>
-          <a:fontRef idx="minor">
-            <a:schemeClr val="tx1"/>
-          </a:fontRef>
-        </p:style>
-      </p:cxnSp>
-      <p:cxnSp>
-        <p:nvCxnSpPr>
-          <p:cNvPr id="39" name="Straight Connector 38"/>
-          <p:cNvCxnSpPr/>
-          <p:nvPr/>
-        </p:nvCxnSpPr>
-        <p:spPr>
-          <a:xfrm flipV="1">
-            <a:off x="1331595" y="1176092"/>
-            <a:ext cx="0" cy="90012"/>
-          </a:xfrm>
-          <a:prstGeom prst="line">
-            <a:avLst/>
-          </a:prstGeom>
-        </p:spPr>
-        <p:style>
-          <a:lnRef idx="1">
-            <a:schemeClr val="dk1"/>
-          </a:lnRef>
-          <a:fillRef idx="0">
-            <a:schemeClr val="dk1"/>
-          </a:fillRef>
-          <a:effectRef idx="0">
-            <a:schemeClr val="dk1"/>
-          </a:effectRef>
-          <a:fontRef idx="minor">
-            <a:schemeClr val="tx1"/>
-          </a:fontRef>
-        </p:style>
-      </p:cxnSp>
-      <p:sp>
-        <p:nvSpPr>
-          <p:cNvPr id="40" name="Rectangle 39"/>
-          <p:cNvSpPr/>
-          <p:nvPr/>
-        </p:nvSpPr>
-        <p:spPr>
-          <a:xfrm>
-            <a:off x="971550" y="1448752"/>
-            <a:ext cx="1080135" cy="360045"/>
-          </a:xfrm>
-          <a:prstGeom prst="rect">
-            <a:avLst/>
-          </a:prstGeom>
-          <a:ln>
-            <a:noFill/>
-          </a:ln>
-        </p:spPr>
-        <p:style>
-          <a:lnRef idx="2">
-            <a:schemeClr val="accent3">
-              <a:shade val="50000"/>
-            </a:schemeClr>
-          </a:lnRef>
-          <a:fillRef idx="1">
-            <a:schemeClr val="accent3"/>
-          </a:fillRef>
-          <a:effectRef idx="0">
-            <a:schemeClr val="accent3"/>
-          </a:effectRef>
-          <a:fontRef idx="minor">
-            <a:schemeClr val="lt1"/>
-          </a:fontRef>
-        </p:style>
-        <p:txBody>
-          <a:bodyPr rtlCol="0" anchor="ctr"/>
-          <a:lstStyle/>
-          <a:p>
-            <a:pPr algn="ctr"/>
-            <a:endParaRPr lang="en-GB"/>
-          </a:p>
-        </p:txBody>
-      </p:sp>
-      <p:sp>
-        <p:nvSpPr>
-          <p:cNvPr id="41" name="Rectangle 40"/>
-          <p:cNvSpPr/>
-          <p:nvPr/>
-        </p:nvSpPr>
-        <p:spPr>
-          <a:xfrm>
-            <a:off x="2069780" y="1448752"/>
-            <a:ext cx="933769" cy="360045"/>
-          </a:xfrm>
-          <a:prstGeom prst="rect">
-            <a:avLst/>
-          </a:prstGeom>
-          <a:solidFill>
-            <a:srgbClr val="FFCC00"/>
-          </a:solidFill>
-          <a:ln>
-            <a:noFill/>
-          </a:ln>
-        </p:spPr>
-        <p:style>
-          <a:lnRef idx="2">
-            <a:schemeClr val="accent3">
-              <a:shade val="50000"/>
-            </a:schemeClr>
-          </a:lnRef>
-          <a:fillRef idx="1">
-            <a:schemeClr val="accent3"/>
-          </a:fillRef>
-          <a:effectRef idx="0">
-            <a:schemeClr val="accent3"/>
-          </a:effectRef>
-          <a:fontRef idx="minor">
-            <a:schemeClr val="lt1"/>
-          </a:fontRef>
-        </p:style>
-        <p:txBody>
-          <a:bodyPr rtlCol="0" anchor="ctr"/>
-          <a:lstStyle/>
-          <a:p>
-            <a:pPr algn="ctr"/>
-            <a:endParaRPr lang="en-GB"/>
-          </a:p>
-        </p:txBody>
-      </p:sp>
-      <p:sp>
-        <p:nvSpPr>
-          <p:cNvPr id="46" name="Rectangle 45"/>
-          <p:cNvSpPr/>
-          <p:nvPr/>
-        </p:nvSpPr>
-        <p:spPr>
-          <a:xfrm>
-            <a:off x="3003549" y="1448751"/>
-            <a:ext cx="933769" cy="360045"/>
-          </a:xfrm>
-          <a:prstGeom prst="rect">
-            <a:avLst/>
-          </a:prstGeom>
-          <a:solidFill>
-            <a:schemeClr val="tx1">
-              <a:lumMod val="85000"/>
-              <a:lumOff val="15000"/>
-            </a:schemeClr>
-          </a:solidFill>
-          <a:ln>
-            <a:noFill/>
-          </a:ln>
-        </p:spPr>
-        <p:style>
-          <a:lnRef idx="2">
-            <a:schemeClr val="accent3">
-              <a:shade val="50000"/>
-            </a:schemeClr>
-          </a:lnRef>
-          <a:fillRef idx="1">
-            <a:schemeClr val="accent3"/>
-          </a:fillRef>
-          <a:effectRef idx="0">
-            <a:schemeClr val="accent3"/>
-          </a:effectRef>
-          <a:fontRef idx="minor">
-            <a:schemeClr val="lt1"/>
-          </a:fontRef>
-        </p:style>
-        <p:txBody>
-          <a:bodyPr rtlCol="0" anchor="ctr"/>
-          <a:lstStyle/>
-          <a:p>
-            <a:pPr algn="ctr"/>
-            <a:endParaRPr lang="en-GB"/>
-          </a:p>
-        </p:txBody>
-      </p:sp>
-    </p:spTree>
-    <p:extLst>
-      <p:ext uri="{BB962C8B-B14F-4D97-AF65-F5344CB8AC3E}">
-        <p14:creationId xmlns:p14="http://schemas.microsoft.com/office/powerpoint/2010/main" val="2302251413"/>
-      </p:ext>
-    </p:extLst>
-  </p:cSld>
-  <p:clrMapOvr>
-    <a:masterClrMapping/>
-  </p:clrMapOvr>
-  <p:timing>
-    <p:tnLst>
-      <p:par>
-        <p:cTn id="1" dur="indefinite" restart="never" nodeType="tmRoot"/>
-      </p:par>
-    </p:tnLst>
-  </p:timing>
-</p:sld>
-</file>
-
-<file path=ppt/slides/slide2.xml><?xml version="1.0" encoding="utf-8"?>
 <p:sld xmlns:a="http://schemas.openxmlformats.org/drawingml/2006/main" xmlns:r="http://schemas.openxmlformats.org/officeDocument/2006/relationships" xmlns:p="http://schemas.openxmlformats.org/presentationml/2006/main">
   <p:cSld>
     <p:spTree>
@@ -8016,7 +6972,4264 @@
   <p:timing>
     <p:tnLst>
       <p:par>
-        <p:cTn id="1" dur="indefinite" restart="never" nodeType="tmRoot"/>
+        <p:cTn xmlns:p14="http://schemas.microsoft.com/office/powerpoint/2010/main" id="1" dur="indefinite" restart="never" nodeType="tmRoot"/>
+      </p:par>
+    </p:tnLst>
+  </p:timing>
+</p:sld>
+</file>
+
+<file path=ppt/slides/slide2.xml><?xml version="1.0" encoding="utf-8"?>
+<p:sld xmlns:a="http://schemas.openxmlformats.org/drawingml/2006/main" xmlns:r="http://schemas.openxmlformats.org/officeDocument/2006/relationships" xmlns:p="http://schemas.openxmlformats.org/presentationml/2006/main">
+  <p:cSld>
+    <p:spTree>
+      <p:nvGrpSpPr>
+        <p:cNvPr id="1" name=""/>
+        <p:cNvGrpSpPr/>
+        <p:nvPr/>
+      </p:nvGrpSpPr>
+      <p:grpSpPr>
+        <a:xfrm>
+          <a:off x="0" y="0"/>
+          <a:ext cx="0" cy="0"/>
+          <a:chOff x="0" y="0"/>
+          <a:chExt cx="0" cy="0"/>
+        </a:xfrm>
+      </p:grpSpPr>
+      <p:cxnSp>
+        <p:nvCxnSpPr>
+          <p:cNvPr id="94" name="Straight Connector 93"/>
+          <p:cNvCxnSpPr/>
+          <p:nvPr/>
+        </p:nvCxnSpPr>
+        <p:spPr>
+          <a:xfrm flipV="1">
+            <a:off x="2417022" y="4535593"/>
+            <a:ext cx="0" cy="325593"/>
+          </a:xfrm>
+          <a:prstGeom prst="line">
+            <a:avLst/>
+          </a:prstGeom>
+          <a:ln>
+            <a:solidFill>
+              <a:srgbClr val="FF0000"/>
+            </a:solidFill>
+            <a:headEnd type="none"/>
+            <a:tailEnd type="triangle"/>
+          </a:ln>
+        </p:spPr>
+        <p:style>
+          <a:lnRef idx="1">
+            <a:schemeClr val="accent1"/>
+          </a:lnRef>
+          <a:fillRef idx="0">
+            <a:schemeClr val="accent1"/>
+          </a:fillRef>
+          <a:effectRef idx="0">
+            <a:schemeClr val="accent1"/>
+          </a:effectRef>
+          <a:fontRef idx="minor">
+            <a:schemeClr val="tx1"/>
+          </a:fontRef>
+        </p:style>
+      </p:cxnSp>
+      <p:sp>
+        <p:nvSpPr>
+          <p:cNvPr id="4" name="Rectangle 3"/>
+          <p:cNvSpPr/>
+          <p:nvPr/>
+        </p:nvSpPr>
+        <p:spPr>
+          <a:xfrm>
+            <a:off x="1146807" y="1066801"/>
+            <a:ext cx="3240405" cy="1080135"/>
+          </a:xfrm>
+          <a:prstGeom prst="rect">
+            <a:avLst/>
+          </a:prstGeom>
+          <a:solidFill>
+            <a:schemeClr val="bg1">
+              <a:lumMod val="85000"/>
+            </a:schemeClr>
+          </a:solidFill>
+          <a:ln>
+            <a:noFill/>
+          </a:ln>
+        </p:spPr>
+        <p:style>
+          <a:lnRef idx="2">
+            <a:schemeClr val="accent1">
+              <a:shade val="50000"/>
+            </a:schemeClr>
+          </a:lnRef>
+          <a:fillRef idx="1">
+            <a:schemeClr val="accent1"/>
+          </a:fillRef>
+          <a:effectRef idx="0">
+            <a:schemeClr val="accent1"/>
+          </a:effectRef>
+          <a:fontRef idx="minor">
+            <a:schemeClr val="lt1"/>
+          </a:fontRef>
+        </p:style>
+        <p:txBody>
+          <a:bodyPr rtlCol="0" anchor="ctr"/>
+          <a:lstStyle/>
+          <a:p>
+            <a:pPr algn="ctr"/>
+            <a:endParaRPr lang="en-GB"/>
+          </a:p>
+        </p:txBody>
+      </p:sp>
+      <p:sp>
+        <p:nvSpPr>
+          <p:cNvPr id="62" name="Rectangle 61"/>
+          <p:cNvSpPr/>
+          <p:nvPr/>
+        </p:nvSpPr>
+        <p:spPr>
+          <a:xfrm>
+            <a:off x="5296855" y="2680812"/>
+            <a:ext cx="3240405" cy="1080135"/>
+          </a:xfrm>
+          <a:prstGeom prst="rect">
+            <a:avLst/>
+          </a:prstGeom>
+          <a:solidFill>
+            <a:schemeClr val="bg1">
+              <a:lumMod val="85000"/>
+            </a:schemeClr>
+          </a:solidFill>
+          <a:ln>
+            <a:noFill/>
+          </a:ln>
+        </p:spPr>
+        <p:style>
+          <a:lnRef idx="2">
+            <a:schemeClr val="accent1">
+              <a:shade val="50000"/>
+            </a:schemeClr>
+          </a:lnRef>
+          <a:fillRef idx="1">
+            <a:schemeClr val="accent1"/>
+          </a:fillRef>
+          <a:effectRef idx="0">
+            <a:schemeClr val="accent1"/>
+          </a:effectRef>
+          <a:fontRef idx="minor">
+            <a:schemeClr val="lt1"/>
+          </a:fontRef>
+        </p:style>
+        <p:txBody>
+          <a:bodyPr rtlCol="0" anchor="ctr"/>
+          <a:lstStyle/>
+          <a:p>
+            <a:pPr algn="ctr"/>
+            <a:endParaRPr lang="en-GB"/>
+          </a:p>
+        </p:txBody>
+      </p:sp>
+      <p:sp>
+        <p:nvSpPr>
+          <p:cNvPr id="40" name="Rectangle 39"/>
+          <p:cNvSpPr/>
+          <p:nvPr/>
+        </p:nvSpPr>
+        <p:spPr>
+          <a:xfrm>
+            <a:off x="1336117" y="2694859"/>
+            <a:ext cx="3240405" cy="1080135"/>
+          </a:xfrm>
+          <a:prstGeom prst="rect">
+            <a:avLst/>
+          </a:prstGeom>
+          <a:solidFill>
+            <a:schemeClr val="bg1">
+              <a:lumMod val="85000"/>
+            </a:schemeClr>
+          </a:solidFill>
+          <a:ln>
+            <a:noFill/>
+          </a:ln>
+        </p:spPr>
+        <p:style>
+          <a:lnRef idx="2">
+            <a:schemeClr val="accent1">
+              <a:shade val="50000"/>
+            </a:schemeClr>
+          </a:lnRef>
+          <a:fillRef idx="1">
+            <a:schemeClr val="accent1"/>
+          </a:fillRef>
+          <a:effectRef idx="0">
+            <a:schemeClr val="accent1"/>
+          </a:effectRef>
+          <a:fontRef idx="minor">
+            <a:schemeClr val="lt1"/>
+          </a:fontRef>
+        </p:style>
+        <p:txBody>
+          <a:bodyPr rtlCol="0" anchor="ctr"/>
+          <a:lstStyle/>
+          <a:p>
+            <a:pPr algn="ctr"/>
+            <a:endParaRPr lang="en-GB"/>
+          </a:p>
+        </p:txBody>
+      </p:sp>
+      <p:sp>
+        <p:nvSpPr>
+          <p:cNvPr id="92" name="Freeform 91"/>
+          <p:cNvSpPr/>
+          <p:nvPr/>
+        </p:nvSpPr>
+        <p:spPr>
+          <a:xfrm>
+            <a:off x="428626" y="1515197"/>
+            <a:ext cx="8463914" cy="1759503"/>
+          </a:xfrm>
+          <a:custGeom>
+            <a:avLst/>
+            <a:gdLst>
+              <a:gd name="connsiteX0" fmla="*/ 552885 w 8275491"/>
+              <a:gd name="connsiteY0" fmla="*/ 73010 h 1650207"/>
+              <a:gd name="connsiteX1" fmla="*/ 4934762 w 8275491"/>
+              <a:gd name="connsiteY1" fmla="*/ 45849 h 1650207"/>
+              <a:gd name="connsiteX2" fmla="*/ 5106778 w 8275491"/>
+              <a:gd name="connsiteY2" fmla="*/ 607164 h 1650207"/>
+              <a:gd name="connsiteX3" fmla="*/ 824489 w 8275491"/>
+              <a:gd name="connsiteY3" fmla="*/ 878768 h 1650207"/>
+              <a:gd name="connsiteX4" fmla="*/ 706794 w 8275491"/>
+              <a:gd name="connsiteY4" fmla="*/ 1575885 h 1650207"/>
+              <a:gd name="connsiteX5" fmla="*/ 8275491 w 8275491"/>
+              <a:gd name="connsiteY5" fmla="*/ 1630206 h 1650207"/>
+              <a:gd name="connsiteX6" fmla="*/ 8275491 w 8275491"/>
+              <a:gd name="connsiteY6" fmla="*/ 1630206 h 1650207"/>
+            </a:gdLst>
+            <a:ahLst/>
+            <a:cxnLst>
+              <a:cxn ang="0">
+                <a:pos x="connsiteX0" y="connsiteY0"/>
+              </a:cxn>
+              <a:cxn ang="0">
+                <a:pos x="connsiteX1" y="connsiteY1"/>
+              </a:cxn>
+              <a:cxn ang="0">
+                <a:pos x="connsiteX2" y="connsiteY2"/>
+              </a:cxn>
+              <a:cxn ang="0">
+                <a:pos x="connsiteX3" y="connsiteY3"/>
+              </a:cxn>
+              <a:cxn ang="0">
+                <a:pos x="connsiteX4" y="connsiteY4"/>
+              </a:cxn>
+              <a:cxn ang="0">
+                <a:pos x="connsiteX5" y="connsiteY5"/>
+              </a:cxn>
+              <a:cxn ang="0">
+                <a:pos x="connsiteX6" y="connsiteY6"/>
+              </a:cxn>
+            </a:cxnLst>
+            <a:rect l="l" t="t" r="r" b="b"/>
+            <a:pathLst>
+              <a:path w="8275491" h="1650207">
+                <a:moveTo>
+                  <a:pt x="552885" y="73010"/>
+                </a:moveTo>
+                <a:cubicBezTo>
+                  <a:pt x="2364332" y="14916"/>
+                  <a:pt x="4175780" y="-43177"/>
+                  <a:pt x="4934762" y="45849"/>
+                </a:cubicBezTo>
+                <a:cubicBezTo>
+                  <a:pt x="5693744" y="134875"/>
+                  <a:pt x="5791824" y="468344"/>
+                  <a:pt x="5106778" y="607164"/>
+                </a:cubicBezTo>
+                <a:cubicBezTo>
+                  <a:pt x="4421732" y="745984"/>
+                  <a:pt x="1557820" y="717315"/>
+                  <a:pt x="824489" y="878768"/>
+                </a:cubicBezTo>
+                <a:cubicBezTo>
+                  <a:pt x="91158" y="1040221"/>
+                  <a:pt x="-535040" y="1450645"/>
+                  <a:pt x="706794" y="1575885"/>
+                </a:cubicBezTo>
+                <a:cubicBezTo>
+                  <a:pt x="1948628" y="1701125"/>
+                  <a:pt x="8275491" y="1630206"/>
+                  <a:pt x="8275491" y="1630206"/>
+                </a:cubicBezTo>
+                <a:lnTo>
+                  <a:pt x="8275491" y="1630206"/>
+                </a:lnTo>
+              </a:path>
+            </a:pathLst>
+          </a:custGeom>
+          <a:noFill/>
+          <a:ln w="57150">
+            <a:solidFill>
+              <a:schemeClr val="bg1">
+                <a:lumMod val="75000"/>
+              </a:schemeClr>
+            </a:solidFill>
+            <a:headEnd type="none" w="med" len="med"/>
+            <a:tailEnd type="triangle" w="med" len="med"/>
+          </a:ln>
+        </p:spPr>
+        <p:style>
+          <a:lnRef idx="2">
+            <a:schemeClr val="accent1">
+              <a:shade val="50000"/>
+            </a:schemeClr>
+          </a:lnRef>
+          <a:fillRef idx="1">
+            <a:schemeClr val="accent1"/>
+          </a:fillRef>
+          <a:effectRef idx="0">
+            <a:schemeClr val="accent1"/>
+          </a:effectRef>
+          <a:fontRef idx="minor">
+            <a:schemeClr val="lt1"/>
+          </a:fontRef>
+        </p:style>
+        <p:txBody>
+          <a:bodyPr rtlCol="0" anchor="ctr"/>
+          <a:lstStyle/>
+          <a:p>
+            <a:pPr algn="ctr"/>
+            <a:endParaRPr lang="en-GB">
+              <a:ln>
+                <a:solidFill>
+                  <a:schemeClr val="bg1">
+                    <a:lumMod val="85000"/>
+                  </a:schemeClr>
+                </a:solidFill>
+              </a:ln>
+            </a:endParaRPr>
+          </a:p>
+        </p:txBody>
+      </p:sp>
+      <p:sp>
+        <p:nvSpPr>
+          <p:cNvPr id="5" name="Rectangle 4"/>
+          <p:cNvSpPr/>
+          <p:nvPr/>
+        </p:nvSpPr>
+        <p:spPr>
+          <a:xfrm>
+            <a:off x="1331594" y="1291831"/>
+            <a:ext cx="720090" cy="630076"/>
+          </a:xfrm>
+          <a:prstGeom prst="rect">
+            <a:avLst/>
+          </a:prstGeom>
+          <a:solidFill>
+            <a:srgbClr val="FFCC00"/>
+          </a:solidFill>
+          <a:ln>
+            <a:noFill/>
+          </a:ln>
+        </p:spPr>
+        <p:style>
+          <a:lnRef idx="2">
+            <a:schemeClr val="accent1">
+              <a:shade val="50000"/>
+            </a:schemeClr>
+          </a:lnRef>
+          <a:fillRef idx="1">
+            <a:schemeClr val="accent1"/>
+          </a:fillRef>
+          <a:effectRef idx="0">
+            <a:schemeClr val="accent1"/>
+          </a:effectRef>
+          <a:fontRef idx="minor">
+            <a:schemeClr val="lt1"/>
+          </a:fontRef>
+        </p:style>
+        <p:txBody>
+          <a:bodyPr rtlCol="0" anchor="ctr"/>
+          <a:lstStyle/>
+          <a:p>
+            <a:pPr algn="ctr"/>
+            <a:endParaRPr lang="en-GB"/>
+          </a:p>
+        </p:txBody>
+      </p:sp>
+      <p:grpSp>
+        <p:nvGrpSpPr>
+          <p:cNvPr id="21" name="Group 20"/>
+          <p:cNvGrpSpPr/>
+          <p:nvPr/>
+        </p:nvGrpSpPr>
+        <p:grpSpPr>
+          <a:xfrm>
+            <a:off x="1581148" y="1425659"/>
+            <a:ext cx="199072" cy="388619"/>
+            <a:chOff x="1581149" y="1606869"/>
+            <a:chExt cx="199072" cy="388619"/>
+          </a:xfrm>
+        </p:grpSpPr>
+        <p:sp>
+          <p:nvSpPr>
+            <p:cNvPr id="12" name="Freeform 11"/>
+            <p:cNvSpPr/>
+            <p:nvPr/>
+          </p:nvSpPr>
+          <p:spPr>
+            <a:xfrm>
+              <a:off x="1581149" y="1688306"/>
+              <a:ext cx="173831" cy="307182"/>
+            </a:xfrm>
+            <a:custGeom>
+              <a:avLst/>
+              <a:gdLst>
+                <a:gd name="connsiteX0" fmla="*/ 0 w 233362"/>
+                <a:gd name="connsiteY0" fmla="*/ 338138 h 338138"/>
+                <a:gd name="connsiteX1" fmla="*/ 0 w 233362"/>
+                <a:gd name="connsiteY1" fmla="*/ 338138 h 338138"/>
+                <a:gd name="connsiteX2" fmla="*/ 21431 w 233362"/>
+                <a:gd name="connsiteY2" fmla="*/ 190500 h 338138"/>
+                <a:gd name="connsiteX3" fmla="*/ 202406 w 233362"/>
+                <a:gd name="connsiteY3" fmla="*/ 190500 h 338138"/>
+                <a:gd name="connsiteX4" fmla="*/ 233362 w 233362"/>
+                <a:gd name="connsiteY4" fmla="*/ 0 h 338138"/>
+              </a:gdLst>
+              <a:ahLst/>
+              <a:cxnLst>
+                <a:cxn ang="0">
+                  <a:pos x="connsiteX0" y="connsiteY0"/>
+                </a:cxn>
+                <a:cxn ang="0">
+                  <a:pos x="connsiteX1" y="connsiteY1"/>
+                </a:cxn>
+                <a:cxn ang="0">
+                  <a:pos x="connsiteX2" y="connsiteY2"/>
+                </a:cxn>
+                <a:cxn ang="0">
+                  <a:pos x="connsiteX3" y="connsiteY3"/>
+                </a:cxn>
+                <a:cxn ang="0">
+                  <a:pos x="connsiteX4" y="connsiteY4"/>
+                </a:cxn>
+              </a:cxnLst>
+              <a:rect l="l" t="t" r="r" b="b"/>
+              <a:pathLst>
+                <a:path w="233362" h="338138">
+                  <a:moveTo>
+                    <a:pt x="0" y="338138"/>
+                  </a:moveTo>
+                  <a:lnTo>
+                    <a:pt x="0" y="338138"/>
+                  </a:lnTo>
+                  <a:lnTo>
+                    <a:pt x="21431" y="190500"/>
+                  </a:lnTo>
+                  <a:lnTo>
+                    <a:pt x="202406" y="190500"/>
+                  </a:lnTo>
+                  <a:lnTo>
+                    <a:pt x="233362" y="0"/>
+                  </a:lnTo>
+                </a:path>
+              </a:pathLst>
+            </a:custGeom>
+            <a:noFill/>
+            <a:ln w="38100">
+              <a:solidFill>
+                <a:schemeClr val="tx1"/>
+              </a:solidFill>
+            </a:ln>
+          </p:spPr>
+          <p:style>
+            <a:lnRef idx="2">
+              <a:schemeClr val="accent1">
+                <a:shade val="50000"/>
+              </a:schemeClr>
+            </a:lnRef>
+            <a:fillRef idx="1">
+              <a:schemeClr val="accent1"/>
+            </a:fillRef>
+            <a:effectRef idx="0">
+              <a:schemeClr val="accent1"/>
+            </a:effectRef>
+            <a:fontRef idx="minor">
+              <a:schemeClr val="lt1"/>
+            </a:fontRef>
+          </p:style>
+          <p:txBody>
+            <a:bodyPr rtlCol="0" anchor="ctr"/>
+            <a:lstStyle/>
+            <a:p>
+              <a:pPr algn="ctr"/>
+              <a:endParaRPr lang="en-GB"/>
+            </a:p>
+          </p:txBody>
+        </p:sp>
+        <p:sp>
+          <p:nvSpPr>
+            <p:cNvPr id="13" name="Oval 12"/>
+            <p:cNvSpPr/>
+            <p:nvPr/>
+          </p:nvSpPr>
+          <p:spPr>
+            <a:xfrm>
+              <a:off x="1734502" y="1606869"/>
+              <a:ext cx="45719" cy="45719"/>
+            </a:xfrm>
+            <a:prstGeom prst="ellipse">
+              <a:avLst/>
+            </a:prstGeom>
+            <a:solidFill>
+              <a:schemeClr val="tx1"/>
+            </a:solidFill>
+            <a:ln>
+              <a:solidFill>
+                <a:schemeClr val="tx1"/>
+              </a:solidFill>
+            </a:ln>
+          </p:spPr>
+          <p:style>
+            <a:lnRef idx="2">
+              <a:schemeClr val="accent1">
+                <a:shade val="50000"/>
+              </a:schemeClr>
+            </a:lnRef>
+            <a:fillRef idx="1">
+              <a:schemeClr val="accent1"/>
+            </a:fillRef>
+            <a:effectRef idx="0">
+              <a:schemeClr val="accent1"/>
+            </a:effectRef>
+            <a:fontRef idx="minor">
+              <a:schemeClr val="lt1"/>
+            </a:fontRef>
+          </p:style>
+          <p:txBody>
+            <a:bodyPr rtlCol="0" anchor="ctr"/>
+            <a:lstStyle/>
+            <a:p>
+              <a:pPr algn="ctr"/>
+              <a:endParaRPr lang="en-GB"/>
+            </a:p>
+          </p:txBody>
+        </p:sp>
+      </p:grpSp>
+      <p:grpSp>
+        <p:nvGrpSpPr>
+          <p:cNvPr id="20" name="Group 19"/>
+          <p:cNvGrpSpPr/>
+          <p:nvPr/>
+        </p:nvGrpSpPr>
+        <p:grpSpPr>
+          <a:xfrm>
+            <a:off x="2015015" y="1614968"/>
+            <a:ext cx="433384" cy="45719"/>
+            <a:chOff x="1471613" y="2010727"/>
+            <a:chExt cx="433384" cy="45719"/>
+          </a:xfrm>
+          <a:solidFill>
+            <a:schemeClr val="bg1">
+              <a:lumMod val="95000"/>
+            </a:schemeClr>
+          </a:solidFill>
+        </p:grpSpPr>
+        <p:sp>
+          <p:nvSpPr>
+            <p:cNvPr id="18" name="Freeform 17"/>
+            <p:cNvSpPr/>
+            <p:nvPr/>
+          </p:nvSpPr>
+          <p:spPr>
+            <a:xfrm>
+              <a:off x="1471613" y="2038350"/>
+              <a:ext cx="357187" cy="0"/>
+            </a:xfrm>
+            <a:custGeom>
+              <a:avLst/>
+              <a:gdLst>
+                <a:gd name="connsiteX0" fmla="*/ 0 w 357187"/>
+                <a:gd name="connsiteY0" fmla="*/ 0 h 0"/>
+                <a:gd name="connsiteX1" fmla="*/ 357187 w 357187"/>
+                <a:gd name="connsiteY1" fmla="*/ 0 h 0"/>
+              </a:gdLst>
+              <a:ahLst/>
+              <a:cxnLst>
+                <a:cxn ang="0">
+                  <a:pos x="connsiteX0" y="connsiteY0"/>
+                </a:cxn>
+                <a:cxn ang="0">
+                  <a:pos x="connsiteX1" y="connsiteY1"/>
+                </a:cxn>
+              </a:cxnLst>
+              <a:rect l="l" t="t" r="r" b="b"/>
+              <a:pathLst>
+                <a:path w="357187">
+                  <a:moveTo>
+                    <a:pt x="0" y="0"/>
+                  </a:moveTo>
+                  <a:lnTo>
+                    <a:pt x="357187" y="0"/>
+                  </a:lnTo>
+                </a:path>
+              </a:pathLst>
+            </a:custGeom>
+            <a:grpFill/>
+            <a:ln w="38100">
+              <a:solidFill>
+                <a:schemeClr val="bg1">
+                  <a:lumMod val="95000"/>
+                </a:schemeClr>
+              </a:solidFill>
+            </a:ln>
+          </p:spPr>
+          <p:style>
+            <a:lnRef idx="2">
+              <a:schemeClr val="accent1">
+                <a:shade val="50000"/>
+              </a:schemeClr>
+            </a:lnRef>
+            <a:fillRef idx="1">
+              <a:schemeClr val="accent1"/>
+            </a:fillRef>
+            <a:effectRef idx="0">
+              <a:schemeClr val="accent1"/>
+            </a:effectRef>
+            <a:fontRef idx="minor">
+              <a:schemeClr val="lt1"/>
+            </a:fontRef>
+          </p:style>
+          <p:txBody>
+            <a:bodyPr rtlCol="0" anchor="ctr"/>
+            <a:lstStyle/>
+            <a:p>
+              <a:pPr algn="ctr"/>
+              <a:endParaRPr lang="en-GB"/>
+            </a:p>
+          </p:txBody>
+        </p:sp>
+        <p:sp>
+          <p:nvSpPr>
+            <p:cNvPr id="19" name="Oval 18"/>
+            <p:cNvSpPr/>
+            <p:nvPr/>
+          </p:nvSpPr>
+          <p:spPr>
+            <a:xfrm>
+              <a:off x="1859278" y="2010727"/>
+              <a:ext cx="45719" cy="45719"/>
+            </a:xfrm>
+            <a:prstGeom prst="ellipse">
+              <a:avLst/>
+            </a:prstGeom>
+            <a:grpFill/>
+            <a:ln>
+              <a:solidFill>
+                <a:schemeClr val="bg1">
+                  <a:lumMod val="95000"/>
+                </a:schemeClr>
+              </a:solidFill>
+            </a:ln>
+          </p:spPr>
+          <p:style>
+            <a:lnRef idx="2">
+              <a:schemeClr val="accent1">
+                <a:shade val="50000"/>
+              </a:schemeClr>
+            </a:lnRef>
+            <a:fillRef idx="1">
+              <a:schemeClr val="accent1"/>
+            </a:fillRef>
+            <a:effectRef idx="0">
+              <a:schemeClr val="accent1"/>
+            </a:effectRef>
+            <a:fontRef idx="minor">
+              <a:schemeClr val="lt1"/>
+            </a:fontRef>
+          </p:style>
+          <p:txBody>
+            <a:bodyPr rtlCol="0" anchor="ctr"/>
+            <a:lstStyle/>
+            <a:p>
+              <a:pPr algn="ctr"/>
+              <a:endParaRPr lang="en-GB"/>
+            </a:p>
+          </p:txBody>
+        </p:sp>
+      </p:grpSp>
+      <p:sp>
+        <p:nvSpPr>
+          <p:cNvPr id="22" name="Rectangle 21"/>
+          <p:cNvSpPr/>
+          <p:nvPr/>
+        </p:nvSpPr>
+        <p:spPr>
+          <a:xfrm>
+            <a:off x="3473288" y="1291832"/>
+            <a:ext cx="720090" cy="630076"/>
+          </a:xfrm>
+          <a:prstGeom prst="rect">
+            <a:avLst/>
+          </a:prstGeom>
+          <a:solidFill>
+            <a:schemeClr val="tx1">
+              <a:lumMod val="50000"/>
+              <a:lumOff val="50000"/>
+            </a:schemeClr>
+          </a:solidFill>
+          <a:ln>
+            <a:noFill/>
+          </a:ln>
+        </p:spPr>
+        <p:style>
+          <a:lnRef idx="2">
+            <a:schemeClr val="accent1">
+              <a:shade val="50000"/>
+            </a:schemeClr>
+          </a:lnRef>
+          <a:fillRef idx="1">
+            <a:schemeClr val="accent1"/>
+          </a:fillRef>
+          <a:effectRef idx="0">
+            <a:schemeClr val="accent1"/>
+          </a:effectRef>
+          <a:fontRef idx="minor">
+            <a:schemeClr val="lt1"/>
+          </a:fontRef>
+        </p:style>
+        <p:txBody>
+          <a:bodyPr rtlCol="0" anchor="ctr"/>
+          <a:lstStyle/>
+          <a:p>
+            <a:pPr algn="ctr"/>
+            <a:endParaRPr lang="en-GB"/>
+          </a:p>
+        </p:txBody>
+      </p:sp>
+      <p:sp>
+        <p:nvSpPr>
+          <p:cNvPr id="26" name="Freeform 25"/>
+          <p:cNvSpPr/>
+          <p:nvPr/>
+        </p:nvSpPr>
+        <p:spPr>
+          <a:xfrm>
+            <a:off x="3739987" y="1515197"/>
+            <a:ext cx="173831" cy="307182"/>
+          </a:xfrm>
+          <a:custGeom>
+            <a:avLst/>
+            <a:gdLst>
+              <a:gd name="connsiteX0" fmla="*/ 0 w 233362"/>
+              <a:gd name="connsiteY0" fmla="*/ 338138 h 338138"/>
+              <a:gd name="connsiteX1" fmla="*/ 0 w 233362"/>
+              <a:gd name="connsiteY1" fmla="*/ 338138 h 338138"/>
+              <a:gd name="connsiteX2" fmla="*/ 21431 w 233362"/>
+              <a:gd name="connsiteY2" fmla="*/ 190500 h 338138"/>
+              <a:gd name="connsiteX3" fmla="*/ 202406 w 233362"/>
+              <a:gd name="connsiteY3" fmla="*/ 190500 h 338138"/>
+              <a:gd name="connsiteX4" fmla="*/ 233362 w 233362"/>
+              <a:gd name="connsiteY4" fmla="*/ 0 h 338138"/>
+            </a:gdLst>
+            <a:ahLst/>
+            <a:cxnLst>
+              <a:cxn ang="0">
+                <a:pos x="connsiteX0" y="connsiteY0"/>
+              </a:cxn>
+              <a:cxn ang="0">
+                <a:pos x="connsiteX1" y="connsiteY1"/>
+              </a:cxn>
+              <a:cxn ang="0">
+                <a:pos x="connsiteX2" y="connsiteY2"/>
+              </a:cxn>
+              <a:cxn ang="0">
+                <a:pos x="connsiteX3" y="connsiteY3"/>
+              </a:cxn>
+              <a:cxn ang="0">
+                <a:pos x="connsiteX4" y="connsiteY4"/>
+              </a:cxn>
+            </a:cxnLst>
+            <a:rect l="l" t="t" r="r" b="b"/>
+            <a:pathLst>
+              <a:path w="233362" h="338138">
+                <a:moveTo>
+                  <a:pt x="0" y="338138"/>
+                </a:moveTo>
+                <a:lnTo>
+                  <a:pt x="0" y="338138"/>
+                </a:lnTo>
+                <a:lnTo>
+                  <a:pt x="21431" y="190500"/>
+                </a:lnTo>
+                <a:lnTo>
+                  <a:pt x="202406" y="190500"/>
+                </a:lnTo>
+                <a:lnTo>
+                  <a:pt x="233362" y="0"/>
+                </a:lnTo>
+              </a:path>
+            </a:pathLst>
+          </a:custGeom>
+          <a:noFill/>
+          <a:ln w="38100">
+            <a:solidFill>
+              <a:schemeClr val="tx1"/>
+            </a:solidFill>
+          </a:ln>
+        </p:spPr>
+        <p:style>
+          <a:lnRef idx="2">
+            <a:schemeClr val="accent1">
+              <a:shade val="50000"/>
+            </a:schemeClr>
+          </a:lnRef>
+          <a:fillRef idx="1">
+            <a:schemeClr val="accent1"/>
+          </a:fillRef>
+          <a:effectRef idx="0">
+            <a:schemeClr val="accent1"/>
+          </a:effectRef>
+          <a:fontRef idx="minor">
+            <a:schemeClr val="lt1"/>
+          </a:fontRef>
+        </p:style>
+        <p:txBody>
+          <a:bodyPr rtlCol="0" anchor="ctr"/>
+          <a:lstStyle/>
+          <a:p>
+            <a:pPr algn="ctr"/>
+            <a:endParaRPr lang="en-GB">
+              <a:ln>
+                <a:solidFill>
+                  <a:sysClr val="windowText" lastClr="000000"/>
+                </a:solidFill>
+              </a:ln>
+            </a:endParaRPr>
+          </a:p>
+        </p:txBody>
+      </p:sp>
+      <p:sp>
+        <p:nvSpPr>
+          <p:cNvPr id="27" name="Oval 26"/>
+          <p:cNvSpPr/>
+          <p:nvPr/>
+        </p:nvSpPr>
+        <p:spPr>
+          <a:xfrm>
+            <a:off x="3893340" y="1433760"/>
+            <a:ext cx="45719" cy="45719"/>
+          </a:xfrm>
+          <a:prstGeom prst="ellipse">
+            <a:avLst/>
+          </a:prstGeom>
+          <a:solidFill>
+            <a:schemeClr val="tx1"/>
+          </a:solidFill>
+          <a:ln>
+            <a:solidFill>
+              <a:schemeClr val="tx1"/>
+            </a:solidFill>
+          </a:ln>
+        </p:spPr>
+        <p:style>
+          <a:lnRef idx="2">
+            <a:schemeClr val="accent1">
+              <a:shade val="50000"/>
+            </a:schemeClr>
+          </a:lnRef>
+          <a:fillRef idx="1">
+            <a:schemeClr val="accent1"/>
+          </a:fillRef>
+          <a:effectRef idx="0">
+            <a:schemeClr val="accent1"/>
+          </a:effectRef>
+          <a:fontRef idx="minor">
+            <a:schemeClr val="lt1"/>
+          </a:fontRef>
+        </p:style>
+        <p:txBody>
+          <a:bodyPr rtlCol="0" anchor="ctr"/>
+          <a:lstStyle/>
+          <a:p>
+            <a:pPr algn="ctr"/>
+            <a:endParaRPr lang="en-GB"/>
+          </a:p>
+        </p:txBody>
+      </p:sp>
+      <p:sp>
+        <p:nvSpPr>
+          <p:cNvPr id="23" name="Rectangle 22"/>
+          <p:cNvSpPr/>
+          <p:nvPr/>
+        </p:nvSpPr>
+        <p:spPr>
+          <a:xfrm>
+            <a:off x="2767010" y="1291831"/>
+            <a:ext cx="720090" cy="630076"/>
+          </a:xfrm>
+          <a:prstGeom prst="rect">
+            <a:avLst/>
+          </a:prstGeom>
+          <a:solidFill>
+            <a:schemeClr val="tx1">
+              <a:lumMod val="50000"/>
+              <a:lumOff val="50000"/>
+            </a:schemeClr>
+          </a:solidFill>
+          <a:ln>
+            <a:noFill/>
+          </a:ln>
+        </p:spPr>
+        <p:style>
+          <a:lnRef idx="2">
+            <a:schemeClr val="accent1">
+              <a:shade val="50000"/>
+            </a:schemeClr>
+          </a:lnRef>
+          <a:fillRef idx="1">
+            <a:schemeClr val="accent1"/>
+          </a:fillRef>
+          <a:effectRef idx="0">
+            <a:schemeClr val="accent1"/>
+          </a:effectRef>
+          <a:fontRef idx="minor">
+            <a:schemeClr val="lt1"/>
+          </a:fontRef>
+        </p:style>
+        <p:txBody>
+          <a:bodyPr rtlCol="0" anchor="ctr"/>
+          <a:lstStyle/>
+          <a:p>
+            <a:pPr algn="ctr"/>
+            <a:endParaRPr lang="en-GB"/>
+          </a:p>
+        </p:txBody>
+      </p:sp>
+      <p:sp>
+        <p:nvSpPr>
+          <p:cNvPr id="24" name="Rectangle 23"/>
+          <p:cNvSpPr/>
+          <p:nvPr/>
+        </p:nvSpPr>
+        <p:spPr>
+          <a:xfrm>
+            <a:off x="2767010" y="1291832"/>
+            <a:ext cx="720090" cy="630076"/>
+          </a:xfrm>
+          <a:prstGeom prst="rect">
+            <a:avLst/>
+          </a:prstGeom>
+          <a:solidFill>
+            <a:schemeClr val="tx1">
+              <a:lumMod val="50000"/>
+              <a:lumOff val="50000"/>
+            </a:schemeClr>
+          </a:solidFill>
+          <a:ln>
+            <a:noFill/>
+          </a:ln>
+        </p:spPr>
+        <p:style>
+          <a:lnRef idx="2">
+            <a:schemeClr val="accent1">
+              <a:shade val="50000"/>
+            </a:schemeClr>
+          </a:lnRef>
+          <a:fillRef idx="1">
+            <a:schemeClr val="accent1"/>
+          </a:fillRef>
+          <a:effectRef idx="0">
+            <a:schemeClr val="accent1"/>
+          </a:effectRef>
+          <a:fontRef idx="minor">
+            <a:schemeClr val="lt1"/>
+          </a:fontRef>
+        </p:style>
+        <p:txBody>
+          <a:bodyPr rtlCol="0" anchor="ctr"/>
+          <a:lstStyle/>
+          <a:p>
+            <a:pPr algn="ctr"/>
+            <a:endParaRPr lang="en-GB"/>
+          </a:p>
+        </p:txBody>
+      </p:sp>
+      <p:grpSp>
+        <p:nvGrpSpPr>
+          <p:cNvPr id="28" name="Group 27"/>
+          <p:cNvGrpSpPr/>
+          <p:nvPr/>
+        </p:nvGrpSpPr>
+        <p:grpSpPr>
+          <a:xfrm>
+            <a:off x="2910363" y="1614969"/>
+            <a:ext cx="433384" cy="45719"/>
+            <a:chOff x="1471613" y="2010727"/>
+            <a:chExt cx="433384" cy="45719"/>
+          </a:xfrm>
+          <a:solidFill>
+            <a:schemeClr val="tx1"/>
+          </a:solidFill>
+        </p:grpSpPr>
+        <p:sp>
+          <p:nvSpPr>
+            <p:cNvPr id="29" name="Freeform 28"/>
+            <p:cNvSpPr/>
+            <p:nvPr/>
+          </p:nvSpPr>
+          <p:spPr>
+            <a:xfrm>
+              <a:off x="1471613" y="2038350"/>
+              <a:ext cx="357187" cy="0"/>
+            </a:xfrm>
+            <a:custGeom>
+              <a:avLst/>
+              <a:gdLst>
+                <a:gd name="connsiteX0" fmla="*/ 0 w 357187"/>
+                <a:gd name="connsiteY0" fmla="*/ 0 h 0"/>
+                <a:gd name="connsiteX1" fmla="*/ 357187 w 357187"/>
+                <a:gd name="connsiteY1" fmla="*/ 0 h 0"/>
+              </a:gdLst>
+              <a:ahLst/>
+              <a:cxnLst>
+                <a:cxn ang="0">
+                  <a:pos x="connsiteX0" y="connsiteY0"/>
+                </a:cxn>
+                <a:cxn ang="0">
+                  <a:pos x="connsiteX1" y="connsiteY1"/>
+                </a:cxn>
+              </a:cxnLst>
+              <a:rect l="l" t="t" r="r" b="b"/>
+              <a:pathLst>
+                <a:path w="357187">
+                  <a:moveTo>
+                    <a:pt x="0" y="0"/>
+                  </a:moveTo>
+                  <a:lnTo>
+                    <a:pt x="357187" y="0"/>
+                  </a:lnTo>
+                </a:path>
+              </a:pathLst>
+            </a:custGeom>
+            <a:grpFill/>
+            <a:ln w="38100">
+              <a:solidFill>
+                <a:schemeClr val="tx1"/>
+              </a:solidFill>
+            </a:ln>
+          </p:spPr>
+          <p:style>
+            <a:lnRef idx="2">
+              <a:schemeClr val="accent1">
+                <a:shade val="50000"/>
+              </a:schemeClr>
+            </a:lnRef>
+            <a:fillRef idx="1">
+              <a:schemeClr val="accent1"/>
+            </a:fillRef>
+            <a:effectRef idx="0">
+              <a:schemeClr val="accent1"/>
+            </a:effectRef>
+            <a:fontRef idx="minor">
+              <a:schemeClr val="lt1"/>
+            </a:fontRef>
+          </p:style>
+          <p:txBody>
+            <a:bodyPr rtlCol="0" anchor="ctr"/>
+            <a:lstStyle/>
+            <a:p>
+              <a:pPr algn="ctr"/>
+              <a:endParaRPr lang="en-GB"/>
+            </a:p>
+          </p:txBody>
+        </p:sp>
+        <p:sp>
+          <p:nvSpPr>
+            <p:cNvPr id="30" name="Oval 29"/>
+            <p:cNvSpPr/>
+            <p:nvPr/>
+          </p:nvSpPr>
+          <p:spPr>
+            <a:xfrm>
+              <a:off x="1859278" y="2010727"/>
+              <a:ext cx="45719" cy="45719"/>
+            </a:xfrm>
+            <a:prstGeom prst="ellipse">
+              <a:avLst/>
+            </a:prstGeom>
+            <a:solidFill>
+              <a:schemeClr val="tx1"/>
+            </a:solidFill>
+            <a:ln>
+              <a:solidFill>
+                <a:schemeClr val="tx1"/>
+              </a:solidFill>
+            </a:ln>
+          </p:spPr>
+          <p:style>
+            <a:lnRef idx="2">
+              <a:schemeClr val="accent1">
+                <a:shade val="50000"/>
+              </a:schemeClr>
+            </a:lnRef>
+            <a:fillRef idx="1">
+              <a:schemeClr val="accent1"/>
+            </a:fillRef>
+            <a:effectRef idx="0">
+              <a:schemeClr val="accent1"/>
+            </a:effectRef>
+            <a:fontRef idx="minor">
+              <a:schemeClr val="lt1"/>
+            </a:fontRef>
+          </p:style>
+          <p:txBody>
+            <a:bodyPr rtlCol="0" anchor="ctr"/>
+            <a:lstStyle/>
+            <a:p>
+              <a:pPr algn="ctr"/>
+              <a:endParaRPr lang="en-GB"/>
+            </a:p>
+          </p:txBody>
+        </p:sp>
+      </p:grpSp>
+      <p:grpSp>
+        <p:nvGrpSpPr>
+          <p:cNvPr id="39" name="Group 38"/>
+          <p:cNvGrpSpPr/>
+          <p:nvPr/>
+        </p:nvGrpSpPr>
+        <p:grpSpPr>
+          <a:xfrm>
+            <a:off x="2046920" y="1291832"/>
+            <a:ext cx="720090" cy="630076"/>
+            <a:chOff x="611505" y="3228502"/>
+            <a:chExt cx="720090" cy="630076"/>
+          </a:xfrm>
+        </p:grpSpPr>
+        <p:sp>
+          <p:nvSpPr>
+            <p:cNvPr id="34" name="Rectangle 33"/>
+            <p:cNvSpPr/>
+            <p:nvPr/>
+          </p:nvSpPr>
+          <p:spPr>
+            <a:xfrm>
+              <a:off x="611505" y="3228502"/>
+              <a:ext cx="720090" cy="630076"/>
+            </a:xfrm>
+            <a:prstGeom prst="rect">
+              <a:avLst/>
+            </a:prstGeom>
+            <a:solidFill>
+              <a:srgbClr val="FFCC00"/>
+            </a:solidFill>
+            <a:ln>
+              <a:noFill/>
+            </a:ln>
+          </p:spPr>
+          <p:style>
+            <a:lnRef idx="2">
+              <a:schemeClr val="accent1">
+                <a:shade val="50000"/>
+              </a:schemeClr>
+            </a:lnRef>
+            <a:fillRef idx="1">
+              <a:schemeClr val="accent1"/>
+            </a:fillRef>
+            <a:effectRef idx="0">
+              <a:schemeClr val="accent1"/>
+            </a:effectRef>
+            <a:fontRef idx="minor">
+              <a:schemeClr val="lt1"/>
+            </a:fontRef>
+          </p:style>
+          <p:txBody>
+            <a:bodyPr rtlCol="0" anchor="ctr"/>
+            <a:lstStyle/>
+            <a:p>
+              <a:pPr algn="ctr"/>
+              <a:endParaRPr lang="en-GB"/>
+            </a:p>
+          </p:txBody>
+        </p:sp>
+        <p:grpSp>
+          <p:nvGrpSpPr>
+            <p:cNvPr id="36" name="Group 35"/>
+            <p:cNvGrpSpPr/>
+            <p:nvPr/>
+          </p:nvGrpSpPr>
+          <p:grpSpPr>
+            <a:xfrm>
+              <a:off x="754858" y="3551640"/>
+              <a:ext cx="433384" cy="45719"/>
+              <a:chOff x="1471613" y="2010727"/>
+              <a:chExt cx="433384" cy="45719"/>
+            </a:xfrm>
+            <a:solidFill>
+              <a:schemeClr val="bg1">
+                <a:lumMod val="95000"/>
+              </a:schemeClr>
+            </a:solidFill>
+          </p:grpSpPr>
+          <p:sp>
+            <p:nvSpPr>
+              <p:cNvPr id="37" name="Freeform 36"/>
+              <p:cNvSpPr/>
+              <p:nvPr/>
+            </p:nvSpPr>
+            <p:spPr>
+              <a:xfrm>
+                <a:off x="1471613" y="2038350"/>
+                <a:ext cx="357187" cy="0"/>
+              </a:xfrm>
+              <a:custGeom>
+                <a:avLst/>
+                <a:gdLst>
+                  <a:gd name="connsiteX0" fmla="*/ 0 w 357187"/>
+                  <a:gd name="connsiteY0" fmla="*/ 0 h 0"/>
+                  <a:gd name="connsiteX1" fmla="*/ 357187 w 357187"/>
+                  <a:gd name="connsiteY1" fmla="*/ 0 h 0"/>
+                </a:gdLst>
+                <a:ahLst/>
+                <a:cxnLst>
+                  <a:cxn ang="0">
+                    <a:pos x="connsiteX0" y="connsiteY0"/>
+                  </a:cxn>
+                  <a:cxn ang="0">
+                    <a:pos x="connsiteX1" y="connsiteY1"/>
+                  </a:cxn>
+                </a:cxnLst>
+                <a:rect l="l" t="t" r="r" b="b"/>
+                <a:pathLst>
+                  <a:path w="357187">
+                    <a:moveTo>
+                      <a:pt x="0" y="0"/>
+                    </a:moveTo>
+                    <a:lnTo>
+                      <a:pt x="357187" y="0"/>
+                    </a:lnTo>
+                  </a:path>
+                </a:pathLst>
+              </a:custGeom>
+              <a:grpFill/>
+              <a:ln w="38100">
+                <a:solidFill>
+                  <a:schemeClr val="tx1">
+                    <a:lumMod val="95000"/>
+                    <a:lumOff val="5000"/>
+                  </a:schemeClr>
+                </a:solidFill>
+              </a:ln>
+            </p:spPr>
+            <p:style>
+              <a:lnRef idx="2">
+                <a:schemeClr val="accent1">
+                  <a:shade val="50000"/>
+                </a:schemeClr>
+              </a:lnRef>
+              <a:fillRef idx="1">
+                <a:schemeClr val="accent1"/>
+              </a:fillRef>
+              <a:effectRef idx="0">
+                <a:schemeClr val="accent1"/>
+              </a:effectRef>
+              <a:fontRef idx="minor">
+                <a:schemeClr val="lt1"/>
+              </a:fontRef>
+            </p:style>
+            <p:txBody>
+              <a:bodyPr rtlCol="0" anchor="ctr"/>
+              <a:lstStyle/>
+              <a:p>
+                <a:pPr algn="ctr"/>
+                <a:endParaRPr lang="en-GB"/>
+              </a:p>
+            </p:txBody>
+          </p:sp>
+          <p:sp>
+            <p:nvSpPr>
+              <p:cNvPr id="38" name="Oval 37"/>
+              <p:cNvSpPr/>
+              <p:nvPr/>
+            </p:nvSpPr>
+            <p:spPr>
+              <a:xfrm>
+                <a:off x="1859278" y="2010727"/>
+                <a:ext cx="45719" cy="45719"/>
+              </a:xfrm>
+              <a:prstGeom prst="ellipse">
+                <a:avLst/>
+              </a:prstGeom>
+              <a:solidFill>
+                <a:schemeClr val="tx1"/>
+              </a:solidFill>
+              <a:ln>
+                <a:solidFill>
+                  <a:schemeClr val="tx1">
+                    <a:lumMod val="95000"/>
+                    <a:lumOff val="5000"/>
+                  </a:schemeClr>
+                </a:solidFill>
+              </a:ln>
+            </p:spPr>
+            <p:style>
+              <a:lnRef idx="2">
+                <a:schemeClr val="accent1">
+                  <a:shade val="50000"/>
+                </a:schemeClr>
+              </a:lnRef>
+              <a:fillRef idx="1">
+                <a:schemeClr val="accent1"/>
+              </a:fillRef>
+              <a:effectRef idx="0">
+                <a:schemeClr val="accent1"/>
+              </a:effectRef>
+              <a:fontRef idx="minor">
+                <a:schemeClr val="lt1"/>
+              </a:fontRef>
+            </p:style>
+            <p:txBody>
+              <a:bodyPr rtlCol="0" anchor="ctr"/>
+              <a:lstStyle/>
+              <a:p>
+                <a:pPr algn="ctr"/>
+                <a:endParaRPr lang="en-GB"/>
+              </a:p>
+            </p:txBody>
+          </p:sp>
+        </p:grpSp>
+      </p:grpSp>
+      <p:sp>
+        <p:nvSpPr>
+          <p:cNvPr id="41" name="Rectangle 40"/>
+          <p:cNvSpPr/>
+          <p:nvPr/>
+        </p:nvSpPr>
+        <p:spPr>
+          <a:xfrm>
+            <a:off x="1520904" y="2919889"/>
+            <a:ext cx="720090" cy="630076"/>
+          </a:xfrm>
+          <a:prstGeom prst="rect">
+            <a:avLst/>
+          </a:prstGeom>
+          <a:solidFill>
+            <a:srgbClr val="FFCC00"/>
+          </a:solidFill>
+          <a:ln>
+            <a:noFill/>
+          </a:ln>
+        </p:spPr>
+        <p:style>
+          <a:lnRef idx="2">
+            <a:schemeClr val="accent1">
+              <a:shade val="50000"/>
+            </a:schemeClr>
+          </a:lnRef>
+          <a:fillRef idx="1">
+            <a:schemeClr val="accent1"/>
+          </a:fillRef>
+          <a:effectRef idx="0">
+            <a:schemeClr val="accent1"/>
+          </a:effectRef>
+          <a:fontRef idx="minor">
+            <a:schemeClr val="lt1"/>
+          </a:fontRef>
+        </p:style>
+        <p:txBody>
+          <a:bodyPr rtlCol="0" anchor="ctr"/>
+          <a:lstStyle/>
+          <a:p>
+            <a:pPr algn="ctr"/>
+            <a:endParaRPr lang="en-GB"/>
+          </a:p>
+        </p:txBody>
+      </p:sp>
+      <p:sp>
+        <p:nvSpPr>
+          <p:cNvPr id="43" name="Freeform 42"/>
+          <p:cNvSpPr/>
+          <p:nvPr/>
+        </p:nvSpPr>
+        <p:spPr>
+          <a:xfrm>
+            <a:off x="1770458" y="3135154"/>
+            <a:ext cx="173831" cy="307182"/>
+          </a:xfrm>
+          <a:custGeom>
+            <a:avLst/>
+            <a:gdLst>
+              <a:gd name="connsiteX0" fmla="*/ 0 w 233362"/>
+              <a:gd name="connsiteY0" fmla="*/ 338138 h 338138"/>
+              <a:gd name="connsiteX1" fmla="*/ 0 w 233362"/>
+              <a:gd name="connsiteY1" fmla="*/ 338138 h 338138"/>
+              <a:gd name="connsiteX2" fmla="*/ 21431 w 233362"/>
+              <a:gd name="connsiteY2" fmla="*/ 190500 h 338138"/>
+              <a:gd name="connsiteX3" fmla="*/ 202406 w 233362"/>
+              <a:gd name="connsiteY3" fmla="*/ 190500 h 338138"/>
+              <a:gd name="connsiteX4" fmla="*/ 233362 w 233362"/>
+              <a:gd name="connsiteY4" fmla="*/ 0 h 338138"/>
+            </a:gdLst>
+            <a:ahLst/>
+            <a:cxnLst>
+              <a:cxn ang="0">
+                <a:pos x="connsiteX0" y="connsiteY0"/>
+              </a:cxn>
+              <a:cxn ang="0">
+                <a:pos x="connsiteX1" y="connsiteY1"/>
+              </a:cxn>
+              <a:cxn ang="0">
+                <a:pos x="connsiteX2" y="connsiteY2"/>
+              </a:cxn>
+              <a:cxn ang="0">
+                <a:pos x="connsiteX3" y="connsiteY3"/>
+              </a:cxn>
+              <a:cxn ang="0">
+                <a:pos x="connsiteX4" y="connsiteY4"/>
+              </a:cxn>
+            </a:cxnLst>
+            <a:rect l="l" t="t" r="r" b="b"/>
+            <a:pathLst>
+              <a:path w="233362" h="338138">
+                <a:moveTo>
+                  <a:pt x="0" y="338138"/>
+                </a:moveTo>
+                <a:lnTo>
+                  <a:pt x="0" y="338138"/>
+                </a:lnTo>
+                <a:lnTo>
+                  <a:pt x="21431" y="190500"/>
+                </a:lnTo>
+                <a:lnTo>
+                  <a:pt x="202406" y="190500"/>
+                </a:lnTo>
+                <a:lnTo>
+                  <a:pt x="233362" y="0"/>
+                </a:lnTo>
+              </a:path>
+            </a:pathLst>
+          </a:custGeom>
+          <a:noFill/>
+          <a:ln w="38100">
+            <a:solidFill>
+              <a:srgbClr val="FF0000"/>
+            </a:solidFill>
+          </a:ln>
+        </p:spPr>
+        <p:style>
+          <a:lnRef idx="2">
+            <a:schemeClr val="accent1">
+              <a:shade val="50000"/>
+            </a:schemeClr>
+          </a:lnRef>
+          <a:fillRef idx="1">
+            <a:schemeClr val="accent1"/>
+          </a:fillRef>
+          <a:effectRef idx="0">
+            <a:schemeClr val="accent1"/>
+          </a:effectRef>
+          <a:fontRef idx="minor">
+            <a:schemeClr val="lt1"/>
+          </a:fontRef>
+        </p:style>
+        <p:txBody>
+          <a:bodyPr rtlCol="0" anchor="ctr"/>
+          <a:lstStyle/>
+          <a:p>
+            <a:pPr algn="ctr"/>
+            <a:endParaRPr lang="en-GB"/>
+          </a:p>
+        </p:txBody>
+      </p:sp>
+      <p:sp>
+        <p:nvSpPr>
+          <p:cNvPr id="44" name="Oval 43"/>
+          <p:cNvSpPr/>
+          <p:nvPr/>
+        </p:nvSpPr>
+        <p:spPr>
+          <a:xfrm>
+            <a:off x="1923811" y="3053717"/>
+            <a:ext cx="45719" cy="45719"/>
+          </a:xfrm>
+          <a:prstGeom prst="ellipse">
+            <a:avLst/>
+          </a:prstGeom>
+          <a:solidFill>
+            <a:srgbClr val="FF0000"/>
+          </a:solidFill>
+          <a:ln>
+            <a:solidFill>
+              <a:srgbClr val="FF0000"/>
+            </a:solidFill>
+          </a:ln>
+        </p:spPr>
+        <p:style>
+          <a:lnRef idx="2">
+            <a:schemeClr val="accent1">
+              <a:shade val="50000"/>
+            </a:schemeClr>
+          </a:lnRef>
+          <a:fillRef idx="1">
+            <a:schemeClr val="accent1"/>
+          </a:fillRef>
+          <a:effectRef idx="0">
+            <a:schemeClr val="accent1"/>
+          </a:effectRef>
+          <a:fontRef idx="minor">
+            <a:schemeClr val="lt1"/>
+          </a:fontRef>
+        </p:style>
+        <p:txBody>
+          <a:bodyPr rtlCol="0" anchor="ctr"/>
+          <a:lstStyle/>
+          <a:p>
+            <a:pPr algn="ctr"/>
+            <a:endParaRPr lang="en-GB"/>
+          </a:p>
+        </p:txBody>
+      </p:sp>
+      <p:grpSp>
+        <p:nvGrpSpPr>
+          <p:cNvPr id="45" name="Group 44"/>
+          <p:cNvGrpSpPr/>
+          <p:nvPr/>
+        </p:nvGrpSpPr>
+        <p:grpSpPr>
+          <a:xfrm>
+            <a:off x="2384347" y="3243026"/>
+            <a:ext cx="433384" cy="45719"/>
+            <a:chOff x="1471613" y="2010727"/>
+            <a:chExt cx="433384" cy="45719"/>
+          </a:xfrm>
+          <a:solidFill>
+            <a:schemeClr val="bg1">
+              <a:lumMod val="95000"/>
+            </a:schemeClr>
+          </a:solidFill>
+        </p:grpSpPr>
+        <p:sp>
+          <p:nvSpPr>
+            <p:cNvPr id="46" name="Freeform 45"/>
+            <p:cNvSpPr/>
+            <p:nvPr/>
+          </p:nvSpPr>
+          <p:spPr>
+            <a:xfrm>
+              <a:off x="1471613" y="2038350"/>
+              <a:ext cx="357187" cy="0"/>
+            </a:xfrm>
+            <a:custGeom>
+              <a:avLst/>
+              <a:gdLst>
+                <a:gd name="connsiteX0" fmla="*/ 0 w 357187"/>
+                <a:gd name="connsiteY0" fmla="*/ 0 h 0"/>
+                <a:gd name="connsiteX1" fmla="*/ 357187 w 357187"/>
+                <a:gd name="connsiteY1" fmla="*/ 0 h 0"/>
+              </a:gdLst>
+              <a:ahLst/>
+              <a:cxnLst>
+                <a:cxn ang="0">
+                  <a:pos x="connsiteX0" y="connsiteY0"/>
+                </a:cxn>
+                <a:cxn ang="0">
+                  <a:pos x="connsiteX1" y="connsiteY1"/>
+                </a:cxn>
+              </a:cxnLst>
+              <a:rect l="l" t="t" r="r" b="b"/>
+              <a:pathLst>
+                <a:path w="357187">
+                  <a:moveTo>
+                    <a:pt x="0" y="0"/>
+                  </a:moveTo>
+                  <a:lnTo>
+                    <a:pt x="357187" y="0"/>
+                  </a:lnTo>
+                </a:path>
+              </a:pathLst>
+            </a:custGeom>
+            <a:grpFill/>
+            <a:ln w="38100">
+              <a:solidFill>
+                <a:schemeClr val="bg1">
+                  <a:lumMod val="95000"/>
+                </a:schemeClr>
+              </a:solidFill>
+            </a:ln>
+          </p:spPr>
+          <p:style>
+            <a:lnRef idx="2">
+              <a:schemeClr val="accent1">
+                <a:shade val="50000"/>
+              </a:schemeClr>
+            </a:lnRef>
+            <a:fillRef idx="1">
+              <a:schemeClr val="accent1"/>
+            </a:fillRef>
+            <a:effectRef idx="0">
+              <a:schemeClr val="accent1"/>
+            </a:effectRef>
+            <a:fontRef idx="minor">
+              <a:schemeClr val="lt1"/>
+            </a:fontRef>
+          </p:style>
+          <p:txBody>
+            <a:bodyPr rtlCol="0" anchor="ctr"/>
+            <a:lstStyle/>
+            <a:p>
+              <a:pPr algn="ctr"/>
+              <a:endParaRPr lang="en-GB"/>
+            </a:p>
+          </p:txBody>
+        </p:sp>
+        <p:sp>
+          <p:nvSpPr>
+            <p:cNvPr id="47" name="Oval 46"/>
+            <p:cNvSpPr/>
+            <p:nvPr/>
+          </p:nvSpPr>
+          <p:spPr>
+            <a:xfrm>
+              <a:off x="1859278" y="2010727"/>
+              <a:ext cx="45719" cy="45719"/>
+            </a:xfrm>
+            <a:prstGeom prst="ellipse">
+              <a:avLst/>
+            </a:prstGeom>
+            <a:grpFill/>
+            <a:ln>
+              <a:solidFill>
+                <a:schemeClr val="bg1">
+                  <a:lumMod val="95000"/>
+                </a:schemeClr>
+              </a:solidFill>
+            </a:ln>
+          </p:spPr>
+          <p:style>
+            <a:lnRef idx="2">
+              <a:schemeClr val="accent1">
+                <a:shade val="50000"/>
+              </a:schemeClr>
+            </a:lnRef>
+            <a:fillRef idx="1">
+              <a:schemeClr val="accent1"/>
+            </a:fillRef>
+            <a:effectRef idx="0">
+              <a:schemeClr val="accent1"/>
+            </a:effectRef>
+            <a:fontRef idx="minor">
+              <a:schemeClr val="lt1"/>
+            </a:fontRef>
+          </p:style>
+          <p:txBody>
+            <a:bodyPr rtlCol="0" anchor="ctr"/>
+            <a:lstStyle/>
+            <a:p>
+              <a:pPr algn="ctr"/>
+              <a:endParaRPr lang="en-GB"/>
+            </a:p>
+          </p:txBody>
+        </p:sp>
+      </p:grpSp>
+      <p:sp>
+        <p:nvSpPr>
+          <p:cNvPr id="48" name="Rectangle 47"/>
+          <p:cNvSpPr/>
+          <p:nvPr/>
+        </p:nvSpPr>
+        <p:spPr>
+          <a:xfrm>
+            <a:off x="3656882" y="2919890"/>
+            <a:ext cx="720090" cy="630076"/>
+          </a:xfrm>
+          <a:prstGeom prst="rect">
+            <a:avLst/>
+          </a:prstGeom>
+          <a:solidFill>
+            <a:srgbClr val="FFCC00"/>
+          </a:solidFill>
+          <a:ln>
+            <a:noFill/>
+          </a:ln>
+        </p:spPr>
+        <p:style>
+          <a:lnRef idx="2">
+            <a:schemeClr val="accent1">
+              <a:shade val="50000"/>
+            </a:schemeClr>
+          </a:lnRef>
+          <a:fillRef idx="1">
+            <a:schemeClr val="accent1"/>
+          </a:fillRef>
+          <a:effectRef idx="0">
+            <a:schemeClr val="accent1"/>
+          </a:effectRef>
+          <a:fontRef idx="minor">
+            <a:schemeClr val="lt1"/>
+          </a:fontRef>
+        </p:style>
+        <p:txBody>
+          <a:bodyPr rtlCol="0" anchor="ctr"/>
+          <a:lstStyle/>
+          <a:p>
+            <a:pPr algn="ctr"/>
+            <a:endParaRPr lang="en-GB"/>
+          </a:p>
+        </p:txBody>
+      </p:sp>
+      <p:sp>
+        <p:nvSpPr>
+          <p:cNvPr id="52" name="Rectangle 51"/>
+          <p:cNvSpPr/>
+          <p:nvPr/>
+        </p:nvSpPr>
+        <p:spPr>
+          <a:xfrm>
+            <a:off x="2956320" y="2919889"/>
+            <a:ext cx="720090" cy="630076"/>
+          </a:xfrm>
+          <a:prstGeom prst="rect">
+            <a:avLst/>
+          </a:prstGeom>
+          <a:solidFill>
+            <a:srgbClr val="FFCC00"/>
+          </a:solidFill>
+          <a:ln>
+            <a:noFill/>
+          </a:ln>
+        </p:spPr>
+        <p:style>
+          <a:lnRef idx="2">
+            <a:schemeClr val="accent1">
+              <a:shade val="50000"/>
+            </a:schemeClr>
+          </a:lnRef>
+          <a:fillRef idx="1">
+            <a:schemeClr val="accent1"/>
+          </a:fillRef>
+          <a:effectRef idx="0">
+            <a:schemeClr val="accent1"/>
+          </a:effectRef>
+          <a:fontRef idx="minor">
+            <a:schemeClr val="lt1"/>
+          </a:fontRef>
+        </p:style>
+        <p:txBody>
+          <a:bodyPr rtlCol="0" anchor="ctr"/>
+          <a:lstStyle/>
+          <a:p>
+            <a:pPr algn="ctr"/>
+            <a:endParaRPr lang="en-GB"/>
+          </a:p>
+        </p:txBody>
+      </p:sp>
+      <p:sp>
+        <p:nvSpPr>
+          <p:cNvPr id="53" name="Rectangle 52"/>
+          <p:cNvSpPr/>
+          <p:nvPr/>
+        </p:nvSpPr>
+        <p:spPr>
+          <a:xfrm>
+            <a:off x="2956320" y="2919890"/>
+            <a:ext cx="720090" cy="630076"/>
+          </a:xfrm>
+          <a:prstGeom prst="rect">
+            <a:avLst/>
+          </a:prstGeom>
+          <a:solidFill>
+            <a:schemeClr val="tx1">
+              <a:lumMod val="50000"/>
+              <a:lumOff val="50000"/>
+            </a:schemeClr>
+          </a:solidFill>
+          <a:ln>
+            <a:noFill/>
+          </a:ln>
+        </p:spPr>
+        <p:style>
+          <a:lnRef idx="2">
+            <a:schemeClr val="accent1">
+              <a:shade val="50000"/>
+            </a:schemeClr>
+          </a:lnRef>
+          <a:fillRef idx="1">
+            <a:schemeClr val="accent1"/>
+          </a:fillRef>
+          <a:effectRef idx="0">
+            <a:schemeClr val="accent1"/>
+          </a:effectRef>
+          <a:fontRef idx="minor">
+            <a:schemeClr val="lt1"/>
+          </a:fontRef>
+        </p:style>
+        <p:txBody>
+          <a:bodyPr rtlCol="0" anchor="ctr"/>
+          <a:lstStyle/>
+          <a:p>
+            <a:pPr algn="ctr"/>
+            <a:endParaRPr lang="en-GB"/>
+          </a:p>
+        </p:txBody>
+      </p:sp>
+      <p:grpSp>
+        <p:nvGrpSpPr>
+          <p:cNvPr id="54" name="Group 53"/>
+          <p:cNvGrpSpPr/>
+          <p:nvPr/>
+        </p:nvGrpSpPr>
+        <p:grpSpPr>
+          <a:xfrm>
+            <a:off x="3094199" y="3223029"/>
+            <a:ext cx="444331" cy="45719"/>
+            <a:chOff x="1483519" y="1990729"/>
+            <a:chExt cx="444331" cy="45719"/>
+          </a:xfrm>
+          <a:solidFill>
+            <a:schemeClr val="accent1">
+              <a:lumMod val="75000"/>
+            </a:schemeClr>
+          </a:solidFill>
+        </p:grpSpPr>
+        <p:sp>
+          <p:nvSpPr>
+            <p:cNvPr id="55" name="Freeform 54"/>
+            <p:cNvSpPr/>
+            <p:nvPr/>
+          </p:nvSpPr>
+          <p:spPr>
+            <a:xfrm>
+              <a:off x="1483519" y="2019300"/>
+              <a:ext cx="357187" cy="0"/>
+            </a:xfrm>
+            <a:custGeom>
+              <a:avLst/>
+              <a:gdLst>
+                <a:gd name="connsiteX0" fmla="*/ 0 w 357187"/>
+                <a:gd name="connsiteY0" fmla="*/ 0 h 0"/>
+                <a:gd name="connsiteX1" fmla="*/ 357187 w 357187"/>
+                <a:gd name="connsiteY1" fmla="*/ 0 h 0"/>
+              </a:gdLst>
+              <a:ahLst/>
+              <a:cxnLst>
+                <a:cxn ang="0">
+                  <a:pos x="connsiteX0" y="connsiteY0"/>
+                </a:cxn>
+                <a:cxn ang="0">
+                  <a:pos x="connsiteX1" y="connsiteY1"/>
+                </a:cxn>
+              </a:cxnLst>
+              <a:rect l="l" t="t" r="r" b="b"/>
+              <a:pathLst>
+                <a:path w="357187">
+                  <a:moveTo>
+                    <a:pt x="0" y="0"/>
+                  </a:moveTo>
+                  <a:lnTo>
+                    <a:pt x="357187" y="0"/>
+                  </a:lnTo>
+                </a:path>
+              </a:pathLst>
+            </a:custGeom>
+            <a:grpFill/>
+            <a:ln w="38100">
+              <a:solidFill>
+                <a:schemeClr val="accent1">
+                  <a:lumMod val="75000"/>
+                </a:schemeClr>
+              </a:solidFill>
+            </a:ln>
+          </p:spPr>
+          <p:style>
+            <a:lnRef idx="2">
+              <a:schemeClr val="accent1">
+                <a:shade val="50000"/>
+              </a:schemeClr>
+            </a:lnRef>
+            <a:fillRef idx="1">
+              <a:schemeClr val="accent1"/>
+            </a:fillRef>
+            <a:effectRef idx="0">
+              <a:schemeClr val="accent1"/>
+            </a:effectRef>
+            <a:fontRef idx="minor">
+              <a:schemeClr val="lt1"/>
+            </a:fontRef>
+          </p:style>
+          <p:txBody>
+            <a:bodyPr rtlCol="0" anchor="ctr"/>
+            <a:lstStyle/>
+            <a:p>
+              <a:pPr algn="ctr"/>
+              <a:endParaRPr lang="en-GB"/>
+            </a:p>
+          </p:txBody>
+        </p:sp>
+        <p:sp>
+          <p:nvSpPr>
+            <p:cNvPr id="56" name="Oval 55"/>
+            <p:cNvSpPr/>
+            <p:nvPr/>
+          </p:nvSpPr>
+          <p:spPr>
+            <a:xfrm>
+              <a:off x="1882131" y="1990729"/>
+              <a:ext cx="45719" cy="45719"/>
+            </a:xfrm>
+            <a:prstGeom prst="ellipse">
+              <a:avLst/>
+            </a:prstGeom>
+            <a:grpFill/>
+            <a:ln>
+              <a:solidFill>
+                <a:schemeClr val="accent1">
+                  <a:lumMod val="75000"/>
+                </a:schemeClr>
+              </a:solidFill>
+            </a:ln>
+          </p:spPr>
+          <p:style>
+            <a:lnRef idx="2">
+              <a:schemeClr val="accent1">
+                <a:shade val="50000"/>
+              </a:schemeClr>
+            </a:lnRef>
+            <a:fillRef idx="1">
+              <a:schemeClr val="accent1"/>
+            </a:fillRef>
+            <a:effectRef idx="0">
+              <a:schemeClr val="accent1"/>
+            </a:effectRef>
+            <a:fontRef idx="minor">
+              <a:schemeClr val="lt1"/>
+            </a:fontRef>
+          </p:style>
+          <p:txBody>
+            <a:bodyPr rtlCol="0" anchor="ctr"/>
+            <a:lstStyle/>
+            <a:p>
+              <a:pPr algn="ctr"/>
+              <a:endParaRPr lang="en-GB"/>
+            </a:p>
+          </p:txBody>
+        </p:sp>
+      </p:grpSp>
+      <p:sp>
+        <p:nvSpPr>
+          <p:cNvPr id="58" name="Rectangle 57"/>
+          <p:cNvSpPr/>
+          <p:nvPr/>
+        </p:nvSpPr>
+        <p:spPr>
+          <a:xfrm>
+            <a:off x="2236230" y="2919890"/>
+            <a:ext cx="720090" cy="630076"/>
+          </a:xfrm>
+          <a:prstGeom prst="rect">
+            <a:avLst/>
+          </a:prstGeom>
+          <a:solidFill>
+            <a:srgbClr val="FFCC00"/>
+          </a:solidFill>
+          <a:ln>
+            <a:noFill/>
+          </a:ln>
+        </p:spPr>
+        <p:style>
+          <a:lnRef idx="2">
+            <a:schemeClr val="accent1">
+              <a:shade val="50000"/>
+            </a:schemeClr>
+          </a:lnRef>
+          <a:fillRef idx="1">
+            <a:schemeClr val="accent1"/>
+          </a:fillRef>
+          <a:effectRef idx="0">
+            <a:schemeClr val="accent1"/>
+          </a:effectRef>
+          <a:fontRef idx="minor">
+            <a:schemeClr val="lt1"/>
+          </a:fontRef>
+        </p:style>
+        <p:txBody>
+          <a:bodyPr rtlCol="0" anchor="ctr"/>
+          <a:lstStyle/>
+          <a:p>
+            <a:pPr algn="ctr"/>
+            <a:endParaRPr lang="en-GB"/>
+          </a:p>
+        </p:txBody>
+      </p:sp>
+      <p:sp>
+        <p:nvSpPr>
+          <p:cNvPr id="63" name="Rectangle 62"/>
+          <p:cNvSpPr/>
+          <p:nvPr/>
+        </p:nvSpPr>
+        <p:spPr>
+          <a:xfrm>
+            <a:off x="5481642" y="2905842"/>
+            <a:ext cx="720090" cy="630076"/>
+          </a:xfrm>
+          <a:prstGeom prst="rect">
+            <a:avLst/>
+          </a:prstGeom>
+          <a:solidFill>
+            <a:schemeClr val="tx1">
+              <a:lumMod val="50000"/>
+              <a:lumOff val="50000"/>
+            </a:schemeClr>
+          </a:solidFill>
+          <a:ln>
+            <a:noFill/>
+          </a:ln>
+        </p:spPr>
+        <p:style>
+          <a:lnRef idx="2">
+            <a:schemeClr val="accent1">
+              <a:shade val="50000"/>
+            </a:schemeClr>
+          </a:lnRef>
+          <a:fillRef idx="1">
+            <a:schemeClr val="accent1"/>
+          </a:fillRef>
+          <a:effectRef idx="0">
+            <a:schemeClr val="accent1"/>
+          </a:effectRef>
+          <a:fontRef idx="minor">
+            <a:schemeClr val="lt1"/>
+          </a:fontRef>
+        </p:style>
+        <p:txBody>
+          <a:bodyPr rtlCol="0" anchor="ctr"/>
+          <a:lstStyle/>
+          <a:p>
+            <a:pPr algn="ctr"/>
+            <a:endParaRPr lang="en-GB"/>
+          </a:p>
+        </p:txBody>
+      </p:sp>
+      <p:sp>
+        <p:nvSpPr>
+          <p:cNvPr id="65" name="Freeform 64"/>
+          <p:cNvSpPr/>
+          <p:nvPr/>
+        </p:nvSpPr>
+        <p:spPr>
+          <a:xfrm>
+            <a:off x="5731196" y="3121107"/>
+            <a:ext cx="173831" cy="307182"/>
+          </a:xfrm>
+          <a:custGeom>
+            <a:avLst/>
+            <a:gdLst>
+              <a:gd name="connsiteX0" fmla="*/ 0 w 233362"/>
+              <a:gd name="connsiteY0" fmla="*/ 338138 h 338138"/>
+              <a:gd name="connsiteX1" fmla="*/ 0 w 233362"/>
+              <a:gd name="connsiteY1" fmla="*/ 338138 h 338138"/>
+              <a:gd name="connsiteX2" fmla="*/ 21431 w 233362"/>
+              <a:gd name="connsiteY2" fmla="*/ 190500 h 338138"/>
+              <a:gd name="connsiteX3" fmla="*/ 202406 w 233362"/>
+              <a:gd name="connsiteY3" fmla="*/ 190500 h 338138"/>
+              <a:gd name="connsiteX4" fmla="*/ 233362 w 233362"/>
+              <a:gd name="connsiteY4" fmla="*/ 0 h 338138"/>
+            </a:gdLst>
+            <a:ahLst/>
+            <a:cxnLst>
+              <a:cxn ang="0">
+                <a:pos x="connsiteX0" y="connsiteY0"/>
+              </a:cxn>
+              <a:cxn ang="0">
+                <a:pos x="connsiteX1" y="connsiteY1"/>
+              </a:cxn>
+              <a:cxn ang="0">
+                <a:pos x="connsiteX2" y="connsiteY2"/>
+              </a:cxn>
+              <a:cxn ang="0">
+                <a:pos x="connsiteX3" y="connsiteY3"/>
+              </a:cxn>
+              <a:cxn ang="0">
+                <a:pos x="connsiteX4" y="connsiteY4"/>
+              </a:cxn>
+            </a:cxnLst>
+            <a:rect l="l" t="t" r="r" b="b"/>
+            <a:pathLst>
+              <a:path w="233362" h="338138">
+                <a:moveTo>
+                  <a:pt x="0" y="338138"/>
+                </a:moveTo>
+                <a:lnTo>
+                  <a:pt x="0" y="338138"/>
+                </a:lnTo>
+                <a:lnTo>
+                  <a:pt x="21431" y="190500"/>
+                </a:lnTo>
+                <a:lnTo>
+                  <a:pt x="202406" y="190500"/>
+                </a:lnTo>
+                <a:lnTo>
+                  <a:pt x="233362" y="0"/>
+                </a:lnTo>
+              </a:path>
+            </a:pathLst>
+          </a:custGeom>
+          <a:noFill/>
+          <a:ln w="38100">
+            <a:solidFill>
+              <a:srgbClr val="FF0000"/>
+            </a:solidFill>
+          </a:ln>
+        </p:spPr>
+        <p:style>
+          <a:lnRef idx="2">
+            <a:schemeClr val="accent1">
+              <a:shade val="50000"/>
+            </a:schemeClr>
+          </a:lnRef>
+          <a:fillRef idx="1">
+            <a:schemeClr val="accent1"/>
+          </a:fillRef>
+          <a:effectRef idx="0">
+            <a:schemeClr val="accent1"/>
+          </a:effectRef>
+          <a:fontRef idx="minor">
+            <a:schemeClr val="lt1"/>
+          </a:fontRef>
+        </p:style>
+        <p:txBody>
+          <a:bodyPr rtlCol="0" anchor="ctr"/>
+          <a:lstStyle/>
+          <a:p>
+            <a:pPr algn="ctr"/>
+            <a:endParaRPr lang="en-GB"/>
+          </a:p>
+        </p:txBody>
+      </p:sp>
+      <p:sp>
+        <p:nvSpPr>
+          <p:cNvPr id="66" name="Oval 65"/>
+          <p:cNvSpPr/>
+          <p:nvPr/>
+        </p:nvSpPr>
+        <p:spPr>
+          <a:xfrm>
+            <a:off x="5884549" y="3039670"/>
+            <a:ext cx="45719" cy="45719"/>
+          </a:xfrm>
+          <a:prstGeom prst="ellipse">
+            <a:avLst/>
+          </a:prstGeom>
+          <a:solidFill>
+            <a:srgbClr val="FF0000"/>
+          </a:solidFill>
+          <a:ln>
+            <a:solidFill>
+              <a:srgbClr val="FF0000"/>
+            </a:solidFill>
+          </a:ln>
+        </p:spPr>
+        <p:style>
+          <a:lnRef idx="2">
+            <a:schemeClr val="accent1">
+              <a:shade val="50000"/>
+            </a:schemeClr>
+          </a:lnRef>
+          <a:fillRef idx="1">
+            <a:schemeClr val="accent1"/>
+          </a:fillRef>
+          <a:effectRef idx="0">
+            <a:schemeClr val="accent1"/>
+          </a:effectRef>
+          <a:fontRef idx="minor">
+            <a:schemeClr val="lt1"/>
+          </a:fontRef>
+        </p:style>
+        <p:txBody>
+          <a:bodyPr rtlCol="0" anchor="ctr"/>
+          <a:lstStyle/>
+          <a:p>
+            <a:pPr algn="ctr"/>
+            <a:endParaRPr lang="en-GB"/>
+          </a:p>
+        </p:txBody>
+      </p:sp>
+      <p:grpSp>
+        <p:nvGrpSpPr>
+          <p:cNvPr id="67" name="Group 66"/>
+          <p:cNvGrpSpPr/>
+          <p:nvPr/>
+        </p:nvGrpSpPr>
+        <p:grpSpPr>
+          <a:xfrm>
+            <a:off x="6345085" y="3228979"/>
+            <a:ext cx="433384" cy="45719"/>
+            <a:chOff x="1471613" y="2010727"/>
+            <a:chExt cx="433384" cy="45719"/>
+          </a:xfrm>
+          <a:solidFill>
+            <a:schemeClr val="bg1">
+              <a:lumMod val="95000"/>
+            </a:schemeClr>
+          </a:solidFill>
+        </p:grpSpPr>
+        <p:sp>
+          <p:nvSpPr>
+            <p:cNvPr id="68" name="Freeform 67"/>
+            <p:cNvSpPr/>
+            <p:nvPr/>
+          </p:nvSpPr>
+          <p:spPr>
+            <a:xfrm>
+              <a:off x="1471613" y="2038350"/>
+              <a:ext cx="357187" cy="0"/>
+            </a:xfrm>
+            <a:custGeom>
+              <a:avLst/>
+              <a:gdLst>
+                <a:gd name="connsiteX0" fmla="*/ 0 w 357187"/>
+                <a:gd name="connsiteY0" fmla="*/ 0 h 0"/>
+                <a:gd name="connsiteX1" fmla="*/ 357187 w 357187"/>
+                <a:gd name="connsiteY1" fmla="*/ 0 h 0"/>
+              </a:gdLst>
+              <a:ahLst/>
+              <a:cxnLst>
+                <a:cxn ang="0">
+                  <a:pos x="connsiteX0" y="connsiteY0"/>
+                </a:cxn>
+                <a:cxn ang="0">
+                  <a:pos x="connsiteX1" y="connsiteY1"/>
+                </a:cxn>
+              </a:cxnLst>
+              <a:rect l="l" t="t" r="r" b="b"/>
+              <a:pathLst>
+                <a:path w="357187">
+                  <a:moveTo>
+                    <a:pt x="0" y="0"/>
+                  </a:moveTo>
+                  <a:lnTo>
+                    <a:pt x="357187" y="0"/>
+                  </a:lnTo>
+                </a:path>
+              </a:pathLst>
+            </a:custGeom>
+            <a:grpFill/>
+            <a:ln w="38100">
+              <a:solidFill>
+                <a:schemeClr val="bg1">
+                  <a:lumMod val="95000"/>
+                </a:schemeClr>
+              </a:solidFill>
+            </a:ln>
+          </p:spPr>
+          <p:style>
+            <a:lnRef idx="2">
+              <a:schemeClr val="accent1">
+                <a:shade val="50000"/>
+              </a:schemeClr>
+            </a:lnRef>
+            <a:fillRef idx="1">
+              <a:schemeClr val="accent1"/>
+            </a:fillRef>
+            <a:effectRef idx="0">
+              <a:schemeClr val="accent1"/>
+            </a:effectRef>
+            <a:fontRef idx="minor">
+              <a:schemeClr val="lt1"/>
+            </a:fontRef>
+          </p:style>
+          <p:txBody>
+            <a:bodyPr rtlCol="0" anchor="ctr"/>
+            <a:lstStyle/>
+            <a:p>
+              <a:pPr algn="ctr"/>
+              <a:endParaRPr lang="en-GB"/>
+            </a:p>
+          </p:txBody>
+        </p:sp>
+        <p:sp>
+          <p:nvSpPr>
+            <p:cNvPr id="69" name="Oval 68"/>
+            <p:cNvSpPr/>
+            <p:nvPr/>
+          </p:nvSpPr>
+          <p:spPr>
+            <a:xfrm>
+              <a:off x="1859278" y="2010727"/>
+              <a:ext cx="45719" cy="45719"/>
+            </a:xfrm>
+            <a:prstGeom prst="ellipse">
+              <a:avLst/>
+            </a:prstGeom>
+            <a:grpFill/>
+            <a:ln>
+              <a:solidFill>
+                <a:schemeClr val="bg1">
+                  <a:lumMod val="95000"/>
+                </a:schemeClr>
+              </a:solidFill>
+            </a:ln>
+          </p:spPr>
+          <p:style>
+            <a:lnRef idx="2">
+              <a:schemeClr val="accent1">
+                <a:shade val="50000"/>
+              </a:schemeClr>
+            </a:lnRef>
+            <a:fillRef idx="1">
+              <a:schemeClr val="accent1"/>
+            </a:fillRef>
+            <a:effectRef idx="0">
+              <a:schemeClr val="accent1"/>
+            </a:effectRef>
+            <a:fontRef idx="minor">
+              <a:schemeClr val="lt1"/>
+            </a:fontRef>
+          </p:style>
+          <p:txBody>
+            <a:bodyPr rtlCol="0" anchor="ctr"/>
+            <a:lstStyle/>
+            <a:p>
+              <a:pPr algn="ctr"/>
+              <a:endParaRPr lang="en-GB"/>
+            </a:p>
+          </p:txBody>
+        </p:sp>
+      </p:grpSp>
+      <p:sp>
+        <p:nvSpPr>
+          <p:cNvPr id="70" name="Rectangle 69"/>
+          <p:cNvSpPr/>
+          <p:nvPr/>
+        </p:nvSpPr>
+        <p:spPr>
+          <a:xfrm>
+            <a:off x="6917058" y="2905843"/>
+            <a:ext cx="720090" cy="630076"/>
+          </a:xfrm>
+          <a:prstGeom prst="rect">
+            <a:avLst/>
+          </a:prstGeom>
+          <a:solidFill>
+            <a:schemeClr val="tx1">
+              <a:lumMod val="50000"/>
+              <a:lumOff val="50000"/>
+            </a:schemeClr>
+          </a:solidFill>
+          <a:ln>
+            <a:noFill/>
+          </a:ln>
+        </p:spPr>
+        <p:style>
+          <a:lnRef idx="2">
+            <a:schemeClr val="accent1">
+              <a:shade val="50000"/>
+            </a:schemeClr>
+          </a:lnRef>
+          <a:fillRef idx="1">
+            <a:schemeClr val="accent1"/>
+          </a:fillRef>
+          <a:effectRef idx="0">
+            <a:schemeClr val="accent1"/>
+          </a:effectRef>
+          <a:fontRef idx="minor">
+            <a:schemeClr val="lt1"/>
+          </a:fontRef>
+        </p:style>
+        <p:txBody>
+          <a:bodyPr rtlCol="0" anchor="ctr"/>
+          <a:lstStyle/>
+          <a:p>
+            <a:pPr algn="ctr"/>
+            <a:endParaRPr lang="en-GB"/>
+          </a:p>
+        </p:txBody>
+      </p:sp>
+      <p:sp>
+        <p:nvSpPr>
+          <p:cNvPr id="71" name="Freeform 70"/>
+          <p:cNvSpPr/>
+          <p:nvPr/>
+        </p:nvSpPr>
+        <p:spPr>
+          <a:xfrm>
+            <a:off x="7169945" y="3131113"/>
+            <a:ext cx="173831" cy="307182"/>
+          </a:xfrm>
+          <a:custGeom>
+            <a:avLst/>
+            <a:gdLst>
+              <a:gd name="connsiteX0" fmla="*/ 0 w 233362"/>
+              <a:gd name="connsiteY0" fmla="*/ 338138 h 338138"/>
+              <a:gd name="connsiteX1" fmla="*/ 0 w 233362"/>
+              <a:gd name="connsiteY1" fmla="*/ 338138 h 338138"/>
+              <a:gd name="connsiteX2" fmla="*/ 21431 w 233362"/>
+              <a:gd name="connsiteY2" fmla="*/ 190500 h 338138"/>
+              <a:gd name="connsiteX3" fmla="*/ 202406 w 233362"/>
+              <a:gd name="connsiteY3" fmla="*/ 190500 h 338138"/>
+              <a:gd name="connsiteX4" fmla="*/ 233362 w 233362"/>
+              <a:gd name="connsiteY4" fmla="*/ 0 h 338138"/>
+            </a:gdLst>
+            <a:ahLst/>
+            <a:cxnLst>
+              <a:cxn ang="0">
+                <a:pos x="connsiteX0" y="connsiteY0"/>
+              </a:cxn>
+              <a:cxn ang="0">
+                <a:pos x="connsiteX1" y="connsiteY1"/>
+              </a:cxn>
+              <a:cxn ang="0">
+                <a:pos x="connsiteX2" y="connsiteY2"/>
+              </a:cxn>
+              <a:cxn ang="0">
+                <a:pos x="connsiteX3" y="connsiteY3"/>
+              </a:cxn>
+              <a:cxn ang="0">
+                <a:pos x="connsiteX4" y="connsiteY4"/>
+              </a:cxn>
+            </a:cxnLst>
+            <a:rect l="l" t="t" r="r" b="b"/>
+            <a:pathLst>
+              <a:path w="233362" h="338138">
+                <a:moveTo>
+                  <a:pt x="0" y="338138"/>
+                </a:moveTo>
+                <a:lnTo>
+                  <a:pt x="0" y="338138"/>
+                </a:lnTo>
+                <a:lnTo>
+                  <a:pt x="21431" y="190500"/>
+                </a:lnTo>
+                <a:lnTo>
+                  <a:pt x="202406" y="190500"/>
+                </a:lnTo>
+                <a:lnTo>
+                  <a:pt x="233362" y="0"/>
+                </a:lnTo>
+              </a:path>
+            </a:pathLst>
+          </a:custGeom>
+          <a:noFill/>
+          <a:ln w="38100">
+            <a:solidFill>
+              <a:schemeClr val="accent1">
+                <a:lumMod val="75000"/>
+              </a:schemeClr>
+            </a:solidFill>
+          </a:ln>
+        </p:spPr>
+        <p:style>
+          <a:lnRef idx="2">
+            <a:schemeClr val="accent1">
+              <a:shade val="50000"/>
+            </a:schemeClr>
+          </a:lnRef>
+          <a:fillRef idx="1">
+            <a:schemeClr val="accent1"/>
+          </a:fillRef>
+          <a:effectRef idx="0">
+            <a:schemeClr val="accent1"/>
+          </a:effectRef>
+          <a:fontRef idx="minor">
+            <a:schemeClr val="lt1"/>
+          </a:fontRef>
+        </p:style>
+        <p:txBody>
+          <a:bodyPr rtlCol="0" anchor="ctr"/>
+          <a:lstStyle/>
+          <a:p>
+            <a:pPr algn="ctr"/>
+            <a:endParaRPr lang="en-GB"/>
+          </a:p>
+        </p:txBody>
+      </p:sp>
+      <p:sp>
+        <p:nvSpPr>
+          <p:cNvPr id="72" name="Oval 71"/>
+          <p:cNvSpPr/>
+          <p:nvPr/>
+        </p:nvSpPr>
+        <p:spPr>
+          <a:xfrm>
+            <a:off x="7323298" y="3049676"/>
+            <a:ext cx="45719" cy="45719"/>
+          </a:xfrm>
+          <a:prstGeom prst="ellipse">
+            <a:avLst/>
+          </a:prstGeom>
+          <a:solidFill>
+            <a:schemeClr val="accent1">
+              <a:lumMod val="75000"/>
+            </a:schemeClr>
+          </a:solidFill>
+          <a:ln>
+            <a:solidFill>
+              <a:schemeClr val="accent1">
+                <a:lumMod val="75000"/>
+              </a:schemeClr>
+            </a:solidFill>
+          </a:ln>
+        </p:spPr>
+        <p:style>
+          <a:lnRef idx="2">
+            <a:schemeClr val="accent1">
+              <a:shade val="50000"/>
+            </a:schemeClr>
+          </a:lnRef>
+          <a:fillRef idx="1">
+            <a:schemeClr val="accent1"/>
+          </a:fillRef>
+          <a:effectRef idx="0">
+            <a:schemeClr val="accent1"/>
+          </a:effectRef>
+          <a:fontRef idx="minor">
+            <a:schemeClr val="lt1"/>
+          </a:fontRef>
+        </p:style>
+        <p:txBody>
+          <a:bodyPr rtlCol="0" anchor="ctr"/>
+          <a:lstStyle/>
+          <a:p>
+            <a:pPr algn="ctr"/>
+            <a:endParaRPr lang="en-GB">
+              <a:ln>
+                <a:solidFill>
+                  <a:sysClr val="windowText" lastClr="000000"/>
+                </a:solidFill>
+              </a:ln>
+            </a:endParaRPr>
+          </a:p>
+        </p:txBody>
+      </p:sp>
+      <p:sp>
+        <p:nvSpPr>
+          <p:cNvPr id="74" name="Rectangle 73"/>
+          <p:cNvSpPr/>
+          <p:nvPr/>
+        </p:nvSpPr>
+        <p:spPr>
+          <a:xfrm>
+            <a:off x="7637147" y="2905840"/>
+            <a:ext cx="720090" cy="630076"/>
+          </a:xfrm>
+          <a:prstGeom prst="rect">
+            <a:avLst/>
+          </a:prstGeom>
+          <a:solidFill>
+            <a:srgbClr val="FFCC00"/>
+          </a:solidFill>
+          <a:ln>
+            <a:noFill/>
+          </a:ln>
+        </p:spPr>
+        <p:style>
+          <a:lnRef idx="2">
+            <a:schemeClr val="accent1">
+              <a:shade val="50000"/>
+            </a:schemeClr>
+          </a:lnRef>
+          <a:fillRef idx="1">
+            <a:schemeClr val="accent1"/>
+          </a:fillRef>
+          <a:effectRef idx="0">
+            <a:schemeClr val="accent1"/>
+          </a:effectRef>
+          <a:fontRef idx="minor">
+            <a:schemeClr val="lt1"/>
+          </a:fontRef>
+        </p:style>
+        <p:txBody>
+          <a:bodyPr rtlCol="0" anchor="ctr"/>
+          <a:lstStyle/>
+          <a:p>
+            <a:pPr algn="ctr"/>
+            <a:endParaRPr lang="en-GB"/>
+          </a:p>
+        </p:txBody>
+      </p:sp>
+      <p:sp>
+        <p:nvSpPr>
+          <p:cNvPr id="75" name="Rectangle 74"/>
+          <p:cNvSpPr/>
+          <p:nvPr/>
+        </p:nvSpPr>
+        <p:spPr>
+          <a:xfrm>
+            <a:off x="7637147" y="2905841"/>
+            <a:ext cx="720090" cy="630076"/>
+          </a:xfrm>
+          <a:prstGeom prst="rect">
+            <a:avLst/>
+          </a:prstGeom>
+          <a:solidFill>
+            <a:schemeClr val="tx1">
+              <a:lumMod val="50000"/>
+              <a:lumOff val="50000"/>
+            </a:schemeClr>
+          </a:solidFill>
+          <a:ln>
+            <a:noFill/>
+          </a:ln>
+        </p:spPr>
+        <p:style>
+          <a:lnRef idx="2">
+            <a:schemeClr val="accent1">
+              <a:shade val="50000"/>
+            </a:schemeClr>
+          </a:lnRef>
+          <a:fillRef idx="1">
+            <a:schemeClr val="accent1"/>
+          </a:fillRef>
+          <a:effectRef idx="0">
+            <a:schemeClr val="accent1"/>
+          </a:effectRef>
+          <a:fontRef idx="minor">
+            <a:schemeClr val="lt1"/>
+          </a:fontRef>
+        </p:style>
+        <p:txBody>
+          <a:bodyPr rtlCol="0" anchor="ctr"/>
+          <a:lstStyle/>
+          <a:p>
+            <a:pPr algn="ctr"/>
+            <a:endParaRPr lang="en-GB"/>
+          </a:p>
+        </p:txBody>
+      </p:sp>
+      <p:grpSp>
+        <p:nvGrpSpPr>
+          <p:cNvPr id="76" name="Group 75"/>
+          <p:cNvGrpSpPr/>
+          <p:nvPr/>
+        </p:nvGrpSpPr>
+        <p:grpSpPr>
+          <a:xfrm>
+            <a:off x="7780500" y="3228978"/>
+            <a:ext cx="433384" cy="45719"/>
+            <a:chOff x="1471613" y="2010727"/>
+            <a:chExt cx="433384" cy="45719"/>
+          </a:xfrm>
+          <a:solidFill>
+            <a:schemeClr val="bg1">
+              <a:lumMod val="95000"/>
+            </a:schemeClr>
+          </a:solidFill>
+        </p:grpSpPr>
+        <p:sp>
+          <p:nvSpPr>
+            <p:cNvPr id="77" name="Freeform 76"/>
+            <p:cNvSpPr/>
+            <p:nvPr/>
+          </p:nvSpPr>
+          <p:spPr>
+            <a:xfrm>
+              <a:off x="1471613" y="2038350"/>
+              <a:ext cx="357187" cy="0"/>
+            </a:xfrm>
+            <a:custGeom>
+              <a:avLst/>
+              <a:gdLst>
+                <a:gd name="connsiteX0" fmla="*/ 0 w 357187"/>
+                <a:gd name="connsiteY0" fmla="*/ 0 h 0"/>
+                <a:gd name="connsiteX1" fmla="*/ 357187 w 357187"/>
+                <a:gd name="connsiteY1" fmla="*/ 0 h 0"/>
+              </a:gdLst>
+              <a:ahLst/>
+              <a:cxnLst>
+                <a:cxn ang="0">
+                  <a:pos x="connsiteX0" y="connsiteY0"/>
+                </a:cxn>
+                <a:cxn ang="0">
+                  <a:pos x="connsiteX1" y="connsiteY1"/>
+                </a:cxn>
+              </a:cxnLst>
+              <a:rect l="l" t="t" r="r" b="b"/>
+              <a:pathLst>
+                <a:path w="357187">
+                  <a:moveTo>
+                    <a:pt x="0" y="0"/>
+                  </a:moveTo>
+                  <a:lnTo>
+                    <a:pt x="357187" y="0"/>
+                  </a:lnTo>
+                </a:path>
+              </a:pathLst>
+            </a:custGeom>
+            <a:grpFill/>
+            <a:ln w="38100">
+              <a:solidFill>
+                <a:srgbClr val="FF0000"/>
+              </a:solidFill>
+            </a:ln>
+          </p:spPr>
+          <p:style>
+            <a:lnRef idx="2">
+              <a:schemeClr val="accent1">
+                <a:shade val="50000"/>
+              </a:schemeClr>
+            </a:lnRef>
+            <a:fillRef idx="1">
+              <a:schemeClr val="accent1"/>
+            </a:fillRef>
+            <a:effectRef idx="0">
+              <a:schemeClr val="accent1"/>
+            </a:effectRef>
+            <a:fontRef idx="minor">
+              <a:schemeClr val="lt1"/>
+            </a:fontRef>
+          </p:style>
+          <p:txBody>
+            <a:bodyPr rtlCol="0" anchor="ctr"/>
+            <a:lstStyle/>
+            <a:p>
+              <a:pPr algn="ctr"/>
+              <a:endParaRPr lang="en-GB"/>
+            </a:p>
+          </p:txBody>
+        </p:sp>
+        <p:sp>
+          <p:nvSpPr>
+            <p:cNvPr id="78" name="Oval 77"/>
+            <p:cNvSpPr/>
+            <p:nvPr/>
+          </p:nvSpPr>
+          <p:spPr>
+            <a:xfrm>
+              <a:off x="1859278" y="2010727"/>
+              <a:ext cx="45719" cy="45719"/>
+            </a:xfrm>
+            <a:prstGeom prst="ellipse">
+              <a:avLst/>
+            </a:prstGeom>
+            <a:solidFill>
+              <a:srgbClr val="FF0000"/>
+            </a:solidFill>
+            <a:ln>
+              <a:solidFill>
+                <a:srgbClr val="FF0000"/>
+              </a:solidFill>
+            </a:ln>
+          </p:spPr>
+          <p:style>
+            <a:lnRef idx="2">
+              <a:schemeClr val="accent1">
+                <a:shade val="50000"/>
+              </a:schemeClr>
+            </a:lnRef>
+            <a:fillRef idx="1">
+              <a:schemeClr val="accent1"/>
+            </a:fillRef>
+            <a:effectRef idx="0">
+              <a:schemeClr val="accent1"/>
+            </a:effectRef>
+            <a:fontRef idx="minor">
+              <a:schemeClr val="lt1"/>
+            </a:fontRef>
+          </p:style>
+          <p:txBody>
+            <a:bodyPr rtlCol="0" anchor="ctr"/>
+            <a:lstStyle/>
+            <a:p>
+              <a:pPr algn="ctr"/>
+              <a:endParaRPr lang="en-GB"/>
+            </a:p>
+          </p:txBody>
+        </p:sp>
+      </p:grpSp>
+      <p:sp>
+        <p:nvSpPr>
+          <p:cNvPr id="80" name="Rectangle 79"/>
+          <p:cNvSpPr/>
+          <p:nvPr/>
+        </p:nvSpPr>
+        <p:spPr>
+          <a:xfrm>
+            <a:off x="6196968" y="2905843"/>
+            <a:ext cx="720090" cy="630076"/>
+          </a:xfrm>
+          <a:prstGeom prst="rect">
+            <a:avLst/>
+          </a:prstGeom>
+          <a:solidFill>
+            <a:srgbClr val="FFCC00"/>
+          </a:solidFill>
+          <a:ln>
+            <a:noFill/>
+          </a:ln>
+        </p:spPr>
+        <p:style>
+          <a:lnRef idx="2">
+            <a:schemeClr val="accent1">
+              <a:shade val="50000"/>
+            </a:schemeClr>
+          </a:lnRef>
+          <a:fillRef idx="1">
+            <a:schemeClr val="accent1"/>
+          </a:fillRef>
+          <a:effectRef idx="0">
+            <a:schemeClr val="accent1"/>
+          </a:effectRef>
+          <a:fontRef idx="minor">
+            <a:schemeClr val="lt1"/>
+          </a:fontRef>
+        </p:style>
+        <p:txBody>
+          <a:bodyPr rtlCol="0" anchor="ctr"/>
+          <a:lstStyle/>
+          <a:p>
+            <a:pPr algn="ctr"/>
+            <a:endParaRPr lang="en-GB"/>
+          </a:p>
+        </p:txBody>
+      </p:sp>
+      <p:grpSp>
+        <p:nvGrpSpPr>
+          <p:cNvPr id="81" name="Group 80"/>
+          <p:cNvGrpSpPr/>
+          <p:nvPr/>
+        </p:nvGrpSpPr>
+        <p:grpSpPr>
+          <a:xfrm>
+            <a:off x="6340321" y="3228981"/>
+            <a:ext cx="433384" cy="45719"/>
+            <a:chOff x="1471613" y="2010727"/>
+            <a:chExt cx="433384" cy="45719"/>
+          </a:xfrm>
+          <a:solidFill>
+            <a:schemeClr val="accent1">
+              <a:lumMod val="75000"/>
+            </a:schemeClr>
+          </a:solidFill>
+        </p:grpSpPr>
+        <p:sp>
+          <p:nvSpPr>
+            <p:cNvPr id="82" name="Freeform 81"/>
+            <p:cNvSpPr/>
+            <p:nvPr/>
+          </p:nvSpPr>
+          <p:spPr>
+            <a:xfrm>
+              <a:off x="1471613" y="2038350"/>
+              <a:ext cx="357187" cy="0"/>
+            </a:xfrm>
+            <a:custGeom>
+              <a:avLst/>
+              <a:gdLst>
+                <a:gd name="connsiteX0" fmla="*/ 0 w 357187"/>
+                <a:gd name="connsiteY0" fmla="*/ 0 h 0"/>
+                <a:gd name="connsiteX1" fmla="*/ 357187 w 357187"/>
+                <a:gd name="connsiteY1" fmla="*/ 0 h 0"/>
+              </a:gdLst>
+              <a:ahLst/>
+              <a:cxnLst>
+                <a:cxn ang="0">
+                  <a:pos x="connsiteX0" y="connsiteY0"/>
+                </a:cxn>
+                <a:cxn ang="0">
+                  <a:pos x="connsiteX1" y="connsiteY1"/>
+                </a:cxn>
+              </a:cxnLst>
+              <a:rect l="l" t="t" r="r" b="b"/>
+              <a:pathLst>
+                <a:path w="357187">
+                  <a:moveTo>
+                    <a:pt x="0" y="0"/>
+                  </a:moveTo>
+                  <a:lnTo>
+                    <a:pt x="357187" y="0"/>
+                  </a:lnTo>
+                </a:path>
+              </a:pathLst>
+            </a:custGeom>
+            <a:grpFill/>
+            <a:ln w="38100">
+              <a:solidFill>
+                <a:schemeClr val="accent1">
+                  <a:lumMod val="75000"/>
+                </a:schemeClr>
+              </a:solidFill>
+            </a:ln>
+          </p:spPr>
+          <p:style>
+            <a:lnRef idx="2">
+              <a:schemeClr val="accent1">
+                <a:shade val="50000"/>
+              </a:schemeClr>
+            </a:lnRef>
+            <a:fillRef idx="1">
+              <a:schemeClr val="accent1"/>
+            </a:fillRef>
+            <a:effectRef idx="0">
+              <a:schemeClr val="accent1"/>
+            </a:effectRef>
+            <a:fontRef idx="minor">
+              <a:schemeClr val="lt1"/>
+            </a:fontRef>
+          </p:style>
+          <p:txBody>
+            <a:bodyPr rtlCol="0" anchor="ctr"/>
+            <a:lstStyle/>
+            <a:p>
+              <a:pPr algn="ctr"/>
+              <a:endParaRPr lang="en-GB"/>
+            </a:p>
+          </p:txBody>
+        </p:sp>
+        <p:sp>
+          <p:nvSpPr>
+            <p:cNvPr id="83" name="Oval 82"/>
+            <p:cNvSpPr/>
+            <p:nvPr/>
+          </p:nvSpPr>
+          <p:spPr>
+            <a:xfrm>
+              <a:off x="1859278" y="2010727"/>
+              <a:ext cx="45719" cy="45719"/>
+            </a:xfrm>
+            <a:prstGeom prst="ellipse">
+              <a:avLst/>
+            </a:prstGeom>
+            <a:grpFill/>
+            <a:ln>
+              <a:solidFill>
+                <a:schemeClr val="accent1">
+                  <a:lumMod val="75000"/>
+                </a:schemeClr>
+              </a:solidFill>
+            </a:ln>
+          </p:spPr>
+          <p:style>
+            <a:lnRef idx="2">
+              <a:schemeClr val="accent1">
+                <a:shade val="50000"/>
+              </a:schemeClr>
+            </a:lnRef>
+            <a:fillRef idx="1">
+              <a:schemeClr val="accent1"/>
+            </a:fillRef>
+            <a:effectRef idx="0">
+              <a:schemeClr val="accent1"/>
+            </a:effectRef>
+            <a:fontRef idx="minor">
+              <a:schemeClr val="lt1"/>
+            </a:fontRef>
+          </p:style>
+          <p:txBody>
+            <a:bodyPr rtlCol="0" anchor="ctr"/>
+            <a:lstStyle/>
+            <a:p>
+              <a:pPr algn="ctr"/>
+              <a:endParaRPr lang="en-GB"/>
+            </a:p>
+          </p:txBody>
+        </p:sp>
+      </p:grpSp>
+      <p:sp>
+        <p:nvSpPr>
+          <p:cNvPr id="84" name="Freeform 83"/>
+          <p:cNvSpPr/>
+          <p:nvPr/>
+        </p:nvSpPr>
+        <p:spPr>
+          <a:xfrm>
+            <a:off x="2447528" y="3135154"/>
+            <a:ext cx="173831" cy="307182"/>
+          </a:xfrm>
+          <a:custGeom>
+            <a:avLst/>
+            <a:gdLst>
+              <a:gd name="connsiteX0" fmla="*/ 0 w 233362"/>
+              <a:gd name="connsiteY0" fmla="*/ 338138 h 338138"/>
+              <a:gd name="connsiteX1" fmla="*/ 0 w 233362"/>
+              <a:gd name="connsiteY1" fmla="*/ 338138 h 338138"/>
+              <a:gd name="connsiteX2" fmla="*/ 21431 w 233362"/>
+              <a:gd name="connsiteY2" fmla="*/ 190500 h 338138"/>
+              <a:gd name="connsiteX3" fmla="*/ 202406 w 233362"/>
+              <a:gd name="connsiteY3" fmla="*/ 190500 h 338138"/>
+              <a:gd name="connsiteX4" fmla="*/ 233362 w 233362"/>
+              <a:gd name="connsiteY4" fmla="*/ 0 h 338138"/>
+            </a:gdLst>
+            <a:ahLst/>
+            <a:cxnLst>
+              <a:cxn ang="0">
+                <a:pos x="connsiteX0" y="connsiteY0"/>
+              </a:cxn>
+              <a:cxn ang="0">
+                <a:pos x="connsiteX1" y="connsiteY1"/>
+              </a:cxn>
+              <a:cxn ang="0">
+                <a:pos x="connsiteX2" y="connsiteY2"/>
+              </a:cxn>
+              <a:cxn ang="0">
+                <a:pos x="connsiteX3" y="connsiteY3"/>
+              </a:cxn>
+              <a:cxn ang="0">
+                <a:pos x="connsiteX4" y="connsiteY4"/>
+              </a:cxn>
+            </a:cxnLst>
+            <a:rect l="l" t="t" r="r" b="b"/>
+            <a:pathLst>
+              <a:path w="233362" h="338138">
+                <a:moveTo>
+                  <a:pt x="0" y="338138"/>
+                </a:moveTo>
+                <a:lnTo>
+                  <a:pt x="0" y="338138"/>
+                </a:lnTo>
+                <a:lnTo>
+                  <a:pt x="21431" y="190500"/>
+                </a:lnTo>
+                <a:lnTo>
+                  <a:pt x="202406" y="190500"/>
+                </a:lnTo>
+                <a:lnTo>
+                  <a:pt x="233362" y="0"/>
+                </a:lnTo>
+              </a:path>
+            </a:pathLst>
+          </a:custGeom>
+          <a:noFill/>
+          <a:ln w="38100">
+            <a:solidFill>
+              <a:schemeClr val="accent1">
+                <a:lumMod val="75000"/>
+              </a:schemeClr>
+            </a:solidFill>
+          </a:ln>
+        </p:spPr>
+        <p:style>
+          <a:lnRef idx="2">
+            <a:schemeClr val="accent1">
+              <a:shade val="50000"/>
+            </a:schemeClr>
+          </a:lnRef>
+          <a:fillRef idx="1">
+            <a:schemeClr val="accent1"/>
+          </a:fillRef>
+          <a:effectRef idx="0">
+            <a:schemeClr val="accent1"/>
+          </a:effectRef>
+          <a:fontRef idx="minor">
+            <a:schemeClr val="lt1"/>
+          </a:fontRef>
+        </p:style>
+        <p:txBody>
+          <a:bodyPr rtlCol="0" anchor="ctr"/>
+          <a:lstStyle/>
+          <a:p>
+            <a:pPr algn="ctr"/>
+            <a:endParaRPr lang="en-GB"/>
+          </a:p>
+        </p:txBody>
+      </p:sp>
+      <p:sp>
+        <p:nvSpPr>
+          <p:cNvPr id="85" name="Oval 84"/>
+          <p:cNvSpPr/>
+          <p:nvPr/>
+        </p:nvSpPr>
+        <p:spPr>
+          <a:xfrm>
+            <a:off x="2600881" y="3053717"/>
+            <a:ext cx="45719" cy="45719"/>
+          </a:xfrm>
+          <a:prstGeom prst="ellipse">
+            <a:avLst/>
+          </a:prstGeom>
+          <a:solidFill>
+            <a:schemeClr val="accent1">
+              <a:lumMod val="75000"/>
+            </a:schemeClr>
+          </a:solidFill>
+          <a:ln>
+            <a:solidFill>
+              <a:schemeClr val="accent1">
+                <a:lumMod val="75000"/>
+              </a:schemeClr>
+            </a:solidFill>
+          </a:ln>
+        </p:spPr>
+        <p:style>
+          <a:lnRef idx="2">
+            <a:schemeClr val="accent1">
+              <a:shade val="50000"/>
+            </a:schemeClr>
+          </a:lnRef>
+          <a:fillRef idx="1">
+            <a:schemeClr val="accent1"/>
+          </a:fillRef>
+          <a:effectRef idx="0">
+            <a:schemeClr val="accent1"/>
+          </a:effectRef>
+          <a:fontRef idx="minor">
+            <a:schemeClr val="lt1"/>
+          </a:fontRef>
+        </p:style>
+        <p:txBody>
+          <a:bodyPr rtlCol="0" anchor="ctr"/>
+          <a:lstStyle/>
+          <a:p>
+            <a:pPr algn="ctr"/>
+            <a:endParaRPr lang="en-GB"/>
+          </a:p>
+        </p:txBody>
+      </p:sp>
+      <p:grpSp>
+        <p:nvGrpSpPr>
+          <p:cNvPr id="86" name="Group 85"/>
+          <p:cNvGrpSpPr/>
+          <p:nvPr/>
+        </p:nvGrpSpPr>
+        <p:grpSpPr>
+          <a:xfrm>
+            <a:off x="3800235" y="3247790"/>
+            <a:ext cx="433384" cy="45719"/>
+            <a:chOff x="1471613" y="2010727"/>
+            <a:chExt cx="433384" cy="45719"/>
+          </a:xfrm>
+          <a:solidFill>
+            <a:schemeClr val="bg1">
+              <a:lumMod val="95000"/>
+            </a:schemeClr>
+          </a:solidFill>
+        </p:grpSpPr>
+        <p:sp>
+          <p:nvSpPr>
+            <p:cNvPr id="87" name="Freeform 86"/>
+            <p:cNvSpPr/>
+            <p:nvPr/>
+          </p:nvSpPr>
+          <p:spPr>
+            <a:xfrm>
+              <a:off x="1471613" y="2038350"/>
+              <a:ext cx="357187" cy="0"/>
+            </a:xfrm>
+            <a:custGeom>
+              <a:avLst/>
+              <a:gdLst>
+                <a:gd name="connsiteX0" fmla="*/ 0 w 357187"/>
+                <a:gd name="connsiteY0" fmla="*/ 0 h 0"/>
+                <a:gd name="connsiteX1" fmla="*/ 357187 w 357187"/>
+                <a:gd name="connsiteY1" fmla="*/ 0 h 0"/>
+              </a:gdLst>
+              <a:ahLst/>
+              <a:cxnLst>
+                <a:cxn ang="0">
+                  <a:pos x="connsiteX0" y="connsiteY0"/>
+                </a:cxn>
+                <a:cxn ang="0">
+                  <a:pos x="connsiteX1" y="connsiteY1"/>
+                </a:cxn>
+              </a:cxnLst>
+              <a:rect l="l" t="t" r="r" b="b"/>
+              <a:pathLst>
+                <a:path w="357187">
+                  <a:moveTo>
+                    <a:pt x="0" y="0"/>
+                  </a:moveTo>
+                  <a:lnTo>
+                    <a:pt x="357187" y="0"/>
+                  </a:lnTo>
+                </a:path>
+              </a:pathLst>
+            </a:custGeom>
+            <a:grpFill/>
+            <a:ln w="38100">
+              <a:solidFill>
+                <a:srgbClr val="FF0000"/>
+              </a:solidFill>
+            </a:ln>
+          </p:spPr>
+          <p:style>
+            <a:lnRef idx="2">
+              <a:schemeClr val="accent1">
+                <a:shade val="50000"/>
+              </a:schemeClr>
+            </a:lnRef>
+            <a:fillRef idx="1">
+              <a:schemeClr val="accent1"/>
+            </a:fillRef>
+            <a:effectRef idx="0">
+              <a:schemeClr val="accent1"/>
+            </a:effectRef>
+            <a:fontRef idx="minor">
+              <a:schemeClr val="lt1"/>
+            </a:fontRef>
+          </p:style>
+          <p:txBody>
+            <a:bodyPr rtlCol="0" anchor="ctr"/>
+            <a:lstStyle/>
+            <a:p>
+              <a:pPr algn="ctr"/>
+              <a:endParaRPr lang="en-GB"/>
+            </a:p>
+          </p:txBody>
+        </p:sp>
+        <p:sp>
+          <p:nvSpPr>
+            <p:cNvPr id="88" name="Oval 87"/>
+            <p:cNvSpPr/>
+            <p:nvPr/>
+          </p:nvSpPr>
+          <p:spPr>
+            <a:xfrm>
+              <a:off x="1859278" y="2010727"/>
+              <a:ext cx="45719" cy="45719"/>
+            </a:xfrm>
+            <a:prstGeom prst="ellipse">
+              <a:avLst/>
+            </a:prstGeom>
+            <a:solidFill>
+              <a:srgbClr val="FF0000"/>
+            </a:solidFill>
+            <a:ln>
+              <a:solidFill>
+                <a:srgbClr val="FF0000"/>
+              </a:solidFill>
+            </a:ln>
+          </p:spPr>
+          <p:style>
+            <a:lnRef idx="2">
+              <a:schemeClr val="accent1">
+                <a:shade val="50000"/>
+              </a:schemeClr>
+            </a:lnRef>
+            <a:fillRef idx="1">
+              <a:schemeClr val="accent1"/>
+            </a:fillRef>
+            <a:effectRef idx="0">
+              <a:schemeClr val="accent1"/>
+            </a:effectRef>
+            <a:fontRef idx="minor">
+              <a:schemeClr val="lt1"/>
+            </a:fontRef>
+          </p:style>
+          <p:txBody>
+            <a:bodyPr rtlCol="0" anchor="ctr"/>
+            <a:lstStyle/>
+            <a:p>
+              <a:pPr algn="ctr"/>
+              <a:endParaRPr lang="en-GB"/>
+            </a:p>
+          </p:txBody>
+        </p:sp>
+      </p:grpSp>
+      <p:cxnSp>
+        <p:nvCxnSpPr>
+          <p:cNvPr id="97" name="Straight Arrow Connector 96"/>
+          <p:cNvCxnSpPr/>
+          <p:nvPr/>
+        </p:nvCxnSpPr>
+        <p:spPr>
+          <a:xfrm>
+            <a:off x="1336117" y="908685"/>
+            <a:ext cx="2861784" cy="1"/>
+          </a:xfrm>
+          <a:prstGeom prst="straightConnector1">
+            <a:avLst/>
+          </a:prstGeom>
+          <a:ln w="19050">
+            <a:solidFill>
+              <a:schemeClr val="tx1"/>
+            </a:solidFill>
+            <a:headEnd type="arrow" w="med" len="med"/>
+            <a:tailEnd type="arrow" w="med" len="med"/>
+          </a:ln>
+        </p:spPr>
+        <p:style>
+          <a:lnRef idx="1">
+            <a:schemeClr val="accent1"/>
+          </a:lnRef>
+          <a:fillRef idx="0">
+            <a:schemeClr val="accent1"/>
+          </a:fillRef>
+          <a:effectRef idx="0">
+            <a:schemeClr val="accent1"/>
+          </a:effectRef>
+          <a:fontRef idx="minor">
+            <a:schemeClr val="tx1"/>
+          </a:fontRef>
+        </p:style>
+      </p:cxnSp>
+      <p:sp>
+        <p:nvSpPr>
+          <p:cNvPr id="100" name="TextBox 99"/>
+          <p:cNvSpPr txBox="1"/>
+          <p:nvPr/>
+        </p:nvSpPr>
+        <p:spPr>
+          <a:xfrm>
+            <a:off x="2015015" y="539353"/>
+            <a:ext cx="1399166" cy="338554"/>
+          </a:xfrm>
+          <a:prstGeom prst="rect">
+            <a:avLst/>
+          </a:prstGeom>
+          <a:noFill/>
+        </p:spPr>
+        <p:txBody>
+          <a:bodyPr wrap="none" rtlCol="0">
+            <a:spAutoFit/>
+          </a:bodyPr>
+          <a:lstStyle/>
+          <a:p>
+            <a:r>
+              <a:rPr lang="en-GB" sz="1600" dirty="0" smtClean="0"/>
+              <a:t>4 x 25 minutes</a:t>
+            </a:r>
+            <a:endParaRPr lang="en-GB" sz="1600" dirty="0"/>
+          </a:p>
+        </p:txBody>
+      </p:sp>
+      <p:sp>
+        <p:nvSpPr>
+          <p:cNvPr id="102" name="TextBox 101"/>
+          <p:cNvSpPr txBox="1"/>
+          <p:nvPr/>
+        </p:nvSpPr>
+        <p:spPr>
+          <a:xfrm>
+            <a:off x="251460" y="1406813"/>
+            <a:ext cx="686470" cy="400110"/>
+          </a:xfrm>
+          <a:prstGeom prst="rect">
+            <a:avLst/>
+          </a:prstGeom>
+          <a:noFill/>
+        </p:spPr>
+        <p:txBody>
+          <a:bodyPr wrap="none" rtlCol="0">
+            <a:spAutoFit/>
+          </a:bodyPr>
+          <a:lstStyle/>
+          <a:p>
+            <a:r>
+              <a:rPr lang="en-GB" sz="2000" dirty="0" smtClean="0"/>
+              <a:t>Start</a:t>
+            </a:r>
+            <a:endParaRPr lang="en-GB" sz="2000" dirty="0"/>
+          </a:p>
+        </p:txBody>
+      </p:sp>
+      <p:sp>
+        <p:nvSpPr>
+          <p:cNvPr id="103" name="TextBox 102"/>
+          <p:cNvSpPr txBox="1"/>
+          <p:nvPr/>
+        </p:nvSpPr>
+        <p:spPr>
+          <a:xfrm>
+            <a:off x="8488681" y="2792375"/>
+            <a:ext cx="579005" cy="400110"/>
+          </a:xfrm>
+          <a:prstGeom prst="rect">
+            <a:avLst/>
+          </a:prstGeom>
+          <a:noFill/>
+        </p:spPr>
+        <p:txBody>
+          <a:bodyPr wrap="none" rtlCol="0">
+            <a:spAutoFit/>
+          </a:bodyPr>
+          <a:lstStyle/>
+          <a:p>
+            <a:r>
+              <a:rPr lang="en-GB" sz="2000" dirty="0" smtClean="0"/>
+              <a:t>End</a:t>
+            </a:r>
+            <a:endParaRPr lang="en-GB" sz="2000" dirty="0"/>
+          </a:p>
+        </p:txBody>
+      </p:sp>
+      <p:sp>
+        <p:nvSpPr>
+          <p:cNvPr id="104" name="Rectangle 103"/>
+          <p:cNvSpPr/>
+          <p:nvPr/>
+        </p:nvSpPr>
+        <p:spPr>
+          <a:xfrm>
+            <a:off x="4687306" y="2702962"/>
+            <a:ext cx="481844" cy="1052037"/>
+          </a:xfrm>
+          <a:prstGeom prst="rect">
+            <a:avLst/>
+          </a:prstGeom>
+          <a:solidFill>
+            <a:schemeClr val="tx1"/>
+          </a:solidFill>
+          <a:ln>
+            <a:noFill/>
+          </a:ln>
+        </p:spPr>
+        <p:style>
+          <a:lnRef idx="2">
+            <a:schemeClr val="accent1">
+              <a:shade val="50000"/>
+            </a:schemeClr>
+          </a:lnRef>
+          <a:fillRef idx="1">
+            <a:schemeClr val="accent1"/>
+          </a:fillRef>
+          <a:effectRef idx="0">
+            <a:schemeClr val="accent1"/>
+          </a:effectRef>
+          <a:fontRef idx="minor">
+            <a:schemeClr val="lt1"/>
+          </a:fontRef>
+        </p:style>
+        <p:txBody>
+          <a:bodyPr rtlCol="0" anchor="ctr"/>
+          <a:lstStyle/>
+          <a:p>
+            <a:pPr algn="ctr"/>
+            <a:r>
+              <a:rPr lang="en-GB" sz="2400" b="1" dirty="0" smtClean="0"/>
+              <a:t>B</a:t>
+            </a:r>
+            <a:endParaRPr lang="en-GB" sz="2400" b="1" dirty="0"/>
+          </a:p>
+        </p:txBody>
+      </p:sp>
+      <p:cxnSp>
+        <p:nvCxnSpPr>
+          <p:cNvPr id="105" name="Straight Arrow Connector 104"/>
+          <p:cNvCxnSpPr/>
+          <p:nvPr/>
+        </p:nvCxnSpPr>
+        <p:spPr>
+          <a:xfrm>
+            <a:off x="4650226" y="3910965"/>
+            <a:ext cx="559949" cy="3810"/>
+          </a:xfrm>
+          <a:prstGeom prst="straightConnector1">
+            <a:avLst/>
+          </a:prstGeom>
+          <a:ln w="19050">
+            <a:solidFill>
+              <a:schemeClr val="tx1"/>
+            </a:solidFill>
+            <a:headEnd type="arrow" w="med" len="med"/>
+            <a:tailEnd type="arrow" w="med" len="med"/>
+          </a:ln>
+        </p:spPr>
+        <p:style>
+          <a:lnRef idx="1">
+            <a:schemeClr val="accent1"/>
+          </a:lnRef>
+          <a:fillRef idx="0">
+            <a:schemeClr val="accent1"/>
+          </a:fillRef>
+          <a:effectRef idx="0">
+            <a:schemeClr val="accent1"/>
+          </a:effectRef>
+          <a:fontRef idx="minor">
+            <a:schemeClr val="tx1"/>
+          </a:fontRef>
+        </p:style>
+      </p:cxnSp>
+      <p:sp>
+        <p:nvSpPr>
+          <p:cNvPr id="108" name="TextBox 107"/>
+          <p:cNvSpPr txBox="1"/>
+          <p:nvPr/>
+        </p:nvSpPr>
+        <p:spPr>
+          <a:xfrm>
+            <a:off x="4572000" y="3931825"/>
+            <a:ext cx="756938" cy="338554"/>
+          </a:xfrm>
+          <a:prstGeom prst="rect">
+            <a:avLst/>
+          </a:prstGeom>
+          <a:noFill/>
+        </p:spPr>
+        <p:txBody>
+          <a:bodyPr wrap="none" rtlCol="0">
+            <a:spAutoFit/>
+          </a:bodyPr>
+          <a:lstStyle/>
+          <a:p>
+            <a:r>
+              <a:rPr lang="en-GB" sz="1600" dirty="0" smtClean="0"/>
+              <a:t>15 min</a:t>
+            </a:r>
+            <a:endParaRPr lang="en-GB" sz="1600" dirty="0"/>
+          </a:p>
+        </p:txBody>
+      </p:sp>
+      <p:cxnSp>
+        <p:nvCxnSpPr>
+          <p:cNvPr id="110" name="Straight Connector 109"/>
+          <p:cNvCxnSpPr/>
+          <p:nvPr/>
+        </p:nvCxnSpPr>
+        <p:spPr>
+          <a:xfrm>
+            <a:off x="971551" y="4851950"/>
+            <a:ext cx="3600450" cy="861"/>
+          </a:xfrm>
+          <a:prstGeom prst="line">
+            <a:avLst/>
+          </a:prstGeom>
+          <a:ln w="19050">
+            <a:solidFill>
+              <a:schemeClr val="tx1"/>
+            </a:solidFill>
+          </a:ln>
+        </p:spPr>
+        <p:style>
+          <a:lnRef idx="1">
+            <a:schemeClr val="accent1"/>
+          </a:lnRef>
+          <a:fillRef idx="0">
+            <a:schemeClr val="accent1"/>
+          </a:fillRef>
+          <a:effectRef idx="0">
+            <a:schemeClr val="accent1"/>
+          </a:effectRef>
+          <a:fontRef idx="minor">
+            <a:schemeClr val="tx1"/>
+          </a:fontRef>
+        </p:style>
+      </p:cxnSp>
+      <p:cxnSp>
+        <p:nvCxnSpPr>
+          <p:cNvPr id="112" name="Straight Connector 111"/>
+          <p:cNvCxnSpPr/>
+          <p:nvPr/>
+        </p:nvCxnSpPr>
+        <p:spPr>
+          <a:xfrm flipV="1">
+            <a:off x="977879" y="4543588"/>
+            <a:ext cx="0" cy="325591"/>
+          </a:xfrm>
+          <a:prstGeom prst="line">
+            <a:avLst/>
+          </a:prstGeom>
+          <a:ln>
+            <a:solidFill>
+              <a:schemeClr val="tx1"/>
+            </a:solidFill>
+          </a:ln>
+        </p:spPr>
+        <p:style>
+          <a:lnRef idx="1">
+            <a:schemeClr val="accent1"/>
+          </a:lnRef>
+          <a:fillRef idx="0">
+            <a:schemeClr val="accent1"/>
+          </a:fillRef>
+          <a:effectRef idx="0">
+            <a:schemeClr val="accent1"/>
+          </a:effectRef>
+          <a:fontRef idx="minor">
+            <a:schemeClr val="tx1"/>
+          </a:fontRef>
+        </p:style>
+      </p:cxnSp>
+      <p:cxnSp>
+        <p:nvCxnSpPr>
+          <p:cNvPr id="116" name="Straight Connector 115"/>
+          <p:cNvCxnSpPr/>
+          <p:nvPr/>
+        </p:nvCxnSpPr>
+        <p:spPr>
+          <a:xfrm flipV="1">
+            <a:off x="3997803" y="4514426"/>
+            <a:ext cx="0" cy="325591"/>
+          </a:xfrm>
+          <a:prstGeom prst="line">
+            <a:avLst/>
+          </a:prstGeom>
+          <a:ln>
+            <a:solidFill>
+              <a:schemeClr val="tx1"/>
+            </a:solidFill>
+          </a:ln>
+        </p:spPr>
+        <p:style>
+          <a:lnRef idx="1">
+            <a:schemeClr val="accent1"/>
+          </a:lnRef>
+          <a:fillRef idx="0">
+            <a:schemeClr val="accent1"/>
+          </a:fillRef>
+          <a:effectRef idx="0">
+            <a:schemeClr val="accent1"/>
+          </a:effectRef>
+          <a:fontRef idx="minor">
+            <a:schemeClr val="tx1"/>
+          </a:fontRef>
+        </p:style>
+      </p:cxnSp>
+      <p:cxnSp>
+        <p:nvCxnSpPr>
+          <p:cNvPr id="117" name="Straight Connector 116"/>
+          <p:cNvCxnSpPr/>
+          <p:nvPr/>
+        </p:nvCxnSpPr>
+        <p:spPr>
+          <a:xfrm flipV="1">
+            <a:off x="4558396" y="4522055"/>
+            <a:ext cx="0" cy="325591"/>
+          </a:xfrm>
+          <a:prstGeom prst="line">
+            <a:avLst/>
+          </a:prstGeom>
+          <a:ln>
+            <a:solidFill>
+              <a:schemeClr val="tx1"/>
+            </a:solidFill>
+          </a:ln>
+        </p:spPr>
+        <p:style>
+          <a:lnRef idx="1">
+            <a:schemeClr val="accent1"/>
+          </a:lnRef>
+          <a:fillRef idx="0">
+            <a:schemeClr val="accent1"/>
+          </a:fillRef>
+          <a:effectRef idx="0">
+            <a:schemeClr val="accent1"/>
+          </a:effectRef>
+          <a:fontRef idx="minor">
+            <a:schemeClr val="tx1"/>
+          </a:fontRef>
+        </p:style>
+      </p:cxnSp>
+      <p:sp>
+        <p:nvSpPr>
+          <p:cNvPr id="119" name="TextBox 118"/>
+          <p:cNvSpPr txBox="1"/>
+          <p:nvPr/>
+        </p:nvSpPr>
+        <p:spPr>
+          <a:xfrm>
+            <a:off x="1341073" y="4547044"/>
+            <a:ext cx="707245" cy="276999"/>
+          </a:xfrm>
+          <a:prstGeom prst="rect">
+            <a:avLst/>
+          </a:prstGeom>
+          <a:noFill/>
+        </p:spPr>
+        <p:txBody>
+          <a:bodyPr wrap="none" rtlCol="0">
+            <a:spAutoFit/>
+          </a:bodyPr>
+          <a:lstStyle/>
+          <a:p>
+            <a:r>
+              <a:rPr lang="en-GB" sz="1200" dirty="0" smtClean="0"/>
+              <a:t>Baseline</a:t>
+            </a:r>
+            <a:endParaRPr lang="en-GB" sz="1200" dirty="0"/>
+          </a:p>
+        </p:txBody>
+      </p:sp>
+      <p:sp>
+        <p:nvSpPr>
+          <p:cNvPr id="121" name="TextBox 120"/>
+          <p:cNvSpPr txBox="1"/>
+          <p:nvPr/>
+        </p:nvSpPr>
+        <p:spPr>
+          <a:xfrm>
+            <a:off x="2607734" y="4058920"/>
+            <a:ext cx="425950" cy="276999"/>
+          </a:xfrm>
+          <a:prstGeom prst="rect">
+            <a:avLst/>
+          </a:prstGeom>
+          <a:noFill/>
+        </p:spPr>
+        <p:txBody>
+          <a:bodyPr wrap="none" rtlCol="0">
+            <a:spAutoFit/>
+          </a:bodyPr>
+          <a:lstStyle/>
+          <a:p>
+            <a:r>
+              <a:rPr lang="en-GB" sz="1200" dirty="0" smtClean="0"/>
+              <a:t>PVT</a:t>
+            </a:r>
+            <a:endParaRPr lang="en-GB" sz="1200" dirty="0"/>
+          </a:p>
+        </p:txBody>
+      </p:sp>
+      <p:sp>
+        <p:nvSpPr>
+          <p:cNvPr id="122" name="TextBox 121"/>
+          <p:cNvSpPr txBox="1"/>
+          <p:nvPr/>
+        </p:nvSpPr>
+        <p:spPr>
+          <a:xfrm>
+            <a:off x="3491865" y="4509135"/>
+            <a:ext cx="347085" cy="277963"/>
+          </a:xfrm>
+          <a:prstGeom prst="rect">
+            <a:avLst/>
+          </a:prstGeom>
+          <a:noFill/>
+        </p:spPr>
+        <p:txBody>
+          <a:bodyPr wrap="square" rtlCol="0">
+            <a:spAutoFit/>
+          </a:bodyPr>
+          <a:lstStyle/>
+          <a:p>
+            <a:r>
+              <a:rPr lang="en-GB" sz="1200" dirty="0" smtClean="0"/>
+              <a:t>RS</a:t>
+            </a:r>
+            <a:endParaRPr lang="en-GB" sz="1200" dirty="0"/>
+          </a:p>
+        </p:txBody>
+      </p:sp>
+      <p:sp>
+        <p:nvSpPr>
+          <p:cNvPr id="123" name="TextBox 122"/>
+          <p:cNvSpPr txBox="1"/>
+          <p:nvPr/>
+        </p:nvSpPr>
+        <p:spPr>
+          <a:xfrm>
+            <a:off x="4081942" y="4514939"/>
+            <a:ext cx="440698" cy="276999"/>
+          </a:xfrm>
+          <a:prstGeom prst="rect">
+            <a:avLst/>
+          </a:prstGeom>
+          <a:noFill/>
+        </p:spPr>
+        <p:txBody>
+          <a:bodyPr wrap="none" rtlCol="0">
+            <a:spAutoFit/>
+          </a:bodyPr>
+          <a:lstStyle/>
+          <a:p>
+            <a:r>
+              <a:rPr lang="en-GB" sz="1200" dirty="0" smtClean="0"/>
+              <a:t>RSQ</a:t>
+            </a:r>
+            <a:endParaRPr lang="en-GB" sz="1200" dirty="0"/>
+          </a:p>
+        </p:txBody>
+      </p:sp>
+      <p:cxnSp>
+        <p:nvCxnSpPr>
+          <p:cNvPr id="125" name="Straight Connector 124"/>
+          <p:cNvCxnSpPr/>
+          <p:nvPr/>
+        </p:nvCxnSpPr>
+        <p:spPr>
+          <a:xfrm flipH="1">
+            <a:off x="971550" y="3575050"/>
+            <a:ext cx="1981200" cy="934085"/>
+          </a:xfrm>
+          <a:prstGeom prst="line">
+            <a:avLst/>
+          </a:prstGeom>
+          <a:ln>
+            <a:solidFill>
+              <a:schemeClr val="tx1">
+                <a:lumMod val="85000"/>
+                <a:lumOff val="15000"/>
+              </a:schemeClr>
+            </a:solidFill>
+            <a:prstDash val="dash"/>
+          </a:ln>
+        </p:spPr>
+        <p:style>
+          <a:lnRef idx="1">
+            <a:schemeClr val="accent1"/>
+          </a:lnRef>
+          <a:fillRef idx="0">
+            <a:schemeClr val="accent1"/>
+          </a:fillRef>
+          <a:effectRef idx="0">
+            <a:schemeClr val="accent1"/>
+          </a:effectRef>
+          <a:fontRef idx="minor">
+            <a:schemeClr val="tx1"/>
+          </a:fontRef>
+        </p:style>
+      </p:cxnSp>
+      <p:cxnSp>
+        <p:nvCxnSpPr>
+          <p:cNvPr id="126" name="Straight Connector 125"/>
+          <p:cNvCxnSpPr/>
+          <p:nvPr/>
+        </p:nvCxnSpPr>
+        <p:spPr>
+          <a:xfrm>
+            <a:off x="3656882" y="3568700"/>
+            <a:ext cx="464268" cy="711200"/>
+          </a:xfrm>
+          <a:prstGeom prst="line">
+            <a:avLst/>
+          </a:prstGeom>
+          <a:ln>
+            <a:solidFill>
+              <a:schemeClr val="tx1">
+                <a:lumMod val="85000"/>
+                <a:lumOff val="15000"/>
+              </a:schemeClr>
+            </a:solidFill>
+            <a:prstDash val="dash"/>
+          </a:ln>
+        </p:spPr>
+        <p:style>
+          <a:lnRef idx="1">
+            <a:schemeClr val="accent1"/>
+          </a:lnRef>
+          <a:fillRef idx="0">
+            <a:schemeClr val="accent1"/>
+          </a:fillRef>
+          <a:effectRef idx="0">
+            <a:schemeClr val="accent1"/>
+          </a:effectRef>
+          <a:fontRef idx="minor">
+            <a:schemeClr val="tx1"/>
+          </a:fontRef>
+        </p:style>
+      </p:cxnSp>
+      <p:sp>
+        <p:nvSpPr>
+          <p:cNvPr id="2" name="TextBox 1"/>
+          <p:cNvSpPr txBox="1"/>
+          <p:nvPr/>
+        </p:nvSpPr>
+        <p:spPr>
+          <a:xfrm>
+            <a:off x="848333" y="4840748"/>
+            <a:ext cx="360045" cy="307777"/>
+          </a:xfrm>
+          <a:prstGeom prst="rect">
+            <a:avLst/>
+          </a:prstGeom>
+          <a:noFill/>
+        </p:spPr>
+        <p:txBody>
+          <a:bodyPr wrap="square" rtlCol="0">
+            <a:spAutoFit/>
+          </a:bodyPr>
+          <a:lstStyle/>
+          <a:p>
+            <a:r>
+              <a:rPr lang="en-US" sz="1400" dirty="0"/>
+              <a:t>0</a:t>
+            </a:r>
+          </a:p>
+        </p:txBody>
+      </p:sp>
+      <p:sp>
+        <p:nvSpPr>
+          <p:cNvPr id="89" name="TextBox 88"/>
+          <p:cNvSpPr txBox="1"/>
+          <p:nvPr/>
+        </p:nvSpPr>
+        <p:spPr>
+          <a:xfrm>
+            <a:off x="2260204" y="4850225"/>
+            <a:ext cx="360045" cy="307777"/>
+          </a:xfrm>
+          <a:prstGeom prst="rect">
+            <a:avLst/>
+          </a:prstGeom>
+          <a:noFill/>
+        </p:spPr>
+        <p:txBody>
+          <a:bodyPr wrap="square" rtlCol="0">
+            <a:spAutoFit/>
+          </a:bodyPr>
+          <a:lstStyle/>
+          <a:p>
+            <a:r>
+              <a:rPr lang="en-US" sz="1400" dirty="0" smtClean="0"/>
+              <a:t>9</a:t>
+            </a:r>
+            <a:endParaRPr lang="en-US" sz="1400" dirty="0"/>
+          </a:p>
+        </p:txBody>
+      </p:sp>
+      <p:sp>
+        <p:nvSpPr>
+          <p:cNvPr id="90" name="TextBox 89"/>
+          <p:cNvSpPr txBox="1"/>
+          <p:nvPr/>
+        </p:nvSpPr>
+        <p:spPr>
+          <a:xfrm>
+            <a:off x="3084552" y="4869180"/>
+            <a:ext cx="530528" cy="307777"/>
+          </a:xfrm>
+          <a:prstGeom prst="rect">
+            <a:avLst/>
+          </a:prstGeom>
+          <a:noFill/>
+        </p:spPr>
+        <p:txBody>
+          <a:bodyPr wrap="square" rtlCol="0">
+            <a:spAutoFit/>
+          </a:bodyPr>
+          <a:lstStyle/>
+          <a:p>
+            <a:r>
+              <a:rPr lang="en-US" sz="1400" dirty="0" smtClean="0"/>
+              <a:t>16</a:t>
+            </a:r>
+            <a:endParaRPr lang="en-US" sz="1400" dirty="0"/>
+          </a:p>
+        </p:txBody>
+      </p:sp>
+      <p:sp>
+        <p:nvSpPr>
+          <p:cNvPr id="91" name="TextBox 90"/>
+          <p:cNvSpPr txBox="1"/>
+          <p:nvPr/>
+        </p:nvSpPr>
+        <p:spPr>
+          <a:xfrm>
+            <a:off x="3815118" y="4869943"/>
+            <a:ext cx="720090" cy="307777"/>
+          </a:xfrm>
+          <a:prstGeom prst="rect">
+            <a:avLst/>
+          </a:prstGeom>
+          <a:noFill/>
+        </p:spPr>
+        <p:txBody>
+          <a:bodyPr wrap="square" rtlCol="0">
+            <a:spAutoFit/>
+          </a:bodyPr>
+          <a:lstStyle/>
+          <a:p>
+            <a:r>
+              <a:rPr lang="en-US" sz="1400" dirty="0" smtClean="0"/>
+              <a:t>21</a:t>
+            </a:r>
+            <a:endParaRPr lang="en-US" sz="1400" dirty="0"/>
+          </a:p>
+        </p:txBody>
+      </p:sp>
+      <p:sp>
+        <p:nvSpPr>
+          <p:cNvPr id="93" name="TextBox 92"/>
+          <p:cNvSpPr txBox="1"/>
+          <p:nvPr/>
+        </p:nvSpPr>
+        <p:spPr>
+          <a:xfrm>
+            <a:off x="4363604" y="4859703"/>
+            <a:ext cx="720090" cy="307777"/>
+          </a:xfrm>
+          <a:prstGeom prst="rect">
+            <a:avLst/>
+          </a:prstGeom>
+          <a:noFill/>
+        </p:spPr>
+        <p:txBody>
+          <a:bodyPr wrap="square" rtlCol="0">
+            <a:spAutoFit/>
+          </a:bodyPr>
+          <a:lstStyle/>
+          <a:p>
+            <a:r>
+              <a:rPr lang="en-US" sz="1400" dirty="0" smtClean="0"/>
+              <a:t>25</a:t>
+            </a:r>
+            <a:endParaRPr lang="en-US" sz="1400" dirty="0"/>
+          </a:p>
+        </p:txBody>
+      </p:sp>
+      <p:cxnSp>
+        <p:nvCxnSpPr>
+          <p:cNvPr id="95" name="Straight Connector 94"/>
+          <p:cNvCxnSpPr/>
+          <p:nvPr/>
+        </p:nvCxnSpPr>
+        <p:spPr>
+          <a:xfrm flipV="1">
+            <a:off x="2554817" y="4535382"/>
+            <a:ext cx="0" cy="325593"/>
+          </a:xfrm>
+          <a:prstGeom prst="line">
+            <a:avLst/>
+          </a:prstGeom>
+          <a:ln>
+            <a:solidFill>
+              <a:srgbClr val="000000"/>
+            </a:solidFill>
+            <a:headEnd type="none"/>
+            <a:tailEnd type="triangle"/>
+          </a:ln>
+        </p:spPr>
+        <p:style>
+          <a:lnRef idx="1">
+            <a:schemeClr val="accent1"/>
+          </a:lnRef>
+          <a:fillRef idx="0">
+            <a:schemeClr val="accent1"/>
+          </a:fillRef>
+          <a:effectRef idx="0">
+            <a:schemeClr val="accent1"/>
+          </a:effectRef>
+          <a:fontRef idx="minor">
+            <a:schemeClr val="tx1"/>
+          </a:fontRef>
+        </p:style>
+      </p:cxnSp>
+      <p:cxnSp>
+        <p:nvCxnSpPr>
+          <p:cNvPr id="96" name="Straight Connector 95"/>
+          <p:cNvCxnSpPr/>
+          <p:nvPr/>
+        </p:nvCxnSpPr>
+        <p:spPr>
+          <a:xfrm flipV="1">
+            <a:off x="2643717" y="4534323"/>
+            <a:ext cx="0" cy="325593"/>
+          </a:xfrm>
+          <a:prstGeom prst="line">
+            <a:avLst/>
+          </a:prstGeom>
+          <a:ln>
+            <a:solidFill>
+              <a:srgbClr val="000000"/>
+            </a:solidFill>
+            <a:headEnd type="none"/>
+            <a:tailEnd type="triangle"/>
+          </a:ln>
+        </p:spPr>
+        <p:style>
+          <a:lnRef idx="1">
+            <a:schemeClr val="accent1"/>
+          </a:lnRef>
+          <a:fillRef idx="0">
+            <a:schemeClr val="accent1"/>
+          </a:fillRef>
+          <a:effectRef idx="0">
+            <a:schemeClr val="accent1"/>
+          </a:effectRef>
+          <a:fontRef idx="minor">
+            <a:schemeClr val="tx1"/>
+          </a:fontRef>
+        </p:style>
+      </p:cxnSp>
+      <p:cxnSp>
+        <p:nvCxnSpPr>
+          <p:cNvPr id="98" name="Straight Connector 97"/>
+          <p:cNvCxnSpPr/>
+          <p:nvPr/>
+        </p:nvCxnSpPr>
+        <p:spPr>
+          <a:xfrm flipV="1">
+            <a:off x="2844800" y="4534323"/>
+            <a:ext cx="0" cy="325593"/>
+          </a:xfrm>
+          <a:prstGeom prst="line">
+            <a:avLst/>
+          </a:prstGeom>
+          <a:ln>
+            <a:solidFill>
+              <a:srgbClr val="000000"/>
+            </a:solidFill>
+            <a:headEnd type="none"/>
+            <a:tailEnd type="triangle"/>
+          </a:ln>
+        </p:spPr>
+        <p:style>
+          <a:lnRef idx="1">
+            <a:schemeClr val="accent1"/>
+          </a:lnRef>
+          <a:fillRef idx="0">
+            <a:schemeClr val="accent1"/>
+          </a:fillRef>
+          <a:effectRef idx="0">
+            <a:schemeClr val="accent1"/>
+          </a:effectRef>
+          <a:fontRef idx="minor">
+            <a:schemeClr val="tx1"/>
+          </a:fontRef>
+        </p:style>
+      </p:cxnSp>
+      <p:cxnSp>
+        <p:nvCxnSpPr>
+          <p:cNvPr id="99" name="Straight Connector 98"/>
+          <p:cNvCxnSpPr/>
+          <p:nvPr/>
+        </p:nvCxnSpPr>
+        <p:spPr>
+          <a:xfrm flipV="1">
+            <a:off x="2987675" y="4534324"/>
+            <a:ext cx="0" cy="325593"/>
+          </a:xfrm>
+          <a:prstGeom prst="line">
+            <a:avLst/>
+          </a:prstGeom>
+          <a:ln>
+            <a:solidFill>
+              <a:srgbClr val="000000"/>
+            </a:solidFill>
+            <a:headEnd type="none"/>
+            <a:tailEnd type="triangle"/>
+          </a:ln>
+        </p:spPr>
+        <p:style>
+          <a:lnRef idx="1">
+            <a:schemeClr val="accent1"/>
+          </a:lnRef>
+          <a:fillRef idx="0">
+            <a:schemeClr val="accent1"/>
+          </a:fillRef>
+          <a:effectRef idx="0">
+            <a:schemeClr val="accent1"/>
+          </a:effectRef>
+          <a:fontRef idx="minor">
+            <a:schemeClr val="tx1"/>
+          </a:fontRef>
+        </p:style>
+      </p:cxnSp>
+      <p:cxnSp>
+        <p:nvCxnSpPr>
+          <p:cNvPr id="101" name="Straight Connector 100"/>
+          <p:cNvCxnSpPr/>
+          <p:nvPr/>
+        </p:nvCxnSpPr>
+        <p:spPr>
+          <a:xfrm flipV="1">
+            <a:off x="3061759" y="4534324"/>
+            <a:ext cx="0" cy="325593"/>
+          </a:xfrm>
+          <a:prstGeom prst="line">
+            <a:avLst/>
+          </a:prstGeom>
+          <a:ln>
+            <a:solidFill>
+              <a:srgbClr val="000000"/>
+            </a:solidFill>
+            <a:headEnd type="none"/>
+            <a:tailEnd type="triangle"/>
+          </a:ln>
+        </p:spPr>
+        <p:style>
+          <a:lnRef idx="1">
+            <a:schemeClr val="accent1"/>
+          </a:lnRef>
+          <a:fillRef idx="0">
+            <a:schemeClr val="accent1"/>
+          </a:fillRef>
+          <a:effectRef idx="0">
+            <a:schemeClr val="accent1"/>
+          </a:effectRef>
+          <a:fontRef idx="minor">
+            <a:schemeClr val="tx1"/>
+          </a:fontRef>
+        </p:style>
+      </p:cxnSp>
+      <p:cxnSp>
+        <p:nvCxnSpPr>
+          <p:cNvPr id="107" name="Straight Connector 106"/>
+          <p:cNvCxnSpPr/>
+          <p:nvPr/>
+        </p:nvCxnSpPr>
+        <p:spPr>
+          <a:xfrm flipV="1">
+            <a:off x="3252047" y="4534534"/>
+            <a:ext cx="0" cy="325593"/>
+          </a:xfrm>
+          <a:prstGeom prst="line">
+            <a:avLst/>
+          </a:prstGeom>
+          <a:ln>
+            <a:solidFill>
+              <a:srgbClr val="000000"/>
+            </a:solidFill>
+            <a:headEnd type="none"/>
+            <a:tailEnd type="triangle"/>
+          </a:ln>
+        </p:spPr>
+        <p:style>
+          <a:lnRef idx="1">
+            <a:schemeClr val="accent1"/>
+          </a:lnRef>
+          <a:fillRef idx="0">
+            <a:schemeClr val="accent1"/>
+          </a:fillRef>
+          <a:effectRef idx="0">
+            <a:schemeClr val="accent1"/>
+          </a:effectRef>
+          <a:fontRef idx="minor">
+            <a:schemeClr val="tx1"/>
+          </a:fontRef>
+        </p:style>
+      </p:cxnSp>
+      <p:sp>
+        <p:nvSpPr>
+          <p:cNvPr id="9" name="Left Brace 8"/>
+          <p:cNvSpPr/>
+          <p:nvPr/>
+        </p:nvSpPr>
+        <p:spPr>
+          <a:xfrm rot="5400000">
+            <a:off x="2735473" y="3990234"/>
+            <a:ext cx="212302" cy="825500"/>
+          </a:xfrm>
+          <a:prstGeom prst="leftBrace">
+            <a:avLst/>
+          </a:prstGeom>
+          <a:ln>
+            <a:solidFill>
+              <a:schemeClr val="tx1"/>
+            </a:solidFill>
+          </a:ln>
+        </p:spPr>
+        <p:style>
+          <a:lnRef idx="2">
+            <a:schemeClr val="accent1"/>
+          </a:lnRef>
+          <a:fillRef idx="0">
+            <a:schemeClr val="accent1"/>
+          </a:fillRef>
+          <a:effectRef idx="1">
+            <a:schemeClr val="accent1"/>
+          </a:effectRef>
+          <a:fontRef idx="minor">
+            <a:schemeClr val="tx1"/>
+          </a:fontRef>
+        </p:style>
+        <p:txBody>
+          <a:bodyPr rtlCol="0" anchor="ctr"/>
+          <a:lstStyle/>
+          <a:p>
+            <a:pPr algn="ctr"/>
+            <a:endParaRPr lang="en-US">
+              <a:ln>
+                <a:solidFill>
+                  <a:srgbClr val="000000"/>
+                </a:solidFill>
+              </a:ln>
+            </a:endParaRPr>
+          </a:p>
+        </p:txBody>
+      </p:sp>
+    </p:spTree>
+    <p:extLst>
+      <p:ext uri="{BB962C8B-B14F-4D97-AF65-F5344CB8AC3E}">
+        <p14:creationId xmlns:p14="http://schemas.microsoft.com/office/powerpoint/2010/main" val="2026543373"/>
+      </p:ext>
+    </p:extLst>
+  </p:cSld>
+  <p:clrMapOvr>
+    <a:masterClrMapping/>
+  </p:clrMapOvr>
+  <p:timing>
+    <p:tnLst>
+      <p:par>
+        <p:cTn xmlns:p14="http://schemas.microsoft.com/office/powerpoint/2010/main" id="1" dur="indefinite" restart="never" nodeType="tmRoot"/>
       </p:par>
     </p:tnLst>
   </p:timing>

--- a/tutorials/batman/img/figs.pptx
+++ b/tutorials/batman/img/figs.pptx
@@ -6996,390 +6996,770 @@
           <a:chExt cx="0" cy="0"/>
         </a:xfrm>
       </p:grpSpPr>
-      <p:cxnSp>
-        <p:nvCxnSpPr>
-          <p:cNvPr id="94" name="Straight Connector 93"/>
-          <p:cNvCxnSpPr/>
-          <p:nvPr/>
-        </p:nvCxnSpPr>
-        <p:spPr>
-          <a:xfrm flipV="1">
-            <a:off x="2417022" y="4535593"/>
-            <a:ext cx="0" cy="325593"/>
-          </a:xfrm>
-          <a:prstGeom prst="line">
-            <a:avLst/>
-          </a:prstGeom>
-          <a:ln>
-            <a:solidFill>
-              <a:srgbClr val="FF0000"/>
-            </a:solidFill>
-            <a:headEnd type="none"/>
-            <a:tailEnd type="triangle"/>
-          </a:ln>
-        </p:spPr>
-        <p:style>
-          <a:lnRef idx="1">
-            <a:schemeClr val="accent1"/>
-          </a:lnRef>
-          <a:fillRef idx="0">
-            <a:schemeClr val="accent1"/>
-          </a:fillRef>
-          <a:effectRef idx="0">
-            <a:schemeClr val="accent1"/>
-          </a:effectRef>
-          <a:fontRef idx="minor">
-            <a:schemeClr val="tx1"/>
-          </a:fontRef>
-        </p:style>
-      </p:cxnSp>
-      <p:sp>
-        <p:nvSpPr>
-          <p:cNvPr id="4" name="Rectangle 3"/>
-          <p:cNvSpPr/>
-          <p:nvPr/>
-        </p:nvSpPr>
-        <p:spPr>
-          <a:xfrm>
-            <a:off x="1146807" y="1066801"/>
-            <a:ext cx="3240405" cy="1080135"/>
-          </a:xfrm>
-          <a:prstGeom prst="rect">
-            <a:avLst/>
-          </a:prstGeom>
-          <a:solidFill>
-            <a:schemeClr val="bg1">
-              <a:lumMod val="85000"/>
-            </a:schemeClr>
-          </a:solidFill>
-          <a:ln>
-            <a:noFill/>
-          </a:ln>
-        </p:spPr>
-        <p:style>
-          <a:lnRef idx="2">
-            <a:schemeClr val="accent1">
-              <a:shade val="50000"/>
-            </a:schemeClr>
-          </a:lnRef>
-          <a:fillRef idx="1">
-            <a:schemeClr val="accent1"/>
-          </a:fillRef>
-          <a:effectRef idx="0">
-            <a:schemeClr val="accent1"/>
-          </a:effectRef>
-          <a:fontRef idx="minor">
-            <a:schemeClr val="lt1"/>
-          </a:fontRef>
-        </p:style>
-        <p:txBody>
-          <a:bodyPr rtlCol="0" anchor="ctr"/>
-          <a:lstStyle/>
-          <a:p>
-            <a:pPr algn="ctr"/>
-            <a:endParaRPr lang="en-GB"/>
-          </a:p>
-        </p:txBody>
-      </p:sp>
-      <p:sp>
-        <p:nvSpPr>
-          <p:cNvPr id="62" name="Rectangle 61"/>
-          <p:cNvSpPr/>
-          <p:nvPr/>
-        </p:nvSpPr>
-        <p:spPr>
-          <a:xfrm>
-            <a:off x="5296855" y="2680812"/>
-            <a:ext cx="3240405" cy="1080135"/>
-          </a:xfrm>
-          <a:prstGeom prst="rect">
-            <a:avLst/>
-          </a:prstGeom>
-          <a:solidFill>
-            <a:schemeClr val="bg1">
-              <a:lumMod val="85000"/>
-            </a:schemeClr>
-          </a:solidFill>
-          <a:ln>
-            <a:noFill/>
-          </a:ln>
-        </p:spPr>
-        <p:style>
-          <a:lnRef idx="2">
-            <a:schemeClr val="accent1">
-              <a:shade val="50000"/>
-            </a:schemeClr>
-          </a:lnRef>
-          <a:fillRef idx="1">
-            <a:schemeClr val="accent1"/>
-          </a:fillRef>
-          <a:effectRef idx="0">
-            <a:schemeClr val="accent1"/>
-          </a:effectRef>
-          <a:fontRef idx="minor">
-            <a:schemeClr val="lt1"/>
-          </a:fontRef>
-        </p:style>
-        <p:txBody>
-          <a:bodyPr rtlCol="0" anchor="ctr"/>
-          <a:lstStyle/>
-          <a:p>
-            <a:pPr algn="ctr"/>
-            <a:endParaRPr lang="en-GB"/>
-          </a:p>
-        </p:txBody>
-      </p:sp>
-      <p:sp>
-        <p:nvSpPr>
-          <p:cNvPr id="40" name="Rectangle 39"/>
-          <p:cNvSpPr/>
-          <p:nvPr/>
-        </p:nvSpPr>
-        <p:spPr>
-          <a:xfrm>
-            <a:off x="1336117" y="2694859"/>
-            <a:ext cx="3240405" cy="1080135"/>
-          </a:xfrm>
-          <a:prstGeom prst="rect">
-            <a:avLst/>
-          </a:prstGeom>
-          <a:solidFill>
-            <a:schemeClr val="bg1">
-              <a:lumMod val="85000"/>
-            </a:schemeClr>
-          </a:solidFill>
-          <a:ln>
-            <a:noFill/>
-          </a:ln>
-        </p:spPr>
-        <p:style>
-          <a:lnRef idx="2">
-            <a:schemeClr val="accent1">
-              <a:shade val="50000"/>
-            </a:schemeClr>
-          </a:lnRef>
-          <a:fillRef idx="1">
-            <a:schemeClr val="accent1"/>
-          </a:fillRef>
-          <a:effectRef idx="0">
-            <a:schemeClr val="accent1"/>
-          </a:effectRef>
-          <a:fontRef idx="minor">
-            <a:schemeClr val="lt1"/>
-          </a:fontRef>
-        </p:style>
-        <p:txBody>
-          <a:bodyPr rtlCol="0" anchor="ctr"/>
-          <a:lstStyle/>
-          <a:p>
-            <a:pPr algn="ctr"/>
-            <a:endParaRPr lang="en-GB"/>
-          </a:p>
-        </p:txBody>
-      </p:sp>
-      <p:sp>
-        <p:nvSpPr>
-          <p:cNvPr id="92" name="Freeform 91"/>
-          <p:cNvSpPr/>
-          <p:nvPr/>
-        </p:nvSpPr>
-        <p:spPr>
-          <a:xfrm>
-            <a:off x="428626" y="1515197"/>
-            <a:ext cx="8463914" cy="1759503"/>
-          </a:xfrm>
-          <a:custGeom>
-            <a:avLst/>
-            <a:gdLst>
-              <a:gd name="connsiteX0" fmla="*/ 552885 w 8275491"/>
-              <a:gd name="connsiteY0" fmla="*/ 73010 h 1650207"/>
-              <a:gd name="connsiteX1" fmla="*/ 4934762 w 8275491"/>
-              <a:gd name="connsiteY1" fmla="*/ 45849 h 1650207"/>
-              <a:gd name="connsiteX2" fmla="*/ 5106778 w 8275491"/>
-              <a:gd name="connsiteY2" fmla="*/ 607164 h 1650207"/>
-              <a:gd name="connsiteX3" fmla="*/ 824489 w 8275491"/>
-              <a:gd name="connsiteY3" fmla="*/ 878768 h 1650207"/>
-              <a:gd name="connsiteX4" fmla="*/ 706794 w 8275491"/>
-              <a:gd name="connsiteY4" fmla="*/ 1575885 h 1650207"/>
-              <a:gd name="connsiteX5" fmla="*/ 8275491 w 8275491"/>
-              <a:gd name="connsiteY5" fmla="*/ 1630206 h 1650207"/>
-              <a:gd name="connsiteX6" fmla="*/ 8275491 w 8275491"/>
-              <a:gd name="connsiteY6" fmla="*/ 1630206 h 1650207"/>
-            </a:gdLst>
-            <a:ahLst/>
-            <a:cxnLst>
-              <a:cxn ang="0">
-                <a:pos x="connsiteX0" y="connsiteY0"/>
-              </a:cxn>
-              <a:cxn ang="0">
-                <a:pos x="connsiteX1" y="connsiteY1"/>
-              </a:cxn>
-              <a:cxn ang="0">
-                <a:pos x="connsiteX2" y="connsiteY2"/>
-              </a:cxn>
-              <a:cxn ang="0">
-                <a:pos x="connsiteX3" y="connsiteY3"/>
-              </a:cxn>
-              <a:cxn ang="0">
-                <a:pos x="connsiteX4" y="connsiteY4"/>
-              </a:cxn>
-              <a:cxn ang="0">
-                <a:pos x="connsiteX5" y="connsiteY5"/>
-              </a:cxn>
-              <a:cxn ang="0">
-                <a:pos x="connsiteX6" y="connsiteY6"/>
-              </a:cxn>
-            </a:cxnLst>
-            <a:rect l="l" t="t" r="r" b="b"/>
-            <a:pathLst>
-              <a:path w="8275491" h="1650207">
-                <a:moveTo>
-                  <a:pt x="552885" y="73010"/>
-                </a:moveTo>
-                <a:cubicBezTo>
-                  <a:pt x="2364332" y="14916"/>
-                  <a:pt x="4175780" y="-43177"/>
-                  <a:pt x="4934762" y="45849"/>
-                </a:cubicBezTo>
-                <a:cubicBezTo>
-                  <a:pt x="5693744" y="134875"/>
-                  <a:pt x="5791824" y="468344"/>
-                  <a:pt x="5106778" y="607164"/>
-                </a:cubicBezTo>
-                <a:cubicBezTo>
-                  <a:pt x="4421732" y="745984"/>
-                  <a:pt x="1557820" y="717315"/>
-                  <a:pt x="824489" y="878768"/>
-                </a:cubicBezTo>
-                <a:cubicBezTo>
-                  <a:pt x="91158" y="1040221"/>
-                  <a:pt x="-535040" y="1450645"/>
-                  <a:pt x="706794" y="1575885"/>
-                </a:cubicBezTo>
-                <a:cubicBezTo>
-                  <a:pt x="1948628" y="1701125"/>
-                  <a:pt x="8275491" y="1630206"/>
-                  <a:pt x="8275491" y="1630206"/>
-                </a:cubicBezTo>
-                <a:lnTo>
-                  <a:pt x="8275491" y="1630206"/>
-                </a:lnTo>
-              </a:path>
-            </a:pathLst>
-          </a:custGeom>
-          <a:noFill/>
-          <a:ln w="57150">
-            <a:solidFill>
-              <a:schemeClr val="bg1">
-                <a:lumMod val="75000"/>
-              </a:schemeClr>
-            </a:solidFill>
-            <a:headEnd type="none" w="med" len="med"/>
-            <a:tailEnd type="triangle" w="med" len="med"/>
-          </a:ln>
-        </p:spPr>
-        <p:style>
-          <a:lnRef idx="2">
-            <a:schemeClr val="accent1">
-              <a:shade val="50000"/>
-            </a:schemeClr>
-          </a:lnRef>
-          <a:fillRef idx="1">
-            <a:schemeClr val="accent1"/>
-          </a:fillRef>
-          <a:effectRef idx="0">
-            <a:schemeClr val="accent1"/>
-          </a:effectRef>
-          <a:fontRef idx="minor">
-            <a:schemeClr val="lt1"/>
-          </a:fontRef>
-        </p:style>
-        <p:txBody>
-          <a:bodyPr rtlCol="0" anchor="ctr"/>
-          <a:lstStyle/>
-          <a:p>
-            <a:pPr algn="ctr"/>
-            <a:endParaRPr lang="en-GB">
-              <a:ln>
-                <a:solidFill>
-                  <a:schemeClr val="bg1">
-                    <a:lumMod val="85000"/>
-                  </a:schemeClr>
-                </a:solidFill>
-              </a:ln>
-            </a:endParaRPr>
-          </a:p>
-        </p:txBody>
-      </p:sp>
-      <p:sp>
-        <p:nvSpPr>
-          <p:cNvPr id="5" name="Rectangle 4"/>
-          <p:cNvSpPr/>
-          <p:nvPr/>
-        </p:nvSpPr>
-        <p:spPr>
-          <a:xfrm>
-            <a:off x="1331594" y="1291831"/>
-            <a:ext cx="720090" cy="630076"/>
-          </a:xfrm>
-          <a:prstGeom prst="rect">
-            <a:avLst/>
-          </a:prstGeom>
-          <a:solidFill>
-            <a:srgbClr val="FFCC00"/>
-          </a:solidFill>
-          <a:ln>
-            <a:noFill/>
-          </a:ln>
-        </p:spPr>
-        <p:style>
-          <a:lnRef idx="2">
-            <a:schemeClr val="accent1">
-              <a:shade val="50000"/>
-            </a:schemeClr>
-          </a:lnRef>
-          <a:fillRef idx="1">
-            <a:schemeClr val="accent1"/>
-          </a:fillRef>
-          <a:effectRef idx="0">
-            <a:schemeClr val="accent1"/>
-          </a:effectRef>
-          <a:fontRef idx="minor">
-            <a:schemeClr val="lt1"/>
-          </a:fontRef>
-        </p:style>
-        <p:txBody>
-          <a:bodyPr rtlCol="0" anchor="ctr"/>
-          <a:lstStyle/>
-          <a:p>
-            <a:pPr algn="ctr"/>
-            <a:endParaRPr lang="en-GB"/>
-          </a:p>
-        </p:txBody>
-      </p:sp>
       <p:grpSp>
         <p:nvGrpSpPr>
-          <p:cNvPr id="21" name="Group 20"/>
+          <p:cNvPr id="11" name="Group 10"/>
           <p:cNvGrpSpPr/>
           <p:nvPr/>
         </p:nvGrpSpPr>
         <p:grpSpPr>
           <a:xfrm>
-            <a:off x="1581148" y="1425659"/>
-            <a:ext cx="199072" cy="388619"/>
-            <a:chOff x="1581149" y="1606869"/>
-            <a:chExt cx="199072" cy="388619"/>
+            <a:off x="251460" y="539353"/>
+            <a:ext cx="8816226" cy="4638367"/>
+            <a:chOff x="251460" y="539353"/>
+            <a:chExt cx="8816226" cy="4638367"/>
           </a:xfrm>
         </p:grpSpPr>
         <p:sp>
           <p:nvSpPr>
-            <p:cNvPr id="12" name="Freeform 11"/>
-            <p:cNvSpPr/>
+            <p:cNvPr id="102" name="TextBox 101"/>
+            <p:cNvSpPr txBox="1"/>
             <p:nvPr/>
           </p:nvSpPr>
           <p:spPr>
             <a:xfrm>
-              <a:off x="1581149" y="1688306"/>
+              <a:off x="251460" y="1406813"/>
+              <a:ext cx="686470" cy="400110"/>
+            </a:xfrm>
+            <a:prstGeom prst="rect">
+              <a:avLst/>
+            </a:prstGeom>
+            <a:noFill/>
+          </p:spPr>
+          <p:txBody>
+            <a:bodyPr wrap="none" rtlCol="0">
+              <a:spAutoFit/>
+            </a:bodyPr>
+            <a:lstStyle/>
+            <a:p>
+              <a:r>
+                <a:rPr lang="en-GB" sz="2000" dirty="0" smtClean="0"/>
+                <a:t>Start</a:t>
+              </a:r>
+              <a:endParaRPr lang="en-GB" sz="2000" dirty="0"/>
+            </a:p>
+          </p:txBody>
+        </p:sp>
+        <p:cxnSp>
+          <p:nvCxnSpPr>
+            <p:cNvPr id="94" name="Straight Connector 93"/>
+            <p:cNvCxnSpPr/>
+            <p:nvPr/>
+          </p:nvCxnSpPr>
+          <p:spPr>
+            <a:xfrm flipV="1">
+              <a:off x="2417022" y="4535593"/>
+              <a:ext cx="0" cy="325593"/>
+            </a:xfrm>
+            <a:prstGeom prst="line">
+              <a:avLst/>
+            </a:prstGeom>
+            <a:ln>
+              <a:solidFill>
+                <a:srgbClr val="FF0000"/>
+              </a:solidFill>
+              <a:headEnd type="none"/>
+              <a:tailEnd type="triangle"/>
+            </a:ln>
+          </p:spPr>
+          <p:style>
+            <a:lnRef idx="1">
+              <a:schemeClr val="accent1"/>
+            </a:lnRef>
+            <a:fillRef idx="0">
+              <a:schemeClr val="accent1"/>
+            </a:fillRef>
+            <a:effectRef idx="0">
+              <a:schemeClr val="accent1"/>
+            </a:effectRef>
+            <a:fontRef idx="minor">
+              <a:schemeClr val="tx1"/>
+            </a:fontRef>
+          </p:style>
+        </p:cxnSp>
+        <p:sp>
+          <p:nvSpPr>
+            <p:cNvPr id="4" name="Rectangle 3"/>
+            <p:cNvSpPr/>
+            <p:nvPr/>
+          </p:nvSpPr>
+          <p:spPr>
+            <a:xfrm>
+              <a:off x="1146807" y="1066801"/>
+              <a:ext cx="3240405" cy="1080135"/>
+            </a:xfrm>
+            <a:prstGeom prst="rect">
+              <a:avLst/>
+            </a:prstGeom>
+            <a:solidFill>
+              <a:schemeClr val="bg1">
+                <a:lumMod val="85000"/>
+              </a:schemeClr>
+            </a:solidFill>
+            <a:ln>
+              <a:noFill/>
+            </a:ln>
+          </p:spPr>
+          <p:style>
+            <a:lnRef idx="2">
+              <a:schemeClr val="accent1">
+                <a:shade val="50000"/>
+              </a:schemeClr>
+            </a:lnRef>
+            <a:fillRef idx="1">
+              <a:schemeClr val="accent1"/>
+            </a:fillRef>
+            <a:effectRef idx="0">
+              <a:schemeClr val="accent1"/>
+            </a:effectRef>
+            <a:fontRef idx="minor">
+              <a:schemeClr val="lt1"/>
+            </a:fontRef>
+          </p:style>
+          <p:txBody>
+            <a:bodyPr rtlCol="0" anchor="ctr"/>
+            <a:lstStyle/>
+            <a:p>
+              <a:pPr algn="ctr"/>
+              <a:endParaRPr lang="en-GB"/>
+            </a:p>
+          </p:txBody>
+        </p:sp>
+        <p:sp>
+          <p:nvSpPr>
+            <p:cNvPr id="62" name="Rectangle 61"/>
+            <p:cNvSpPr/>
+            <p:nvPr/>
+          </p:nvSpPr>
+          <p:spPr>
+            <a:xfrm>
+              <a:off x="5296855" y="2680812"/>
+              <a:ext cx="3240405" cy="1080135"/>
+            </a:xfrm>
+            <a:prstGeom prst="rect">
+              <a:avLst/>
+            </a:prstGeom>
+            <a:solidFill>
+              <a:schemeClr val="bg1">
+                <a:lumMod val="85000"/>
+              </a:schemeClr>
+            </a:solidFill>
+            <a:ln>
+              <a:noFill/>
+            </a:ln>
+          </p:spPr>
+          <p:style>
+            <a:lnRef idx="2">
+              <a:schemeClr val="accent1">
+                <a:shade val="50000"/>
+              </a:schemeClr>
+            </a:lnRef>
+            <a:fillRef idx="1">
+              <a:schemeClr val="accent1"/>
+            </a:fillRef>
+            <a:effectRef idx="0">
+              <a:schemeClr val="accent1"/>
+            </a:effectRef>
+            <a:fontRef idx="minor">
+              <a:schemeClr val="lt1"/>
+            </a:fontRef>
+          </p:style>
+          <p:txBody>
+            <a:bodyPr rtlCol="0" anchor="ctr"/>
+            <a:lstStyle/>
+            <a:p>
+              <a:pPr algn="ctr"/>
+              <a:endParaRPr lang="en-GB"/>
+            </a:p>
+          </p:txBody>
+        </p:sp>
+        <p:sp>
+          <p:nvSpPr>
+            <p:cNvPr id="40" name="Rectangle 39"/>
+            <p:cNvSpPr/>
+            <p:nvPr/>
+          </p:nvSpPr>
+          <p:spPr>
+            <a:xfrm>
+              <a:off x="1336117" y="2694859"/>
+              <a:ext cx="3240405" cy="1080135"/>
+            </a:xfrm>
+            <a:prstGeom prst="rect">
+              <a:avLst/>
+            </a:prstGeom>
+            <a:solidFill>
+              <a:schemeClr val="bg1">
+                <a:lumMod val="85000"/>
+              </a:schemeClr>
+            </a:solidFill>
+            <a:ln>
+              <a:noFill/>
+            </a:ln>
+          </p:spPr>
+          <p:style>
+            <a:lnRef idx="2">
+              <a:schemeClr val="accent1">
+                <a:shade val="50000"/>
+              </a:schemeClr>
+            </a:lnRef>
+            <a:fillRef idx="1">
+              <a:schemeClr val="accent1"/>
+            </a:fillRef>
+            <a:effectRef idx="0">
+              <a:schemeClr val="accent1"/>
+            </a:effectRef>
+            <a:fontRef idx="minor">
+              <a:schemeClr val="lt1"/>
+            </a:fontRef>
+          </p:style>
+          <p:txBody>
+            <a:bodyPr rtlCol="0" anchor="ctr"/>
+            <a:lstStyle/>
+            <a:p>
+              <a:pPr algn="ctr"/>
+              <a:endParaRPr lang="en-GB"/>
+            </a:p>
+          </p:txBody>
+        </p:sp>
+        <p:sp>
+          <p:nvSpPr>
+            <p:cNvPr id="92" name="Freeform 91"/>
+            <p:cNvSpPr/>
+            <p:nvPr/>
+          </p:nvSpPr>
+          <p:spPr>
+            <a:xfrm>
+              <a:off x="428626" y="1515197"/>
+              <a:ext cx="8463914" cy="1759503"/>
+            </a:xfrm>
+            <a:custGeom>
+              <a:avLst/>
+              <a:gdLst>
+                <a:gd name="connsiteX0" fmla="*/ 552885 w 8275491"/>
+                <a:gd name="connsiteY0" fmla="*/ 73010 h 1650207"/>
+                <a:gd name="connsiteX1" fmla="*/ 4934762 w 8275491"/>
+                <a:gd name="connsiteY1" fmla="*/ 45849 h 1650207"/>
+                <a:gd name="connsiteX2" fmla="*/ 5106778 w 8275491"/>
+                <a:gd name="connsiteY2" fmla="*/ 607164 h 1650207"/>
+                <a:gd name="connsiteX3" fmla="*/ 824489 w 8275491"/>
+                <a:gd name="connsiteY3" fmla="*/ 878768 h 1650207"/>
+                <a:gd name="connsiteX4" fmla="*/ 706794 w 8275491"/>
+                <a:gd name="connsiteY4" fmla="*/ 1575885 h 1650207"/>
+                <a:gd name="connsiteX5" fmla="*/ 8275491 w 8275491"/>
+                <a:gd name="connsiteY5" fmla="*/ 1630206 h 1650207"/>
+                <a:gd name="connsiteX6" fmla="*/ 8275491 w 8275491"/>
+                <a:gd name="connsiteY6" fmla="*/ 1630206 h 1650207"/>
+              </a:gdLst>
+              <a:ahLst/>
+              <a:cxnLst>
+                <a:cxn ang="0">
+                  <a:pos x="connsiteX0" y="connsiteY0"/>
+                </a:cxn>
+                <a:cxn ang="0">
+                  <a:pos x="connsiteX1" y="connsiteY1"/>
+                </a:cxn>
+                <a:cxn ang="0">
+                  <a:pos x="connsiteX2" y="connsiteY2"/>
+                </a:cxn>
+                <a:cxn ang="0">
+                  <a:pos x="connsiteX3" y="connsiteY3"/>
+                </a:cxn>
+                <a:cxn ang="0">
+                  <a:pos x="connsiteX4" y="connsiteY4"/>
+                </a:cxn>
+                <a:cxn ang="0">
+                  <a:pos x="connsiteX5" y="connsiteY5"/>
+                </a:cxn>
+                <a:cxn ang="0">
+                  <a:pos x="connsiteX6" y="connsiteY6"/>
+                </a:cxn>
+              </a:cxnLst>
+              <a:rect l="l" t="t" r="r" b="b"/>
+              <a:pathLst>
+                <a:path w="8275491" h="1650207">
+                  <a:moveTo>
+                    <a:pt x="552885" y="73010"/>
+                  </a:moveTo>
+                  <a:cubicBezTo>
+                    <a:pt x="2364332" y="14916"/>
+                    <a:pt x="4175780" y="-43177"/>
+                    <a:pt x="4934762" y="45849"/>
+                  </a:cubicBezTo>
+                  <a:cubicBezTo>
+                    <a:pt x="5693744" y="134875"/>
+                    <a:pt x="5791824" y="468344"/>
+                    <a:pt x="5106778" y="607164"/>
+                  </a:cubicBezTo>
+                  <a:cubicBezTo>
+                    <a:pt x="4421732" y="745984"/>
+                    <a:pt x="1557820" y="717315"/>
+                    <a:pt x="824489" y="878768"/>
+                  </a:cubicBezTo>
+                  <a:cubicBezTo>
+                    <a:pt x="91158" y="1040221"/>
+                    <a:pt x="-535040" y="1450645"/>
+                    <a:pt x="706794" y="1575885"/>
+                  </a:cubicBezTo>
+                  <a:cubicBezTo>
+                    <a:pt x="1948628" y="1701125"/>
+                    <a:pt x="8275491" y="1630206"/>
+                    <a:pt x="8275491" y="1630206"/>
+                  </a:cubicBezTo>
+                  <a:lnTo>
+                    <a:pt x="8275491" y="1630206"/>
+                  </a:lnTo>
+                </a:path>
+              </a:pathLst>
+            </a:custGeom>
+            <a:noFill/>
+            <a:ln w="57150">
+              <a:solidFill>
+                <a:schemeClr val="bg1">
+                  <a:lumMod val="75000"/>
+                </a:schemeClr>
+              </a:solidFill>
+              <a:headEnd type="none" w="med" len="med"/>
+              <a:tailEnd type="triangle" w="med" len="med"/>
+            </a:ln>
+          </p:spPr>
+          <p:style>
+            <a:lnRef idx="2">
+              <a:schemeClr val="accent1">
+                <a:shade val="50000"/>
+              </a:schemeClr>
+            </a:lnRef>
+            <a:fillRef idx="1">
+              <a:schemeClr val="accent1"/>
+            </a:fillRef>
+            <a:effectRef idx="0">
+              <a:schemeClr val="accent1"/>
+            </a:effectRef>
+            <a:fontRef idx="minor">
+              <a:schemeClr val="lt1"/>
+            </a:fontRef>
+          </p:style>
+          <p:txBody>
+            <a:bodyPr rtlCol="0" anchor="ctr"/>
+            <a:lstStyle/>
+            <a:p>
+              <a:pPr algn="ctr"/>
+              <a:endParaRPr lang="en-GB">
+                <a:ln>
+                  <a:solidFill>
+                    <a:schemeClr val="bg1">
+                      <a:lumMod val="85000"/>
+                    </a:schemeClr>
+                  </a:solidFill>
+                </a:ln>
+              </a:endParaRPr>
+            </a:p>
+          </p:txBody>
+        </p:sp>
+        <p:sp>
+          <p:nvSpPr>
+            <p:cNvPr id="5" name="Rectangle 4"/>
+            <p:cNvSpPr/>
+            <p:nvPr/>
+          </p:nvSpPr>
+          <p:spPr>
+            <a:xfrm>
+              <a:off x="1331594" y="1291831"/>
+              <a:ext cx="720090" cy="630076"/>
+            </a:xfrm>
+            <a:prstGeom prst="rect">
+              <a:avLst/>
+            </a:prstGeom>
+            <a:solidFill>
+              <a:srgbClr val="FFCC00"/>
+            </a:solidFill>
+            <a:ln>
+              <a:noFill/>
+            </a:ln>
+          </p:spPr>
+          <p:style>
+            <a:lnRef idx="2">
+              <a:schemeClr val="accent1">
+                <a:shade val="50000"/>
+              </a:schemeClr>
+            </a:lnRef>
+            <a:fillRef idx="1">
+              <a:schemeClr val="accent1"/>
+            </a:fillRef>
+            <a:effectRef idx="0">
+              <a:schemeClr val="accent1"/>
+            </a:effectRef>
+            <a:fontRef idx="minor">
+              <a:schemeClr val="lt1"/>
+            </a:fontRef>
+          </p:style>
+          <p:txBody>
+            <a:bodyPr rtlCol="0" anchor="ctr"/>
+            <a:lstStyle/>
+            <a:p>
+              <a:pPr algn="ctr"/>
+              <a:endParaRPr lang="en-GB"/>
+            </a:p>
+          </p:txBody>
+        </p:sp>
+        <p:grpSp>
+          <p:nvGrpSpPr>
+            <p:cNvPr id="21" name="Group 20"/>
+            <p:cNvGrpSpPr/>
+            <p:nvPr/>
+          </p:nvGrpSpPr>
+          <p:grpSpPr>
+            <a:xfrm>
+              <a:off x="1581148" y="1425659"/>
+              <a:ext cx="199072" cy="388619"/>
+              <a:chOff x="1581149" y="1606869"/>
+              <a:chExt cx="199072" cy="388619"/>
+            </a:xfrm>
+          </p:grpSpPr>
+          <p:sp>
+            <p:nvSpPr>
+              <p:cNvPr id="12" name="Freeform 11"/>
+              <p:cNvSpPr/>
+              <p:nvPr/>
+            </p:nvSpPr>
+            <p:spPr>
+              <a:xfrm>
+                <a:off x="1581149" y="1688306"/>
+                <a:ext cx="173831" cy="307182"/>
+              </a:xfrm>
+              <a:custGeom>
+                <a:avLst/>
+                <a:gdLst>
+                  <a:gd name="connsiteX0" fmla="*/ 0 w 233362"/>
+                  <a:gd name="connsiteY0" fmla="*/ 338138 h 338138"/>
+                  <a:gd name="connsiteX1" fmla="*/ 0 w 233362"/>
+                  <a:gd name="connsiteY1" fmla="*/ 338138 h 338138"/>
+                  <a:gd name="connsiteX2" fmla="*/ 21431 w 233362"/>
+                  <a:gd name="connsiteY2" fmla="*/ 190500 h 338138"/>
+                  <a:gd name="connsiteX3" fmla="*/ 202406 w 233362"/>
+                  <a:gd name="connsiteY3" fmla="*/ 190500 h 338138"/>
+                  <a:gd name="connsiteX4" fmla="*/ 233362 w 233362"/>
+                  <a:gd name="connsiteY4" fmla="*/ 0 h 338138"/>
+                </a:gdLst>
+                <a:ahLst/>
+                <a:cxnLst>
+                  <a:cxn ang="0">
+                    <a:pos x="connsiteX0" y="connsiteY0"/>
+                  </a:cxn>
+                  <a:cxn ang="0">
+                    <a:pos x="connsiteX1" y="connsiteY1"/>
+                  </a:cxn>
+                  <a:cxn ang="0">
+                    <a:pos x="connsiteX2" y="connsiteY2"/>
+                  </a:cxn>
+                  <a:cxn ang="0">
+                    <a:pos x="connsiteX3" y="connsiteY3"/>
+                  </a:cxn>
+                  <a:cxn ang="0">
+                    <a:pos x="connsiteX4" y="connsiteY4"/>
+                  </a:cxn>
+                </a:cxnLst>
+                <a:rect l="l" t="t" r="r" b="b"/>
+                <a:pathLst>
+                  <a:path w="233362" h="338138">
+                    <a:moveTo>
+                      <a:pt x="0" y="338138"/>
+                    </a:moveTo>
+                    <a:lnTo>
+                      <a:pt x="0" y="338138"/>
+                    </a:lnTo>
+                    <a:lnTo>
+                      <a:pt x="21431" y="190500"/>
+                    </a:lnTo>
+                    <a:lnTo>
+                      <a:pt x="202406" y="190500"/>
+                    </a:lnTo>
+                    <a:lnTo>
+                      <a:pt x="233362" y="0"/>
+                    </a:lnTo>
+                  </a:path>
+                </a:pathLst>
+              </a:custGeom>
+              <a:noFill/>
+              <a:ln w="38100">
+                <a:solidFill>
+                  <a:schemeClr val="tx1"/>
+                </a:solidFill>
+              </a:ln>
+            </p:spPr>
+            <p:style>
+              <a:lnRef idx="2">
+                <a:schemeClr val="accent1">
+                  <a:shade val="50000"/>
+                </a:schemeClr>
+              </a:lnRef>
+              <a:fillRef idx="1">
+                <a:schemeClr val="accent1"/>
+              </a:fillRef>
+              <a:effectRef idx="0">
+                <a:schemeClr val="accent1"/>
+              </a:effectRef>
+              <a:fontRef idx="minor">
+                <a:schemeClr val="lt1"/>
+              </a:fontRef>
+            </p:style>
+            <p:txBody>
+              <a:bodyPr rtlCol="0" anchor="ctr"/>
+              <a:lstStyle/>
+              <a:p>
+                <a:pPr algn="ctr"/>
+                <a:endParaRPr lang="en-GB"/>
+              </a:p>
+            </p:txBody>
+          </p:sp>
+          <p:sp>
+            <p:nvSpPr>
+              <p:cNvPr id="13" name="Oval 12"/>
+              <p:cNvSpPr/>
+              <p:nvPr/>
+            </p:nvSpPr>
+            <p:spPr>
+              <a:xfrm>
+                <a:off x="1734502" y="1606869"/>
+                <a:ext cx="45719" cy="45719"/>
+              </a:xfrm>
+              <a:prstGeom prst="ellipse">
+                <a:avLst/>
+              </a:prstGeom>
+              <a:solidFill>
+                <a:schemeClr val="tx1"/>
+              </a:solidFill>
+              <a:ln>
+                <a:solidFill>
+                  <a:schemeClr val="tx1"/>
+                </a:solidFill>
+              </a:ln>
+            </p:spPr>
+            <p:style>
+              <a:lnRef idx="2">
+                <a:schemeClr val="accent1">
+                  <a:shade val="50000"/>
+                </a:schemeClr>
+              </a:lnRef>
+              <a:fillRef idx="1">
+                <a:schemeClr val="accent1"/>
+              </a:fillRef>
+              <a:effectRef idx="0">
+                <a:schemeClr val="accent1"/>
+              </a:effectRef>
+              <a:fontRef idx="minor">
+                <a:schemeClr val="lt1"/>
+              </a:fontRef>
+            </p:style>
+            <p:txBody>
+              <a:bodyPr rtlCol="0" anchor="ctr"/>
+              <a:lstStyle/>
+              <a:p>
+                <a:pPr algn="ctr"/>
+                <a:endParaRPr lang="en-GB"/>
+              </a:p>
+            </p:txBody>
+          </p:sp>
+        </p:grpSp>
+        <p:grpSp>
+          <p:nvGrpSpPr>
+            <p:cNvPr id="20" name="Group 19"/>
+            <p:cNvGrpSpPr/>
+            <p:nvPr/>
+          </p:nvGrpSpPr>
+          <p:grpSpPr>
+            <a:xfrm>
+              <a:off x="2015015" y="1614968"/>
+              <a:ext cx="433384" cy="45719"/>
+              <a:chOff x="1471613" y="2010727"/>
+              <a:chExt cx="433384" cy="45719"/>
+            </a:xfrm>
+            <a:solidFill>
+              <a:schemeClr val="bg1">
+                <a:lumMod val="95000"/>
+              </a:schemeClr>
+            </a:solidFill>
+          </p:grpSpPr>
+          <p:sp>
+            <p:nvSpPr>
+              <p:cNvPr id="18" name="Freeform 17"/>
+              <p:cNvSpPr/>
+              <p:nvPr/>
+            </p:nvSpPr>
+            <p:spPr>
+              <a:xfrm>
+                <a:off x="1471613" y="2038350"/>
+                <a:ext cx="357187" cy="0"/>
+              </a:xfrm>
+              <a:custGeom>
+                <a:avLst/>
+                <a:gdLst>
+                  <a:gd name="connsiteX0" fmla="*/ 0 w 357187"/>
+                  <a:gd name="connsiteY0" fmla="*/ 0 h 0"/>
+                  <a:gd name="connsiteX1" fmla="*/ 357187 w 357187"/>
+                  <a:gd name="connsiteY1" fmla="*/ 0 h 0"/>
+                </a:gdLst>
+                <a:ahLst/>
+                <a:cxnLst>
+                  <a:cxn ang="0">
+                    <a:pos x="connsiteX0" y="connsiteY0"/>
+                  </a:cxn>
+                  <a:cxn ang="0">
+                    <a:pos x="connsiteX1" y="connsiteY1"/>
+                  </a:cxn>
+                </a:cxnLst>
+                <a:rect l="l" t="t" r="r" b="b"/>
+                <a:pathLst>
+                  <a:path w="357187">
+                    <a:moveTo>
+                      <a:pt x="0" y="0"/>
+                    </a:moveTo>
+                    <a:lnTo>
+                      <a:pt x="357187" y="0"/>
+                    </a:lnTo>
+                  </a:path>
+                </a:pathLst>
+              </a:custGeom>
+              <a:grpFill/>
+              <a:ln w="38100">
+                <a:solidFill>
+                  <a:schemeClr val="bg1">
+                    <a:lumMod val="95000"/>
+                  </a:schemeClr>
+                </a:solidFill>
+              </a:ln>
+            </p:spPr>
+            <p:style>
+              <a:lnRef idx="2">
+                <a:schemeClr val="accent1">
+                  <a:shade val="50000"/>
+                </a:schemeClr>
+              </a:lnRef>
+              <a:fillRef idx="1">
+                <a:schemeClr val="accent1"/>
+              </a:fillRef>
+              <a:effectRef idx="0">
+                <a:schemeClr val="accent1"/>
+              </a:effectRef>
+              <a:fontRef idx="minor">
+                <a:schemeClr val="lt1"/>
+              </a:fontRef>
+            </p:style>
+            <p:txBody>
+              <a:bodyPr rtlCol="0" anchor="ctr"/>
+              <a:lstStyle/>
+              <a:p>
+                <a:pPr algn="ctr"/>
+                <a:endParaRPr lang="en-GB"/>
+              </a:p>
+            </p:txBody>
+          </p:sp>
+          <p:sp>
+            <p:nvSpPr>
+              <p:cNvPr id="19" name="Oval 18"/>
+              <p:cNvSpPr/>
+              <p:nvPr/>
+            </p:nvSpPr>
+            <p:spPr>
+              <a:xfrm>
+                <a:off x="1859278" y="2010727"/>
+                <a:ext cx="45719" cy="45719"/>
+              </a:xfrm>
+              <a:prstGeom prst="ellipse">
+                <a:avLst/>
+              </a:prstGeom>
+              <a:grpFill/>
+              <a:ln>
+                <a:solidFill>
+                  <a:schemeClr val="bg1">
+                    <a:lumMod val="95000"/>
+                  </a:schemeClr>
+                </a:solidFill>
+              </a:ln>
+            </p:spPr>
+            <p:style>
+              <a:lnRef idx="2">
+                <a:schemeClr val="accent1">
+                  <a:shade val="50000"/>
+                </a:schemeClr>
+              </a:lnRef>
+              <a:fillRef idx="1">
+                <a:schemeClr val="accent1"/>
+              </a:fillRef>
+              <a:effectRef idx="0">
+                <a:schemeClr val="accent1"/>
+              </a:effectRef>
+              <a:fontRef idx="minor">
+                <a:schemeClr val="lt1"/>
+              </a:fontRef>
+            </p:style>
+            <p:txBody>
+              <a:bodyPr rtlCol="0" anchor="ctr"/>
+              <a:lstStyle/>
+              <a:p>
+                <a:pPr algn="ctr"/>
+                <a:endParaRPr lang="en-GB"/>
+              </a:p>
+            </p:txBody>
+          </p:sp>
+        </p:grpSp>
+        <p:sp>
+          <p:nvSpPr>
+            <p:cNvPr id="22" name="Rectangle 21"/>
+            <p:cNvSpPr/>
+            <p:nvPr/>
+          </p:nvSpPr>
+          <p:spPr>
+            <a:xfrm>
+              <a:off x="3473288" y="1291832"/>
+              <a:ext cx="720090" cy="630076"/>
+            </a:xfrm>
+            <a:prstGeom prst="rect">
+              <a:avLst/>
+            </a:prstGeom>
+            <a:solidFill>
+              <a:schemeClr val="tx1">
+                <a:lumMod val="50000"/>
+                <a:lumOff val="50000"/>
+              </a:schemeClr>
+            </a:solidFill>
+            <a:ln>
+              <a:noFill/>
+            </a:ln>
+          </p:spPr>
+          <p:style>
+            <a:lnRef idx="2">
+              <a:schemeClr val="accent1">
+                <a:shade val="50000"/>
+              </a:schemeClr>
+            </a:lnRef>
+            <a:fillRef idx="1">
+              <a:schemeClr val="accent1"/>
+            </a:fillRef>
+            <a:effectRef idx="0">
+              <a:schemeClr val="accent1"/>
+            </a:effectRef>
+            <a:fontRef idx="minor">
+              <a:schemeClr val="lt1"/>
+            </a:fontRef>
+          </p:style>
+          <p:txBody>
+            <a:bodyPr rtlCol="0" anchor="ctr"/>
+            <a:lstStyle/>
+            <a:p>
+              <a:pPr algn="ctr"/>
+              <a:endParaRPr lang="en-GB"/>
+            </a:p>
+          </p:txBody>
+        </p:sp>
+        <p:sp>
+          <p:nvSpPr>
+            <p:cNvPr id="26" name="Freeform 25"/>
+            <p:cNvSpPr/>
+            <p:nvPr/>
+          </p:nvSpPr>
+          <p:spPr>
+            <a:xfrm>
+              <a:off x="3739987" y="1515197"/>
               <a:ext cx="173831" cy="307182"/>
             </a:xfrm>
             <a:custGeom>
@@ -7463,19 +7843,25 @@
             <a:lstStyle/>
             <a:p>
               <a:pPr algn="ctr"/>
-              <a:endParaRPr lang="en-GB"/>
+              <a:endParaRPr lang="en-GB">
+                <a:ln>
+                  <a:solidFill>
+                    <a:sysClr val="windowText" lastClr="000000"/>
+                  </a:solidFill>
+                </a:ln>
+              </a:endParaRPr>
             </a:p>
           </p:txBody>
         </p:sp>
         <p:sp>
           <p:nvSpPr>
-            <p:cNvPr id="13" name="Oval 12"/>
+            <p:cNvPr id="27" name="Oval 26"/>
             <p:cNvSpPr/>
             <p:nvPr/>
           </p:nvSpPr>
           <p:spPr>
             <a:xfrm>
-              <a:off x="1734502" y="1606869"/>
+              <a:off x="3893340" y="1433760"/>
               <a:ext cx="45719" cy="45719"/>
             </a:xfrm>
             <a:prstGeom prst="ellipse">
@@ -7515,73 +7901,28 @@
             </a:p>
           </p:txBody>
         </p:sp>
-      </p:grpSp>
-      <p:grpSp>
-        <p:nvGrpSpPr>
-          <p:cNvPr id="20" name="Group 19"/>
-          <p:cNvGrpSpPr/>
-          <p:nvPr/>
-        </p:nvGrpSpPr>
-        <p:grpSpPr>
-          <a:xfrm>
-            <a:off x="2015015" y="1614968"/>
-            <a:ext cx="433384" cy="45719"/>
-            <a:chOff x="1471613" y="2010727"/>
-            <a:chExt cx="433384" cy="45719"/>
-          </a:xfrm>
-          <a:solidFill>
-            <a:schemeClr val="bg1">
-              <a:lumMod val="95000"/>
-            </a:schemeClr>
-          </a:solidFill>
-        </p:grpSpPr>
         <p:sp>
           <p:nvSpPr>
-            <p:cNvPr id="18" name="Freeform 17"/>
+            <p:cNvPr id="23" name="Rectangle 22"/>
             <p:cNvSpPr/>
             <p:nvPr/>
           </p:nvSpPr>
           <p:spPr>
             <a:xfrm>
-              <a:off x="1471613" y="2038350"/>
-              <a:ext cx="357187" cy="0"/>
-            </a:xfrm>
-            <a:custGeom>
+              <a:off x="2767010" y="1291831"/>
+              <a:ext cx="720090" cy="630076"/>
+            </a:xfrm>
+            <a:prstGeom prst="rect">
               <a:avLst/>
-              <a:gdLst>
-                <a:gd name="connsiteX0" fmla="*/ 0 w 357187"/>
-                <a:gd name="connsiteY0" fmla="*/ 0 h 0"/>
-                <a:gd name="connsiteX1" fmla="*/ 357187 w 357187"/>
-                <a:gd name="connsiteY1" fmla="*/ 0 h 0"/>
-              </a:gdLst>
-              <a:ahLst/>
-              <a:cxnLst>
-                <a:cxn ang="0">
-                  <a:pos x="connsiteX0" y="connsiteY0"/>
-                </a:cxn>
-                <a:cxn ang="0">
-                  <a:pos x="connsiteX1" y="connsiteY1"/>
-                </a:cxn>
-              </a:cxnLst>
-              <a:rect l="l" t="t" r="r" b="b"/>
-              <a:pathLst>
-                <a:path w="357187">
-                  <a:moveTo>
-                    <a:pt x="0" y="0"/>
-                  </a:moveTo>
-                  <a:lnTo>
-                    <a:pt x="357187" y="0"/>
-                  </a:lnTo>
-                </a:path>
-              </a:pathLst>
-            </a:custGeom>
-            <a:grpFill/>
-            <a:ln w="38100">
-              <a:solidFill>
-                <a:schemeClr val="bg1">
-                  <a:lumMod val="95000"/>
-                </a:schemeClr>
-              </a:solidFill>
+            </a:prstGeom>
+            <a:solidFill>
+              <a:schemeClr val="tx1">
+                <a:lumMod val="50000"/>
+                <a:lumOff val="50000"/>
+              </a:schemeClr>
+            </a:solidFill>
+            <a:ln>
+              <a:noFill/>
             </a:ln>
           </p:spPr>
           <p:style>
@@ -7611,518 +7952,23 @@
         </p:sp>
         <p:sp>
           <p:nvSpPr>
-            <p:cNvPr id="19" name="Oval 18"/>
+            <p:cNvPr id="24" name="Rectangle 23"/>
             <p:cNvSpPr/>
             <p:nvPr/>
           </p:nvSpPr>
           <p:spPr>
             <a:xfrm>
-              <a:off x="1859278" y="2010727"/>
-              <a:ext cx="45719" cy="45719"/>
-            </a:xfrm>
-            <a:prstGeom prst="ellipse">
-              <a:avLst/>
-            </a:prstGeom>
-            <a:grpFill/>
-            <a:ln>
-              <a:solidFill>
-                <a:schemeClr val="bg1">
-                  <a:lumMod val="95000"/>
-                </a:schemeClr>
-              </a:solidFill>
-            </a:ln>
-          </p:spPr>
-          <p:style>
-            <a:lnRef idx="2">
-              <a:schemeClr val="accent1">
-                <a:shade val="50000"/>
-              </a:schemeClr>
-            </a:lnRef>
-            <a:fillRef idx="1">
-              <a:schemeClr val="accent1"/>
-            </a:fillRef>
-            <a:effectRef idx="0">
-              <a:schemeClr val="accent1"/>
-            </a:effectRef>
-            <a:fontRef idx="minor">
-              <a:schemeClr val="lt1"/>
-            </a:fontRef>
-          </p:style>
-          <p:txBody>
-            <a:bodyPr rtlCol="0" anchor="ctr"/>
-            <a:lstStyle/>
-            <a:p>
-              <a:pPr algn="ctr"/>
-              <a:endParaRPr lang="en-GB"/>
-            </a:p>
-          </p:txBody>
-        </p:sp>
-      </p:grpSp>
-      <p:sp>
-        <p:nvSpPr>
-          <p:cNvPr id="22" name="Rectangle 21"/>
-          <p:cNvSpPr/>
-          <p:nvPr/>
-        </p:nvSpPr>
-        <p:spPr>
-          <a:xfrm>
-            <a:off x="3473288" y="1291832"/>
-            <a:ext cx="720090" cy="630076"/>
-          </a:xfrm>
-          <a:prstGeom prst="rect">
-            <a:avLst/>
-          </a:prstGeom>
-          <a:solidFill>
-            <a:schemeClr val="tx1">
-              <a:lumMod val="50000"/>
-              <a:lumOff val="50000"/>
-            </a:schemeClr>
-          </a:solidFill>
-          <a:ln>
-            <a:noFill/>
-          </a:ln>
-        </p:spPr>
-        <p:style>
-          <a:lnRef idx="2">
-            <a:schemeClr val="accent1">
-              <a:shade val="50000"/>
-            </a:schemeClr>
-          </a:lnRef>
-          <a:fillRef idx="1">
-            <a:schemeClr val="accent1"/>
-          </a:fillRef>
-          <a:effectRef idx="0">
-            <a:schemeClr val="accent1"/>
-          </a:effectRef>
-          <a:fontRef idx="minor">
-            <a:schemeClr val="lt1"/>
-          </a:fontRef>
-        </p:style>
-        <p:txBody>
-          <a:bodyPr rtlCol="0" anchor="ctr"/>
-          <a:lstStyle/>
-          <a:p>
-            <a:pPr algn="ctr"/>
-            <a:endParaRPr lang="en-GB"/>
-          </a:p>
-        </p:txBody>
-      </p:sp>
-      <p:sp>
-        <p:nvSpPr>
-          <p:cNvPr id="26" name="Freeform 25"/>
-          <p:cNvSpPr/>
-          <p:nvPr/>
-        </p:nvSpPr>
-        <p:spPr>
-          <a:xfrm>
-            <a:off x="3739987" y="1515197"/>
-            <a:ext cx="173831" cy="307182"/>
-          </a:xfrm>
-          <a:custGeom>
-            <a:avLst/>
-            <a:gdLst>
-              <a:gd name="connsiteX0" fmla="*/ 0 w 233362"/>
-              <a:gd name="connsiteY0" fmla="*/ 338138 h 338138"/>
-              <a:gd name="connsiteX1" fmla="*/ 0 w 233362"/>
-              <a:gd name="connsiteY1" fmla="*/ 338138 h 338138"/>
-              <a:gd name="connsiteX2" fmla="*/ 21431 w 233362"/>
-              <a:gd name="connsiteY2" fmla="*/ 190500 h 338138"/>
-              <a:gd name="connsiteX3" fmla="*/ 202406 w 233362"/>
-              <a:gd name="connsiteY3" fmla="*/ 190500 h 338138"/>
-              <a:gd name="connsiteX4" fmla="*/ 233362 w 233362"/>
-              <a:gd name="connsiteY4" fmla="*/ 0 h 338138"/>
-            </a:gdLst>
-            <a:ahLst/>
-            <a:cxnLst>
-              <a:cxn ang="0">
-                <a:pos x="connsiteX0" y="connsiteY0"/>
-              </a:cxn>
-              <a:cxn ang="0">
-                <a:pos x="connsiteX1" y="connsiteY1"/>
-              </a:cxn>
-              <a:cxn ang="0">
-                <a:pos x="connsiteX2" y="connsiteY2"/>
-              </a:cxn>
-              <a:cxn ang="0">
-                <a:pos x="connsiteX3" y="connsiteY3"/>
-              </a:cxn>
-              <a:cxn ang="0">
-                <a:pos x="connsiteX4" y="connsiteY4"/>
-              </a:cxn>
-            </a:cxnLst>
-            <a:rect l="l" t="t" r="r" b="b"/>
-            <a:pathLst>
-              <a:path w="233362" h="338138">
-                <a:moveTo>
-                  <a:pt x="0" y="338138"/>
-                </a:moveTo>
-                <a:lnTo>
-                  <a:pt x="0" y="338138"/>
-                </a:lnTo>
-                <a:lnTo>
-                  <a:pt x="21431" y="190500"/>
-                </a:lnTo>
-                <a:lnTo>
-                  <a:pt x="202406" y="190500"/>
-                </a:lnTo>
-                <a:lnTo>
-                  <a:pt x="233362" y="0"/>
-                </a:lnTo>
-              </a:path>
-            </a:pathLst>
-          </a:custGeom>
-          <a:noFill/>
-          <a:ln w="38100">
-            <a:solidFill>
-              <a:schemeClr val="tx1"/>
-            </a:solidFill>
-          </a:ln>
-        </p:spPr>
-        <p:style>
-          <a:lnRef idx="2">
-            <a:schemeClr val="accent1">
-              <a:shade val="50000"/>
-            </a:schemeClr>
-          </a:lnRef>
-          <a:fillRef idx="1">
-            <a:schemeClr val="accent1"/>
-          </a:fillRef>
-          <a:effectRef idx="0">
-            <a:schemeClr val="accent1"/>
-          </a:effectRef>
-          <a:fontRef idx="minor">
-            <a:schemeClr val="lt1"/>
-          </a:fontRef>
-        </p:style>
-        <p:txBody>
-          <a:bodyPr rtlCol="0" anchor="ctr"/>
-          <a:lstStyle/>
-          <a:p>
-            <a:pPr algn="ctr"/>
-            <a:endParaRPr lang="en-GB">
-              <a:ln>
-                <a:solidFill>
-                  <a:sysClr val="windowText" lastClr="000000"/>
-                </a:solidFill>
-              </a:ln>
-            </a:endParaRPr>
-          </a:p>
-        </p:txBody>
-      </p:sp>
-      <p:sp>
-        <p:nvSpPr>
-          <p:cNvPr id="27" name="Oval 26"/>
-          <p:cNvSpPr/>
-          <p:nvPr/>
-        </p:nvSpPr>
-        <p:spPr>
-          <a:xfrm>
-            <a:off x="3893340" y="1433760"/>
-            <a:ext cx="45719" cy="45719"/>
-          </a:xfrm>
-          <a:prstGeom prst="ellipse">
-            <a:avLst/>
-          </a:prstGeom>
-          <a:solidFill>
-            <a:schemeClr val="tx1"/>
-          </a:solidFill>
-          <a:ln>
-            <a:solidFill>
-              <a:schemeClr val="tx1"/>
-            </a:solidFill>
-          </a:ln>
-        </p:spPr>
-        <p:style>
-          <a:lnRef idx="2">
-            <a:schemeClr val="accent1">
-              <a:shade val="50000"/>
-            </a:schemeClr>
-          </a:lnRef>
-          <a:fillRef idx="1">
-            <a:schemeClr val="accent1"/>
-          </a:fillRef>
-          <a:effectRef idx="0">
-            <a:schemeClr val="accent1"/>
-          </a:effectRef>
-          <a:fontRef idx="minor">
-            <a:schemeClr val="lt1"/>
-          </a:fontRef>
-        </p:style>
-        <p:txBody>
-          <a:bodyPr rtlCol="0" anchor="ctr"/>
-          <a:lstStyle/>
-          <a:p>
-            <a:pPr algn="ctr"/>
-            <a:endParaRPr lang="en-GB"/>
-          </a:p>
-        </p:txBody>
-      </p:sp>
-      <p:sp>
-        <p:nvSpPr>
-          <p:cNvPr id="23" name="Rectangle 22"/>
-          <p:cNvSpPr/>
-          <p:nvPr/>
-        </p:nvSpPr>
-        <p:spPr>
-          <a:xfrm>
-            <a:off x="2767010" y="1291831"/>
-            <a:ext cx="720090" cy="630076"/>
-          </a:xfrm>
-          <a:prstGeom prst="rect">
-            <a:avLst/>
-          </a:prstGeom>
-          <a:solidFill>
-            <a:schemeClr val="tx1">
-              <a:lumMod val="50000"/>
-              <a:lumOff val="50000"/>
-            </a:schemeClr>
-          </a:solidFill>
-          <a:ln>
-            <a:noFill/>
-          </a:ln>
-        </p:spPr>
-        <p:style>
-          <a:lnRef idx="2">
-            <a:schemeClr val="accent1">
-              <a:shade val="50000"/>
-            </a:schemeClr>
-          </a:lnRef>
-          <a:fillRef idx="1">
-            <a:schemeClr val="accent1"/>
-          </a:fillRef>
-          <a:effectRef idx="0">
-            <a:schemeClr val="accent1"/>
-          </a:effectRef>
-          <a:fontRef idx="minor">
-            <a:schemeClr val="lt1"/>
-          </a:fontRef>
-        </p:style>
-        <p:txBody>
-          <a:bodyPr rtlCol="0" anchor="ctr"/>
-          <a:lstStyle/>
-          <a:p>
-            <a:pPr algn="ctr"/>
-            <a:endParaRPr lang="en-GB"/>
-          </a:p>
-        </p:txBody>
-      </p:sp>
-      <p:sp>
-        <p:nvSpPr>
-          <p:cNvPr id="24" name="Rectangle 23"/>
-          <p:cNvSpPr/>
-          <p:nvPr/>
-        </p:nvSpPr>
-        <p:spPr>
-          <a:xfrm>
-            <a:off x="2767010" y="1291832"/>
-            <a:ext cx="720090" cy="630076"/>
-          </a:xfrm>
-          <a:prstGeom prst="rect">
-            <a:avLst/>
-          </a:prstGeom>
-          <a:solidFill>
-            <a:schemeClr val="tx1">
-              <a:lumMod val="50000"/>
-              <a:lumOff val="50000"/>
-            </a:schemeClr>
-          </a:solidFill>
-          <a:ln>
-            <a:noFill/>
-          </a:ln>
-        </p:spPr>
-        <p:style>
-          <a:lnRef idx="2">
-            <a:schemeClr val="accent1">
-              <a:shade val="50000"/>
-            </a:schemeClr>
-          </a:lnRef>
-          <a:fillRef idx="1">
-            <a:schemeClr val="accent1"/>
-          </a:fillRef>
-          <a:effectRef idx="0">
-            <a:schemeClr val="accent1"/>
-          </a:effectRef>
-          <a:fontRef idx="minor">
-            <a:schemeClr val="lt1"/>
-          </a:fontRef>
-        </p:style>
-        <p:txBody>
-          <a:bodyPr rtlCol="0" anchor="ctr"/>
-          <a:lstStyle/>
-          <a:p>
-            <a:pPr algn="ctr"/>
-            <a:endParaRPr lang="en-GB"/>
-          </a:p>
-        </p:txBody>
-      </p:sp>
-      <p:grpSp>
-        <p:nvGrpSpPr>
-          <p:cNvPr id="28" name="Group 27"/>
-          <p:cNvGrpSpPr/>
-          <p:nvPr/>
-        </p:nvGrpSpPr>
-        <p:grpSpPr>
-          <a:xfrm>
-            <a:off x="2910363" y="1614969"/>
-            <a:ext cx="433384" cy="45719"/>
-            <a:chOff x="1471613" y="2010727"/>
-            <a:chExt cx="433384" cy="45719"/>
-          </a:xfrm>
-          <a:solidFill>
-            <a:schemeClr val="tx1"/>
-          </a:solidFill>
-        </p:grpSpPr>
-        <p:sp>
-          <p:nvSpPr>
-            <p:cNvPr id="29" name="Freeform 28"/>
-            <p:cNvSpPr/>
-            <p:nvPr/>
-          </p:nvSpPr>
-          <p:spPr>
-            <a:xfrm>
-              <a:off x="1471613" y="2038350"/>
-              <a:ext cx="357187" cy="0"/>
-            </a:xfrm>
-            <a:custGeom>
-              <a:avLst/>
-              <a:gdLst>
-                <a:gd name="connsiteX0" fmla="*/ 0 w 357187"/>
-                <a:gd name="connsiteY0" fmla="*/ 0 h 0"/>
-                <a:gd name="connsiteX1" fmla="*/ 357187 w 357187"/>
-                <a:gd name="connsiteY1" fmla="*/ 0 h 0"/>
-              </a:gdLst>
-              <a:ahLst/>
-              <a:cxnLst>
-                <a:cxn ang="0">
-                  <a:pos x="connsiteX0" y="connsiteY0"/>
-                </a:cxn>
-                <a:cxn ang="0">
-                  <a:pos x="connsiteX1" y="connsiteY1"/>
-                </a:cxn>
-              </a:cxnLst>
-              <a:rect l="l" t="t" r="r" b="b"/>
-              <a:pathLst>
-                <a:path w="357187">
-                  <a:moveTo>
-                    <a:pt x="0" y="0"/>
-                  </a:moveTo>
-                  <a:lnTo>
-                    <a:pt x="357187" y="0"/>
-                  </a:lnTo>
-                </a:path>
-              </a:pathLst>
-            </a:custGeom>
-            <a:grpFill/>
-            <a:ln w="38100">
-              <a:solidFill>
-                <a:schemeClr val="tx1"/>
-              </a:solidFill>
-            </a:ln>
-          </p:spPr>
-          <p:style>
-            <a:lnRef idx="2">
-              <a:schemeClr val="accent1">
-                <a:shade val="50000"/>
-              </a:schemeClr>
-            </a:lnRef>
-            <a:fillRef idx="1">
-              <a:schemeClr val="accent1"/>
-            </a:fillRef>
-            <a:effectRef idx="0">
-              <a:schemeClr val="accent1"/>
-            </a:effectRef>
-            <a:fontRef idx="minor">
-              <a:schemeClr val="lt1"/>
-            </a:fontRef>
-          </p:style>
-          <p:txBody>
-            <a:bodyPr rtlCol="0" anchor="ctr"/>
-            <a:lstStyle/>
-            <a:p>
-              <a:pPr algn="ctr"/>
-              <a:endParaRPr lang="en-GB"/>
-            </a:p>
-          </p:txBody>
-        </p:sp>
-        <p:sp>
-          <p:nvSpPr>
-            <p:cNvPr id="30" name="Oval 29"/>
-            <p:cNvSpPr/>
-            <p:nvPr/>
-          </p:nvSpPr>
-          <p:spPr>
-            <a:xfrm>
-              <a:off x="1859278" y="2010727"/>
-              <a:ext cx="45719" cy="45719"/>
-            </a:xfrm>
-            <a:prstGeom prst="ellipse">
-              <a:avLst/>
-            </a:prstGeom>
-            <a:solidFill>
-              <a:schemeClr val="tx1"/>
-            </a:solidFill>
-            <a:ln>
-              <a:solidFill>
-                <a:schemeClr val="tx1"/>
-              </a:solidFill>
-            </a:ln>
-          </p:spPr>
-          <p:style>
-            <a:lnRef idx="2">
-              <a:schemeClr val="accent1">
-                <a:shade val="50000"/>
-              </a:schemeClr>
-            </a:lnRef>
-            <a:fillRef idx="1">
-              <a:schemeClr val="accent1"/>
-            </a:fillRef>
-            <a:effectRef idx="0">
-              <a:schemeClr val="accent1"/>
-            </a:effectRef>
-            <a:fontRef idx="minor">
-              <a:schemeClr val="lt1"/>
-            </a:fontRef>
-          </p:style>
-          <p:txBody>
-            <a:bodyPr rtlCol="0" anchor="ctr"/>
-            <a:lstStyle/>
-            <a:p>
-              <a:pPr algn="ctr"/>
-              <a:endParaRPr lang="en-GB"/>
-            </a:p>
-          </p:txBody>
-        </p:sp>
-      </p:grpSp>
-      <p:grpSp>
-        <p:nvGrpSpPr>
-          <p:cNvPr id="39" name="Group 38"/>
-          <p:cNvGrpSpPr/>
-          <p:nvPr/>
-        </p:nvGrpSpPr>
-        <p:grpSpPr>
-          <a:xfrm>
-            <a:off x="2046920" y="1291832"/>
-            <a:ext cx="720090" cy="630076"/>
-            <a:chOff x="611505" y="3228502"/>
-            <a:chExt cx="720090" cy="630076"/>
-          </a:xfrm>
-        </p:grpSpPr>
-        <p:sp>
-          <p:nvSpPr>
-            <p:cNvPr id="34" name="Rectangle 33"/>
-            <p:cNvSpPr/>
-            <p:nvPr/>
-          </p:nvSpPr>
-          <p:spPr>
-            <a:xfrm>
-              <a:off x="611505" y="3228502"/>
+              <a:off x="2767010" y="1291832"/>
               <a:ext cx="720090" cy="630076"/>
             </a:xfrm>
             <a:prstGeom prst="rect">
               <a:avLst/>
             </a:prstGeom>
             <a:solidFill>
-              <a:srgbClr val="FFCC00"/>
+              <a:schemeClr val="tx1">
+                <a:lumMod val="50000"/>
+                <a:lumOff val="50000"/>
+              </a:schemeClr>
             </a:solidFill>
             <a:ln>
               <a:noFill/>
@@ -8155,26 +8001,24 @@
         </p:sp>
         <p:grpSp>
           <p:nvGrpSpPr>
-            <p:cNvPr id="36" name="Group 35"/>
+            <p:cNvPr id="28" name="Group 27"/>
             <p:cNvGrpSpPr/>
             <p:nvPr/>
           </p:nvGrpSpPr>
           <p:grpSpPr>
             <a:xfrm>
-              <a:off x="754858" y="3551640"/>
+              <a:off x="2910363" y="1614969"/>
               <a:ext cx="433384" cy="45719"/>
               <a:chOff x="1471613" y="2010727"/>
               <a:chExt cx="433384" cy="45719"/>
             </a:xfrm>
             <a:solidFill>
-              <a:schemeClr val="bg1">
-                <a:lumMod val="95000"/>
-              </a:schemeClr>
+              <a:schemeClr val="tx1"/>
             </a:solidFill>
           </p:grpSpPr>
           <p:sp>
             <p:nvSpPr>
-              <p:cNvPr id="37" name="Freeform 36"/>
+              <p:cNvPr id="29" name="Freeform 28"/>
               <p:cNvSpPr/>
               <p:nvPr/>
             </p:nvSpPr>
@@ -8215,9 +8059,545 @@
               <a:grpFill/>
               <a:ln w="38100">
                 <a:solidFill>
-                  <a:schemeClr val="tx1">
+                  <a:schemeClr val="tx1"/>
+                </a:solidFill>
+              </a:ln>
+            </p:spPr>
+            <p:style>
+              <a:lnRef idx="2">
+                <a:schemeClr val="accent1">
+                  <a:shade val="50000"/>
+                </a:schemeClr>
+              </a:lnRef>
+              <a:fillRef idx="1">
+                <a:schemeClr val="accent1"/>
+              </a:fillRef>
+              <a:effectRef idx="0">
+                <a:schemeClr val="accent1"/>
+              </a:effectRef>
+              <a:fontRef idx="minor">
+                <a:schemeClr val="lt1"/>
+              </a:fontRef>
+            </p:style>
+            <p:txBody>
+              <a:bodyPr rtlCol="0" anchor="ctr"/>
+              <a:lstStyle/>
+              <a:p>
+                <a:pPr algn="ctr"/>
+                <a:endParaRPr lang="en-GB"/>
+              </a:p>
+            </p:txBody>
+          </p:sp>
+          <p:sp>
+            <p:nvSpPr>
+              <p:cNvPr id="30" name="Oval 29"/>
+              <p:cNvSpPr/>
+              <p:nvPr/>
+            </p:nvSpPr>
+            <p:spPr>
+              <a:xfrm>
+                <a:off x="1859278" y="2010727"/>
+                <a:ext cx="45719" cy="45719"/>
+              </a:xfrm>
+              <a:prstGeom prst="ellipse">
+                <a:avLst/>
+              </a:prstGeom>
+              <a:solidFill>
+                <a:schemeClr val="tx1"/>
+              </a:solidFill>
+              <a:ln>
+                <a:solidFill>
+                  <a:schemeClr val="tx1"/>
+                </a:solidFill>
+              </a:ln>
+            </p:spPr>
+            <p:style>
+              <a:lnRef idx="2">
+                <a:schemeClr val="accent1">
+                  <a:shade val="50000"/>
+                </a:schemeClr>
+              </a:lnRef>
+              <a:fillRef idx="1">
+                <a:schemeClr val="accent1"/>
+              </a:fillRef>
+              <a:effectRef idx="0">
+                <a:schemeClr val="accent1"/>
+              </a:effectRef>
+              <a:fontRef idx="minor">
+                <a:schemeClr val="lt1"/>
+              </a:fontRef>
+            </p:style>
+            <p:txBody>
+              <a:bodyPr rtlCol="0" anchor="ctr"/>
+              <a:lstStyle/>
+              <a:p>
+                <a:pPr algn="ctr"/>
+                <a:endParaRPr lang="en-GB"/>
+              </a:p>
+            </p:txBody>
+          </p:sp>
+        </p:grpSp>
+        <p:grpSp>
+          <p:nvGrpSpPr>
+            <p:cNvPr id="39" name="Group 38"/>
+            <p:cNvGrpSpPr/>
+            <p:nvPr/>
+          </p:nvGrpSpPr>
+          <p:grpSpPr>
+            <a:xfrm>
+              <a:off x="2046920" y="1291832"/>
+              <a:ext cx="720090" cy="630076"/>
+              <a:chOff x="611505" y="3228502"/>
+              <a:chExt cx="720090" cy="630076"/>
+            </a:xfrm>
+          </p:grpSpPr>
+          <p:sp>
+            <p:nvSpPr>
+              <p:cNvPr id="34" name="Rectangle 33"/>
+              <p:cNvSpPr/>
+              <p:nvPr/>
+            </p:nvSpPr>
+            <p:spPr>
+              <a:xfrm>
+                <a:off x="611505" y="3228502"/>
+                <a:ext cx="720090" cy="630076"/>
+              </a:xfrm>
+              <a:prstGeom prst="rect">
+                <a:avLst/>
+              </a:prstGeom>
+              <a:solidFill>
+                <a:srgbClr val="FFCC00"/>
+              </a:solidFill>
+              <a:ln>
+                <a:noFill/>
+              </a:ln>
+            </p:spPr>
+            <p:style>
+              <a:lnRef idx="2">
+                <a:schemeClr val="accent1">
+                  <a:shade val="50000"/>
+                </a:schemeClr>
+              </a:lnRef>
+              <a:fillRef idx="1">
+                <a:schemeClr val="accent1"/>
+              </a:fillRef>
+              <a:effectRef idx="0">
+                <a:schemeClr val="accent1"/>
+              </a:effectRef>
+              <a:fontRef idx="minor">
+                <a:schemeClr val="lt1"/>
+              </a:fontRef>
+            </p:style>
+            <p:txBody>
+              <a:bodyPr rtlCol="0" anchor="ctr"/>
+              <a:lstStyle/>
+              <a:p>
+                <a:pPr algn="ctr"/>
+                <a:endParaRPr lang="en-GB"/>
+              </a:p>
+            </p:txBody>
+          </p:sp>
+          <p:grpSp>
+            <p:nvGrpSpPr>
+              <p:cNvPr id="36" name="Group 35"/>
+              <p:cNvGrpSpPr/>
+              <p:nvPr/>
+            </p:nvGrpSpPr>
+            <p:grpSpPr>
+              <a:xfrm>
+                <a:off x="754858" y="3551640"/>
+                <a:ext cx="433384" cy="45719"/>
+                <a:chOff x="1471613" y="2010727"/>
+                <a:chExt cx="433384" cy="45719"/>
+              </a:xfrm>
+              <a:solidFill>
+                <a:schemeClr val="bg1">
+                  <a:lumMod val="95000"/>
+                </a:schemeClr>
+              </a:solidFill>
+            </p:grpSpPr>
+            <p:sp>
+              <p:nvSpPr>
+                <p:cNvPr id="37" name="Freeform 36"/>
+                <p:cNvSpPr/>
+                <p:nvPr/>
+              </p:nvSpPr>
+              <p:spPr>
+                <a:xfrm>
+                  <a:off x="1471613" y="2038350"/>
+                  <a:ext cx="357187" cy="0"/>
+                </a:xfrm>
+                <a:custGeom>
+                  <a:avLst/>
+                  <a:gdLst>
+                    <a:gd name="connsiteX0" fmla="*/ 0 w 357187"/>
+                    <a:gd name="connsiteY0" fmla="*/ 0 h 0"/>
+                    <a:gd name="connsiteX1" fmla="*/ 357187 w 357187"/>
+                    <a:gd name="connsiteY1" fmla="*/ 0 h 0"/>
+                  </a:gdLst>
+                  <a:ahLst/>
+                  <a:cxnLst>
+                    <a:cxn ang="0">
+                      <a:pos x="connsiteX0" y="connsiteY0"/>
+                    </a:cxn>
+                    <a:cxn ang="0">
+                      <a:pos x="connsiteX1" y="connsiteY1"/>
+                    </a:cxn>
+                  </a:cxnLst>
+                  <a:rect l="l" t="t" r="r" b="b"/>
+                  <a:pathLst>
+                    <a:path w="357187">
+                      <a:moveTo>
+                        <a:pt x="0" y="0"/>
+                      </a:moveTo>
+                      <a:lnTo>
+                        <a:pt x="357187" y="0"/>
+                      </a:lnTo>
+                    </a:path>
+                  </a:pathLst>
+                </a:custGeom>
+                <a:grpFill/>
+                <a:ln w="38100">
+                  <a:solidFill>
+                    <a:schemeClr val="tx1">
+                      <a:lumMod val="95000"/>
+                      <a:lumOff val="5000"/>
+                    </a:schemeClr>
+                  </a:solidFill>
+                </a:ln>
+              </p:spPr>
+              <p:style>
+                <a:lnRef idx="2">
+                  <a:schemeClr val="accent1">
+                    <a:shade val="50000"/>
+                  </a:schemeClr>
+                </a:lnRef>
+                <a:fillRef idx="1">
+                  <a:schemeClr val="accent1"/>
+                </a:fillRef>
+                <a:effectRef idx="0">
+                  <a:schemeClr val="accent1"/>
+                </a:effectRef>
+                <a:fontRef idx="minor">
+                  <a:schemeClr val="lt1"/>
+                </a:fontRef>
+              </p:style>
+              <p:txBody>
+                <a:bodyPr rtlCol="0" anchor="ctr"/>
+                <a:lstStyle/>
+                <a:p>
+                  <a:pPr algn="ctr"/>
+                  <a:endParaRPr lang="en-GB"/>
+                </a:p>
+              </p:txBody>
+            </p:sp>
+            <p:sp>
+              <p:nvSpPr>
+                <p:cNvPr id="38" name="Oval 37"/>
+                <p:cNvSpPr/>
+                <p:nvPr/>
+              </p:nvSpPr>
+              <p:spPr>
+                <a:xfrm>
+                  <a:off x="1859278" y="2010727"/>
+                  <a:ext cx="45719" cy="45719"/>
+                </a:xfrm>
+                <a:prstGeom prst="ellipse">
+                  <a:avLst/>
+                </a:prstGeom>
+                <a:solidFill>
+                  <a:schemeClr val="tx1"/>
+                </a:solidFill>
+                <a:ln>
+                  <a:solidFill>
+                    <a:schemeClr val="tx1">
+                      <a:lumMod val="95000"/>
+                      <a:lumOff val="5000"/>
+                    </a:schemeClr>
+                  </a:solidFill>
+                </a:ln>
+              </p:spPr>
+              <p:style>
+                <a:lnRef idx="2">
+                  <a:schemeClr val="accent1">
+                    <a:shade val="50000"/>
+                  </a:schemeClr>
+                </a:lnRef>
+                <a:fillRef idx="1">
+                  <a:schemeClr val="accent1"/>
+                </a:fillRef>
+                <a:effectRef idx="0">
+                  <a:schemeClr val="accent1"/>
+                </a:effectRef>
+                <a:fontRef idx="minor">
+                  <a:schemeClr val="lt1"/>
+                </a:fontRef>
+              </p:style>
+              <p:txBody>
+                <a:bodyPr rtlCol="0" anchor="ctr"/>
+                <a:lstStyle/>
+                <a:p>
+                  <a:pPr algn="ctr"/>
+                  <a:endParaRPr lang="en-GB"/>
+                </a:p>
+              </p:txBody>
+            </p:sp>
+          </p:grpSp>
+        </p:grpSp>
+        <p:sp>
+          <p:nvSpPr>
+            <p:cNvPr id="41" name="Rectangle 40"/>
+            <p:cNvSpPr/>
+            <p:nvPr/>
+          </p:nvSpPr>
+          <p:spPr>
+            <a:xfrm>
+              <a:off x="1520904" y="2919889"/>
+              <a:ext cx="720090" cy="630076"/>
+            </a:xfrm>
+            <a:prstGeom prst="rect">
+              <a:avLst/>
+            </a:prstGeom>
+            <a:solidFill>
+              <a:srgbClr val="FFCC00"/>
+            </a:solidFill>
+            <a:ln>
+              <a:noFill/>
+            </a:ln>
+          </p:spPr>
+          <p:style>
+            <a:lnRef idx="2">
+              <a:schemeClr val="accent1">
+                <a:shade val="50000"/>
+              </a:schemeClr>
+            </a:lnRef>
+            <a:fillRef idx="1">
+              <a:schemeClr val="accent1"/>
+            </a:fillRef>
+            <a:effectRef idx="0">
+              <a:schemeClr val="accent1"/>
+            </a:effectRef>
+            <a:fontRef idx="minor">
+              <a:schemeClr val="lt1"/>
+            </a:fontRef>
+          </p:style>
+          <p:txBody>
+            <a:bodyPr rtlCol="0" anchor="ctr"/>
+            <a:lstStyle/>
+            <a:p>
+              <a:pPr algn="ctr"/>
+              <a:endParaRPr lang="en-GB"/>
+            </a:p>
+          </p:txBody>
+        </p:sp>
+        <p:sp>
+          <p:nvSpPr>
+            <p:cNvPr id="43" name="Freeform 42"/>
+            <p:cNvSpPr/>
+            <p:nvPr/>
+          </p:nvSpPr>
+          <p:spPr>
+            <a:xfrm>
+              <a:off x="1770458" y="3135154"/>
+              <a:ext cx="173831" cy="307182"/>
+            </a:xfrm>
+            <a:custGeom>
+              <a:avLst/>
+              <a:gdLst>
+                <a:gd name="connsiteX0" fmla="*/ 0 w 233362"/>
+                <a:gd name="connsiteY0" fmla="*/ 338138 h 338138"/>
+                <a:gd name="connsiteX1" fmla="*/ 0 w 233362"/>
+                <a:gd name="connsiteY1" fmla="*/ 338138 h 338138"/>
+                <a:gd name="connsiteX2" fmla="*/ 21431 w 233362"/>
+                <a:gd name="connsiteY2" fmla="*/ 190500 h 338138"/>
+                <a:gd name="connsiteX3" fmla="*/ 202406 w 233362"/>
+                <a:gd name="connsiteY3" fmla="*/ 190500 h 338138"/>
+                <a:gd name="connsiteX4" fmla="*/ 233362 w 233362"/>
+                <a:gd name="connsiteY4" fmla="*/ 0 h 338138"/>
+              </a:gdLst>
+              <a:ahLst/>
+              <a:cxnLst>
+                <a:cxn ang="0">
+                  <a:pos x="connsiteX0" y="connsiteY0"/>
+                </a:cxn>
+                <a:cxn ang="0">
+                  <a:pos x="connsiteX1" y="connsiteY1"/>
+                </a:cxn>
+                <a:cxn ang="0">
+                  <a:pos x="connsiteX2" y="connsiteY2"/>
+                </a:cxn>
+                <a:cxn ang="0">
+                  <a:pos x="connsiteX3" y="connsiteY3"/>
+                </a:cxn>
+                <a:cxn ang="0">
+                  <a:pos x="connsiteX4" y="connsiteY4"/>
+                </a:cxn>
+              </a:cxnLst>
+              <a:rect l="l" t="t" r="r" b="b"/>
+              <a:pathLst>
+                <a:path w="233362" h="338138">
+                  <a:moveTo>
+                    <a:pt x="0" y="338138"/>
+                  </a:moveTo>
+                  <a:lnTo>
+                    <a:pt x="0" y="338138"/>
+                  </a:lnTo>
+                  <a:lnTo>
+                    <a:pt x="21431" y="190500"/>
+                  </a:lnTo>
+                  <a:lnTo>
+                    <a:pt x="202406" y="190500"/>
+                  </a:lnTo>
+                  <a:lnTo>
+                    <a:pt x="233362" y="0"/>
+                  </a:lnTo>
+                </a:path>
+              </a:pathLst>
+            </a:custGeom>
+            <a:noFill/>
+            <a:ln w="38100">
+              <a:solidFill>
+                <a:srgbClr val="FF0000"/>
+              </a:solidFill>
+            </a:ln>
+          </p:spPr>
+          <p:style>
+            <a:lnRef idx="2">
+              <a:schemeClr val="accent1">
+                <a:shade val="50000"/>
+              </a:schemeClr>
+            </a:lnRef>
+            <a:fillRef idx="1">
+              <a:schemeClr val="accent1"/>
+            </a:fillRef>
+            <a:effectRef idx="0">
+              <a:schemeClr val="accent1"/>
+            </a:effectRef>
+            <a:fontRef idx="minor">
+              <a:schemeClr val="lt1"/>
+            </a:fontRef>
+          </p:style>
+          <p:txBody>
+            <a:bodyPr rtlCol="0" anchor="ctr"/>
+            <a:lstStyle/>
+            <a:p>
+              <a:pPr algn="ctr"/>
+              <a:endParaRPr lang="en-GB"/>
+            </a:p>
+          </p:txBody>
+        </p:sp>
+        <p:sp>
+          <p:nvSpPr>
+            <p:cNvPr id="44" name="Oval 43"/>
+            <p:cNvSpPr/>
+            <p:nvPr/>
+          </p:nvSpPr>
+          <p:spPr>
+            <a:xfrm>
+              <a:off x="1923811" y="3053717"/>
+              <a:ext cx="45719" cy="45719"/>
+            </a:xfrm>
+            <a:prstGeom prst="ellipse">
+              <a:avLst/>
+            </a:prstGeom>
+            <a:solidFill>
+              <a:srgbClr val="FF0000"/>
+            </a:solidFill>
+            <a:ln>
+              <a:solidFill>
+                <a:srgbClr val="FF0000"/>
+              </a:solidFill>
+            </a:ln>
+          </p:spPr>
+          <p:style>
+            <a:lnRef idx="2">
+              <a:schemeClr val="accent1">
+                <a:shade val="50000"/>
+              </a:schemeClr>
+            </a:lnRef>
+            <a:fillRef idx="1">
+              <a:schemeClr val="accent1"/>
+            </a:fillRef>
+            <a:effectRef idx="0">
+              <a:schemeClr val="accent1"/>
+            </a:effectRef>
+            <a:fontRef idx="minor">
+              <a:schemeClr val="lt1"/>
+            </a:fontRef>
+          </p:style>
+          <p:txBody>
+            <a:bodyPr rtlCol="0" anchor="ctr"/>
+            <a:lstStyle/>
+            <a:p>
+              <a:pPr algn="ctr"/>
+              <a:endParaRPr lang="en-GB"/>
+            </a:p>
+          </p:txBody>
+        </p:sp>
+        <p:grpSp>
+          <p:nvGrpSpPr>
+            <p:cNvPr id="45" name="Group 44"/>
+            <p:cNvGrpSpPr/>
+            <p:nvPr/>
+          </p:nvGrpSpPr>
+          <p:grpSpPr>
+            <a:xfrm>
+              <a:off x="2384347" y="3243026"/>
+              <a:ext cx="433384" cy="45719"/>
+              <a:chOff x="1471613" y="2010727"/>
+              <a:chExt cx="433384" cy="45719"/>
+            </a:xfrm>
+            <a:solidFill>
+              <a:schemeClr val="bg1">
+                <a:lumMod val="95000"/>
+              </a:schemeClr>
+            </a:solidFill>
+          </p:grpSpPr>
+          <p:sp>
+            <p:nvSpPr>
+              <p:cNvPr id="46" name="Freeform 45"/>
+              <p:cNvSpPr/>
+              <p:nvPr/>
+            </p:nvSpPr>
+            <p:spPr>
+              <a:xfrm>
+                <a:off x="1471613" y="2038350"/>
+                <a:ext cx="357187" cy="0"/>
+              </a:xfrm>
+              <a:custGeom>
+                <a:avLst/>
+                <a:gdLst>
+                  <a:gd name="connsiteX0" fmla="*/ 0 w 357187"/>
+                  <a:gd name="connsiteY0" fmla="*/ 0 h 0"/>
+                  <a:gd name="connsiteX1" fmla="*/ 357187 w 357187"/>
+                  <a:gd name="connsiteY1" fmla="*/ 0 h 0"/>
+                </a:gdLst>
+                <a:ahLst/>
+                <a:cxnLst>
+                  <a:cxn ang="0">
+                    <a:pos x="connsiteX0" y="connsiteY0"/>
+                  </a:cxn>
+                  <a:cxn ang="0">
+                    <a:pos x="connsiteX1" y="connsiteY1"/>
+                  </a:cxn>
+                </a:cxnLst>
+                <a:rect l="l" t="t" r="r" b="b"/>
+                <a:pathLst>
+                  <a:path w="357187">
+                    <a:moveTo>
+                      <a:pt x="0" y="0"/>
+                    </a:moveTo>
+                    <a:lnTo>
+                      <a:pt x="357187" y="0"/>
+                    </a:lnTo>
+                  </a:path>
+                </a:pathLst>
+              </a:custGeom>
+              <a:grpFill/>
+              <a:ln w="38100">
+                <a:solidFill>
+                  <a:schemeClr val="bg1">
                     <a:lumMod val="95000"/>
-                    <a:lumOff val="5000"/>
                   </a:schemeClr>
                 </a:solidFill>
               </a:ln>
@@ -8249,7 +8629,7 @@
           </p:sp>
           <p:sp>
             <p:nvSpPr>
-              <p:cNvPr id="38" name="Oval 37"/>
+              <p:cNvPr id="47" name="Oval 46"/>
               <p:cNvSpPr/>
               <p:nvPr/>
             </p:nvSpPr>
@@ -8261,14 +8641,11 @@
               <a:prstGeom prst="ellipse">
                 <a:avLst/>
               </a:prstGeom>
-              <a:solidFill>
-                <a:schemeClr val="tx1"/>
-              </a:solidFill>
+              <a:grpFill/>
               <a:ln>
                 <a:solidFill>
-                  <a:schemeClr val="tx1">
+                  <a:schemeClr val="bg1">
                     <a:lumMod val="95000"/>
-                    <a:lumOff val="5000"/>
                   </a:schemeClr>
                 </a:solidFill>
               </a:ln>
@@ -8299,263 +8676,25 @@
             </p:txBody>
           </p:sp>
         </p:grpSp>
-      </p:grpSp>
-      <p:sp>
-        <p:nvSpPr>
-          <p:cNvPr id="41" name="Rectangle 40"/>
-          <p:cNvSpPr/>
-          <p:nvPr/>
-        </p:nvSpPr>
-        <p:spPr>
-          <a:xfrm>
-            <a:off x="1520904" y="2919889"/>
-            <a:ext cx="720090" cy="630076"/>
-          </a:xfrm>
-          <a:prstGeom prst="rect">
-            <a:avLst/>
-          </a:prstGeom>
-          <a:solidFill>
-            <a:srgbClr val="FFCC00"/>
-          </a:solidFill>
-          <a:ln>
-            <a:noFill/>
-          </a:ln>
-        </p:spPr>
-        <p:style>
-          <a:lnRef idx="2">
-            <a:schemeClr val="accent1">
-              <a:shade val="50000"/>
-            </a:schemeClr>
-          </a:lnRef>
-          <a:fillRef idx="1">
-            <a:schemeClr val="accent1"/>
-          </a:fillRef>
-          <a:effectRef idx="0">
-            <a:schemeClr val="accent1"/>
-          </a:effectRef>
-          <a:fontRef idx="minor">
-            <a:schemeClr val="lt1"/>
-          </a:fontRef>
-        </p:style>
-        <p:txBody>
-          <a:bodyPr rtlCol="0" anchor="ctr"/>
-          <a:lstStyle/>
-          <a:p>
-            <a:pPr algn="ctr"/>
-            <a:endParaRPr lang="en-GB"/>
-          </a:p>
-        </p:txBody>
-      </p:sp>
-      <p:sp>
-        <p:nvSpPr>
-          <p:cNvPr id="43" name="Freeform 42"/>
-          <p:cNvSpPr/>
-          <p:nvPr/>
-        </p:nvSpPr>
-        <p:spPr>
-          <a:xfrm>
-            <a:off x="1770458" y="3135154"/>
-            <a:ext cx="173831" cy="307182"/>
-          </a:xfrm>
-          <a:custGeom>
-            <a:avLst/>
-            <a:gdLst>
-              <a:gd name="connsiteX0" fmla="*/ 0 w 233362"/>
-              <a:gd name="connsiteY0" fmla="*/ 338138 h 338138"/>
-              <a:gd name="connsiteX1" fmla="*/ 0 w 233362"/>
-              <a:gd name="connsiteY1" fmla="*/ 338138 h 338138"/>
-              <a:gd name="connsiteX2" fmla="*/ 21431 w 233362"/>
-              <a:gd name="connsiteY2" fmla="*/ 190500 h 338138"/>
-              <a:gd name="connsiteX3" fmla="*/ 202406 w 233362"/>
-              <a:gd name="connsiteY3" fmla="*/ 190500 h 338138"/>
-              <a:gd name="connsiteX4" fmla="*/ 233362 w 233362"/>
-              <a:gd name="connsiteY4" fmla="*/ 0 h 338138"/>
-            </a:gdLst>
-            <a:ahLst/>
-            <a:cxnLst>
-              <a:cxn ang="0">
-                <a:pos x="connsiteX0" y="connsiteY0"/>
-              </a:cxn>
-              <a:cxn ang="0">
-                <a:pos x="connsiteX1" y="connsiteY1"/>
-              </a:cxn>
-              <a:cxn ang="0">
-                <a:pos x="connsiteX2" y="connsiteY2"/>
-              </a:cxn>
-              <a:cxn ang="0">
-                <a:pos x="connsiteX3" y="connsiteY3"/>
-              </a:cxn>
-              <a:cxn ang="0">
-                <a:pos x="connsiteX4" y="connsiteY4"/>
-              </a:cxn>
-            </a:cxnLst>
-            <a:rect l="l" t="t" r="r" b="b"/>
-            <a:pathLst>
-              <a:path w="233362" h="338138">
-                <a:moveTo>
-                  <a:pt x="0" y="338138"/>
-                </a:moveTo>
-                <a:lnTo>
-                  <a:pt x="0" y="338138"/>
-                </a:lnTo>
-                <a:lnTo>
-                  <a:pt x="21431" y="190500"/>
-                </a:lnTo>
-                <a:lnTo>
-                  <a:pt x="202406" y="190500"/>
-                </a:lnTo>
-                <a:lnTo>
-                  <a:pt x="233362" y="0"/>
-                </a:lnTo>
-              </a:path>
-            </a:pathLst>
-          </a:custGeom>
-          <a:noFill/>
-          <a:ln w="38100">
-            <a:solidFill>
-              <a:srgbClr val="FF0000"/>
-            </a:solidFill>
-          </a:ln>
-        </p:spPr>
-        <p:style>
-          <a:lnRef idx="2">
-            <a:schemeClr val="accent1">
-              <a:shade val="50000"/>
-            </a:schemeClr>
-          </a:lnRef>
-          <a:fillRef idx="1">
-            <a:schemeClr val="accent1"/>
-          </a:fillRef>
-          <a:effectRef idx="0">
-            <a:schemeClr val="accent1"/>
-          </a:effectRef>
-          <a:fontRef idx="minor">
-            <a:schemeClr val="lt1"/>
-          </a:fontRef>
-        </p:style>
-        <p:txBody>
-          <a:bodyPr rtlCol="0" anchor="ctr"/>
-          <a:lstStyle/>
-          <a:p>
-            <a:pPr algn="ctr"/>
-            <a:endParaRPr lang="en-GB"/>
-          </a:p>
-        </p:txBody>
-      </p:sp>
-      <p:sp>
-        <p:nvSpPr>
-          <p:cNvPr id="44" name="Oval 43"/>
-          <p:cNvSpPr/>
-          <p:nvPr/>
-        </p:nvSpPr>
-        <p:spPr>
-          <a:xfrm>
-            <a:off x="1923811" y="3053717"/>
-            <a:ext cx="45719" cy="45719"/>
-          </a:xfrm>
-          <a:prstGeom prst="ellipse">
-            <a:avLst/>
-          </a:prstGeom>
-          <a:solidFill>
-            <a:srgbClr val="FF0000"/>
-          </a:solidFill>
-          <a:ln>
-            <a:solidFill>
-              <a:srgbClr val="FF0000"/>
-            </a:solidFill>
-          </a:ln>
-        </p:spPr>
-        <p:style>
-          <a:lnRef idx="2">
-            <a:schemeClr val="accent1">
-              <a:shade val="50000"/>
-            </a:schemeClr>
-          </a:lnRef>
-          <a:fillRef idx="1">
-            <a:schemeClr val="accent1"/>
-          </a:fillRef>
-          <a:effectRef idx="0">
-            <a:schemeClr val="accent1"/>
-          </a:effectRef>
-          <a:fontRef idx="minor">
-            <a:schemeClr val="lt1"/>
-          </a:fontRef>
-        </p:style>
-        <p:txBody>
-          <a:bodyPr rtlCol="0" anchor="ctr"/>
-          <a:lstStyle/>
-          <a:p>
-            <a:pPr algn="ctr"/>
-            <a:endParaRPr lang="en-GB"/>
-          </a:p>
-        </p:txBody>
-      </p:sp>
-      <p:grpSp>
-        <p:nvGrpSpPr>
-          <p:cNvPr id="45" name="Group 44"/>
-          <p:cNvGrpSpPr/>
-          <p:nvPr/>
-        </p:nvGrpSpPr>
-        <p:grpSpPr>
-          <a:xfrm>
-            <a:off x="2384347" y="3243026"/>
-            <a:ext cx="433384" cy="45719"/>
-            <a:chOff x="1471613" y="2010727"/>
-            <a:chExt cx="433384" cy="45719"/>
-          </a:xfrm>
-          <a:solidFill>
-            <a:schemeClr val="bg1">
-              <a:lumMod val="95000"/>
-            </a:schemeClr>
-          </a:solidFill>
-        </p:grpSpPr>
         <p:sp>
           <p:nvSpPr>
-            <p:cNvPr id="46" name="Freeform 45"/>
+            <p:cNvPr id="48" name="Rectangle 47"/>
             <p:cNvSpPr/>
             <p:nvPr/>
           </p:nvSpPr>
           <p:spPr>
             <a:xfrm>
-              <a:off x="1471613" y="2038350"/>
-              <a:ext cx="357187" cy="0"/>
-            </a:xfrm>
-            <a:custGeom>
+              <a:off x="3656882" y="2919890"/>
+              <a:ext cx="720090" cy="630076"/>
+            </a:xfrm>
+            <a:prstGeom prst="rect">
               <a:avLst/>
-              <a:gdLst>
-                <a:gd name="connsiteX0" fmla="*/ 0 w 357187"/>
-                <a:gd name="connsiteY0" fmla="*/ 0 h 0"/>
-                <a:gd name="connsiteX1" fmla="*/ 357187 w 357187"/>
-                <a:gd name="connsiteY1" fmla="*/ 0 h 0"/>
-              </a:gdLst>
-              <a:ahLst/>
-              <a:cxnLst>
-                <a:cxn ang="0">
-                  <a:pos x="connsiteX0" y="connsiteY0"/>
-                </a:cxn>
-                <a:cxn ang="0">
-                  <a:pos x="connsiteX1" y="connsiteY1"/>
-                </a:cxn>
-              </a:cxnLst>
-              <a:rect l="l" t="t" r="r" b="b"/>
-              <a:pathLst>
-                <a:path w="357187">
-                  <a:moveTo>
-                    <a:pt x="0" y="0"/>
-                  </a:moveTo>
-                  <a:lnTo>
-                    <a:pt x="357187" y="0"/>
-                  </a:lnTo>
-                </a:path>
-              </a:pathLst>
-            </a:custGeom>
-            <a:grpFill/>
-            <a:ln w="38100">
-              <a:solidFill>
-                <a:schemeClr val="bg1">
-                  <a:lumMod val="95000"/>
-                </a:schemeClr>
-              </a:solidFill>
+            </a:prstGeom>
+            <a:solidFill>
+              <a:srgbClr val="FFCC00"/>
+            </a:solidFill>
+            <a:ln>
+              <a:noFill/>
             </a:ln>
           </p:spPr>
           <p:style>
@@ -8585,260 +8724,23 @@
         </p:sp>
         <p:sp>
           <p:nvSpPr>
-            <p:cNvPr id="47" name="Oval 46"/>
+            <p:cNvPr id="52" name="Rectangle 51"/>
             <p:cNvSpPr/>
             <p:nvPr/>
           </p:nvSpPr>
           <p:spPr>
             <a:xfrm>
-              <a:off x="1859278" y="2010727"/>
-              <a:ext cx="45719" cy="45719"/>
-            </a:xfrm>
-            <a:prstGeom prst="ellipse">
+              <a:off x="2956320" y="2919889"/>
+              <a:ext cx="720090" cy="630076"/>
+            </a:xfrm>
+            <a:prstGeom prst="rect">
               <a:avLst/>
             </a:prstGeom>
-            <a:grpFill/>
+            <a:solidFill>
+              <a:srgbClr val="FFCC00"/>
+            </a:solidFill>
             <a:ln>
-              <a:solidFill>
-                <a:schemeClr val="bg1">
-                  <a:lumMod val="95000"/>
-                </a:schemeClr>
-              </a:solidFill>
-            </a:ln>
-          </p:spPr>
-          <p:style>
-            <a:lnRef idx="2">
-              <a:schemeClr val="accent1">
-                <a:shade val="50000"/>
-              </a:schemeClr>
-            </a:lnRef>
-            <a:fillRef idx="1">
-              <a:schemeClr val="accent1"/>
-            </a:fillRef>
-            <a:effectRef idx="0">
-              <a:schemeClr val="accent1"/>
-            </a:effectRef>
-            <a:fontRef idx="minor">
-              <a:schemeClr val="lt1"/>
-            </a:fontRef>
-          </p:style>
-          <p:txBody>
-            <a:bodyPr rtlCol="0" anchor="ctr"/>
-            <a:lstStyle/>
-            <a:p>
-              <a:pPr algn="ctr"/>
-              <a:endParaRPr lang="en-GB"/>
-            </a:p>
-          </p:txBody>
-        </p:sp>
-      </p:grpSp>
-      <p:sp>
-        <p:nvSpPr>
-          <p:cNvPr id="48" name="Rectangle 47"/>
-          <p:cNvSpPr/>
-          <p:nvPr/>
-        </p:nvSpPr>
-        <p:spPr>
-          <a:xfrm>
-            <a:off x="3656882" y="2919890"/>
-            <a:ext cx="720090" cy="630076"/>
-          </a:xfrm>
-          <a:prstGeom prst="rect">
-            <a:avLst/>
-          </a:prstGeom>
-          <a:solidFill>
-            <a:srgbClr val="FFCC00"/>
-          </a:solidFill>
-          <a:ln>
-            <a:noFill/>
-          </a:ln>
-        </p:spPr>
-        <p:style>
-          <a:lnRef idx="2">
-            <a:schemeClr val="accent1">
-              <a:shade val="50000"/>
-            </a:schemeClr>
-          </a:lnRef>
-          <a:fillRef idx="1">
-            <a:schemeClr val="accent1"/>
-          </a:fillRef>
-          <a:effectRef idx="0">
-            <a:schemeClr val="accent1"/>
-          </a:effectRef>
-          <a:fontRef idx="minor">
-            <a:schemeClr val="lt1"/>
-          </a:fontRef>
-        </p:style>
-        <p:txBody>
-          <a:bodyPr rtlCol="0" anchor="ctr"/>
-          <a:lstStyle/>
-          <a:p>
-            <a:pPr algn="ctr"/>
-            <a:endParaRPr lang="en-GB"/>
-          </a:p>
-        </p:txBody>
-      </p:sp>
-      <p:sp>
-        <p:nvSpPr>
-          <p:cNvPr id="52" name="Rectangle 51"/>
-          <p:cNvSpPr/>
-          <p:nvPr/>
-        </p:nvSpPr>
-        <p:spPr>
-          <a:xfrm>
-            <a:off x="2956320" y="2919889"/>
-            <a:ext cx="720090" cy="630076"/>
-          </a:xfrm>
-          <a:prstGeom prst="rect">
-            <a:avLst/>
-          </a:prstGeom>
-          <a:solidFill>
-            <a:srgbClr val="FFCC00"/>
-          </a:solidFill>
-          <a:ln>
-            <a:noFill/>
-          </a:ln>
-        </p:spPr>
-        <p:style>
-          <a:lnRef idx="2">
-            <a:schemeClr val="accent1">
-              <a:shade val="50000"/>
-            </a:schemeClr>
-          </a:lnRef>
-          <a:fillRef idx="1">
-            <a:schemeClr val="accent1"/>
-          </a:fillRef>
-          <a:effectRef idx="0">
-            <a:schemeClr val="accent1"/>
-          </a:effectRef>
-          <a:fontRef idx="minor">
-            <a:schemeClr val="lt1"/>
-          </a:fontRef>
-        </p:style>
-        <p:txBody>
-          <a:bodyPr rtlCol="0" anchor="ctr"/>
-          <a:lstStyle/>
-          <a:p>
-            <a:pPr algn="ctr"/>
-            <a:endParaRPr lang="en-GB"/>
-          </a:p>
-        </p:txBody>
-      </p:sp>
-      <p:sp>
-        <p:nvSpPr>
-          <p:cNvPr id="53" name="Rectangle 52"/>
-          <p:cNvSpPr/>
-          <p:nvPr/>
-        </p:nvSpPr>
-        <p:spPr>
-          <a:xfrm>
-            <a:off x="2956320" y="2919890"/>
-            <a:ext cx="720090" cy="630076"/>
-          </a:xfrm>
-          <a:prstGeom prst="rect">
-            <a:avLst/>
-          </a:prstGeom>
-          <a:solidFill>
-            <a:schemeClr val="tx1">
-              <a:lumMod val="50000"/>
-              <a:lumOff val="50000"/>
-            </a:schemeClr>
-          </a:solidFill>
-          <a:ln>
-            <a:noFill/>
-          </a:ln>
-        </p:spPr>
-        <p:style>
-          <a:lnRef idx="2">
-            <a:schemeClr val="accent1">
-              <a:shade val="50000"/>
-            </a:schemeClr>
-          </a:lnRef>
-          <a:fillRef idx="1">
-            <a:schemeClr val="accent1"/>
-          </a:fillRef>
-          <a:effectRef idx="0">
-            <a:schemeClr val="accent1"/>
-          </a:effectRef>
-          <a:fontRef idx="minor">
-            <a:schemeClr val="lt1"/>
-          </a:fontRef>
-        </p:style>
-        <p:txBody>
-          <a:bodyPr rtlCol="0" anchor="ctr"/>
-          <a:lstStyle/>
-          <a:p>
-            <a:pPr algn="ctr"/>
-            <a:endParaRPr lang="en-GB"/>
-          </a:p>
-        </p:txBody>
-      </p:sp>
-      <p:grpSp>
-        <p:nvGrpSpPr>
-          <p:cNvPr id="54" name="Group 53"/>
-          <p:cNvGrpSpPr/>
-          <p:nvPr/>
-        </p:nvGrpSpPr>
-        <p:grpSpPr>
-          <a:xfrm>
-            <a:off x="3094199" y="3223029"/>
-            <a:ext cx="444331" cy="45719"/>
-            <a:chOff x="1483519" y="1990729"/>
-            <a:chExt cx="444331" cy="45719"/>
-          </a:xfrm>
-          <a:solidFill>
-            <a:schemeClr val="accent1">
-              <a:lumMod val="75000"/>
-            </a:schemeClr>
-          </a:solidFill>
-        </p:grpSpPr>
-        <p:sp>
-          <p:nvSpPr>
-            <p:cNvPr id="55" name="Freeform 54"/>
-            <p:cNvSpPr/>
-            <p:nvPr/>
-          </p:nvSpPr>
-          <p:spPr>
-            <a:xfrm>
-              <a:off x="1483519" y="2019300"/>
-              <a:ext cx="357187" cy="0"/>
-            </a:xfrm>
-            <a:custGeom>
-              <a:avLst/>
-              <a:gdLst>
-                <a:gd name="connsiteX0" fmla="*/ 0 w 357187"/>
-                <a:gd name="connsiteY0" fmla="*/ 0 h 0"/>
-                <a:gd name="connsiteX1" fmla="*/ 357187 w 357187"/>
-                <a:gd name="connsiteY1" fmla="*/ 0 h 0"/>
-              </a:gdLst>
-              <a:ahLst/>
-              <a:cxnLst>
-                <a:cxn ang="0">
-                  <a:pos x="connsiteX0" y="connsiteY0"/>
-                </a:cxn>
-                <a:cxn ang="0">
-                  <a:pos x="connsiteX1" y="connsiteY1"/>
-                </a:cxn>
-              </a:cxnLst>
-              <a:rect l="l" t="t" r="r" b="b"/>
-              <a:pathLst>
-                <a:path w="357187">
-                  <a:moveTo>
-                    <a:pt x="0" y="0"/>
-                  </a:moveTo>
-                  <a:lnTo>
-                    <a:pt x="357187" y="0"/>
-                  </a:lnTo>
-                </a:path>
-              </a:pathLst>
-            </a:custGeom>
-            <a:grpFill/>
-            <a:ln w="38100">
-              <a:solidFill>
-                <a:schemeClr val="accent1">
-                  <a:lumMod val="75000"/>
-                </a:schemeClr>
-              </a:solidFill>
+              <a:noFill/>
             </a:ln>
           </p:spPr>
           <p:style>
@@ -8868,25 +8770,26 @@
         </p:sp>
         <p:sp>
           <p:nvSpPr>
-            <p:cNvPr id="56" name="Oval 55"/>
+            <p:cNvPr id="53" name="Rectangle 52"/>
             <p:cNvSpPr/>
             <p:nvPr/>
           </p:nvSpPr>
           <p:spPr>
             <a:xfrm>
-              <a:off x="1882131" y="1990729"/>
-              <a:ext cx="45719" cy="45719"/>
-            </a:xfrm>
-            <a:prstGeom prst="ellipse">
+              <a:off x="2956320" y="2919890"/>
+              <a:ext cx="720090" cy="630076"/>
+            </a:xfrm>
+            <a:prstGeom prst="rect">
               <a:avLst/>
             </a:prstGeom>
-            <a:grpFill/>
+            <a:solidFill>
+              <a:schemeClr val="tx1">
+                <a:lumMod val="50000"/>
+                <a:lumOff val="50000"/>
+              </a:schemeClr>
+            </a:solidFill>
             <a:ln>
-              <a:solidFill>
-                <a:schemeClr val="accent1">
-                  <a:lumMod val="75000"/>
-                </a:schemeClr>
-              </a:solidFill>
+              <a:noFill/>
             </a:ln>
           </p:spPr>
           <p:style>
@@ -8914,312 +8817,167 @@
             </a:p>
           </p:txBody>
         </p:sp>
-      </p:grpSp>
-      <p:sp>
-        <p:nvSpPr>
-          <p:cNvPr id="58" name="Rectangle 57"/>
-          <p:cNvSpPr/>
-          <p:nvPr/>
-        </p:nvSpPr>
-        <p:spPr>
-          <a:xfrm>
-            <a:off x="2236230" y="2919890"/>
-            <a:ext cx="720090" cy="630076"/>
-          </a:xfrm>
-          <a:prstGeom prst="rect">
-            <a:avLst/>
-          </a:prstGeom>
-          <a:solidFill>
-            <a:srgbClr val="FFCC00"/>
-          </a:solidFill>
-          <a:ln>
-            <a:noFill/>
-          </a:ln>
-        </p:spPr>
-        <p:style>
-          <a:lnRef idx="2">
-            <a:schemeClr val="accent1">
-              <a:shade val="50000"/>
-            </a:schemeClr>
-          </a:lnRef>
-          <a:fillRef idx="1">
-            <a:schemeClr val="accent1"/>
-          </a:fillRef>
-          <a:effectRef idx="0">
-            <a:schemeClr val="accent1"/>
-          </a:effectRef>
-          <a:fontRef idx="minor">
-            <a:schemeClr val="lt1"/>
-          </a:fontRef>
-        </p:style>
-        <p:txBody>
-          <a:bodyPr rtlCol="0" anchor="ctr"/>
-          <a:lstStyle/>
-          <a:p>
-            <a:pPr algn="ctr"/>
-            <a:endParaRPr lang="en-GB"/>
-          </a:p>
-        </p:txBody>
-      </p:sp>
-      <p:sp>
-        <p:nvSpPr>
-          <p:cNvPr id="63" name="Rectangle 62"/>
-          <p:cNvSpPr/>
-          <p:nvPr/>
-        </p:nvSpPr>
-        <p:spPr>
-          <a:xfrm>
-            <a:off x="5481642" y="2905842"/>
-            <a:ext cx="720090" cy="630076"/>
-          </a:xfrm>
-          <a:prstGeom prst="rect">
-            <a:avLst/>
-          </a:prstGeom>
-          <a:solidFill>
-            <a:schemeClr val="tx1">
-              <a:lumMod val="50000"/>
-              <a:lumOff val="50000"/>
-            </a:schemeClr>
-          </a:solidFill>
-          <a:ln>
-            <a:noFill/>
-          </a:ln>
-        </p:spPr>
-        <p:style>
-          <a:lnRef idx="2">
-            <a:schemeClr val="accent1">
-              <a:shade val="50000"/>
-            </a:schemeClr>
-          </a:lnRef>
-          <a:fillRef idx="1">
-            <a:schemeClr val="accent1"/>
-          </a:fillRef>
-          <a:effectRef idx="0">
-            <a:schemeClr val="accent1"/>
-          </a:effectRef>
-          <a:fontRef idx="minor">
-            <a:schemeClr val="lt1"/>
-          </a:fontRef>
-        </p:style>
-        <p:txBody>
-          <a:bodyPr rtlCol="0" anchor="ctr"/>
-          <a:lstStyle/>
-          <a:p>
-            <a:pPr algn="ctr"/>
-            <a:endParaRPr lang="en-GB"/>
-          </a:p>
-        </p:txBody>
-      </p:sp>
-      <p:sp>
-        <p:nvSpPr>
-          <p:cNvPr id="65" name="Freeform 64"/>
-          <p:cNvSpPr/>
-          <p:nvPr/>
-        </p:nvSpPr>
-        <p:spPr>
-          <a:xfrm>
-            <a:off x="5731196" y="3121107"/>
-            <a:ext cx="173831" cy="307182"/>
-          </a:xfrm>
-          <a:custGeom>
-            <a:avLst/>
-            <a:gdLst>
-              <a:gd name="connsiteX0" fmla="*/ 0 w 233362"/>
-              <a:gd name="connsiteY0" fmla="*/ 338138 h 338138"/>
-              <a:gd name="connsiteX1" fmla="*/ 0 w 233362"/>
-              <a:gd name="connsiteY1" fmla="*/ 338138 h 338138"/>
-              <a:gd name="connsiteX2" fmla="*/ 21431 w 233362"/>
-              <a:gd name="connsiteY2" fmla="*/ 190500 h 338138"/>
-              <a:gd name="connsiteX3" fmla="*/ 202406 w 233362"/>
-              <a:gd name="connsiteY3" fmla="*/ 190500 h 338138"/>
-              <a:gd name="connsiteX4" fmla="*/ 233362 w 233362"/>
-              <a:gd name="connsiteY4" fmla="*/ 0 h 338138"/>
-            </a:gdLst>
-            <a:ahLst/>
-            <a:cxnLst>
-              <a:cxn ang="0">
-                <a:pos x="connsiteX0" y="connsiteY0"/>
-              </a:cxn>
-              <a:cxn ang="0">
-                <a:pos x="connsiteX1" y="connsiteY1"/>
-              </a:cxn>
-              <a:cxn ang="0">
-                <a:pos x="connsiteX2" y="connsiteY2"/>
-              </a:cxn>
-              <a:cxn ang="0">
-                <a:pos x="connsiteX3" y="connsiteY3"/>
-              </a:cxn>
-              <a:cxn ang="0">
-                <a:pos x="connsiteX4" y="connsiteY4"/>
-              </a:cxn>
-            </a:cxnLst>
-            <a:rect l="l" t="t" r="r" b="b"/>
-            <a:pathLst>
-              <a:path w="233362" h="338138">
-                <a:moveTo>
-                  <a:pt x="0" y="338138"/>
-                </a:moveTo>
-                <a:lnTo>
-                  <a:pt x="0" y="338138"/>
-                </a:lnTo>
-                <a:lnTo>
-                  <a:pt x="21431" y="190500"/>
-                </a:lnTo>
-                <a:lnTo>
-                  <a:pt x="202406" y="190500"/>
-                </a:lnTo>
-                <a:lnTo>
-                  <a:pt x="233362" y="0"/>
-                </a:lnTo>
-              </a:path>
-            </a:pathLst>
-          </a:custGeom>
-          <a:noFill/>
-          <a:ln w="38100">
+        <p:grpSp>
+          <p:nvGrpSpPr>
+            <p:cNvPr id="54" name="Group 53"/>
+            <p:cNvGrpSpPr/>
+            <p:nvPr/>
+          </p:nvGrpSpPr>
+          <p:grpSpPr>
+            <a:xfrm>
+              <a:off x="3094199" y="3223029"/>
+              <a:ext cx="444331" cy="45719"/>
+              <a:chOff x="1483519" y="1990729"/>
+              <a:chExt cx="444331" cy="45719"/>
+            </a:xfrm>
             <a:solidFill>
-              <a:srgbClr val="FF0000"/>
+              <a:schemeClr val="accent1">
+                <a:lumMod val="75000"/>
+              </a:schemeClr>
             </a:solidFill>
-          </a:ln>
-        </p:spPr>
-        <p:style>
-          <a:lnRef idx="2">
-            <a:schemeClr val="accent1">
-              <a:shade val="50000"/>
-            </a:schemeClr>
-          </a:lnRef>
-          <a:fillRef idx="1">
-            <a:schemeClr val="accent1"/>
-          </a:fillRef>
-          <a:effectRef idx="0">
-            <a:schemeClr val="accent1"/>
-          </a:effectRef>
-          <a:fontRef idx="minor">
-            <a:schemeClr val="lt1"/>
-          </a:fontRef>
-        </p:style>
-        <p:txBody>
-          <a:bodyPr rtlCol="0" anchor="ctr"/>
-          <a:lstStyle/>
-          <a:p>
-            <a:pPr algn="ctr"/>
-            <a:endParaRPr lang="en-GB"/>
-          </a:p>
-        </p:txBody>
-      </p:sp>
-      <p:sp>
-        <p:nvSpPr>
-          <p:cNvPr id="66" name="Oval 65"/>
-          <p:cNvSpPr/>
-          <p:nvPr/>
-        </p:nvSpPr>
-        <p:spPr>
-          <a:xfrm>
-            <a:off x="5884549" y="3039670"/>
-            <a:ext cx="45719" cy="45719"/>
-          </a:xfrm>
-          <a:prstGeom prst="ellipse">
-            <a:avLst/>
-          </a:prstGeom>
-          <a:solidFill>
-            <a:srgbClr val="FF0000"/>
-          </a:solidFill>
-          <a:ln>
-            <a:solidFill>
-              <a:srgbClr val="FF0000"/>
-            </a:solidFill>
-          </a:ln>
-        </p:spPr>
-        <p:style>
-          <a:lnRef idx="2">
-            <a:schemeClr val="accent1">
-              <a:shade val="50000"/>
-            </a:schemeClr>
-          </a:lnRef>
-          <a:fillRef idx="1">
-            <a:schemeClr val="accent1"/>
-          </a:fillRef>
-          <a:effectRef idx="0">
-            <a:schemeClr val="accent1"/>
-          </a:effectRef>
-          <a:fontRef idx="minor">
-            <a:schemeClr val="lt1"/>
-          </a:fontRef>
-        </p:style>
-        <p:txBody>
-          <a:bodyPr rtlCol="0" anchor="ctr"/>
-          <a:lstStyle/>
-          <a:p>
-            <a:pPr algn="ctr"/>
-            <a:endParaRPr lang="en-GB"/>
-          </a:p>
-        </p:txBody>
-      </p:sp>
-      <p:grpSp>
-        <p:nvGrpSpPr>
-          <p:cNvPr id="67" name="Group 66"/>
-          <p:cNvGrpSpPr/>
-          <p:nvPr/>
-        </p:nvGrpSpPr>
-        <p:grpSpPr>
-          <a:xfrm>
-            <a:off x="6345085" y="3228979"/>
-            <a:ext cx="433384" cy="45719"/>
-            <a:chOff x="1471613" y="2010727"/>
-            <a:chExt cx="433384" cy="45719"/>
-          </a:xfrm>
-          <a:solidFill>
-            <a:schemeClr val="bg1">
-              <a:lumMod val="95000"/>
-            </a:schemeClr>
-          </a:solidFill>
-        </p:grpSpPr>
+          </p:grpSpPr>
+          <p:sp>
+            <p:nvSpPr>
+              <p:cNvPr id="55" name="Freeform 54"/>
+              <p:cNvSpPr/>
+              <p:nvPr/>
+            </p:nvSpPr>
+            <p:spPr>
+              <a:xfrm>
+                <a:off x="1483519" y="2019300"/>
+                <a:ext cx="357187" cy="0"/>
+              </a:xfrm>
+              <a:custGeom>
+                <a:avLst/>
+                <a:gdLst>
+                  <a:gd name="connsiteX0" fmla="*/ 0 w 357187"/>
+                  <a:gd name="connsiteY0" fmla="*/ 0 h 0"/>
+                  <a:gd name="connsiteX1" fmla="*/ 357187 w 357187"/>
+                  <a:gd name="connsiteY1" fmla="*/ 0 h 0"/>
+                </a:gdLst>
+                <a:ahLst/>
+                <a:cxnLst>
+                  <a:cxn ang="0">
+                    <a:pos x="connsiteX0" y="connsiteY0"/>
+                  </a:cxn>
+                  <a:cxn ang="0">
+                    <a:pos x="connsiteX1" y="connsiteY1"/>
+                  </a:cxn>
+                </a:cxnLst>
+                <a:rect l="l" t="t" r="r" b="b"/>
+                <a:pathLst>
+                  <a:path w="357187">
+                    <a:moveTo>
+                      <a:pt x="0" y="0"/>
+                    </a:moveTo>
+                    <a:lnTo>
+                      <a:pt x="357187" y="0"/>
+                    </a:lnTo>
+                  </a:path>
+                </a:pathLst>
+              </a:custGeom>
+              <a:grpFill/>
+              <a:ln w="38100">
+                <a:solidFill>
+                  <a:schemeClr val="accent1">
+                    <a:lumMod val="75000"/>
+                  </a:schemeClr>
+                </a:solidFill>
+              </a:ln>
+            </p:spPr>
+            <p:style>
+              <a:lnRef idx="2">
+                <a:schemeClr val="accent1">
+                  <a:shade val="50000"/>
+                </a:schemeClr>
+              </a:lnRef>
+              <a:fillRef idx="1">
+                <a:schemeClr val="accent1"/>
+              </a:fillRef>
+              <a:effectRef idx="0">
+                <a:schemeClr val="accent1"/>
+              </a:effectRef>
+              <a:fontRef idx="minor">
+                <a:schemeClr val="lt1"/>
+              </a:fontRef>
+            </p:style>
+            <p:txBody>
+              <a:bodyPr rtlCol="0" anchor="ctr"/>
+              <a:lstStyle/>
+              <a:p>
+                <a:pPr algn="ctr"/>
+                <a:endParaRPr lang="en-GB"/>
+              </a:p>
+            </p:txBody>
+          </p:sp>
+          <p:sp>
+            <p:nvSpPr>
+              <p:cNvPr id="56" name="Oval 55"/>
+              <p:cNvSpPr/>
+              <p:nvPr/>
+            </p:nvSpPr>
+            <p:spPr>
+              <a:xfrm>
+                <a:off x="1882131" y="1990729"/>
+                <a:ext cx="45719" cy="45719"/>
+              </a:xfrm>
+              <a:prstGeom prst="ellipse">
+                <a:avLst/>
+              </a:prstGeom>
+              <a:grpFill/>
+              <a:ln>
+                <a:solidFill>
+                  <a:schemeClr val="accent1">
+                    <a:lumMod val="75000"/>
+                  </a:schemeClr>
+                </a:solidFill>
+              </a:ln>
+            </p:spPr>
+            <p:style>
+              <a:lnRef idx="2">
+                <a:schemeClr val="accent1">
+                  <a:shade val="50000"/>
+                </a:schemeClr>
+              </a:lnRef>
+              <a:fillRef idx="1">
+                <a:schemeClr val="accent1"/>
+              </a:fillRef>
+              <a:effectRef idx="0">
+                <a:schemeClr val="accent1"/>
+              </a:effectRef>
+              <a:fontRef idx="minor">
+                <a:schemeClr val="lt1"/>
+              </a:fontRef>
+            </p:style>
+            <p:txBody>
+              <a:bodyPr rtlCol="0" anchor="ctr"/>
+              <a:lstStyle/>
+              <a:p>
+                <a:pPr algn="ctr"/>
+                <a:endParaRPr lang="en-GB"/>
+              </a:p>
+            </p:txBody>
+          </p:sp>
+        </p:grpSp>
         <p:sp>
           <p:nvSpPr>
-            <p:cNvPr id="68" name="Freeform 67"/>
+            <p:cNvPr id="58" name="Rectangle 57"/>
             <p:cNvSpPr/>
             <p:nvPr/>
           </p:nvSpPr>
           <p:spPr>
             <a:xfrm>
-              <a:off x="1471613" y="2038350"/>
-              <a:ext cx="357187" cy="0"/>
-            </a:xfrm>
-            <a:custGeom>
+              <a:off x="2236230" y="2919890"/>
+              <a:ext cx="720090" cy="630076"/>
+            </a:xfrm>
+            <a:prstGeom prst="rect">
               <a:avLst/>
-              <a:gdLst>
-                <a:gd name="connsiteX0" fmla="*/ 0 w 357187"/>
-                <a:gd name="connsiteY0" fmla="*/ 0 h 0"/>
-                <a:gd name="connsiteX1" fmla="*/ 357187 w 357187"/>
-                <a:gd name="connsiteY1" fmla="*/ 0 h 0"/>
-              </a:gdLst>
-              <a:ahLst/>
-              <a:cxnLst>
-                <a:cxn ang="0">
-                  <a:pos x="connsiteX0" y="connsiteY0"/>
-                </a:cxn>
-                <a:cxn ang="0">
-                  <a:pos x="connsiteX1" y="connsiteY1"/>
-                </a:cxn>
-              </a:cxnLst>
-              <a:rect l="l" t="t" r="r" b="b"/>
-              <a:pathLst>
-                <a:path w="357187">
-                  <a:moveTo>
-                    <a:pt x="0" y="0"/>
-                  </a:moveTo>
-                  <a:lnTo>
-                    <a:pt x="357187" y="0"/>
-                  </a:lnTo>
-                </a:path>
-              </a:pathLst>
-            </a:custGeom>
-            <a:grpFill/>
-            <a:ln w="38100">
-              <a:solidFill>
-                <a:schemeClr val="bg1">
-                  <a:lumMod val="95000"/>
-                </a:schemeClr>
-              </a:solidFill>
+            </a:prstGeom>
+            <a:solidFill>
+              <a:srgbClr val="FFCC00"/>
+            </a:solidFill>
+            <a:ln>
+              <a:noFill/>
             </a:ln>
           </p:spPr>
           <p:style>
@@ -9249,417 +9007,26 @@
         </p:sp>
         <p:sp>
           <p:nvSpPr>
-            <p:cNvPr id="69" name="Oval 68"/>
+            <p:cNvPr id="63" name="Rectangle 62"/>
             <p:cNvSpPr/>
             <p:nvPr/>
           </p:nvSpPr>
           <p:spPr>
             <a:xfrm>
-              <a:off x="1859278" y="2010727"/>
-              <a:ext cx="45719" cy="45719"/>
-            </a:xfrm>
-            <a:prstGeom prst="ellipse">
+              <a:off x="5481642" y="2905842"/>
+              <a:ext cx="720090" cy="630076"/>
+            </a:xfrm>
+            <a:prstGeom prst="rect">
               <a:avLst/>
             </a:prstGeom>
-            <a:grpFill/>
-            <a:ln>
-              <a:solidFill>
-                <a:schemeClr val="bg1">
-                  <a:lumMod val="95000"/>
-                </a:schemeClr>
-              </a:solidFill>
-            </a:ln>
-          </p:spPr>
-          <p:style>
-            <a:lnRef idx="2">
-              <a:schemeClr val="accent1">
-                <a:shade val="50000"/>
-              </a:schemeClr>
-            </a:lnRef>
-            <a:fillRef idx="1">
-              <a:schemeClr val="accent1"/>
-            </a:fillRef>
-            <a:effectRef idx="0">
-              <a:schemeClr val="accent1"/>
-            </a:effectRef>
-            <a:fontRef idx="minor">
-              <a:schemeClr val="lt1"/>
-            </a:fontRef>
-          </p:style>
-          <p:txBody>
-            <a:bodyPr rtlCol="0" anchor="ctr"/>
-            <a:lstStyle/>
-            <a:p>
-              <a:pPr algn="ctr"/>
-              <a:endParaRPr lang="en-GB"/>
-            </a:p>
-          </p:txBody>
-        </p:sp>
-      </p:grpSp>
-      <p:sp>
-        <p:nvSpPr>
-          <p:cNvPr id="70" name="Rectangle 69"/>
-          <p:cNvSpPr/>
-          <p:nvPr/>
-        </p:nvSpPr>
-        <p:spPr>
-          <a:xfrm>
-            <a:off x="6917058" y="2905843"/>
-            <a:ext cx="720090" cy="630076"/>
-          </a:xfrm>
-          <a:prstGeom prst="rect">
-            <a:avLst/>
-          </a:prstGeom>
-          <a:solidFill>
-            <a:schemeClr val="tx1">
-              <a:lumMod val="50000"/>
-              <a:lumOff val="50000"/>
-            </a:schemeClr>
-          </a:solidFill>
-          <a:ln>
-            <a:noFill/>
-          </a:ln>
-        </p:spPr>
-        <p:style>
-          <a:lnRef idx="2">
-            <a:schemeClr val="accent1">
-              <a:shade val="50000"/>
-            </a:schemeClr>
-          </a:lnRef>
-          <a:fillRef idx="1">
-            <a:schemeClr val="accent1"/>
-          </a:fillRef>
-          <a:effectRef idx="0">
-            <a:schemeClr val="accent1"/>
-          </a:effectRef>
-          <a:fontRef idx="minor">
-            <a:schemeClr val="lt1"/>
-          </a:fontRef>
-        </p:style>
-        <p:txBody>
-          <a:bodyPr rtlCol="0" anchor="ctr"/>
-          <a:lstStyle/>
-          <a:p>
-            <a:pPr algn="ctr"/>
-            <a:endParaRPr lang="en-GB"/>
-          </a:p>
-        </p:txBody>
-      </p:sp>
-      <p:sp>
-        <p:nvSpPr>
-          <p:cNvPr id="71" name="Freeform 70"/>
-          <p:cNvSpPr/>
-          <p:nvPr/>
-        </p:nvSpPr>
-        <p:spPr>
-          <a:xfrm>
-            <a:off x="7169945" y="3131113"/>
-            <a:ext cx="173831" cy="307182"/>
-          </a:xfrm>
-          <a:custGeom>
-            <a:avLst/>
-            <a:gdLst>
-              <a:gd name="connsiteX0" fmla="*/ 0 w 233362"/>
-              <a:gd name="connsiteY0" fmla="*/ 338138 h 338138"/>
-              <a:gd name="connsiteX1" fmla="*/ 0 w 233362"/>
-              <a:gd name="connsiteY1" fmla="*/ 338138 h 338138"/>
-              <a:gd name="connsiteX2" fmla="*/ 21431 w 233362"/>
-              <a:gd name="connsiteY2" fmla="*/ 190500 h 338138"/>
-              <a:gd name="connsiteX3" fmla="*/ 202406 w 233362"/>
-              <a:gd name="connsiteY3" fmla="*/ 190500 h 338138"/>
-              <a:gd name="connsiteX4" fmla="*/ 233362 w 233362"/>
-              <a:gd name="connsiteY4" fmla="*/ 0 h 338138"/>
-            </a:gdLst>
-            <a:ahLst/>
-            <a:cxnLst>
-              <a:cxn ang="0">
-                <a:pos x="connsiteX0" y="connsiteY0"/>
-              </a:cxn>
-              <a:cxn ang="0">
-                <a:pos x="connsiteX1" y="connsiteY1"/>
-              </a:cxn>
-              <a:cxn ang="0">
-                <a:pos x="connsiteX2" y="connsiteY2"/>
-              </a:cxn>
-              <a:cxn ang="0">
-                <a:pos x="connsiteX3" y="connsiteY3"/>
-              </a:cxn>
-              <a:cxn ang="0">
-                <a:pos x="connsiteX4" y="connsiteY4"/>
-              </a:cxn>
-            </a:cxnLst>
-            <a:rect l="l" t="t" r="r" b="b"/>
-            <a:pathLst>
-              <a:path w="233362" h="338138">
-                <a:moveTo>
-                  <a:pt x="0" y="338138"/>
-                </a:moveTo>
-                <a:lnTo>
-                  <a:pt x="0" y="338138"/>
-                </a:lnTo>
-                <a:lnTo>
-                  <a:pt x="21431" y="190500"/>
-                </a:lnTo>
-                <a:lnTo>
-                  <a:pt x="202406" y="190500"/>
-                </a:lnTo>
-                <a:lnTo>
-                  <a:pt x="233362" y="0"/>
-                </a:lnTo>
-              </a:path>
-            </a:pathLst>
-          </a:custGeom>
-          <a:noFill/>
-          <a:ln w="38100">
             <a:solidFill>
-              <a:schemeClr val="accent1">
-                <a:lumMod val="75000"/>
+              <a:schemeClr val="tx1">
+                <a:lumMod val="50000"/>
+                <a:lumOff val="50000"/>
               </a:schemeClr>
             </a:solidFill>
-          </a:ln>
-        </p:spPr>
-        <p:style>
-          <a:lnRef idx="2">
-            <a:schemeClr val="accent1">
-              <a:shade val="50000"/>
-            </a:schemeClr>
-          </a:lnRef>
-          <a:fillRef idx="1">
-            <a:schemeClr val="accent1"/>
-          </a:fillRef>
-          <a:effectRef idx="0">
-            <a:schemeClr val="accent1"/>
-          </a:effectRef>
-          <a:fontRef idx="minor">
-            <a:schemeClr val="lt1"/>
-          </a:fontRef>
-        </p:style>
-        <p:txBody>
-          <a:bodyPr rtlCol="0" anchor="ctr"/>
-          <a:lstStyle/>
-          <a:p>
-            <a:pPr algn="ctr"/>
-            <a:endParaRPr lang="en-GB"/>
-          </a:p>
-        </p:txBody>
-      </p:sp>
-      <p:sp>
-        <p:nvSpPr>
-          <p:cNvPr id="72" name="Oval 71"/>
-          <p:cNvSpPr/>
-          <p:nvPr/>
-        </p:nvSpPr>
-        <p:spPr>
-          <a:xfrm>
-            <a:off x="7323298" y="3049676"/>
-            <a:ext cx="45719" cy="45719"/>
-          </a:xfrm>
-          <a:prstGeom prst="ellipse">
-            <a:avLst/>
-          </a:prstGeom>
-          <a:solidFill>
-            <a:schemeClr val="accent1">
-              <a:lumMod val="75000"/>
-            </a:schemeClr>
-          </a:solidFill>
-          <a:ln>
-            <a:solidFill>
-              <a:schemeClr val="accent1">
-                <a:lumMod val="75000"/>
-              </a:schemeClr>
-            </a:solidFill>
-          </a:ln>
-        </p:spPr>
-        <p:style>
-          <a:lnRef idx="2">
-            <a:schemeClr val="accent1">
-              <a:shade val="50000"/>
-            </a:schemeClr>
-          </a:lnRef>
-          <a:fillRef idx="1">
-            <a:schemeClr val="accent1"/>
-          </a:fillRef>
-          <a:effectRef idx="0">
-            <a:schemeClr val="accent1"/>
-          </a:effectRef>
-          <a:fontRef idx="minor">
-            <a:schemeClr val="lt1"/>
-          </a:fontRef>
-        </p:style>
-        <p:txBody>
-          <a:bodyPr rtlCol="0" anchor="ctr"/>
-          <a:lstStyle/>
-          <a:p>
-            <a:pPr algn="ctr"/>
-            <a:endParaRPr lang="en-GB">
-              <a:ln>
-                <a:solidFill>
-                  <a:sysClr val="windowText" lastClr="000000"/>
-                </a:solidFill>
-              </a:ln>
-            </a:endParaRPr>
-          </a:p>
-        </p:txBody>
-      </p:sp>
-      <p:sp>
-        <p:nvSpPr>
-          <p:cNvPr id="74" name="Rectangle 73"/>
-          <p:cNvSpPr/>
-          <p:nvPr/>
-        </p:nvSpPr>
-        <p:spPr>
-          <a:xfrm>
-            <a:off x="7637147" y="2905840"/>
-            <a:ext cx="720090" cy="630076"/>
-          </a:xfrm>
-          <a:prstGeom prst="rect">
-            <a:avLst/>
-          </a:prstGeom>
-          <a:solidFill>
-            <a:srgbClr val="FFCC00"/>
-          </a:solidFill>
-          <a:ln>
-            <a:noFill/>
-          </a:ln>
-        </p:spPr>
-        <p:style>
-          <a:lnRef idx="2">
-            <a:schemeClr val="accent1">
-              <a:shade val="50000"/>
-            </a:schemeClr>
-          </a:lnRef>
-          <a:fillRef idx="1">
-            <a:schemeClr val="accent1"/>
-          </a:fillRef>
-          <a:effectRef idx="0">
-            <a:schemeClr val="accent1"/>
-          </a:effectRef>
-          <a:fontRef idx="minor">
-            <a:schemeClr val="lt1"/>
-          </a:fontRef>
-        </p:style>
-        <p:txBody>
-          <a:bodyPr rtlCol="0" anchor="ctr"/>
-          <a:lstStyle/>
-          <a:p>
-            <a:pPr algn="ctr"/>
-            <a:endParaRPr lang="en-GB"/>
-          </a:p>
-        </p:txBody>
-      </p:sp>
-      <p:sp>
-        <p:nvSpPr>
-          <p:cNvPr id="75" name="Rectangle 74"/>
-          <p:cNvSpPr/>
-          <p:nvPr/>
-        </p:nvSpPr>
-        <p:spPr>
-          <a:xfrm>
-            <a:off x="7637147" y="2905841"/>
-            <a:ext cx="720090" cy="630076"/>
-          </a:xfrm>
-          <a:prstGeom prst="rect">
-            <a:avLst/>
-          </a:prstGeom>
-          <a:solidFill>
-            <a:schemeClr val="tx1">
-              <a:lumMod val="50000"/>
-              <a:lumOff val="50000"/>
-            </a:schemeClr>
-          </a:solidFill>
-          <a:ln>
-            <a:noFill/>
-          </a:ln>
-        </p:spPr>
-        <p:style>
-          <a:lnRef idx="2">
-            <a:schemeClr val="accent1">
-              <a:shade val="50000"/>
-            </a:schemeClr>
-          </a:lnRef>
-          <a:fillRef idx="1">
-            <a:schemeClr val="accent1"/>
-          </a:fillRef>
-          <a:effectRef idx="0">
-            <a:schemeClr val="accent1"/>
-          </a:effectRef>
-          <a:fontRef idx="minor">
-            <a:schemeClr val="lt1"/>
-          </a:fontRef>
-        </p:style>
-        <p:txBody>
-          <a:bodyPr rtlCol="0" anchor="ctr"/>
-          <a:lstStyle/>
-          <a:p>
-            <a:pPr algn="ctr"/>
-            <a:endParaRPr lang="en-GB"/>
-          </a:p>
-        </p:txBody>
-      </p:sp>
-      <p:grpSp>
-        <p:nvGrpSpPr>
-          <p:cNvPr id="76" name="Group 75"/>
-          <p:cNvGrpSpPr/>
-          <p:nvPr/>
-        </p:nvGrpSpPr>
-        <p:grpSpPr>
-          <a:xfrm>
-            <a:off x="7780500" y="3228978"/>
-            <a:ext cx="433384" cy="45719"/>
-            <a:chOff x="1471613" y="2010727"/>
-            <a:chExt cx="433384" cy="45719"/>
-          </a:xfrm>
-          <a:solidFill>
-            <a:schemeClr val="bg1">
-              <a:lumMod val="95000"/>
-            </a:schemeClr>
-          </a:solidFill>
-        </p:grpSpPr>
-        <p:sp>
-          <p:nvSpPr>
-            <p:cNvPr id="77" name="Freeform 76"/>
-            <p:cNvSpPr/>
-            <p:nvPr/>
-          </p:nvSpPr>
-          <p:spPr>
-            <a:xfrm>
-              <a:off x="1471613" y="2038350"/>
-              <a:ext cx="357187" cy="0"/>
-            </a:xfrm>
-            <a:custGeom>
-              <a:avLst/>
-              <a:gdLst>
-                <a:gd name="connsiteX0" fmla="*/ 0 w 357187"/>
-                <a:gd name="connsiteY0" fmla="*/ 0 h 0"/>
-                <a:gd name="connsiteX1" fmla="*/ 357187 w 357187"/>
-                <a:gd name="connsiteY1" fmla="*/ 0 h 0"/>
-              </a:gdLst>
-              <a:ahLst/>
-              <a:cxnLst>
-                <a:cxn ang="0">
-                  <a:pos x="connsiteX0" y="connsiteY0"/>
-                </a:cxn>
-                <a:cxn ang="0">
-                  <a:pos x="connsiteX1" y="connsiteY1"/>
-                </a:cxn>
-              </a:cxnLst>
-              <a:rect l="l" t="t" r="r" b="b"/>
-              <a:pathLst>
-                <a:path w="357187">
-                  <a:moveTo>
-                    <a:pt x="0" y="0"/>
-                  </a:moveTo>
-                  <a:lnTo>
-                    <a:pt x="357187" y="0"/>
-                  </a:lnTo>
-                </a:path>
-              </a:pathLst>
-            </a:custGeom>
-            <a:grpFill/>
-            <a:ln w="38100">
-              <a:solidFill>
-                <a:srgbClr val="FF0000"/>
-              </a:solidFill>
+            <a:ln>
+              <a:noFill/>
             </a:ln>
           </p:spPr>
           <p:style>
@@ -9689,13 +9056,109 @@
         </p:sp>
         <p:sp>
           <p:nvSpPr>
-            <p:cNvPr id="78" name="Oval 77"/>
+            <p:cNvPr id="65" name="Freeform 64"/>
             <p:cNvSpPr/>
             <p:nvPr/>
           </p:nvSpPr>
           <p:spPr>
             <a:xfrm>
-              <a:off x="1859278" y="2010727"/>
+              <a:off x="5731196" y="3121107"/>
+              <a:ext cx="173831" cy="307182"/>
+            </a:xfrm>
+            <a:custGeom>
+              <a:avLst/>
+              <a:gdLst>
+                <a:gd name="connsiteX0" fmla="*/ 0 w 233362"/>
+                <a:gd name="connsiteY0" fmla="*/ 338138 h 338138"/>
+                <a:gd name="connsiteX1" fmla="*/ 0 w 233362"/>
+                <a:gd name="connsiteY1" fmla="*/ 338138 h 338138"/>
+                <a:gd name="connsiteX2" fmla="*/ 21431 w 233362"/>
+                <a:gd name="connsiteY2" fmla="*/ 190500 h 338138"/>
+                <a:gd name="connsiteX3" fmla="*/ 202406 w 233362"/>
+                <a:gd name="connsiteY3" fmla="*/ 190500 h 338138"/>
+                <a:gd name="connsiteX4" fmla="*/ 233362 w 233362"/>
+                <a:gd name="connsiteY4" fmla="*/ 0 h 338138"/>
+              </a:gdLst>
+              <a:ahLst/>
+              <a:cxnLst>
+                <a:cxn ang="0">
+                  <a:pos x="connsiteX0" y="connsiteY0"/>
+                </a:cxn>
+                <a:cxn ang="0">
+                  <a:pos x="connsiteX1" y="connsiteY1"/>
+                </a:cxn>
+                <a:cxn ang="0">
+                  <a:pos x="connsiteX2" y="connsiteY2"/>
+                </a:cxn>
+                <a:cxn ang="0">
+                  <a:pos x="connsiteX3" y="connsiteY3"/>
+                </a:cxn>
+                <a:cxn ang="0">
+                  <a:pos x="connsiteX4" y="connsiteY4"/>
+                </a:cxn>
+              </a:cxnLst>
+              <a:rect l="l" t="t" r="r" b="b"/>
+              <a:pathLst>
+                <a:path w="233362" h="338138">
+                  <a:moveTo>
+                    <a:pt x="0" y="338138"/>
+                  </a:moveTo>
+                  <a:lnTo>
+                    <a:pt x="0" y="338138"/>
+                  </a:lnTo>
+                  <a:lnTo>
+                    <a:pt x="21431" y="190500"/>
+                  </a:lnTo>
+                  <a:lnTo>
+                    <a:pt x="202406" y="190500"/>
+                  </a:lnTo>
+                  <a:lnTo>
+                    <a:pt x="233362" y="0"/>
+                  </a:lnTo>
+                </a:path>
+              </a:pathLst>
+            </a:custGeom>
+            <a:noFill/>
+            <a:ln w="38100">
+              <a:solidFill>
+                <a:srgbClr val="FF0000"/>
+              </a:solidFill>
+            </a:ln>
+          </p:spPr>
+          <p:style>
+            <a:lnRef idx="2">
+              <a:schemeClr val="accent1">
+                <a:shade val="50000"/>
+              </a:schemeClr>
+            </a:lnRef>
+            <a:fillRef idx="1">
+              <a:schemeClr val="accent1"/>
+            </a:fillRef>
+            <a:effectRef idx="0">
+              <a:schemeClr val="accent1"/>
+            </a:effectRef>
+            <a:fontRef idx="minor">
+              <a:schemeClr val="lt1"/>
+            </a:fontRef>
+          </p:style>
+          <p:txBody>
+            <a:bodyPr rtlCol="0" anchor="ctr"/>
+            <a:lstStyle/>
+            <a:p>
+              <a:pPr algn="ctr"/>
+              <a:endParaRPr lang="en-GB"/>
+            </a:p>
+          </p:txBody>
+        </p:sp>
+        <p:sp>
+          <p:nvSpPr>
+            <p:cNvPr id="66" name="Oval 65"/>
+            <p:cNvSpPr/>
+            <p:nvPr/>
+          </p:nvSpPr>
+          <p:spPr>
+            <a:xfrm>
+              <a:off x="5884549" y="3039670"/>
               <a:ext cx="45719" cy="45719"/>
             </a:xfrm>
             <a:prstGeom prst="ellipse">
@@ -9735,119 +9198,170 @@
             </a:p>
           </p:txBody>
         </p:sp>
-      </p:grpSp>
-      <p:sp>
-        <p:nvSpPr>
-          <p:cNvPr id="80" name="Rectangle 79"/>
-          <p:cNvSpPr/>
-          <p:nvPr/>
-        </p:nvSpPr>
-        <p:spPr>
-          <a:xfrm>
-            <a:off x="6196968" y="2905843"/>
-            <a:ext cx="720090" cy="630076"/>
-          </a:xfrm>
-          <a:prstGeom prst="rect">
-            <a:avLst/>
-          </a:prstGeom>
-          <a:solidFill>
-            <a:srgbClr val="FFCC00"/>
-          </a:solidFill>
-          <a:ln>
-            <a:noFill/>
-          </a:ln>
-        </p:spPr>
-        <p:style>
-          <a:lnRef idx="2">
-            <a:schemeClr val="accent1">
-              <a:shade val="50000"/>
-            </a:schemeClr>
-          </a:lnRef>
-          <a:fillRef idx="1">
-            <a:schemeClr val="accent1"/>
-          </a:fillRef>
-          <a:effectRef idx="0">
-            <a:schemeClr val="accent1"/>
-          </a:effectRef>
-          <a:fontRef idx="minor">
-            <a:schemeClr val="lt1"/>
-          </a:fontRef>
-        </p:style>
-        <p:txBody>
-          <a:bodyPr rtlCol="0" anchor="ctr"/>
-          <a:lstStyle/>
-          <a:p>
-            <a:pPr algn="ctr"/>
-            <a:endParaRPr lang="en-GB"/>
-          </a:p>
-        </p:txBody>
-      </p:sp>
-      <p:grpSp>
-        <p:nvGrpSpPr>
-          <p:cNvPr id="81" name="Group 80"/>
-          <p:cNvGrpSpPr/>
-          <p:nvPr/>
-        </p:nvGrpSpPr>
-        <p:grpSpPr>
-          <a:xfrm>
-            <a:off x="6340321" y="3228981"/>
-            <a:ext cx="433384" cy="45719"/>
-            <a:chOff x="1471613" y="2010727"/>
-            <a:chExt cx="433384" cy="45719"/>
-          </a:xfrm>
-          <a:solidFill>
-            <a:schemeClr val="accent1">
-              <a:lumMod val="75000"/>
-            </a:schemeClr>
-          </a:solidFill>
-        </p:grpSpPr>
+        <p:grpSp>
+          <p:nvGrpSpPr>
+            <p:cNvPr id="67" name="Group 66"/>
+            <p:cNvGrpSpPr/>
+            <p:nvPr/>
+          </p:nvGrpSpPr>
+          <p:grpSpPr>
+            <a:xfrm>
+              <a:off x="6345085" y="3228979"/>
+              <a:ext cx="433384" cy="45719"/>
+              <a:chOff x="1471613" y="2010727"/>
+              <a:chExt cx="433384" cy="45719"/>
+            </a:xfrm>
+            <a:solidFill>
+              <a:schemeClr val="bg1">
+                <a:lumMod val="95000"/>
+              </a:schemeClr>
+            </a:solidFill>
+          </p:grpSpPr>
+          <p:sp>
+            <p:nvSpPr>
+              <p:cNvPr id="68" name="Freeform 67"/>
+              <p:cNvSpPr/>
+              <p:nvPr/>
+            </p:nvSpPr>
+            <p:spPr>
+              <a:xfrm>
+                <a:off x="1471613" y="2038350"/>
+                <a:ext cx="357187" cy="0"/>
+              </a:xfrm>
+              <a:custGeom>
+                <a:avLst/>
+                <a:gdLst>
+                  <a:gd name="connsiteX0" fmla="*/ 0 w 357187"/>
+                  <a:gd name="connsiteY0" fmla="*/ 0 h 0"/>
+                  <a:gd name="connsiteX1" fmla="*/ 357187 w 357187"/>
+                  <a:gd name="connsiteY1" fmla="*/ 0 h 0"/>
+                </a:gdLst>
+                <a:ahLst/>
+                <a:cxnLst>
+                  <a:cxn ang="0">
+                    <a:pos x="connsiteX0" y="connsiteY0"/>
+                  </a:cxn>
+                  <a:cxn ang="0">
+                    <a:pos x="connsiteX1" y="connsiteY1"/>
+                  </a:cxn>
+                </a:cxnLst>
+                <a:rect l="l" t="t" r="r" b="b"/>
+                <a:pathLst>
+                  <a:path w="357187">
+                    <a:moveTo>
+                      <a:pt x="0" y="0"/>
+                    </a:moveTo>
+                    <a:lnTo>
+                      <a:pt x="357187" y="0"/>
+                    </a:lnTo>
+                  </a:path>
+                </a:pathLst>
+              </a:custGeom>
+              <a:grpFill/>
+              <a:ln w="38100">
+                <a:solidFill>
+                  <a:schemeClr val="bg1">
+                    <a:lumMod val="95000"/>
+                  </a:schemeClr>
+                </a:solidFill>
+              </a:ln>
+            </p:spPr>
+            <p:style>
+              <a:lnRef idx="2">
+                <a:schemeClr val="accent1">
+                  <a:shade val="50000"/>
+                </a:schemeClr>
+              </a:lnRef>
+              <a:fillRef idx="1">
+                <a:schemeClr val="accent1"/>
+              </a:fillRef>
+              <a:effectRef idx="0">
+                <a:schemeClr val="accent1"/>
+              </a:effectRef>
+              <a:fontRef idx="minor">
+                <a:schemeClr val="lt1"/>
+              </a:fontRef>
+            </p:style>
+            <p:txBody>
+              <a:bodyPr rtlCol="0" anchor="ctr"/>
+              <a:lstStyle/>
+              <a:p>
+                <a:pPr algn="ctr"/>
+                <a:endParaRPr lang="en-GB"/>
+              </a:p>
+            </p:txBody>
+          </p:sp>
+          <p:sp>
+            <p:nvSpPr>
+              <p:cNvPr id="69" name="Oval 68"/>
+              <p:cNvSpPr/>
+              <p:nvPr/>
+            </p:nvSpPr>
+            <p:spPr>
+              <a:xfrm>
+                <a:off x="1859278" y="2010727"/>
+                <a:ext cx="45719" cy="45719"/>
+              </a:xfrm>
+              <a:prstGeom prst="ellipse">
+                <a:avLst/>
+              </a:prstGeom>
+              <a:grpFill/>
+              <a:ln>
+                <a:solidFill>
+                  <a:schemeClr val="bg1">
+                    <a:lumMod val="95000"/>
+                  </a:schemeClr>
+                </a:solidFill>
+              </a:ln>
+            </p:spPr>
+            <p:style>
+              <a:lnRef idx="2">
+                <a:schemeClr val="accent1">
+                  <a:shade val="50000"/>
+                </a:schemeClr>
+              </a:lnRef>
+              <a:fillRef idx="1">
+                <a:schemeClr val="accent1"/>
+              </a:fillRef>
+              <a:effectRef idx="0">
+                <a:schemeClr val="accent1"/>
+              </a:effectRef>
+              <a:fontRef idx="minor">
+                <a:schemeClr val="lt1"/>
+              </a:fontRef>
+            </p:style>
+            <p:txBody>
+              <a:bodyPr rtlCol="0" anchor="ctr"/>
+              <a:lstStyle/>
+              <a:p>
+                <a:pPr algn="ctr"/>
+                <a:endParaRPr lang="en-GB"/>
+              </a:p>
+            </p:txBody>
+          </p:sp>
+        </p:grpSp>
         <p:sp>
           <p:nvSpPr>
-            <p:cNvPr id="82" name="Freeform 81"/>
+            <p:cNvPr id="70" name="Rectangle 69"/>
             <p:cNvSpPr/>
             <p:nvPr/>
           </p:nvSpPr>
           <p:spPr>
             <a:xfrm>
-              <a:off x="1471613" y="2038350"/>
-              <a:ext cx="357187" cy="0"/>
-            </a:xfrm>
-            <a:custGeom>
+              <a:off x="6917058" y="2905843"/>
+              <a:ext cx="720090" cy="630076"/>
+            </a:xfrm>
+            <a:prstGeom prst="rect">
               <a:avLst/>
-              <a:gdLst>
-                <a:gd name="connsiteX0" fmla="*/ 0 w 357187"/>
-                <a:gd name="connsiteY0" fmla="*/ 0 h 0"/>
-                <a:gd name="connsiteX1" fmla="*/ 357187 w 357187"/>
-                <a:gd name="connsiteY1" fmla="*/ 0 h 0"/>
-              </a:gdLst>
-              <a:ahLst/>
-              <a:cxnLst>
-                <a:cxn ang="0">
-                  <a:pos x="connsiteX0" y="connsiteY0"/>
-                </a:cxn>
-                <a:cxn ang="0">
-                  <a:pos x="connsiteX1" y="connsiteY1"/>
-                </a:cxn>
-              </a:cxnLst>
-              <a:rect l="l" t="t" r="r" b="b"/>
-              <a:pathLst>
-                <a:path w="357187">
-                  <a:moveTo>
-                    <a:pt x="0" y="0"/>
-                  </a:moveTo>
-                  <a:lnTo>
-                    <a:pt x="357187" y="0"/>
-                  </a:lnTo>
-                </a:path>
-              </a:pathLst>
-            </a:custGeom>
-            <a:grpFill/>
-            <a:ln w="38100">
-              <a:solidFill>
-                <a:schemeClr val="accent1">
-                  <a:lumMod val="75000"/>
-                </a:schemeClr>
-              </a:solidFill>
+            </a:prstGeom>
+            <a:solidFill>
+              <a:schemeClr val="tx1">
+                <a:lumMod val="50000"/>
+                <a:lumOff val="50000"/>
+              </a:schemeClr>
+            </a:solidFill>
+            <a:ln>
+              <a:noFill/>
             </a:ln>
           </p:spPr>
           <p:style>
@@ -9877,240 +9391,28 @@
         </p:sp>
         <p:sp>
           <p:nvSpPr>
-            <p:cNvPr id="83" name="Oval 82"/>
+            <p:cNvPr id="71" name="Freeform 70"/>
             <p:cNvSpPr/>
             <p:nvPr/>
           </p:nvSpPr>
           <p:spPr>
             <a:xfrm>
-              <a:off x="1859278" y="2010727"/>
-              <a:ext cx="45719" cy="45719"/>
-            </a:xfrm>
-            <a:prstGeom prst="ellipse">
-              <a:avLst/>
-            </a:prstGeom>
-            <a:grpFill/>
-            <a:ln>
-              <a:solidFill>
-                <a:schemeClr val="accent1">
-                  <a:lumMod val="75000"/>
-                </a:schemeClr>
-              </a:solidFill>
-            </a:ln>
-          </p:spPr>
-          <p:style>
-            <a:lnRef idx="2">
-              <a:schemeClr val="accent1">
-                <a:shade val="50000"/>
-              </a:schemeClr>
-            </a:lnRef>
-            <a:fillRef idx="1">
-              <a:schemeClr val="accent1"/>
-            </a:fillRef>
-            <a:effectRef idx="0">
-              <a:schemeClr val="accent1"/>
-            </a:effectRef>
-            <a:fontRef idx="minor">
-              <a:schemeClr val="lt1"/>
-            </a:fontRef>
-          </p:style>
-          <p:txBody>
-            <a:bodyPr rtlCol="0" anchor="ctr"/>
-            <a:lstStyle/>
-            <a:p>
-              <a:pPr algn="ctr"/>
-              <a:endParaRPr lang="en-GB"/>
-            </a:p>
-          </p:txBody>
-        </p:sp>
-      </p:grpSp>
-      <p:sp>
-        <p:nvSpPr>
-          <p:cNvPr id="84" name="Freeform 83"/>
-          <p:cNvSpPr/>
-          <p:nvPr/>
-        </p:nvSpPr>
-        <p:spPr>
-          <a:xfrm>
-            <a:off x="2447528" y="3135154"/>
-            <a:ext cx="173831" cy="307182"/>
-          </a:xfrm>
-          <a:custGeom>
-            <a:avLst/>
-            <a:gdLst>
-              <a:gd name="connsiteX0" fmla="*/ 0 w 233362"/>
-              <a:gd name="connsiteY0" fmla="*/ 338138 h 338138"/>
-              <a:gd name="connsiteX1" fmla="*/ 0 w 233362"/>
-              <a:gd name="connsiteY1" fmla="*/ 338138 h 338138"/>
-              <a:gd name="connsiteX2" fmla="*/ 21431 w 233362"/>
-              <a:gd name="connsiteY2" fmla="*/ 190500 h 338138"/>
-              <a:gd name="connsiteX3" fmla="*/ 202406 w 233362"/>
-              <a:gd name="connsiteY3" fmla="*/ 190500 h 338138"/>
-              <a:gd name="connsiteX4" fmla="*/ 233362 w 233362"/>
-              <a:gd name="connsiteY4" fmla="*/ 0 h 338138"/>
-            </a:gdLst>
-            <a:ahLst/>
-            <a:cxnLst>
-              <a:cxn ang="0">
-                <a:pos x="connsiteX0" y="connsiteY0"/>
-              </a:cxn>
-              <a:cxn ang="0">
-                <a:pos x="connsiteX1" y="connsiteY1"/>
-              </a:cxn>
-              <a:cxn ang="0">
-                <a:pos x="connsiteX2" y="connsiteY2"/>
-              </a:cxn>
-              <a:cxn ang="0">
-                <a:pos x="connsiteX3" y="connsiteY3"/>
-              </a:cxn>
-              <a:cxn ang="0">
-                <a:pos x="connsiteX4" y="connsiteY4"/>
-              </a:cxn>
-            </a:cxnLst>
-            <a:rect l="l" t="t" r="r" b="b"/>
-            <a:pathLst>
-              <a:path w="233362" h="338138">
-                <a:moveTo>
-                  <a:pt x="0" y="338138"/>
-                </a:moveTo>
-                <a:lnTo>
-                  <a:pt x="0" y="338138"/>
-                </a:lnTo>
-                <a:lnTo>
-                  <a:pt x="21431" y="190500"/>
-                </a:lnTo>
-                <a:lnTo>
-                  <a:pt x="202406" y="190500"/>
-                </a:lnTo>
-                <a:lnTo>
-                  <a:pt x="233362" y="0"/>
-                </a:lnTo>
-              </a:path>
-            </a:pathLst>
-          </a:custGeom>
-          <a:noFill/>
-          <a:ln w="38100">
-            <a:solidFill>
-              <a:schemeClr val="accent1">
-                <a:lumMod val="75000"/>
-              </a:schemeClr>
-            </a:solidFill>
-          </a:ln>
-        </p:spPr>
-        <p:style>
-          <a:lnRef idx="2">
-            <a:schemeClr val="accent1">
-              <a:shade val="50000"/>
-            </a:schemeClr>
-          </a:lnRef>
-          <a:fillRef idx="1">
-            <a:schemeClr val="accent1"/>
-          </a:fillRef>
-          <a:effectRef idx="0">
-            <a:schemeClr val="accent1"/>
-          </a:effectRef>
-          <a:fontRef idx="minor">
-            <a:schemeClr val="lt1"/>
-          </a:fontRef>
-        </p:style>
-        <p:txBody>
-          <a:bodyPr rtlCol="0" anchor="ctr"/>
-          <a:lstStyle/>
-          <a:p>
-            <a:pPr algn="ctr"/>
-            <a:endParaRPr lang="en-GB"/>
-          </a:p>
-        </p:txBody>
-      </p:sp>
-      <p:sp>
-        <p:nvSpPr>
-          <p:cNvPr id="85" name="Oval 84"/>
-          <p:cNvSpPr/>
-          <p:nvPr/>
-        </p:nvSpPr>
-        <p:spPr>
-          <a:xfrm>
-            <a:off x="2600881" y="3053717"/>
-            <a:ext cx="45719" cy="45719"/>
-          </a:xfrm>
-          <a:prstGeom prst="ellipse">
-            <a:avLst/>
-          </a:prstGeom>
-          <a:solidFill>
-            <a:schemeClr val="accent1">
-              <a:lumMod val="75000"/>
-            </a:schemeClr>
-          </a:solidFill>
-          <a:ln>
-            <a:solidFill>
-              <a:schemeClr val="accent1">
-                <a:lumMod val="75000"/>
-              </a:schemeClr>
-            </a:solidFill>
-          </a:ln>
-        </p:spPr>
-        <p:style>
-          <a:lnRef idx="2">
-            <a:schemeClr val="accent1">
-              <a:shade val="50000"/>
-            </a:schemeClr>
-          </a:lnRef>
-          <a:fillRef idx="1">
-            <a:schemeClr val="accent1"/>
-          </a:fillRef>
-          <a:effectRef idx="0">
-            <a:schemeClr val="accent1"/>
-          </a:effectRef>
-          <a:fontRef idx="minor">
-            <a:schemeClr val="lt1"/>
-          </a:fontRef>
-        </p:style>
-        <p:txBody>
-          <a:bodyPr rtlCol="0" anchor="ctr"/>
-          <a:lstStyle/>
-          <a:p>
-            <a:pPr algn="ctr"/>
-            <a:endParaRPr lang="en-GB"/>
-          </a:p>
-        </p:txBody>
-      </p:sp>
-      <p:grpSp>
-        <p:nvGrpSpPr>
-          <p:cNvPr id="86" name="Group 85"/>
-          <p:cNvGrpSpPr/>
-          <p:nvPr/>
-        </p:nvGrpSpPr>
-        <p:grpSpPr>
-          <a:xfrm>
-            <a:off x="3800235" y="3247790"/>
-            <a:ext cx="433384" cy="45719"/>
-            <a:chOff x="1471613" y="2010727"/>
-            <a:chExt cx="433384" cy="45719"/>
-          </a:xfrm>
-          <a:solidFill>
-            <a:schemeClr val="bg1">
-              <a:lumMod val="95000"/>
-            </a:schemeClr>
-          </a:solidFill>
-        </p:grpSpPr>
-        <p:sp>
-          <p:nvSpPr>
-            <p:cNvPr id="87" name="Freeform 86"/>
-            <p:cNvSpPr/>
-            <p:nvPr/>
-          </p:nvSpPr>
-          <p:spPr>
-            <a:xfrm>
-              <a:off x="1471613" y="2038350"/>
-              <a:ext cx="357187" cy="0"/>
+              <a:off x="7169945" y="3131113"/>
+              <a:ext cx="173831" cy="307182"/>
             </a:xfrm>
             <a:custGeom>
               <a:avLst/>
               <a:gdLst>
-                <a:gd name="connsiteX0" fmla="*/ 0 w 357187"/>
-                <a:gd name="connsiteY0" fmla="*/ 0 h 0"/>
-                <a:gd name="connsiteX1" fmla="*/ 357187 w 357187"/>
-                <a:gd name="connsiteY1" fmla="*/ 0 h 0"/>
+                <a:gd name="connsiteX0" fmla="*/ 0 w 233362"/>
+                <a:gd name="connsiteY0" fmla="*/ 338138 h 338138"/>
+                <a:gd name="connsiteX1" fmla="*/ 0 w 233362"/>
+                <a:gd name="connsiteY1" fmla="*/ 338138 h 338138"/>
+                <a:gd name="connsiteX2" fmla="*/ 21431 w 233362"/>
+                <a:gd name="connsiteY2" fmla="*/ 190500 h 338138"/>
+                <a:gd name="connsiteX3" fmla="*/ 202406 w 233362"/>
+                <a:gd name="connsiteY3" fmla="*/ 190500 h 338138"/>
+                <a:gd name="connsiteX4" fmla="*/ 233362 w 233362"/>
+                <a:gd name="connsiteY4" fmla="*/ 0 h 338138"/>
               </a:gdLst>
               <a:ahLst/>
               <a:cxnLst>
@@ -10120,23 +9422,43 @@
                 <a:cxn ang="0">
                   <a:pos x="connsiteX1" y="connsiteY1"/>
                 </a:cxn>
+                <a:cxn ang="0">
+                  <a:pos x="connsiteX2" y="connsiteY2"/>
+                </a:cxn>
+                <a:cxn ang="0">
+                  <a:pos x="connsiteX3" y="connsiteY3"/>
+                </a:cxn>
+                <a:cxn ang="0">
+                  <a:pos x="connsiteX4" y="connsiteY4"/>
+                </a:cxn>
               </a:cxnLst>
               <a:rect l="l" t="t" r="r" b="b"/>
               <a:pathLst>
-                <a:path w="357187">
+                <a:path w="233362" h="338138">
                   <a:moveTo>
-                    <a:pt x="0" y="0"/>
+                    <a:pt x="0" y="338138"/>
                   </a:moveTo>
                   <a:lnTo>
-                    <a:pt x="357187" y="0"/>
+                    <a:pt x="0" y="338138"/>
+                  </a:lnTo>
+                  <a:lnTo>
+                    <a:pt x="21431" y="190500"/>
+                  </a:lnTo>
+                  <a:lnTo>
+                    <a:pt x="202406" y="190500"/>
+                  </a:lnTo>
+                  <a:lnTo>
+                    <a:pt x="233362" y="0"/>
                   </a:lnTo>
                 </a:path>
               </a:pathLst>
             </a:custGeom>
-            <a:grpFill/>
+            <a:noFill/>
             <a:ln w="38100">
               <a:solidFill>
-                <a:srgbClr val="FF0000"/>
+                <a:schemeClr val="accent1">
+                  <a:lumMod val="75000"/>
+                </a:schemeClr>
               </a:solidFill>
             </a:ln>
           </p:spPr>
@@ -10167,25 +9489,81 @@
         </p:sp>
         <p:sp>
           <p:nvSpPr>
-            <p:cNvPr id="88" name="Oval 87"/>
+            <p:cNvPr id="72" name="Oval 71"/>
             <p:cNvSpPr/>
             <p:nvPr/>
           </p:nvSpPr>
           <p:spPr>
             <a:xfrm>
-              <a:off x="1859278" y="2010727"/>
+              <a:off x="7323298" y="3049676"/>
               <a:ext cx="45719" cy="45719"/>
             </a:xfrm>
             <a:prstGeom prst="ellipse">
               <a:avLst/>
             </a:prstGeom>
             <a:solidFill>
-              <a:srgbClr val="FF0000"/>
+              <a:schemeClr val="accent1">
+                <a:lumMod val="75000"/>
+              </a:schemeClr>
             </a:solidFill>
             <a:ln>
               <a:solidFill>
-                <a:srgbClr val="FF0000"/>
+                <a:schemeClr val="accent1">
+                  <a:lumMod val="75000"/>
+                </a:schemeClr>
               </a:solidFill>
+            </a:ln>
+          </p:spPr>
+          <p:style>
+            <a:lnRef idx="2">
+              <a:schemeClr val="accent1">
+                <a:shade val="50000"/>
+              </a:schemeClr>
+            </a:lnRef>
+            <a:fillRef idx="1">
+              <a:schemeClr val="accent1"/>
+            </a:fillRef>
+            <a:effectRef idx="0">
+              <a:schemeClr val="accent1"/>
+            </a:effectRef>
+            <a:fontRef idx="minor">
+              <a:schemeClr val="lt1"/>
+            </a:fontRef>
+          </p:style>
+          <p:txBody>
+            <a:bodyPr rtlCol="0" anchor="ctr"/>
+            <a:lstStyle/>
+            <a:p>
+              <a:pPr algn="ctr"/>
+              <a:endParaRPr lang="en-GB">
+                <a:ln>
+                  <a:solidFill>
+                    <a:sysClr val="windowText" lastClr="000000"/>
+                  </a:solidFill>
+                </a:ln>
+              </a:endParaRPr>
+            </a:p>
+          </p:txBody>
+        </p:sp>
+        <p:sp>
+          <p:nvSpPr>
+            <p:cNvPr id="74" name="Rectangle 73"/>
+            <p:cNvSpPr/>
+            <p:nvPr/>
+          </p:nvSpPr>
+          <p:spPr>
+            <a:xfrm>
+              <a:off x="7637147" y="2905840"/>
+              <a:ext cx="720090" cy="630076"/>
+            </a:xfrm>
+            <a:prstGeom prst="rect">
+              <a:avLst/>
+            </a:prstGeom>
+            <a:solidFill>
+              <a:srgbClr val="FFCC00"/>
+            </a:solidFill>
+            <a:ln>
+              <a:noFill/>
             </a:ln>
           </p:spPr>
           <p:style>
@@ -10213,1009 +9591,1646 @@
             </a:p>
           </p:txBody>
         </p:sp>
-      </p:grpSp>
-      <p:cxnSp>
-        <p:nvCxnSpPr>
-          <p:cNvPr id="97" name="Straight Arrow Connector 96"/>
-          <p:cNvCxnSpPr/>
-          <p:nvPr/>
-        </p:nvCxnSpPr>
-        <p:spPr>
-          <a:xfrm>
-            <a:off x="1336117" y="908685"/>
-            <a:ext cx="2861784" cy="1"/>
-          </a:xfrm>
-          <a:prstGeom prst="straightConnector1">
-            <a:avLst/>
-          </a:prstGeom>
-          <a:ln w="19050">
+        <p:sp>
+          <p:nvSpPr>
+            <p:cNvPr id="75" name="Rectangle 74"/>
+            <p:cNvSpPr/>
+            <p:nvPr/>
+          </p:nvSpPr>
+          <p:spPr>
+            <a:xfrm>
+              <a:off x="7637147" y="2905841"/>
+              <a:ext cx="720090" cy="630076"/>
+            </a:xfrm>
+            <a:prstGeom prst="rect">
+              <a:avLst/>
+            </a:prstGeom>
+            <a:solidFill>
+              <a:schemeClr val="tx1">
+                <a:lumMod val="50000"/>
+                <a:lumOff val="50000"/>
+              </a:schemeClr>
+            </a:solidFill>
+            <a:ln>
+              <a:noFill/>
+            </a:ln>
+          </p:spPr>
+          <p:style>
+            <a:lnRef idx="2">
+              <a:schemeClr val="accent1">
+                <a:shade val="50000"/>
+              </a:schemeClr>
+            </a:lnRef>
+            <a:fillRef idx="1">
+              <a:schemeClr val="accent1"/>
+            </a:fillRef>
+            <a:effectRef idx="0">
+              <a:schemeClr val="accent1"/>
+            </a:effectRef>
+            <a:fontRef idx="minor">
+              <a:schemeClr val="lt1"/>
+            </a:fontRef>
+          </p:style>
+          <p:txBody>
+            <a:bodyPr rtlCol="0" anchor="ctr"/>
+            <a:lstStyle/>
+            <a:p>
+              <a:pPr algn="ctr"/>
+              <a:endParaRPr lang="en-GB"/>
+            </a:p>
+          </p:txBody>
+        </p:sp>
+        <p:grpSp>
+          <p:nvGrpSpPr>
+            <p:cNvPr id="76" name="Group 75"/>
+            <p:cNvGrpSpPr/>
+            <p:nvPr/>
+          </p:nvGrpSpPr>
+          <p:grpSpPr>
+            <a:xfrm>
+              <a:off x="7780500" y="3228978"/>
+              <a:ext cx="433384" cy="45719"/>
+              <a:chOff x="1471613" y="2010727"/>
+              <a:chExt cx="433384" cy="45719"/>
+            </a:xfrm>
+            <a:solidFill>
+              <a:schemeClr val="bg1">
+                <a:lumMod val="95000"/>
+              </a:schemeClr>
+            </a:solidFill>
+          </p:grpSpPr>
+          <p:sp>
+            <p:nvSpPr>
+              <p:cNvPr id="77" name="Freeform 76"/>
+              <p:cNvSpPr/>
+              <p:nvPr/>
+            </p:nvSpPr>
+            <p:spPr>
+              <a:xfrm>
+                <a:off x="1471613" y="2038350"/>
+                <a:ext cx="357187" cy="0"/>
+              </a:xfrm>
+              <a:custGeom>
+                <a:avLst/>
+                <a:gdLst>
+                  <a:gd name="connsiteX0" fmla="*/ 0 w 357187"/>
+                  <a:gd name="connsiteY0" fmla="*/ 0 h 0"/>
+                  <a:gd name="connsiteX1" fmla="*/ 357187 w 357187"/>
+                  <a:gd name="connsiteY1" fmla="*/ 0 h 0"/>
+                </a:gdLst>
+                <a:ahLst/>
+                <a:cxnLst>
+                  <a:cxn ang="0">
+                    <a:pos x="connsiteX0" y="connsiteY0"/>
+                  </a:cxn>
+                  <a:cxn ang="0">
+                    <a:pos x="connsiteX1" y="connsiteY1"/>
+                  </a:cxn>
+                </a:cxnLst>
+                <a:rect l="l" t="t" r="r" b="b"/>
+                <a:pathLst>
+                  <a:path w="357187">
+                    <a:moveTo>
+                      <a:pt x="0" y="0"/>
+                    </a:moveTo>
+                    <a:lnTo>
+                      <a:pt x="357187" y="0"/>
+                    </a:lnTo>
+                  </a:path>
+                </a:pathLst>
+              </a:custGeom>
+              <a:grpFill/>
+              <a:ln w="38100">
+                <a:solidFill>
+                  <a:srgbClr val="FF0000"/>
+                </a:solidFill>
+              </a:ln>
+            </p:spPr>
+            <p:style>
+              <a:lnRef idx="2">
+                <a:schemeClr val="accent1">
+                  <a:shade val="50000"/>
+                </a:schemeClr>
+              </a:lnRef>
+              <a:fillRef idx="1">
+                <a:schemeClr val="accent1"/>
+              </a:fillRef>
+              <a:effectRef idx="0">
+                <a:schemeClr val="accent1"/>
+              </a:effectRef>
+              <a:fontRef idx="minor">
+                <a:schemeClr val="lt1"/>
+              </a:fontRef>
+            </p:style>
+            <p:txBody>
+              <a:bodyPr rtlCol="0" anchor="ctr"/>
+              <a:lstStyle/>
+              <a:p>
+                <a:pPr algn="ctr"/>
+                <a:endParaRPr lang="en-GB"/>
+              </a:p>
+            </p:txBody>
+          </p:sp>
+          <p:sp>
+            <p:nvSpPr>
+              <p:cNvPr id="78" name="Oval 77"/>
+              <p:cNvSpPr/>
+              <p:nvPr/>
+            </p:nvSpPr>
+            <p:spPr>
+              <a:xfrm>
+                <a:off x="1859278" y="2010727"/>
+                <a:ext cx="45719" cy="45719"/>
+              </a:xfrm>
+              <a:prstGeom prst="ellipse">
+                <a:avLst/>
+              </a:prstGeom>
+              <a:solidFill>
+                <a:srgbClr val="FF0000"/>
+              </a:solidFill>
+              <a:ln>
+                <a:solidFill>
+                  <a:srgbClr val="FF0000"/>
+                </a:solidFill>
+              </a:ln>
+            </p:spPr>
+            <p:style>
+              <a:lnRef idx="2">
+                <a:schemeClr val="accent1">
+                  <a:shade val="50000"/>
+                </a:schemeClr>
+              </a:lnRef>
+              <a:fillRef idx="1">
+                <a:schemeClr val="accent1"/>
+              </a:fillRef>
+              <a:effectRef idx="0">
+                <a:schemeClr val="accent1"/>
+              </a:effectRef>
+              <a:fontRef idx="minor">
+                <a:schemeClr val="lt1"/>
+              </a:fontRef>
+            </p:style>
+            <p:txBody>
+              <a:bodyPr rtlCol="0" anchor="ctr"/>
+              <a:lstStyle/>
+              <a:p>
+                <a:pPr algn="ctr"/>
+                <a:endParaRPr lang="en-GB"/>
+              </a:p>
+            </p:txBody>
+          </p:sp>
+        </p:grpSp>
+        <p:sp>
+          <p:nvSpPr>
+            <p:cNvPr id="80" name="Rectangle 79"/>
+            <p:cNvSpPr/>
+            <p:nvPr/>
+          </p:nvSpPr>
+          <p:spPr>
+            <a:xfrm>
+              <a:off x="6196968" y="2905843"/>
+              <a:ext cx="720090" cy="630076"/>
+            </a:xfrm>
+            <a:prstGeom prst="rect">
+              <a:avLst/>
+            </a:prstGeom>
+            <a:solidFill>
+              <a:srgbClr val="FFCC00"/>
+            </a:solidFill>
+            <a:ln>
+              <a:noFill/>
+            </a:ln>
+          </p:spPr>
+          <p:style>
+            <a:lnRef idx="2">
+              <a:schemeClr val="accent1">
+                <a:shade val="50000"/>
+              </a:schemeClr>
+            </a:lnRef>
+            <a:fillRef idx="1">
+              <a:schemeClr val="accent1"/>
+            </a:fillRef>
+            <a:effectRef idx="0">
+              <a:schemeClr val="accent1"/>
+            </a:effectRef>
+            <a:fontRef idx="minor">
+              <a:schemeClr val="lt1"/>
+            </a:fontRef>
+          </p:style>
+          <p:txBody>
+            <a:bodyPr rtlCol="0" anchor="ctr"/>
+            <a:lstStyle/>
+            <a:p>
+              <a:pPr algn="ctr"/>
+              <a:endParaRPr lang="en-GB"/>
+            </a:p>
+          </p:txBody>
+        </p:sp>
+        <p:grpSp>
+          <p:nvGrpSpPr>
+            <p:cNvPr id="81" name="Group 80"/>
+            <p:cNvGrpSpPr/>
+            <p:nvPr/>
+          </p:nvGrpSpPr>
+          <p:grpSpPr>
+            <a:xfrm>
+              <a:off x="6340321" y="3228981"/>
+              <a:ext cx="433384" cy="45719"/>
+              <a:chOff x="1471613" y="2010727"/>
+              <a:chExt cx="433384" cy="45719"/>
+            </a:xfrm>
+            <a:solidFill>
+              <a:schemeClr val="accent1">
+                <a:lumMod val="75000"/>
+              </a:schemeClr>
+            </a:solidFill>
+          </p:grpSpPr>
+          <p:sp>
+            <p:nvSpPr>
+              <p:cNvPr id="82" name="Freeform 81"/>
+              <p:cNvSpPr/>
+              <p:nvPr/>
+            </p:nvSpPr>
+            <p:spPr>
+              <a:xfrm>
+                <a:off x="1471613" y="2038350"/>
+                <a:ext cx="357187" cy="0"/>
+              </a:xfrm>
+              <a:custGeom>
+                <a:avLst/>
+                <a:gdLst>
+                  <a:gd name="connsiteX0" fmla="*/ 0 w 357187"/>
+                  <a:gd name="connsiteY0" fmla="*/ 0 h 0"/>
+                  <a:gd name="connsiteX1" fmla="*/ 357187 w 357187"/>
+                  <a:gd name="connsiteY1" fmla="*/ 0 h 0"/>
+                </a:gdLst>
+                <a:ahLst/>
+                <a:cxnLst>
+                  <a:cxn ang="0">
+                    <a:pos x="connsiteX0" y="connsiteY0"/>
+                  </a:cxn>
+                  <a:cxn ang="0">
+                    <a:pos x="connsiteX1" y="connsiteY1"/>
+                  </a:cxn>
+                </a:cxnLst>
+                <a:rect l="l" t="t" r="r" b="b"/>
+                <a:pathLst>
+                  <a:path w="357187">
+                    <a:moveTo>
+                      <a:pt x="0" y="0"/>
+                    </a:moveTo>
+                    <a:lnTo>
+                      <a:pt x="357187" y="0"/>
+                    </a:lnTo>
+                  </a:path>
+                </a:pathLst>
+              </a:custGeom>
+              <a:grpFill/>
+              <a:ln w="38100">
+                <a:solidFill>
+                  <a:schemeClr val="accent1">
+                    <a:lumMod val="75000"/>
+                  </a:schemeClr>
+                </a:solidFill>
+              </a:ln>
+            </p:spPr>
+            <p:style>
+              <a:lnRef idx="2">
+                <a:schemeClr val="accent1">
+                  <a:shade val="50000"/>
+                </a:schemeClr>
+              </a:lnRef>
+              <a:fillRef idx="1">
+                <a:schemeClr val="accent1"/>
+              </a:fillRef>
+              <a:effectRef idx="0">
+                <a:schemeClr val="accent1"/>
+              </a:effectRef>
+              <a:fontRef idx="minor">
+                <a:schemeClr val="lt1"/>
+              </a:fontRef>
+            </p:style>
+            <p:txBody>
+              <a:bodyPr rtlCol="0" anchor="ctr"/>
+              <a:lstStyle/>
+              <a:p>
+                <a:pPr algn="ctr"/>
+                <a:endParaRPr lang="en-GB"/>
+              </a:p>
+            </p:txBody>
+          </p:sp>
+          <p:sp>
+            <p:nvSpPr>
+              <p:cNvPr id="83" name="Oval 82"/>
+              <p:cNvSpPr/>
+              <p:nvPr/>
+            </p:nvSpPr>
+            <p:spPr>
+              <a:xfrm>
+                <a:off x="1859278" y="2010727"/>
+                <a:ext cx="45719" cy="45719"/>
+              </a:xfrm>
+              <a:prstGeom prst="ellipse">
+                <a:avLst/>
+              </a:prstGeom>
+              <a:grpFill/>
+              <a:ln>
+                <a:solidFill>
+                  <a:schemeClr val="accent1">
+                    <a:lumMod val="75000"/>
+                  </a:schemeClr>
+                </a:solidFill>
+              </a:ln>
+            </p:spPr>
+            <p:style>
+              <a:lnRef idx="2">
+                <a:schemeClr val="accent1">
+                  <a:shade val="50000"/>
+                </a:schemeClr>
+              </a:lnRef>
+              <a:fillRef idx="1">
+                <a:schemeClr val="accent1"/>
+              </a:fillRef>
+              <a:effectRef idx="0">
+                <a:schemeClr val="accent1"/>
+              </a:effectRef>
+              <a:fontRef idx="minor">
+                <a:schemeClr val="lt1"/>
+              </a:fontRef>
+            </p:style>
+            <p:txBody>
+              <a:bodyPr rtlCol="0" anchor="ctr"/>
+              <a:lstStyle/>
+              <a:p>
+                <a:pPr algn="ctr"/>
+                <a:endParaRPr lang="en-GB"/>
+              </a:p>
+            </p:txBody>
+          </p:sp>
+        </p:grpSp>
+        <p:sp>
+          <p:nvSpPr>
+            <p:cNvPr id="84" name="Freeform 83"/>
+            <p:cNvSpPr/>
+            <p:nvPr/>
+          </p:nvSpPr>
+          <p:spPr>
+            <a:xfrm>
+              <a:off x="2447528" y="3135154"/>
+              <a:ext cx="173831" cy="307182"/>
+            </a:xfrm>
+            <a:custGeom>
+              <a:avLst/>
+              <a:gdLst>
+                <a:gd name="connsiteX0" fmla="*/ 0 w 233362"/>
+                <a:gd name="connsiteY0" fmla="*/ 338138 h 338138"/>
+                <a:gd name="connsiteX1" fmla="*/ 0 w 233362"/>
+                <a:gd name="connsiteY1" fmla="*/ 338138 h 338138"/>
+                <a:gd name="connsiteX2" fmla="*/ 21431 w 233362"/>
+                <a:gd name="connsiteY2" fmla="*/ 190500 h 338138"/>
+                <a:gd name="connsiteX3" fmla="*/ 202406 w 233362"/>
+                <a:gd name="connsiteY3" fmla="*/ 190500 h 338138"/>
+                <a:gd name="connsiteX4" fmla="*/ 233362 w 233362"/>
+                <a:gd name="connsiteY4" fmla="*/ 0 h 338138"/>
+              </a:gdLst>
+              <a:ahLst/>
+              <a:cxnLst>
+                <a:cxn ang="0">
+                  <a:pos x="connsiteX0" y="connsiteY0"/>
+                </a:cxn>
+                <a:cxn ang="0">
+                  <a:pos x="connsiteX1" y="connsiteY1"/>
+                </a:cxn>
+                <a:cxn ang="0">
+                  <a:pos x="connsiteX2" y="connsiteY2"/>
+                </a:cxn>
+                <a:cxn ang="0">
+                  <a:pos x="connsiteX3" y="connsiteY3"/>
+                </a:cxn>
+                <a:cxn ang="0">
+                  <a:pos x="connsiteX4" y="connsiteY4"/>
+                </a:cxn>
+              </a:cxnLst>
+              <a:rect l="l" t="t" r="r" b="b"/>
+              <a:pathLst>
+                <a:path w="233362" h="338138">
+                  <a:moveTo>
+                    <a:pt x="0" y="338138"/>
+                  </a:moveTo>
+                  <a:lnTo>
+                    <a:pt x="0" y="338138"/>
+                  </a:lnTo>
+                  <a:lnTo>
+                    <a:pt x="21431" y="190500"/>
+                  </a:lnTo>
+                  <a:lnTo>
+                    <a:pt x="202406" y="190500"/>
+                  </a:lnTo>
+                  <a:lnTo>
+                    <a:pt x="233362" y="0"/>
+                  </a:lnTo>
+                </a:path>
+              </a:pathLst>
+            </a:custGeom>
+            <a:noFill/>
+            <a:ln w="38100">
+              <a:solidFill>
+                <a:schemeClr val="accent1">
+                  <a:lumMod val="75000"/>
+                </a:schemeClr>
+              </a:solidFill>
+            </a:ln>
+          </p:spPr>
+          <p:style>
+            <a:lnRef idx="2">
+              <a:schemeClr val="accent1">
+                <a:shade val="50000"/>
+              </a:schemeClr>
+            </a:lnRef>
+            <a:fillRef idx="1">
+              <a:schemeClr val="accent1"/>
+            </a:fillRef>
+            <a:effectRef idx="0">
+              <a:schemeClr val="accent1"/>
+            </a:effectRef>
+            <a:fontRef idx="minor">
+              <a:schemeClr val="lt1"/>
+            </a:fontRef>
+          </p:style>
+          <p:txBody>
+            <a:bodyPr rtlCol="0" anchor="ctr"/>
+            <a:lstStyle/>
+            <a:p>
+              <a:pPr algn="ctr"/>
+              <a:endParaRPr lang="en-GB"/>
+            </a:p>
+          </p:txBody>
+        </p:sp>
+        <p:sp>
+          <p:nvSpPr>
+            <p:cNvPr id="85" name="Oval 84"/>
+            <p:cNvSpPr/>
+            <p:nvPr/>
+          </p:nvSpPr>
+          <p:spPr>
+            <a:xfrm>
+              <a:off x="2600881" y="3053717"/>
+              <a:ext cx="45719" cy="45719"/>
+            </a:xfrm>
+            <a:prstGeom prst="ellipse">
+              <a:avLst/>
+            </a:prstGeom>
+            <a:solidFill>
+              <a:schemeClr val="accent1">
+                <a:lumMod val="75000"/>
+              </a:schemeClr>
+            </a:solidFill>
+            <a:ln>
+              <a:solidFill>
+                <a:schemeClr val="accent1">
+                  <a:lumMod val="75000"/>
+                </a:schemeClr>
+              </a:solidFill>
+            </a:ln>
+          </p:spPr>
+          <p:style>
+            <a:lnRef idx="2">
+              <a:schemeClr val="accent1">
+                <a:shade val="50000"/>
+              </a:schemeClr>
+            </a:lnRef>
+            <a:fillRef idx="1">
+              <a:schemeClr val="accent1"/>
+            </a:fillRef>
+            <a:effectRef idx="0">
+              <a:schemeClr val="accent1"/>
+            </a:effectRef>
+            <a:fontRef idx="minor">
+              <a:schemeClr val="lt1"/>
+            </a:fontRef>
+          </p:style>
+          <p:txBody>
+            <a:bodyPr rtlCol="0" anchor="ctr"/>
+            <a:lstStyle/>
+            <a:p>
+              <a:pPr algn="ctr"/>
+              <a:endParaRPr lang="en-GB"/>
+            </a:p>
+          </p:txBody>
+        </p:sp>
+        <p:grpSp>
+          <p:nvGrpSpPr>
+            <p:cNvPr id="86" name="Group 85"/>
+            <p:cNvGrpSpPr/>
+            <p:nvPr/>
+          </p:nvGrpSpPr>
+          <p:grpSpPr>
+            <a:xfrm>
+              <a:off x="3800235" y="3247790"/>
+              <a:ext cx="433384" cy="45719"/>
+              <a:chOff x="1471613" y="2010727"/>
+              <a:chExt cx="433384" cy="45719"/>
+            </a:xfrm>
+            <a:solidFill>
+              <a:schemeClr val="bg1">
+                <a:lumMod val="95000"/>
+              </a:schemeClr>
+            </a:solidFill>
+          </p:grpSpPr>
+          <p:sp>
+            <p:nvSpPr>
+              <p:cNvPr id="87" name="Freeform 86"/>
+              <p:cNvSpPr/>
+              <p:nvPr/>
+            </p:nvSpPr>
+            <p:spPr>
+              <a:xfrm>
+                <a:off x="1471613" y="2038350"/>
+                <a:ext cx="357187" cy="0"/>
+              </a:xfrm>
+              <a:custGeom>
+                <a:avLst/>
+                <a:gdLst>
+                  <a:gd name="connsiteX0" fmla="*/ 0 w 357187"/>
+                  <a:gd name="connsiteY0" fmla="*/ 0 h 0"/>
+                  <a:gd name="connsiteX1" fmla="*/ 357187 w 357187"/>
+                  <a:gd name="connsiteY1" fmla="*/ 0 h 0"/>
+                </a:gdLst>
+                <a:ahLst/>
+                <a:cxnLst>
+                  <a:cxn ang="0">
+                    <a:pos x="connsiteX0" y="connsiteY0"/>
+                  </a:cxn>
+                  <a:cxn ang="0">
+                    <a:pos x="connsiteX1" y="connsiteY1"/>
+                  </a:cxn>
+                </a:cxnLst>
+                <a:rect l="l" t="t" r="r" b="b"/>
+                <a:pathLst>
+                  <a:path w="357187">
+                    <a:moveTo>
+                      <a:pt x="0" y="0"/>
+                    </a:moveTo>
+                    <a:lnTo>
+                      <a:pt x="357187" y="0"/>
+                    </a:lnTo>
+                  </a:path>
+                </a:pathLst>
+              </a:custGeom>
+              <a:grpFill/>
+              <a:ln w="38100">
+                <a:solidFill>
+                  <a:srgbClr val="FF0000"/>
+                </a:solidFill>
+              </a:ln>
+            </p:spPr>
+            <p:style>
+              <a:lnRef idx="2">
+                <a:schemeClr val="accent1">
+                  <a:shade val="50000"/>
+                </a:schemeClr>
+              </a:lnRef>
+              <a:fillRef idx="1">
+                <a:schemeClr val="accent1"/>
+              </a:fillRef>
+              <a:effectRef idx="0">
+                <a:schemeClr val="accent1"/>
+              </a:effectRef>
+              <a:fontRef idx="minor">
+                <a:schemeClr val="lt1"/>
+              </a:fontRef>
+            </p:style>
+            <p:txBody>
+              <a:bodyPr rtlCol="0" anchor="ctr"/>
+              <a:lstStyle/>
+              <a:p>
+                <a:pPr algn="ctr"/>
+                <a:endParaRPr lang="en-GB"/>
+              </a:p>
+            </p:txBody>
+          </p:sp>
+          <p:sp>
+            <p:nvSpPr>
+              <p:cNvPr id="88" name="Oval 87"/>
+              <p:cNvSpPr/>
+              <p:nvPr/>
+            </p:nvSpPr>
+            <p:spPr>
+              <a:xfrm>
+                <a:off x="1859278" y="2010727"/>
+                <a:ext cx="45719" cy="45719"/>
+              </a:xfrm>
+              <a:prstGeom prst="ellipse">
+                <a:avLst/>
+              </a:prstGeom>
+              <a:solidFill>
+                <a:srgbClr val="FF0000"/>
+              </a:solidFill>
+              <a:ln>
+                <a:solidFill>
+                  <a:srgbClr val="FF0000"/>
+                </a:solidFill>
+              </a:ln>
+            </p:spPr>
+            <p:style>
+              <a:lnRef idx="2">
+                <a:schemeClr val="accent1">
+                  <a:shade val="50000"/>
+                </a:schemeClr>
+              </a:lnRef>
+              <a:fillRef idx="1">
+                <a:schemeClr val="accent1"/>
+              </a:fillRef>
+              <a:effectRef idx="0">
+                <a:schemeClr val="accent1"/>
+              </a:effectRef>
+              <a:fontRef idx="minor">
+                <a:schemeClr val="lt1"/>
+              </a:fontRef>
+            </p:style>
+            <p:txBody>
+              <a:bodyPr rtlCol="0" anchor="ctr"/>
+              <a:lstStyle/>
+              <a:p>
+                <a:pPr algn="ctr"/>
+                <a:endParaRPr lang="en-GB"/>
+              </a:p>
+            </p:txBody>
+          </p:sp>
+        </p:grpSp>
+        <p:cxnSp>
+          <p:nvCxnSpPr>
+            <p:cNvPr id="97" name="Straight Arrow Connector 96"/>
+            <p:cNvCxnSpPr/>
+            <p:nvPr/>
+          </p:nvCxnSpPr>
+          <p:spPr>
+            <a:xfrm>
+              <a:off x="1336117" y="908685"/>
+              <a:ext cx="2861784" cy="1"/>
+            </a:xfrm>
+            <a:prstGeom prst="straightConnector1">
+              <a:avLst/>
+            </a:prstGeom>
+            <a:ln w="19050">
+              <a:solidFill>
+                <a:schemeClr val="tx1"/>
+              </a:solidFill>
+              <a:headEnd type="arrow" w="med" len="med"/>
+              <a:tailEnd type="arrow" w="med" len="med"/>
+            </a:ln>
+          </p:spPr>
+          <p:style>
+            <a:lnRef idx="1">
+              <a:schemeClr val="accent1"/>
+            </a:lnRef>
+            <a:fillRef idx="0">
+              <a:schemeClr val="accent1"/>
+            </a:fillRef>
+            <a:effectRef idx="0">
+              <a:schemeClr val="accent1"/>
+            </a:effectRef>
+            <a:fontRef idx="minor">
+              <a:schemeClr val="tx1"/>
+            </a:fontRef>
+          </p:style>
+        </p:cxnSp>
+        <p:sp>
+          <p:nvSpPr>
+            <p:cNvPr id="100" name="TextBox 99"/>
+            <p:cNvSpPr txBox="1"/>
+            <p:nvPr/>
+          </p:nvSpPr>
+          <p:spPr>
+            <a:xfrm>
+              <a:off x="2015015" y="539353"/>
+              <a:ext cx="1399166" cy="338554"/>
+            </a:xfrm>
+            <a:prstGeom prst="rect">
+              <a:avLst/>
+            </a:prstGeom>
+            <a:noFill/>
+          </p:spPr>
+          <p:txBody>
+            <a:bodyPr wrap="none" rtlCol="0">
+              <a:spAutoFit/>
+            </a:bodyPr>
+            <a:lstStyle/>
+            <a:p>
+              <a:r>
+                <a:rPr lang="en-GB" sz="1600" dirty="0" smtClean="0"/>
+                <a:t>4 x 25 minutes</a:t>
+              </a:r>
+              <a:endParaRPr lang="en-GB" sz="1600" dirty="0"/>
+            </a:p>
+          </p:txBody>
+        </p:sp>
+        <p:sp>
+          <p:nvSpPr>
+            <p:cNvPr id="103" name="TextBox 102"/>
+            <p:cNvSpPr txBox="1"/>
+            <p:nvPr/>
+          </p:nvSpPr>
+          <p:spPr>
+            <a:xfrm>
+              <a:off x="8488681" y="2792375"/>
+              <a:ext cx="579005" cy="400110"/>
+            </a:xfrm>
+            <a:prstGeom prst="rect">
+              <a:avLst/>
+            </a:prstGeom>
+            <a:noFill/>
+          </p:spPr>
+          <p:txBody>
+            <a:bodyPr wrap="none" rtlCol="0">
+              <a:spAutoFit/>
+            </a:bodyPr>
+            <a:lstStyle/>
+            <a:p>
+              <a:r>
+                <a:rPr lang="en-GB" sz="2000" dirty="0" smtClean="0"/>
+                <a:t>End</a:t>
+              </a:r>
+              <a:endParaRPr lang="en-GB" sz="2000" dirty="0"/>
+            </a:p>
+          </p:txBody>
+        </p:sp>
+        <p:sp>
+          <p:nvSpPr>
+            <p:cNvPr id="104" name="Rectangle 103"/>
+            <p:cNvSpPr/>
+            <p:nvPr/>
+          </p:nvSpPr>
+          <p:spPr>
+            <a:xfrm>
+              <a:off x="4687306" y="2702962"/>
+              <a:ext cx="481844" cy="1052037"/>
+            </a:xfrm>
+            <a:prstGeom prst="rect">
+              <a:avLst/>
+            </a:prstGeom>
             <a:solidFill>
               <a:schemeClr val="tx1"/>
             </a:solidFill>
-            <a:headEnd type="arrow" w="med" len="med"/>
-            <a:tailEnd type="arrow" w="med" len="med"/>
-          </a:ln>
-        </p:spPr>
-        <p:style>
-          <a:lnRef idx="1">
-            <a:schemeClr val="accent1"/>
-          </a:lnRef>
-          <a:fillRef idx="0">
-            <a:schemeClr val="accent1"/>
-          </a:fillRef>
-          <a:effectRef idx="0">
-            <a:schemeClr val="accent1"/>
-          </a:effectRef>
-          <a:fontRef idx="minor">
-            <a:schemeClr val="tx1"/>
-          </a:fontRef>
-        </p:style>
-      </p:cxnSp>
-      <p:sp>
-        <p:nvSpPr>
-          <p:cNvPr id="100" name="TextBox 99"/>
-          <p:cNvSpPr txBox="1"/>
-          <p:nvPr/>
-        </p:nvSpPr>
-        <p:spPr>
-          <a:xfrm>
-            <a:off x="2015015" y="539353"/>
-            <a:ext cx="1399166" cy="338554"/>
-          </a:xfrm>
-          <a:prstGeom prst="rect">
-            <a:avLst/>
-          </a:prstGeom>
-          <a:noFill/>
-        </p:spPr>
-        <p:txBody>
-          <a:bodyPr wrap="none" rtlCol="0">
-            <a:spAutoFit/>
-          </a:bodyPr>
-          <a:lstStyle/>
-          <a:p>
-            <a:r>
-              <a:rPr lang="en-GB" sz="1600" dirty="0" smtClean="0"/>
-              <a:t>4 x 25 minutes</a:t>
-            </a:r>
-            <a:endParaRPr lang="en-GB" sz="1600" dirty="0"/>
-          </a:p>
-        </p:txBody>
-      </p:sp>
-      <p:sp>
-        <p:nvSpPr>
-          <p:cNvPr id="102" name="TextBox 101"/>
-          <p:cNvSpPr txBox="1"/>
-          <p:nvPr/>
-        </p:nvSpPr>
-        <p:spPr>
-          <a:xfrm>
-            <a:off x="251460" y="1406813"/>
-            <a:ext cx="686470" cy="400110"/>
-          </a:xfrm>
-          <a:prstGeom prst="rect">
-            <a:avLst/>
-          </a:prstGeom>
-          <a:noFill/>
-        </p:spPr>
-        <p:txBody>
-          <a:bodyPr wrap="none" rtlCol="0">
-            <a:spAutoFit/>
-          </a:bodyPr>
-          <a:lstStyle/>
-          <a:p>
-            <a:r>
-              <a:rPr lang="en-GB" sz="2000" dirty="0" smtClean="0"/>
-              <a:t>Start</a:t>
-            </a:r>
-            <a:endParaRPr lang="en-GB" sz="2000" dirty="0"/>
-          </a:p>
-        </p:txBody>
-      </p:sp>
-      <p:sp>
-        <p:nvSpPr>
-          <p:cNvPr id="103" name="TextBox 102"/>
-          <p:cNvSpPr txBox="1"/>
-          <p:nvPr/>
-        </p:nvSpPr>
-        <p:spPr>
-          <a:xfrm>
-            <a:off x="8488681" y="2792375"/>
-            <a:ext cx="579005" cy="400110"/>
-          </a:xfrm>
-          <a:prstGeom prst="rect">
-            <a:avLst/>
-          </a:prstGeom>
-          <a:noFill/>
-        </p:spPr>
-        <p:txBody>
-          <a:bodyPr wrap="none" rtlCol="0">
-            <a:spAutoFit/>
-          </a:bodyPr>
-          <a:lstStyle/>
-          <a:p>
-            <a:r>
-              <a:rPr lang="en-GB" sz="2000" dirty="0" smtClean="0"/>
-              <a:t>End</a:t>
-            </a:r>
-            <a:endParaRPr lang="en-GB" sz="2000" dirty="0"/>
-          </a:p>
-        </p:txBody>
-      </p:sp>
-      <p:sp>
-        <p:nvSpPr>
-          <p:cNvPr id="104" name="Rectangle 103"/>
-          <p:cNvSpPr/>
-          <p:nvPr/>
-        </p:nvSpPr>
-        <p:spPr>
-          <a:xfrm>
-            <a:off x="4687306" y="2702962"/>
-            <a:ext cx="481844" cy="1052037"/>
-          </a:xfrm>
-          <a:prstGeom prst="rect">
-            <a:avLst/>
-          </a:prstGeom>
-          <a:solidFill>
-            <a:schemeClr val="tx1"/>
-          </a:solidFill>
-          <a:ln>
+            <a:ln>
+              <a:noFill/>
+            </a:ln>
+          </p:spPr>
+          <p:style>
+            <a:lnRef idx="2">
+              <a:schemeClr val="accent1">
+                <a:shade val="50000"/>
+              </a:schemeClr>
+            </a:lnRef>
+            <a:fillRef idx="1">
+              <a:schemeClr val="accent1"/>
+            </a:fillRef>
+            <a:effectRef idx="0">
+              <a:schemeClr val="accent1"/>
+            </a:effectRef>
+            <a:fontRef idx="minor">
+              <a:schemeClr val="lt1"/>
+            </a:fontRef>
+          </p:style>
+          <p:txBody>
+            <a:bodyPr rtlCol="0" anchor="ctr"/>
+            <a:lstStyle/>
+            <a:p>
+              <a:pPr algn="ctr"/>
+              <a:r>
+                <a:rPr lang="en-GB" sz="2400" b="1" dirty="0" smtClean="0"/>
+                <a:t>B</a:t>
+              </a:r>
+              <a:endParaRPr lang="en-GB" sz="2400" b="1" dirty="0"/>
+            </a:p>
+          </p:txBody>
+        </p:sp>
+        <p:cxnSp>
+          <p:nvCxnSpPr>
+            <p:cNvPr id="105" name="Straight Arrow Connector 104"/>
+            <p:cNvCxnSpPr/>
+            <p:nvPr/>
+          </p:nvCxnSpPr>
+          <p:spPr>
+            <a:xfrm>
+              <a:off x="4650226" y="3910965"/>
+              <a:ext cx="559949" cy="3810"/>
+            </a:xfrm>
+            <a:prstGeom prst="straightConnector1">
+              <a:avLst/>
+            </a:prstGeom>
+            <a:ln w="19050">
+              <a:solidFill>
+                <a:schemeClr val="tx1"/>
+              </a:solidFill>
+              <a:headEnd type="arrow" w="med" len="med"/>
+              <a:tailEnd type="arrow" w="med" len="med"/>
+            </a:ln>
+          </p:spPr>
+          <p:style>
+            <a:lnRef idx="1">
+              <a:schemeClr val="accent1"/>
+            </a:lnRef>
+            <a:fillRef idx="0">
+              <a:schemeClr val="accent1"/>
+            </a:fillRef>
+            <a:effectRef idx="0">
+              <a:schemeClr val="accent1"/>
+            </a:effectRef>
+            <a:fontRef idx="minor">
+              <a:schemeClr val="tx1"/>
+            </a:fontRef>
+          </p:style>
+        </p:cxnSp>
+        <p:sp>
+          <p:nvSpPr>
+            <p:cNvPr id="108" name="TextBox 107"/>
+            <p:cNvSpPr txBox="1"/>
+            <p:nvPr/>
+          </p:nvSpPr>
+          <p:spPr>
+            <a:xfrm>
+              <a:off x="4572000" y="3931825"/>
+              <a:ext cx="756938" cy="338554"/>
+            </a:xfrm>
+            <a:prstGeom prst="rect">
+              <a:avLst/>
+            </a:prstGeom>
             <a:noFill/>
-          </a:ln>
-        </p:spPr>
-        <p:style>
-          <a:lnRef idx="2">
-            <a:schemeClr val="accent1">
-              <a:shade val="50000"/>
-            </a:schemeClr>
-          </a:lnRef>
-          <a:fillRef idx="1">
-            <a:schemeClr val="accent1"/>
-          </a:fillRef>
-          <a:effectRef idx="0">
-            <a:schemeClr val="accent1"/>
-          </a:effectRef>
-          <a:fontRef idx="minor">
-            <a:schemeClr val="lt1"/>
-          </a:fontRef>
-        </p:style>
-        <p:txBody>
-          <a:bodyPr rtlCol="0" anchor="ctr"/>
-          <a:lstStyle/>
-          <a:p>
-            <a:pPr algn="ctr"/>
-            <a:r>
-              <a:rPr lang="en-GB" sz="2400" b="1" dirty="0" smtClean="0"/>
-              <a:t>B</a:t>
-            </a:r>
-            <a:endParaRPr lang="en-GB" sz="2400" b="1" dirty="0"/>
-          </a:p>
-        </p:txBody>
-      </p:sp>
-      <p:cxnSp>
-        <p:nvCxnSpPr>
-          <p:cNvPr id="105" name="Straight Arrow Connector 104"/>
-          <p:cNvCxnSpPr/>
-          <p:nvPr/>
-        </p:nvCxnSpPr>
-        <p:spPr>
-          <a:xfrm>
-            <a:off x="4650226" y="3910965"/>
-            <a:ext cx="559949" cy="3810"/>
-          </a:xfrm>
-          <a:prstGeom prst="straightConnector1">
-            <a:avLst/>
-          </a:prstGeom>
-          <a:ln w="19050">
-            <a:solidFill>
+          </p:spPr>
+          <p:txBody>
+            <a:bodyPr wrap="none" rtlCol="0">
+              <a:spAutoFit/>
+            </a:bodyPr>
+            <a:lstStyle/>
+            <a:p>
+              <a:r>
+                <a:rPr lang="en-GB" sz="1600" dirty="0" smtClean="0"/>
+                <a:t>15 min</a:t>
+              </a:r>
+              <a:endParaRPr lang="en-GB" sz="1600" dirty="0"/>
+            </a:p>
+          </p:txBody>
+        </p:sp>
+        <p:cxnSp>
+          <p:nvCxnSpPr>
+            <p:cNvPr id="110" name="Straight Connector 109"/>
+            <p:cNvCxnSpPr/>
+            <p:nvPr/>
+          </p:nvCxnSpPr>
+          <p:spPr>
+            <a:xfrm>
+              <a:off x="971551" y="4851950"/>
+              <a:ext cx="3600450" cy="861"/>
+            </a:xfrm>
+            <a:prstGeom prst="line">
+              <a:avLst/>
+            </a:prstGeom>
+            <a:ln w="19050">
+              <a:solidFill>
+                <a:schemeClr val="tx1"/>
+              </a:solidFill>
+            </a:ln>
+          </p:spPr>
+          <p:style>
+            <a:lnRef idx="1">
+              <a:schemeClr val="accent1"/>
+            </a:lnRef>
+            <a:fillRef idx="0">
+              <a:schemeClr val="accent1"/>
+            </a:fillRef>
+            <a:effectRef idx="0">
+              <a:schemeClr val="accent1"/>
+            </a:effectRef>
+            <a:fontRef idx="minor">
               <a:schemeClr val="tx1"/>
-            </a:solidFill>
-            <a:headEnd type="arrow" w="med" len="med"/>
-            <a:tailEnd type="arrow" w="med" len="med"/>
-          </a:ln>
-        </p:spPr>
-        <p:style>
-          <a:lnRef idx="1">
-            <a:schemeClr val="accent1"/>
-          </a:lnRef>
-          <a:fillRef idx="0">
-            <a:schemeClr val="accent1"/>
-          </a:fillRef>
-          <a:effectRef idx="0">
-            <a:schemeClr val="accent1"/>
-          </a:effectRef>
-          <a:fontRef idx="minor">
-            <a:schemeClr val="tx1"/>
-          </a:fontRef>
-        </p:style>
-      </p:cxnSp>
-      <p:sp>
-        <p:nvSpPr>
-          <p:cNvPr id="108" name="TextBox 107"/>
-          <p:cNvSpPr txBox="1"/>
-          <p:nvPr/>
-        </p:nvSpPr>
-        <p:spPr>
-          <a:xfrm>
-            <a:off x="4572000" y="3931825"/>
-            <a:ext cx="756938" cy="338554"/>
-          </a:xfrm>
-          <a:prstGeom prst="rect">
-            <a:avLst/>
-          </a:prstGeom>
-          <a:noFill/>
-        </p:spPr>
-        <p:txBody>
-          <a:bodyPr wrap="none" rtlCol="0">
-            <a:spAutoFit/>
-          </a:bodyPr>
-          <a:lstStyle/>
-          <a:p>
-            <a:r>
-              <a:rPr lang="en-GB" sz="1600" dirty="0" smtClean="0"/>
-              <a:t>15 min</a:t>
-            </a:r>
-            <a:endParaRPr lang="en-GB" sz="1600" dirty="0"/>
-          </a:p>
-        </p:txBody>
-      </p:sp>
-      <p:cxnSp>
-        <p:nvCxnSpPr>
-          <p:cNvPr id="110" name="Straight Connector 109"/>
-          <p:cNvCxnSpPr/>
-          <p:nvPr/>
-        </p:nvCxnSpPr>
-        <p:spPr>
-          <a:xfrm>
-            <a:off x="971551" y="4851950"/>
-            <a:ext cx="3600450" cy="861"/>
-          </a:xfrm>
-          <a:prstGeom prst="line">
-            <a:avLst/>
-          </a:prstGeom>
-          <a:ln w="19050">
-            <a:solidFill>
+            </a:fontRef>
+          </p:style>
+        </p:cxnSp>
+        <p:cxnSp>
+          <p:nvCxnSpPr>
+            <p:cNvPr id="112" name="Straight Connector 111"/>
+            <p:cNvCxnSpPr/>
+            <p:nvPr/>
+          </p:nvCxnSpPr>
+          <p:spPr>
+            <a:xfrm flipV="1">
+              <a:off x="977879" y="4543588"/>
+              <a:ext cx="0" cy="325591"/>
+            </a:xfrm>
+            <a:prstGeom prst="line">
+              <a:avLst/>
+            </a:prstGeom>
+            <a:ln>
+              <a:solidFill>
+                <a:schemeClr val="tx1"/>
+              </a:solidFill>
+            </a:ln>
+          </p:spPr>
+          <p:style>
+            <a:lnRef idx="1">
+              <a:schemeClr val="accent1"/>
+            </a:lnRef>
+            <a:fillRef idx="0">
+              <a:schemeClr val="accent1"/>
+            </a:fillRef>
+            <a:effectRef idx="0">
+              <a:schemeClr val="accent1"/>
+            </a:effectRef>
+            <a:fontRef idx="minor">
               <a:schemeClr val="tx1"/>
-            </a:solidFill>
-          </a:ln>
-        </p:spPr>
-        <p:style>
-          <a:lnRef idx="1">
-            <a:schemeClr val="accent1"/>
-          </a:lnRef>
-          <a:fillRef idx="0">
-            <a:schemeClr val="accent1"/>
-          </a:fillRef>
-          <a:effectRef idx="0">
-            <a:schemeClr val="accent1"/>
-          </a:effectRef>
-          <a:fontRef idx="minor">
-            <a:schemeClr val="tx1"/>
-          </a:fontRef>
-        </p:style>
-      </p:cxnSp>
-      <p:cxnSp>
-        <p:nvCxnSpPr>
-          <p:cNvPr id="112" name="Straight Connector 111"/>
-          <p:cNvCxnSpPr/>
-          <p:nvPr/>
-        </p:nvCxnSpPr>
-        <p:spPr>
-          <a:xfrm flipV="1">
-            <a:off x="977879" y="4543588"/>
-            <a:ext cx="0" cy="325591"/>
-          </a:xfrm>
-          <a:prstGeom prst="line">
-            <a:avLst/>
-          </a:prstGeom>
-          <a:ln>
-            <a:solidFill>
+            </a:fontRef>
+          </p:style>
+        </p:cxnSp>
+        <p:cxnSp>
+          <p:nvCxnSpPr>
+            <p:cNvPr id="116" name="Straight Connector 115"/>
+            <p:cNvCxnSpPr/>
+            <p:nvPr/>
+          </p:nvCxnSpPr>
+          <p:spPr>
+            <a:xfrm flipV="1">
+              <a:off x="3997803" y="4514426"/>
+              <a:ext cx="0" cy="325591"/>
+            </a:xfrm>
+            <a:prstGeom prst="line">
+              <a:avLst/>
+            </a:prstGeom>
+            <a:ln>
+              <a:solidFill>
+                <a:schemeClr val="tx1"/>
+              </a:solidFill>
+            </a:ln>
+          </p:spPr>
+          <p:style>
+            <a:lnRef idx="1">
+              <a:schemeClr val="accent1"/>
+            </a:lnRef>
+            <a:fillRef idx="0">
+              <a:schemeClr val="accent1"/>
+            </a:fillRef>
+            <a:effectRef idx="0">
+              <a:schemeClr val="accent1"/>
+            </a:effectRef>
+            <a:fontRef idx="minor">
               <a:schemeClr val="tx1"/>
-            </a:solidFill>
-          </a:ln>
-        </p:spPr>
-        <p:style>
-          <a:lnRef idx="1">
-            <a:schemeClr val="accent1"/>
-          </a:lnRef>
-          <a:fillRef idx="0">
-            <a:schemeClr val="accent1"/>
-          </a:fillRef>
-          <a:effectRef idx="0">
-            <a:schemeClr val="accent1"/>
-          </a:effectRef>
-          <a:fontRef idx="minor">
-            <a:schemeClr val="tx1"/>
-          </a:fontRef>
-        </p:style>
-      </p:cxnSp>
-      <p:cxnSp>
-        <p:nvCxnSpPr>
-          <p:cNvPr id="116" name="Straight Connector 115"/>
-          <p:cNvCxnSpPr/>
-          <p:nvPr/>
-        </p:nvCxnSpPr>
-        <p:spPr>
-          <a:xfrm flipV="1">
-            <a:off x="3997803" y="4514426"/>
-            <a:ext cx="0" cy="325591"/>
-          </a:xfrm>
-          <a:prstGeom prst="line">
-            <a:avLst/>
-          </a:prstGeom>
-          <a:ln>
-            <a:solidFill>
+            </a:fontRef>
+          </p:style>
+        </p:cxnSp>
+        <p:cxnSp>
+          <p:nvCxnSpPr>
+            <p:cNvPr id="117" name="Straight Connector 116"/>
+            <p:cNvCxnSpPr/>
+            <p:nvPr/>
+          </p:nvCxnSpPr>
+          <p:spPr>
+            <a:xfrm flipV="1">
+              <a:off x="4558396" y="4522055"/>
+              <a:ext cx="0" cy="325591"/>
+            </a:xfrm>
+            <a:prstGeom prst="line">
+              <a:avLst/>
+            </a:prstGeom>
+            <a:ln>
+              <a:solidFill>
+                <a:schemeClr val="tx1"/>
+              </a:solidFill>
+            </a:ln>
+          </p:spPr>
+          <p:style>
+            <a:lnRef idx="1">
+              <a:schemeClr val="accent1"/>
+            </a:lnRef>
+            <a:fillRef idx="0">
+              <a:schemeClr val="accent1"/>
+            </a:fillRef>
+            <a:effectRef idx="0">
+              <a:schemeClr val="accent1"/>
+            </a:effectRef>
+            <a:fontRef idx="minor">
               <a:schemeClr val="tx1"/>
-            </a:solidFill>
-          </a:ln>
-        </p:spPr>
-        <p:style>
-          <a:lnRef idx="1">
-            <a:schemeClr val="accent1"/>
-          </a:lnRef>
-          <a:fillRef idx="0">
-            <a:schemeClr val="accent1"/>
-          </a:fillRef>
-          <a:effectRef idx="0">
-            <a:schemeClr val="accent1"/>
-          </a:effectRef>
-          <a:fontRef idx="minor">
-            <a:schemeClr val="tx1"/>
-          </a:fontRef>
-        </p:style>
-      </p:cxnSp>
-      <p:cxnSp>
-        <p:nvCxnSpPr>
-          <p:cNvPr id="117" name="Straight Connector 116"/>
-          <p:cNvCxnSpPr/>
-          <p:nvPr/>
-        </p:nvCxnSpPr>
-        <p:spPr>
-          <a:xfrm flipV="1">
-            <a:off x="4558396" y="4522055"/>
-            <a:ext cx="0" cy="325591"/>
-          </a:xfrm>
-          <a:prstGeom prst="line">
-            <a:avLst/>
-          </a:prstGeom>
-          <a:ln>
-            <a:solidFill>
+            </a:fontRef>
+          </p:style>
+        </p:cxnSp>
+        <p:sp>
+          <p:nvSpPr>
+            <p:cNvPr id="119" name="TextBox 118"/>
+            <p:cNvSpPr txBox="1"/>
+            <p:nvPr/>
+          </p:nvSpPr>
+          <p:spPr>
+            <a:xfrm>
+              <a:off x="1341073" y="4547044"/>
+              <a:ext cx="707245" cy="276999"/>
+            </a:xfrm>
+            <a:prstGeom prst="rect">
+              <a:avLst/>
+            </a:prstGeom>
+            <a:noFill/>
+          </p:spPr>
+          <p:txBody>
+            <a:bodyPr wrap="none" rtlCol="0">
+              <a:spAutoFit/>
+            </a:bodyPr>
+            <a:lstStyle/>
+            <a:p>
+              <a:r>
+                <a:rPr lang="en-GB" sz="1200" dirty="0" smtClean="0"/>
+                <a:t>Baseline</a:t>
+              </a:r>
+              <a:endParaRPr lang="en-GB" sz="1200" dirty="0"/>
+            </a:p>
+          </p:txBody>
+        </p:sp>
+        <p:sp>
+          <p:nvSpPr>
+            <p:cNvPr id="121" name="TextBox 120"/>
+            <p:cNvSpPr txBox="1"/>
+            <p:nvPr/>
+          </p:nvSpPr>
+          <p:spPr>
+            <a:xfrm>
+              <a:off x="2607734" y="4058920"/>
+              <a:ext cx="425950" cy="276999"/>
+            </a:xfrm>
+            <a:prstGeom prst="rect">
+              <a:avLst/>
+            </a:prstGeom>
+            <a:noFill/>
+          </p:spPr>
+          <p:txBody>
+            <a:bodyPr wrap="none" rtlCol="0">
+              <a:spAutoFit/>
+            </a:bodyPr>
+            <a:lstStyle/>
+            <a:p>
+              <a:r>
+                <a:rPr lang="en-GB" sz="1200" dirty="0" smtClean="0"/>
+                <a:t>PVT</a:t>
+              </a:r>
+              <a:endParaRPr lang="en-GB" sz="1200" dirty="0"/>
+            </a:p>
+          </p:txBody>
+        </p:sp>
+        <p:sp>
+          <p:nvSpPr>
+            <p:cNvPr id="122" name="TextBox 121"/>
+            <p:cNvSpPr txBox="1"/>
+            <p:nvPr/>
+          </p:nvSpPr>
+          <p:spPr>
+            <a:xfrm>
+              <a:off x="3491865" y="4509135"/>
+              <a:ext cx="1080135" cy="277963"/>
+            </a:xfrm>
+            <a:prstGeom prst="rect">
+              <a:avLst/>
+            </a:prstGeom>
+            <a:noFill/>
+          </p:spPr>
+          <p:txBody>
+            <a:bodyPr wrap="square" rtlCol="0">
+              <a:spAutoFit/>
+            </a:bodyPr>
+            <a:lstStyle/>
+            <a:p>
+              <a:r>
+                <a:rPr lang="en-GB" sz="1200" dirty="0" smtClean="0"/>
+                <a:t>RS</a:t>
+              </a:r>
+              <a:endParaRPr lang="en-GB" sz="1200" dirty="0"/>
+            </a:p>
+          </p:txBody>
+        </p:sp>
+        <p:sp>
+          <p:nvSpPr>
+            <p:cNvPr id="123" name="TextBox 122"/>
+            <p:cNvSpPr txBox="1"/>
+            <p:nvPr/>
+          </p:nvSpPr>
+          <p:spPr>
+            <a:xfrm>
+              <a:off x="4081942" y="4514939"/>
+              <a:ext cx="440698" cy="276999"/>
+            </a:xfrm>
+            <a:prstGeom prst="rect">
+              <a:avLst/>
+            </a:prstGeom>
+            <a:noFill/>
+          </p:spPr>
+          <p:txBody>
+            <a:bodyPr wrap="none" rtlCol="0">
+              <a:spAutoFit/>
+            </a:bodyPr>
+            <a:lstStyle/>
+            <a:p>
+              <a:r>
+                <a:rPr lang="en-GB" sz="1200" dirty="0" smtClean="0"/>
+                <a:t>RSQ</a:t>
+              </a:r>
+              <a:endParaRPr lang="en-GB" sz="1200" dirty="0"/>
+            </a:p>
+          </p:txBody>
+        </p:sp>
+        <p:cxnSp>
+          <p:nvCxnSpPr>
+            <p:cNvPr id="125" name="Straight Connector 124"/>
+            <p:cNvCxnSpPr/>
+            <p:nvPr/>
+          </p:nvCxnSpPr>
+          <p:spPr>
+            <a:xfrm flipH="1">
+              <a:off x="971550" y="3575050"/>
+              <a:ext cx="1981200" cy="934085"/>
+            </a:xfrm>
+            <a:prstGeom prst="line">
+              <a:avLst/>
+            </a:prstGeom>
+            <a:ln>
+              <a:solidFill>
+                <a:schemeClr val="tx1">
+                  <a:lumMod val="85000"/>
+                  <a:lumOff val="15000"/>
+                </a:schemeClr>
+              </a:solidFill>
+              <a:prstDash val="dash"/>
+            </a:ln>
+          </p:spPr>
+          <p:style>
+            <a:lnRef idx="1">
+              <a:schemeClr val="accent1"/>
+            </a:lnRef>
+            <a:fillRef idx="0">
+              <a:schemeClr val="accent1"/>
+            </a:fillRef>
+            <a:effectRef idx="0">
+              <a:schemeClr val="accent1"/>
+            </a:effectRef>
+            <a:fontRef idx="minor">
               <a:schemeClr val="tx1"/>
-            </a:solidFill>
-          </a:ln>
-        </p:spPr>
-        <p:style>
-          <a:lnRef idx="1">
-            <a:schemeClr val="accent1"/>
-          </a:lnRef>
-          <a:fillRef idx="0">
-            <a:schemeClr val="accent1"/>
-          </a:fillRef>
-          <a:effectRef idx="0">
-            <a:schemeClr val="accent1"/>
-          </a:effectRef>
-          <a:fontRef idx="minor">
-            <a:schemeClr val="tx1"/>
-          </a:fontRef>
-        </p:style>
-      </p:cxnSp>
-      <p:sp>
-        <p:nvSpPr>
-          <p:cNvPr id="119" name="TextBox 118"/>
-          <p:cNvSpPr txBox="1"/>
-          <p:nvPr/>
-        </p:nvSpPr>
-        <p:spPr>
-          <a:xfrm>
-            <a:off x="1341073" y="4547044"/>
-            <a:ext cx="707245" cy="276999"/>
-          </a:xfrm>
-          <a:prstGeom prst="rect">
-            <a:avLst/>
-          </a:prstGeom>
-          <a:noFill/>
-        </p:spPr>
-        <p:txBody>
-          <a:bodyPr wrap="none" rtlCol="0">
-            <a:spAutoFit/>
-          </a:bodyPr>
-          <a:lstStyle/>
-          <a:p>
-            <a:r>
-              <a:rPr lang="en-GB" sz="1200" dirty="0" smtClean="0"/>
-              <a:t>Baseline</a:t>
-            </a:r>
-            <a:endParaRPr lang="en-GB" sz="1200" dirty="0"/>
-          </a:p>
-        </p:txBody>
-      </p:sp>
-      <p:sp>
-        <p:nvSpPr>
-          <p:cNvPr id="121" name="TextBox 120"/>
-          <p:cNvSpPr txBox="1"/>
-          <p:nvPr/>
-        </p:nvSpPr>
-        <p:spPr>
-          <a:xfrm>
-            <a:off x="2607734" y="4058920"/>
-            <a:ext cx="425950" cy="276999"/>
-          </a:xfrm>
-          <a:prstGeom prst="rect">
-            <a:avLst/>
-          </a:prstGeom>
-          <a:noFill/>
-        </p:spPr>
-        <p:txBody>
-          <a:bodyPr wrap="none" rtlCol="0">
-            <a:spAutoFit/>
-          </a:bodyPr>
-          <a:lstStyle/>
-          <a:p>
-            <a:r>
-              <a:rPr lang="en-GB" sz="1200" dirty="0" smtClean="0"/>
-              <a:t>PVT</a:t>
-            </a:r>
-            <a:endParaRPr lang="en-GB" sz="1200" dirty="0"/>
-          </a:p>
-        </p:txBody>
-      </p:sp>
-      <p:sp>
-        <p:nvSpPr>
-          <p:cNvPr id="122" name="TextBox 121"/>
-          <p:cNvSpPr txBox="1"/>
-          <p:nvPr/>
-        </p:nvSpPr>
-        <p:spPr>
-          <a:xfrm>
-            <a:off x="3491865" y="4509135"/>
-            <a:ext cx="347085" cy="277963"/>
-          </a:xfrm>
-          <a:prstGeom prst="rect">
-            <a:avLst/>
-          </a:prstGeom>
-          <a:noFill/>
-        </p:spPr>
-        <p:txBody>
-          <a:bodyPr wrap="square" rtlCol="0">
-            <a:spAutoFit/>
-          </a:bodyPr>
-          <a:lstStyle/>
-          <a:p>
-            <a:r>
-              <a:rPr lang="en-GB" sz="1200" dirty="0" smtClean="0"/>
-              <a:t>RS</a:t>
-            </a:r>
-            <a:endParaRPr lang="en-GB" sz="1200" dirty="0"/>
-          </a:p>
-        </p:txBody>
-      </p:sp>
-      <p:sp>
-        <p:nvSpPr>
-          <p:cNvPr id="123" name="TextBox 122"/>
-          <p:cNvSpPr txBox="1"/>
-          <p:nvPr/>
-        </p:nvSpPr>
-        <p:spPr>
-          <a:xfrm>
-            <a:off x="4081942" y="4514939"/>
-            <a:ext cx="440698" cy="276999"/>
-          </a:xfrm>
-          <a:prstGeom prst="rect">
-            <a:avLst/>
-          </a:prstGeom>
-          <a:noFill/>
-        </p:spPr>
-        <p:txBody>
-          <a:bodyPr wrap="none" rtlCol="0">
-            <a:spAutoFit/>
-          </a:bodyPr>
-          <a:lstStyle/>
-          <a:p>
-            <a:r>
-              <a:rPr lang="en-GB" sz="1200" dirty="0" smtClean="0"/>
-              <a:t>RSQ</a:t>
-            </a:r>
-            <a:endParaRPr lang="en-GB" sz="1200" dirty="0"/>
-          </a:p>
-        </p:txBody>
-      </p:sp>
-      <p:cxnSp>
-        <p:nvCxnSpPr>
-          <p:cNvPr id="125" name="Straight Connector 124"/>
-          <p:cNvCxnSpPr/>
-          <p:nvPr/>
-        </p:nvCxnSpPr>
-        <p:spPr>
-          <a:xfrm flipH="1">
-            <a:off x="971550" y="3575050"/>
-            <a:ext cx="1981200" cy="934085"/>
-          </a:xfrm>
-          <a:prstGeom prst="line">
-            <a:avLst/>
-          </a:prstGeom>
-          <a:ln>
-            <a:solidFill>
-              <a:schemeClr val="tx1">
-                <a:lumMod val="85000"/>
-                <a:lumOff val="15000"/>
-              </a:schemeClr>
-            </a:solidFill>
-            <a:prstDash val="dash"/>
-          </a:ln>
-        </p:spPr>
-        <p:style>
-          <a:lnRef idx="1">
-            <a:schemeClr val="accent1"/>
-          </a:lnRef>
-          <a:fillRef idx="0">
-            <a:schemeClr val="accent1"/>
-          </a:fillRef>
-          <a:effectRef idx="0">
-            <a:schemeClr val="accent1"/>
-          </a:effectRef>
-          <a:fontRef idx="minor">
-            <a:schemeClr val="tx1"/>
-          </a:fontRef>
-        </p:style>
-      </p:cxnSp>
-      <p:cxnSp>
-        <p:nvCxnSpPr>
-          <p:cNvPr id="126" name="Straight Connector 125"/>
-          <p:cNvCxnSpPr/>
-          <p:nvPr/>
-        </p:nvCxnSpPr>
-        <p:spPr>
-          <a:xfrm>
-            <a:off x="3656882" y="3568700"/>
-            <a:ext cx="464268" cy="711200"/>
-          </a:xfrm>
-          <a:prstGeom prst="line">
-            <a:avLst/>
-          </a:prstGeom>
-          <a:ln>
-            <a:solidFill>
-              <a:schemeClr val="tx1">
-                <a:lumMod val="85000"/>
-                <a:lumOff val="15000"/>
-              </a:schemeClr>
-            </a:solidFill>
-            <a:prstDash val="dash"/>
-          </a:ln>
-        </p:spPr>
-        <p:style>
-          <a:lnRef idx="1">
-            <a:schemeClr val="accent1"/>
-          </a:lnRef>
-          <a:fillRef idx="0">
-            <a:schemeClr val="accent1"/>
-          </a:fillRef>
-          <a:effectRef idx="0">
-            <a:schemeClr val="accent1"/>
-          </a:effectRef>
-          <a:fontRef idx="minor">
-            <a:schemeClr val="tx1"/>
-          </a:fontRef>
-        </p:style>
-      </p:cxnSp>
-      <p:sp>
-        <p:nvSpPr>
-          <p:cNvPr id="2" name="TextBox 1"/>
-          <p:cNvSpPr txBox="1"/>
-          <p:nvPr/>
-        </p:nvSpPr>
-        <p:spPr>
-          <a:xfrm>
-            <a:off x="848333" y="4840748"/>
-            <a:ext cx="360045" cy="307777"/>
-          </a:xfrm>
-          <a:prstGeom prst="rect">
-            <a:avLst/>
-          </a:prstGeom>
-          <a:noFill/>
-        </p:spPr>
-        <p:txBody>
-          <a:bodyPr wrap="square" rtlCol="0">
-            <a:spAutoFit/>
-          </a:bodyPr>
-          <a:lstStyle/>
-          <a:p>
-            <a:r>
-              <a:rPr lang="en-US" sz="1400" dirty="0"/>
-              <a:t>0</a:t>
-            </a:r>
-          </a:p>
-        </p:txBody>
-      </p:sp>
-      <p:sp>
-        <p:nvSpPr>
-          <p:cNvPr id="89" name="TextBox 88"/>
-          <p:cNvSpPr txBox="1"/>
-          <p:nvPr/>
-        </p:nvSpPr>
-        <p:spPr>
-          <a:xfrm>
-            <a:off x="2260204" y="4850225"/>
-            <a:ext cx="360045" cy="307777"/>
-          </a:xfrm>
-          <a:prstGeom prst="rect">
-            <a:avLst/>
-          </a:prstGeom>
-          <a:noFill/>
-        </p:spPr>
-        <p:txBody>
-          <a:bodyPr wrap="square" rtlCol="0">
-            <a:spAutoFit/>
-          </a:bodyPr>
-          <a:lstStyle/>
-          <a:p>
-            <a:r>
-              <a:rPr lang="en-US" sz="1400" dirty="0" smtClean="0"/>
-              <a:t>9</a:t>
-            </a:r>
-            <a:endParaRPr lang="en-US" sz="1400" dirty="0"/>
-          </a:p>
-        </p:txBody>
-      </p:sp>
-      <p:sp>
-        <p:nvSpPr>
-          <p:cNvPr id="90" name="TextBox 89"/>
-          <p:cNvSpPr txBox="1"/>
-          <p:nvPr/>
-        </p:nvSpPr>
-        <p:spPr>
-          <a:xfrm>
-            <a:off x="3084552" y="4869180"/>
-            <a:ext cx="530528" cy="307777"/>
-          </a:xfrm>
-          <a:prstGeom prst="rect">
-            <a:avLst/>
-          </a:prstGeom>
-          <a:noFill/>
-        </p:spPr>
-        <p:txBody>
-          <a:bodyPr wrap="square" rtlCol="0">
-            <a:spAutoFit/>
-          </a:bodyPr>
-          <a:lstStyle/>
-          <a:p>
-            <a:r>
-              <a:rPr lang="en-US" sz="1400" dirty="0" smtClean="0"/>
-              <a:t>16</a:t>
-            </a:r>
-            <a:endParaRPr lang="en-US" sz="1400" dirty="0"/>
-          </a:p>
-        </p:txBody>
-      </p:sp>
-      <p:sp>
-        <p:nvSpPr>
-          <p:cNvPr id="91" name="TextBox 90"/>
-          <p:cNvSpPr txBox="1"/>
-          <p:nvPr/>
-        </p:nvSpPr>
-        <p:spPr>
-          <a:xfrm>
-            <a:off x="3815118" y="4869943"/>
-            <a:ext cx="720090" cy="307777"/>
-          </a:xfrm>
-          <a:prstGeom prst="rect">
-            <a:avLst/>
-          </a:prstGeom>
-          <a:noFill/>
-        </p:spPr>
-        <p:txBody>
-          <a:bodyPr wrap="square" rtlCol="0">
-            <a:spAutoFit/>
-          </a:bodyPr>
-          <a:lstStyle/>
-          <a:p>
-            <a:r>
-              <a:rPr lang="en-US" sz="1400" dirty="0" smtClean="0"/>
-              <a:t>21</a:t>
-            </a:r>
-            <a:endParaRPr lang="en-US" sz="1400" dirty="0"/>
-          </a:p>
-        </p:txBody>
-      </p:sp>
-      <p:sp>
-        <p:nvSpPr>
-          <p:cNvPr id="93" name="TextBox 92"/>
-          <p:cNvSpPr txBox="1"/>
-          <p:nvPr/>
-        </p:nvSpPr>
-        <p:spPr>
-          <a:xfrm>
-            <a:off x="4363604" y="4859703"/>
-            <a:ext cx="720090" cy="307777"/>
-          </a:xfrm>
-          <a:prstGeom prst="rect">
-            <a:avLst/>
-          </a:prstGeom>
-          <a:noFill/>
-        </p:spPr>
-        <p:txBody>
-          <a:bodyPr wrap="square" rtlCol="0">
-            <a:spAutoFit/>
-          </a:bodyPr>
-          <a:lstStyle/>
-          <a:p>
-            <a:r>
-              <a:rPr lang="en-US" sz="1400" dirty="0" smtClean="0"/>
-              <a:t>25</a:t>
-            </a:r>
-            <a:endParaRPr lang="en-US" sz="1400" dirty="0"/>
-          </a:p>
-        </p:txBody>
-      </p:sp>
-      <p:cxnSp>
-        <p:nvCxnSpPr>
-          <p:cNvPr id="95" name="Straight Connector 94"/>
-          <p:cNvCxnSpPr/>
-          <p:nvPr/>
-        </p:nvCxnSpPr>
-        <p:spPr>
-          <a:xfrm flipV="1">
-            <a:off x="2554817" y="4535382"/>
-            <a:ext cx="0" cy="325593"/>
-          </a:xfrm>
-          <a:prstGeom prst="line">
-            <a:avLst/>
-          </a:prstGeom>
-          <a:ln>
-            <a:solidFill>
-              <a:srgbClr val="000000"/>
-            </a:solidFill>
-            <a:headEnd type="none"/>
-            <a:tailEnd type="triangle"/>
-          </a:ln>
-        </p:spPr>
-        <p:style>
-          <a:lnRef idx="1">
-            <a:schemeClr val="accent1"/>
-          </a:lnRef>
-          <a:fillRef idx="0">
-            <a:schemeClr val="accent1"/>
-          </a:fillRef>
-          <a:effectRef idx="0">
-            <a:schemeClr val="accent1"/>
-          </a:effectRef>
-          <a:fontRef idx="minor">
-            <a:schemeClr val="tx1"/>
-          </a:fontRef>
-        </p:style>
-      </p:cxnSp>
-      <p:cxnSp>
-        <p:nvCxnSpPr>
-          <p:cNvPr id="96" name="Straight Connector 95"/>
-          <p:cNvCxnSpPr/>
-          <p:nvPr/>
-        </p:nvCxnSpPr>
-        <p:spPr>
-          <a:xfrm flipV="1">
-            <a:off x="2643717" y="4534323"/>
-            <a:ext cx="0" cy="325593"/>
-          </a:xfrm>
-          <a:prstGeom prst="line">
-            <a:avLst/>
-          </a:prstGeom>
-          <a:ln>
-            <a:solidFill>
-              <a:srgbClr val="000000"/>
-            </a:solidFill>
-            <a:headEnd type="none"/>
-            <a:tailEnd type="triangle"/>
-          </a:ln>
-        </p:spPr>
-        <p:style>
-          <a:lnRef idx="1">
-            <a:schemeClr val="accent1"/>
-          </a:lnRef>
-          <a:fillRef idx="0">
-            <a:schemeClr val="accent1"/>
-          </a:fillRef>
-          <a:effectRef idx="0">
-            <a:schemeClr val="accent1"/>
-          </a:effectRef>
-          <a:fontRef idx="minor">
-            <a:schemeClr val="tx1"/>
-          </a:fontRef>
-        </p:style>
-      </p:cxnSp>
-      <p:cxnSp>
-        <p:nvCxnSpPr>
-          <p:cNvPr id="98" name="Straight Connector 97"/>
-          <p:cNvCxnSpPr/>
-          <p:nvPr/>
-        </p:nvCxnSpPr>
-        <p:spPr>
-          <a:xfrm flipV="1">
-            <a:off x="2844800" y="4534323"/>
-            <a:ext cx="0" cy="325593"/>
-          </a:xfrm>
-          <a:prstGeom prst="line">
-            <a:avLst/>
-          </a:prstGeom>
-          <a:ln>
-            <a:solidFill>
-              <a:srgbClr val="000000"/>
-            </a:solidFill>
-            <a:headEnd type="none"/>
-            <a:tailEnd type="triangle"/>
-          </a:ln>
-        </p:spPr>
-        <p:style>
-          <a:lnRef idx="1">
-            <a:schemeClr val="accent1"/>
-          </a:lnRef>
-          <a:fillRef idx="0">
-            <a:schemeClr val="accent1"/>
-          </a:fillRef>
-          <a:effectRef idx="0">
-            <a:schemeClr val="accent1"/>
-          </a:effectRef>
-          <a:fontRef idx="minor">
-            <a:schemeClr val="tx1"/>
-          </a:fontRef>
-        </p:style>
-      </p:cxnSp>
-      <p:cxnSp>
-        <p:nvCxnSpPr>
-          <p:cNvPr id="99" name="Straight Connector 98"/>
-          <p:cNvCxnSpPr/>
-          <p:nvPr/>
-        </p:nvCxnSpPr>
-        <p:spPr>
-          <a:xfrm flipV="1">
-            <a:off x="2987675" y="4534324"/>
-            <a:ext cx="0" cy="325593"/>
-          </a:xfrm>
-          <a:prstGeom prst="line">
-            <a:avLst/>
-          </a:prstGeom>
-          <a:ln>
-            <a:solidFill>
-              <a:srgbClr val="000000"/>
-            </a:solidFill>
-            <a:headEnd type="none"/>
-            <a:tailEnd type="triangle"/>
-          </a:ln>
-        </p:spPr>
-        <p:style>
-          <a:lnRef idx="1">
-            <a:schemeClr val="accent1"/>
-          </a:lnRef>
-          <a:fillRef idx="0">
-            <a:schemeClr val="accent1"/>
-          </a:fillRef>
-          <a:effectRef idx="0">
-            <a:schemeClr val="accent1"/>
-          </a:effectRef>
-          <a:fontRef idx="minor">
-            <a:schemeClr val="tx1"/>
-          </a:fontRef>
-        </p:style>
-      </p:cxnSp>
-      <p:cxnSp>
-        <p:nvCxnSpPr>
-          <p:cNvPr id="101" name="Straight Connector 100"/>
-          <p:cNvCxnSpPr/>
-          <p:nvPr/>
-        </p:nvCxnSpPr>
-        <p:spPr>
-          <a:xfrm flipV="1">
-            <a:off x="3061759" y="4534324"/>
-            <a:ext cx="0" cy="325593"/>
-          </a:xfrm>
-          <a:prstGeom prst="line">
-            <a:avLst/>
-          </a:prstGeom>
-          <a:ln>
-            <a:solidFill>
-              <a:srgbClr val="000000"/>
-            </a:solidFill>
-            <a:headEnd type="none"/>
-            <a:tailEnd type="triangle"/>
-          </a:ln>
-        </p:spPr>
-        <p:style>
-          <a:lnRef idx="1">
-            <a:schemeClr val="accent1"/>
-          </a:lnRef>
-          <a:fillRef idx="0">
-            <a:schemeClr val="accent1"/>
-          </a:fillRef>
-          <a:effectRef idx="0">
-            <a:schemeClr val="accent1"/>
-          </a:effectRef>
-          <a:fontRef idx="minor">
-            <a:schemeClr val="tx1"/>
-          </a:fontRef>
-        </p:style>
-      </p:cxnSp>
-      <p:cxnSp>
-        <p:nvCxnSpPr>
-          <p:cNvPr id="107" name="Straight Connector 106"/>
-          <p:cNvCxnSpPr/>
-          <p:nvPr/>
-        </p:nvCxnSpPr>
-        <p:spPr>
-          <a:xfrm flipV="1">
-            <a:off x="3252047" y="4534534"/>
-            <a:ext cx="0" cy="325593"/>
-          </a:xfrm>
-          <a:prstGeom prst="line">
-            <a:avLst/>
-          </a:prstGeom>
-          <a:ln>
-            <a:solidFill>
-              <a:srgbClr val="000000"/>
-            </a:solidFill>
-            <a:headEnd type="none"/>
-            <a:tailEnd type="triangle"/>
-          </a:ln>
-        </p:spPr>
-        <p:style>
-          <a:lnRef idx="1">
-            <a:schemeClr val="accent1"/>
-          </a:lnRef>
-          <a:fillRef idx="0">
-            <a:schemeClr val="accent1"/>
-          </a:fillRef>
-          <a:effectRef idx="0">
-            <a:schemeClr val="accent1"/>
-          </a:effectRef>
-          <a:fontRef idx="minor">
-            <a:schemeClr val="tx1"/>
-          </a:fontRef>
-        </p:style>
-      </p:cxnSp>
-      <p:sp>
-        <p:nvSpPr>
-          <p:cNvPr id="9" name="Left Brace 8"/>
-          <p:cNvSpPr/>
-          <p:nvPr/>
-        </p:nvSpPr>
-        <p:spPr>
-          <a:xfrm rot="5400000">
-            <a:off x="2735473" y="3990234"/>
-            <a:ext cx="212302" cy="825500"/>
-          </a:xfrm>
-          <a:prstGeom prst="leftBrace">
-            <a:avLst/>
-          </a:prstGeom>
-          <a:ln>
-            <a:solidFill>
+            </a:fontRef>
+          </p:style>
+        </p:cxnSp>
+        <p:cxnSp>
+          <p:nvCxnSpPr>
+            <p:cNvPr id="126" name="Straight Connector 125"/>
+            <p:cNvCxnSpPr/>
+            <p:nvPr/>
+          </p:nvCxnSpPr>
+          <p:spPr>
+            <a:xfrm>
+              <a:off x="3656882" y="3568700"/>
+              <a:ext cx="464268" cy="711200"/>
+            </a:xfrm>
+            <a:prstGeom prst="line">
+              <a:avLst/>
+            </a:prstGeom>
+            <a:ln>
+              <a:solidFill>
+                <a:schemeClr val="tx1">
+                  <a:lumMod val="85000"/>
+                  <a:lumOff val="15000"/>
+                </a:schemeClr>
+              </a:solidFill>
+              <a:prstDash val="dash"/>
+            </a:ln>
+          </p:spPr>
+          <p:style>
+            <a:lnRef idx="1">
+              <a:schemeClr val="accent1"/>
+            </a:lnRef>
+            <a:fillRef idx="0">
+              <a:schemeClr val="accent1"/>
+            </a:fillRef>
+            <a:effectRef idx="0">
+              <a:schemeClr val="accent1"/>
+            </a:effectRef>
+            <a:fontRef idx="minor">
               <a:schemeClr val="tx1"/>
-            </a:solidFill>
-          </a:ln>
-        </p:spPr>
-        <p:style>
-          <a:lnRef idx="2">
-            <a:schemeClr val="accent1"/>
-          </a:lnRef>
-          <a:fillRef idx="0">
-            <a:schemeClr val="accent1"/>
-          </a:fillRef>
-          <a:effectRef idx="1">
-            <a:schemeClr val="accent1"/>
-          </a:effectRef>
-          <a:fontRef idx="minor">
-            <a:schemeClr val="tx1"/>
-          </a:fontRef>
-        </p:style>
-        <p:txBody>
-          <a:bodyPr rtlCol="0" anchor="ctr"/>
-          <a:lstStyle/>
-          <a:p>
-            <a:pPr algn="ctr"/>
-            <a:endParaRPr lang="en-US">
-              <a:ln>
-                <a:solidFill>
-                  <a:srgbClr val="000000"/>
-                </a:solidFill>
-              </a:ln>
-            </a:endParaRPr>
-          </a:p>
-        </p:txBody>
-      </p:sp>
+            </a:fontRef>
+          </p:style>
+        </p:cxnSp>
+        <p:sp>
+          <p:nvSpPr>
+            <p:cNvPr id="2" name="TextBox 1"/>
+            <p:cNvSpPr txBox="1"/>
+            <p:nvPr/>
+          </p:nvSpPr>
+          <p:spPr>
+            <a:xfrm>
+              <a:off x="848333" y="4840748"/>
+              <a:ext cx="360045" cy="307777"/>
+            </a:xfrm>
+            <a:prstGeom prst="rect">
+              <a:avLst/>
+            </a:prstGeom>
+            <a:noFill/>
+          </p:spPr>
+          <p:txBody>
+            <a:bodyPr wrap="square" rtlCol="0">
+              <a:spAutoFit/>
+            </a:bodyPr>
+            <a:lstStyle/>
+            <a:p>
+              <a:r>
+                <a:rPr lang="en-US" sz="1400" dirty="0"/>
+                <a:t>0</a:t>
+              </a:r>
+            </a:p>
+          </p:txBody>
+        </p:sp>
+        <p:sp>
+          <p:nvSpPr>
+            <p:cNvPr id="89" name="TextBox 88"/>
+            <p:cNvSpPr txBox="1"/>
+            <p:nvPr/>
+          </p:nvSpPr>
+          <p:spPr>
+            <a:xfrm>
+              <a:off x="2260204" y="4850225"/>
+              <a:ext cx="360045" cy="307777"/>
+            </a:xfrm>
+            <a:prstGeom prst="rect">
+              <a:avLst/>
+            </a:prstGeom>
+            <a:noFill/>
+          </p:spPr>
+          <p:txBody>
+            <a:bodyPr wrap="square" rtlCol="0">
+              <a:spAutoFit/>
+            </a:bodyPr>
+            <a:lstStyle/>
+            <a:p>
+              <a:r>
+                <a:rPr lang="en-US" sz="1400" dirty="0" smtClean="0"/>
+                <a:t>9</a:t>
+              </a:r>
+              <a:endParaRPr lang="en-US" sz="1400" dirty="0"/>
+            </a:p>
+          </p:txBody>
+        </p:sp>
+        <p:sp>
+          <p:nvSpPr>
+            <p:cNvPr id="90" name="TextBox 89"/>
+            <p:cNvSpPr txBox="1"/>
+            <p:nvPr/>
+          </p:nvSpPr>
+          <p:spPr>
+            <a:xfrm>
+              <a:off x="3084552" y="4869180"/>
+              <a:ext cx="530528" cy="307777"/>
+            </a:xfrm>
+            <a:prstGeom prst="rect">
+              <a:avLst/>
+            </a:prstGeom>
+            <a:noFill/>
+          </p:spPr>
+          <p:txBody>
+            <a:bodyPr wrap="square" rtlCol="0">
+              <a:spAutoFit/>
+            </a:bodyPr>
+            <a:lstStyle/>
+            <a:p>
+              <a:r>
+                <a:rPr lang="en-US" sz="1400" dirty="0" smtClean="0"/>
+                <a:t>16</a:t>
+              </a:r>
+              <a:endParaRPr lang="en-US" sz="1400" dirty="0"/>
+            </a:p>
+          </p:txBody>
+        </p:sp>
+        <p:sp>
+          <p:nvSpPr>
+            <p:cNvPr id="91" name="TextBox 90"/>
+            <p:cNvSpPr txBox="1"/>
+            <p:nvPr/>
+          </p:nvSpPr>
+          <p:spPr>
+            <a:xfrm>
+              <a:off x="3815118" y="4869943"/>
+              <a:ext cx="720090" cy="307777"/>
+            </a:xfrm>
+            <a:prstGeom prst="rect">
+              <a:avLst/>
+            </a:prstGeom>
+            <a:noFill/>
+          </p:spPr>
+          <p:txBody>
+            <a:bodyPr wrap="square" rtlCol="0">
+              <a:spAutoFit/>
+            </a:bodyPr>
+            <a:lstStyle/>
+            <a:p>
+              <a:r>
+                <a:rPr lang="en-US" sz="1400" dirty="0" smtClean="0"/>
+                <a:t>21</a:t>
+              </a:r>
+              <a:endParaRPr lang="en-US" sz="1400" dirty="0"/>
+            </a:p>
+          </p:txBody>
+        </p:sp>
+        <p:sp>
+          <p:nvSpPr>
+            <p:cNvPr id="93" name="TextBox 92"/>
+            <p:cNvSpPr txBox="1"/>
+            <p:nvPr/>
+          </p:nvSpPr>
+          <p:spPr>
+            <a:xfrm>
+              <a:off x="4363604" y="4859703"/>
+              <a:ext cx="720090" cy="307777"/>
+            </a:xfrm>
+            <a:prstGeom prst="rect">
+              <a:avLst/>
+            </a:prstGeom>
+            <a:noFill/>
+          </p:spPr>
+          <p:txBody>
+            <a:bodyPr wrap="square" rtlCol="0">
+              <a:spAutoFit/>
+            </a:bodyPr>
+            <a:lstStyle/>
+            <a:p>
+              <a:r>
+                <a:rPr lang="en-US" sz="1400" dirty="0" smtClean="0"/>
+                <a:t>25</a:t>
+              </a:r>
+              <a:endParaRPr lang="en-US" sz="1400" dirty="0"/>
+            </a:p>
+          </p:txBody>
+        </p:sp>
+        <p:cxnSp>
+          <p:nvCxnSpPr>
+            <p:cNvPr id="95" name="Straight Connector 94"/>
+            <p:cNvCxnSpPr/>
+            <p:nvPr/>
+          </p:nvCxnSpPr>
+          <p:spPr>
+            <a:xfrm flipV="1">
+              <a:off x="2554817" y="4535382"/>
+              <a:ext cx="0" cy="325593"/>
+            </a:xfrm>
+            <a:prstGeom prst="line">
+              <a:avLst/>
+            </a:prstGeom>
+            <a:ln>
+              <a:solidFill>
+                <a:srgbClr val="000000"/>
+              </a:solidFill>
+              <a:headEnd type="none"/>
+              <a:tailEnd type="triangle"/>
+            </a:ln>
+          </p:spPr>
+          <p:style>
+            <a:lnRef idx="1">
+              <a:schemeClr val="accent1"/>
+            </a:lnRef>
+            <a:fillRef idx="0">
+              <a:schemeClr val="accent1"/>
+            </a:fillRef>
+            <a:effectRef idx="0">
+              <a:schemeClr val="accent1"/>
+            </a:effectRef>
+            <a:fontRef idx="minor">
+              <a:schemeClr val="tx1"/>
+            </a:fontRef>
+          </p:style>
+        </p:cxnSp>
+        <p:cxnSp>
+          <p:nvCxnSpPr>
+            <p:cNvPr id="96" name="Straight Connector 95"/>
+            <p:cNvCxnSpPr/>
+            <p:nvPr/>
+          </p:nvCxnSpPr>
+          <p:spPr>
+            <a:xfrm flipV="1">
+              <a:off x="2643717" y="4534323"/>
+              <a:ext cx="0" cy="325593"/>
+            </a:xfrm>
+            <a:prstGeom prst="line">
+              <a:avLst/>
+            </a:prstGeom>
+            <a:ln>
+              <a:solidFill>
+                <a:srgbClr val="000000"/>
+              </a:solidFill>
+              <a:headEnd type="none"/>
+              <a:tailEnd type="triangle"/>
+            </a:ln>
+          </p:spPr>
+          <p:style>
+            <a:lnRef idx="1">
+              <a:schemeClr val="accent1"/>
+            </a:lnRef>
+            <a:fillRef idx="0">
+              <a:schemeClr val="accent1"/>
+            </a:fillRef>
+            <a:effectRef idx="0">
+              <a:schemeClr val="accent1"/>
+            </a:effectRef>
+            <a:fontRef idx="minor">
+              <a:schemeClr val="tx1"/>
+            </a:fontRef>
+          </p:style>
+        </p:cxnSp>
+        <p:cxnSp>
+          <p:nvCxnSpPr>
+            <p:cNvPr id="98" name="Straight Connector 97"/>
+            <p:cNvCxnSpPr/>
+            <p:nvPr/>
+          </p:nvCxnSpPr>
+          <p:spPr>
+            <a:xfrm flipV="1">
+              <a:off x="2844800" y="4534323"/>
+              <a:ext cx="0" cy="325593"/>
+            </a:xfrm>
+            <a:prstGeom prst="line">
+              <a:avLst/>
+            </a:prstGeom>
+            <a:ln>
+              <a:solidFill>
+                <a:srgbClr val="000000"/>
+              </a:solidFill>
+              <a:headEnd type="none"/>
+              <a:tailEnd type="triangle"/>
+            </a:ln>
+          </p:spPr>
+          <p:style>
+            <a:lnRef idx="1">
+              <a:schemeClr val="accent1"/>
+            </a:lnRef>
+            <a:fillRef idx="0">
+              <a:schemeClr val="accent1"/>
+            </a:fillRef>
+            <a:effectRef idx="0">
+              <a:schemeClr val="accent1"/>
+            </a:effectRef>
+            <a:fontRef idx="minor">
+              <a:schemeClr val="tx1"/>
+            </a:fontRef>
+          </p:style>
+        </p:cxnSp>
+        <p:cxnSp>
+          <p:nvCxnSpPr>
+            <p:cNvPr id="99" name="Straight Connector 98"/>
+            <p:cNvCxnSpPr/>
+            <p:nvPr/>
+          </p:nvCxnSpPr>
+          <p:spPr>
+            <a:xfrm flipV="1">
+              <a:off x="2987675" y="4534324"/>
+              <a:ext cx="0" cy="325593"/>
+            </a:xfrm>
+            <a:prstGeom prst="line">
+              <a:avLst/>
+            </a:prstGeom>
+            <a:ln>
+              <a:solidFill>
+                <a:srgbClr val="000000"/>
+              </a:solidFill>
+              <a:headEnd type="none"/>
+              <a:tailEnd type="triangle"/>
+            </a:ln>
+          </p:spPr>
+          <p:style>
+            <a:lnRef idx="1">
+              <a:schemeClr val="accent1"/>
+            </a:lnRef>
+            <a:fillRef idx="0">
+              <a:schemeClr val="accent1"/>
+            </a:fillRef>
+            <a:effectRef idx="0">
+              <a:schemeClr val="accent1"/>
+            </a:effectRef>
+            <a:fontRef idx="minor">
+              <a:schemeClr val="tx1"/>
+            </a:fontRef>
+          </p:style>
+        </p:cxnSp>
+        <p:cxnSp>
+          <p:nvCxnSpPr>
+            <p:cNvPr id="101" name="Straight Connector 100"/>
+            <p:cNvCxnSpPr/>
+            <p:nvPr/>
+          </p:nvCxnSpPr>
+          <p:spPr>
+            <a:xfrm flipV="1">
+              <a:off x="3061759" y="4534324"/>
+              <a:ext cx="0" cy="325593"/>
+            </a:xfrm>
+            <a:prstGeom prst="line">
+              <a:avLst/>
+            </a:prstGeom>
+            <a:ln>
+              <a:solidFill>
+                <a:srgbClr val="000000"/>
+              </a:solidFill>
+              <a:headEnd type="none"/>
+              <a:tailEnd type="triangle"/>
+            </a:ln>
+          </p:spPr>
+          <p:style>
+            <a:lnRef idx="1">
+              <a:schemeClr val="accent1"/>
+            </a:lnRef>
+            <a:fillRef idx="0">
+              <a:schemeClr val="accent1"/>
+            </a:fillRef>
+            <a:effectRef idx="0">
+              <a:schemeClr val="accent1"/>
+            </a:effectRef>
+            <a:fontRef idx="minor">
+              <a:schemeClr val="tx1"/>
+            </a:fontRef>
+          </p:style>
+        </p:cxnSp>
+        <p:cxnSp>
+          <p:nvCxnSpPr>
+            <p:cNvPr id="107" name="Straight Connector 106"/>
+            <p:cNvCxnSpPr/>
+            <p:nvPr/>
+          </p:nvCxnSpPr>
+          <p:spPr>
+            <a:xfrm flipV="1">
+              <a:off x="3252047" y="4534534"/>
+              <a:ext cx="0" cy="325593"/>
+            </a:xfrm>
+            <a:prstGeom prst="line">
+              <a:avLst/>
+            </a:prstGeom>
+            <a:ln>
+              <a:solidFill>
+                <a:srgbClr val="000000"/>
+              </a:solidFill>
+              <a:headEnd type="none"/>
+              <a:tailEnd type="triangle"/>
+            </a:ln>
+          </p:spPr>
+          <p:style>
+            <a:lnRef idx="1">
+              <a:schemeClr val="accent1"/>
+            </a:lnRef>
+            <a:fillRef idx="0">
+              <a:schemeClr val="accent1"/>
+            </a:fillRef>
+            <a:effectRef idx="0">
+              <a:schemeClr val="accent1"/>
+            </a:effectRef>
+            <a:fontRef idx="minor">
+              <a:schemeClr val="tx1"/>
+            </a:fontRef>
+          </p:style>
+        </p:cxnSp>
+        <p:sp>
+          <p:nvSpPr>
+            <p:cNvPr id="9" name="Left Brace 8"/>
+            <p:cNvSpPr/>
+            <p:nvPr/>
+          </p:nvSpPr>
+          <p:spPr>
+            <a:xfrm rot="5400000">
+              <a:off x="2735473" y="3990234"/>
+              <a:ext cx="212302" cy="825500"/>
+            </a:xfrm>
+            <a:prstGeom prst="leftBrace">
+              <a:avLst/>
+            </a:prstGeom>
+            <a:ln>
+              <a:solidFill>
+                <a:schemeClr val="tx1"/>
+              </a:solidFill>
+            </a:ln>
+          </p:spPr>
+          <p:style>
+            <a:lnRef idx="2">
+              <a:schemeClr val="accent1"/>
+            </a:lnRef>
+            <a:fillRef idx="0">
+              <a:schemeClr val="accent1"/>
+            </a:fillRef>
+            <a:effectRef idx="1">
+              <a:schemeClr val="accent1"/>
+            </a:effectRef>
+            <a:fontRef idx="minor">
+              <a:schemeClr val="tx1"/>
+            </a:fontRef>
+          </p:style>
+          <p:txBody>
+            <a:bodyPr rtlCol="0" anchor="ctr"/>
+            <a:lstStyle/>
+            <a:p>
+              <a:pPr algn="ctr"/>
+              <a:endParaRPr lang="en-US">
+                <a:ln>
+                  <a:solidFill>
+                    <a:srgbClr val="000000"/>
+                  </a:solidFill>
+                </a:ln>
+              </a:endParaRPr>
+            </a:p>
+          </p:txBody>
+        </p:sp>
+      </p:grpSp>
     </p:spTree>
     <p:extLst>
       <p:ext uri="{BB962C8B-B14F-4D97-AF65-F5344CB8AC3E}">
